--- a/Figures/Figures_new.pptx
+++ b/Figures/Figures_new.pptx
@@ -7,6 +7,7 @@
   <p:sldIdLst>
     <p:sldId id="257" r:id="rId2"/>
     <p:sldId id="256" r:id="rId3"/>
+    <p:sldId id="258" r:id="rId4"/>
   </p:sldIdLst>
   <p:sldSz cx="12192000" cy="6858000"/>
   <p:notesSz cx="6858000" cy="9144000"/>
@@ -105,6 +106,11 @@
       </a:defRPr>
     </a:lvl9pPr>
   </p:defaultTextStyle>
+  <p:extLst>
+    <p:ext uri="{EFAFB233-063F-42B5-8137-9DF3F51BA10A}">
+      <p15:sldGuideLst xmlns:p15="http://schemas.microsoft.com/office/powerpoint/2012/main"/>
+    </p:ext>
+  </p:extLst>
 </p:presentation>
 </file>
 
@@ -239,7 +245,7 @@
           <a:p>
             <a:fld id="{3E23CD3D-23FF-483A-8075-59D73A9D3B5C}" type="datetimeFigureOut">
               <a:rPr lang="de-DE" smtClean="0"/>
-              <a:t>14.06.2023</a:t>
+              <a:t>16.06.2023</a:t>
             </a:fld>
             <a:endParaRPr lang="de-DE"/>
           </a:p>
@@ -409,7 +415,7 @@
           <a:p>
             <a:fld id="{3E23CD3D-23FF-483A-8075-59D73A9D3B5C}" type="datetimeFigureOut">
               <a:rPr lang="de-DE" smtClean="0"/>
-              <a:t>14.06.2023</a:t>
+              <a:t>16.06.2023</a:t>
             </a:fld>
             <a:endParaRPr lang="de-DE"/>
           </a:p>
@@ -589,7 +595,7 @@
           <a:p>
             <a:fld id="{3E23CD3D-23FF-483A-8075-59D73A9D3B5C}" type="datetimeFigureOut">
               <a:rPr lang="de-DE" smtClean="0"/>
-              <a:t>14.06.2023</a:t>
+              <a:t>16.06.2023</a:t>
             </a:fld>
             <a:endParaRPr lang="de-DE"/>
           </a:p>
@@ -759,7 +765,7 @@
           <a:p>
             <a:fld id="{3E23CD3D-23FF-483A-8075-59D73A9D3B5C}" type="datetimeFigureOut">
               <a:rPr lang="de-DE" smtClean="0"/>
-              <a:t>14.06.2023</a:t>
+              <a:t>16.06.2023</a:t>
             </a:fld>
             <a:endParaRPr lang="de-DE"/>
           </a:p>
@@ -1005,7 +1011,7 @@
           <a:p>
             <a:fld id="{3E23CD3D-23FF-483A-8075-59D73A9D3B5C}" type="datetimeFigureOut">
               <a:rPr lang="de-DE" smtClean="0"/>
-              <a:t>14.06.2023</a:t>
+              <a:t>16.06.2023</a:t>
             </a:fld>
             <a:endParaRPr lang="de-DE"/>
           </a:p>
@@ -1237,7 +1243,7 @@
           <a:p>
             <a:fld id="{3E23CD3D-23FF-483A-8075-59D73A9D3B5C}" type="datetimeFigureOut">
               <a:rPr lang="de-DE" smtClean="0"/>
-              <a:t>14.06.2023</a:t>
+              <a:t>16.06.2023</a:t>
             </a:fld>
             <a:endParaRPr lang="de-DE"/>
           </a:p>
@@ -1604,7 +1610,7 @@
           <a:p>
             <a:fld id="{3E23CD3D-23FF-483A-8075-59D73A9D3B5C}" type="datetimeFigureOut">
               <a:rPr lang="de-DE" smtClean="0"/>
-              <a:t>14.06.2023</a:t>
+              <a:t>16.06.2023</a:t>
             </a:fld>
             <a:endParaRPr lang="de-DE"/>
           </a:p>
@@ -1722,7 +1728,7 @@
           <a:p>
             <a:fld id="{3E23CD3D-23FF-483A-8075-59D73A9D3B5C}" type="datetimeFigureOut">
               <a:rPr lang="de-DE" smtClean="0"/>
-              <a:t>14.06.2023</a:t>
+              <a:t>16.06.2023</a:t>
             </a:fld>
             <a:endParaRPr lang="de-DE"/>
           </a:p>
@@ -1817,7 +1823,7 @@
           <a:p>
             <a:fld id="{3E23CD3D-23FF-483A-8075-59D73A9D3B5C}" type="datetimeFigureOut">
               <a:rPr lang="de-DE" smtClean="0"/>
-              <a:t>14.06.2023</a:t>
+              <a:t>16.06.2023</a:t>
             </a:fld>
             <a:endParaRPr lang="de-DE"/>
           </a:p>
@@ -2094,7 +2100,7 @@
           <a:p>
             <a:fld id="{3E23CD3D-23FF-483A-8075-59D73A9D3B5C}" type="datetimeFigureOut">
               <a:rPr lang="de-DE" smtClean="0"/>
-              <a:t>14.06.2023</a:t>
+              <a:t>16.06.2023</a:t>
             </a:fld>
             <a:endParaRPr lang="de-DE"/>
           </a:p>
@@ -2347,7 +2353,7 @@
           <a:p>
             <a:fld id="{3E23CD3D-23FF-483A-8075-59D73A9D3B5C}" type="datetimeFigureOut">
               <a:rPr lang="de-DE" smtClean="0"/>
-              <a:t>14.06.2023</a:t>
+              <a:t>16.06.2023</a:t>
             </a:fld>
             <a:endParaRPr lang="de-DE"/>
           </a:p>
@@ -2560,7 +2566,7 @@
           <a:p>
             <a:fld id="{3E23CD3D-23FF-483A-8075-59D73A9D3B5C}" type="datetimeFigureOut">
               <a:rPr lang="de-DE" smtClean="0"/>
-              <a:t>14.06.2023</a:t>
+              <a:t>16.06.2023</a:t>
             </a:fld>
             <a:endParaRPr lang="de-DE"/>
           </a:p>
@@ -4114,11 +4120,7 @@
           <a:p>
             <a:r>
               <a:rPr lang="de-DE" noProof="1" smtClean="0"/>
-              <a:t>PRACH Preamble</a:t>
-            </a:r>
-            <a:r>
-              <a:rPr lang="de-DE" noProof="1" smtClean="0"/>
-              <a:t> Response</a:t>
+              <a:t>PRACH Preamble Response</a:t>
             </a:r>
             <a:endParaRPr lang="de-DE" noProof="1"/>
           </a:p>
@@ -4676,6 +4678,1257 @@
     <p:extLst>
       <p:ext uri="{BB962C8B-B14F-4D97-AF65-F5344CB8AC3E}">
         <p14:creationId xmlns:p14="http://schemas.microsoft.com/office/powerpoint/2010/main" val="2440267733"/>
+      </p:ext>
+    </p:extLst>
+  </p:cSld>
+  <p:clrMapOvr>
+    <a:masterClrMapping/>
+  </p:clrMapOvr>
+</p:sld>
+</file>
+
+<file path=ppt/slides/slide3.xml><?xml version="1.0" encoding="utf-8"?>
+<p:sld xmlns:a="http://schemas.openxmlformats.org/drawingml/2006/main" xmlns:r="http://schemas.openxmlformats.org/officeDocument/2006/relationships" xmlns:p="http://schemas.openxmlformats.org/presentationml/2006/main">
+  <p:cSld>
+    <p:spTree>
+      <p:nvGrpSpPr>
+        <p:cNvPr id="1" name=""/>
+        <p:cNvGrpSpPr/>
+        <p:nvPr/>
+      </p:nvGrpSpPr>
+      <p:grpSpPr>
+        <a:xfrm>
+          <a:off x="0" y="0"/>
+          <a:ext cx="0" cy="0"/>
+          <a:chOff x="0" y="0"/>
+          <a:chExt cx="0" cy="0"/>
+        </a:xfrm>
+      </p:grpSpPr>
+      <p:sp>
+        <p:nvSpPr>
+          <p:cNvPr id="13" name="Nach unten gekrümmter Pfeil 12"/>
+          <p:cNvSpPr/>
+          <p:nvPr/>
+        </p:nvSpPr>
+        <p:spPr>
+          <a:xfrm>
+            <a:off x="2775635" y="1048265"/>
+            <a:ext cx="2423987" cy="1526059"/>
+          </a:xfrm>
+          <a:prstGeom prst="curvedDownArrow">
+            <a:avLst>
+              <a:gd name="adj1" fmla="val 25000"/>
+              <a:gd name="adj2" fmla="val 53265"/>
+              <a:gd name="adj3" fmla="val 25000"/>
+            </a:avLst>
+          </a:prstGeom>
+          <a:solidFill>
+            <a:schemeClr val="accent1">
+              <a:lumMod val="40000"/>
+              <a:lumOff val="60000"/>
+            </a:schemeClr>
+          </a:solidFill>
+          <a:ln>
+            <a:solidFill>
+              <a:schemeClr val="tx1"/>
+            </a:solidFill>
+          </a:ln>
+        </p:spPr>
+        <p:style>
+          <a:lnRef idx="2">
+            <a:schemeClr val="accent1">
+              <a:shade val="50000"/>
+            </a:schemeClr>
+          </a:lnRef>
+          <a:fillRef idx="1">
+            <a:schemeClr val="accent1"/>
+          </a:fillRef>
+          <a:effectRef idx="0">
+            <a:schemeClr val="accent1"/>
+          </a:effectRef>
+          <a:fontRef idx="minor">
+            <a:schemeClr val="lt1"/>
+          </a:fontRef>
+        </p:style>
+        <p:txBody>
+          <a:bodyPr rtlCol="0" anchor="ctr"/>
+          <a:lstStyle/>
+          <a:p>
+            <a:pPr algn="ctr"/>
+            <a:endParaRPr lang="de-DE">
+              <a:solidFill>
+                <a:schemeClr val="tx1"/>
+              </a:solidFill>
+            </a:endParaRPr>
+          </a:p>
+        </p:txBody>
+      </p:sp>
+      <p:sp>
+        <p:nvSpPr>
+          <p:cNvPr id="12" name="Nach unten gekrümmter Pfeil 11"/>
+          <p:cNvSpPr/>
+          <p:nvPr/>
+        </p:nvSpPr>
+        <p:spPr>
+          <a:xfrm>
+            <a:off x="3330144" y="170934"/>
+            <a:ext cx="2423987" cy="1526059"/>
+          </a:xfrm>
+          <a:prstGeom prst="curvedDownArrow">
+            <a:avLst/>
+          </a:prstGeom>
+          <a:solidFill>
+            <a:schemeClr val="accent1">
+              <a:lumMod val="40000"/>
+              <a:lumOff val="60000"/>
+            </a:schemeClr>
+          </a:solidFill>
+          <a:ln>
+            <a:solidFill>
+              <a:schemeClr val="tx1"/>
+            </a:solidFill>
+          </a:ln>
+        </p:spPr>
+        <p:style>
+          <a:lnRef idx="2">
+            <a:schemeClr val="accent1">
+              <a:shade val="50000"/>
+            </a:schemeClr>
+          </a:lnRef>
+          <a:fillRef idx="1">
+            <a:schemeClr val="accent1"/>
+          </a:fillRef>
+          <a:effectRef idx="0">
+            <a:schemeClr val="accent1"/>
+          </a:effectRef>
+          <a:fontRef idx="minor">
+            <a:schemeClr val="lt1"/>
+          </a:fontRef>
+        </p:style>
+        <p:txBody>
+          <a:bodyPr rtlCol="0" anchor="ctr"/>
+          <a:lstStyle/>
+          <a:p>
+            <a:pPr algn="ctr"/>
+            <a:endParaRPr lang="de-DE">
+              <a:solidFill>
+                <a:schemeClr val="tx1"/>
+              </a:solidFill>
+            </a:endParaRPr>
+          </a:p>
+        </p:txBody>
+      </p:sp>
+      <p:sp>
+        <p:nvSpPr>
+          <p:cNvPr id="4" name="Rechteck 3"/>
+          <p:cNvSpPr/>
+          <p:nvPr/>
+        </p:nvSpPr>
+        <p:spPr>
+          <a:xfrm>
+            <a:off x="988539" y="533399"/>
+            <a:ext cx="2520777" cy="976184"/>
+          </a:xfrm>
+          <a:prstGeom prst="rect">
+            <a:avLst/>
+          </a:prstGeom>
+          <a:solidFill>
+            <a:schemeClr val="accent1">
+              <a:lumMod val="40000"/>
+              <a:lumOff val="60000"/>
+            </a:schemeClr>
+          </a:solidFill>
+          <a:ln>
+            <a:solidFill>
+              <a:schemeClr val="tx1"/>
+            </a:solidFill>
+          </a:ln>
+        </p:spPr>
+        <p:style>
+          <a:lnRef idx="2">
+            <a:schemeClr val="accent1">
+              <a:shade val="50000"/>
+            </a:schemeClr>
+          </a:lnRef>
+          <a:fillRef idx="1">
+            <a:schemeClr val="accent1"/>
+          </a:fillRef>
+          <a:effectRef idx="0">
+            <a:schemeClr val="accent1"/>
+          </a:effectRef>
+          <a:fontRef idx="minor">
+            <a:schemeClr val="lt1"/>
+          </a:fontRef>
+        </p:style>
+        <p:txBody>
+          <a:bodyPr rtlCol="0" anchor="t"/>
+          <a:lstStyle/>
+          <a:p>
+            <a:r>
+              <a:rPr lang="en-US" dirty="0" smtClean="0">
+                <a:solidFill>
+                  <a:schemeClr val="tx1"/>
+                </a:solidFill>
+              </a:rPr>
+              <a:t>Task #3</a:t>
+            </a:r>
+          </a:p>
+          <a:p>
+            <a:endParaRPr lang="en-US" noProof="1" smtClean="0">
+              <a:solidFill>
+                <a:schemeClr val="tx1"/>
+              </a:solidFill>
+            </a:endParaRPr>
+          </a:p>
+          <a:p>
+            <a:pPr algn="ctr"/>
+            <a:r>
+              <a:rPr lang="en-US" noProof="1" smtClean="0">
+                <a:solidFill>
+                  <a:schemeClr val="tx1"/>
+                </a:solidFill>
+              </a:rPr>
+              <a:t>(sc, qos, nr_simulations)</a:t>
+            </a:r>
+            <a:endParaRPr lang="en-US" noProof="1">
+              <a:solidFill>
+                <a:schemeClr val="tx1"/>
+              </a:solidFill>
+            </a:endParaRPr>
+          </a:p>
+        </p:txBody>
+      </p:sp>
+      <p:sp>
+        <p:nvSpPr>
+          <p:cNvPr id="6" name="Rechteck 5"/>
+          <p:cNvSpPr/>
+          <p:nvPr/>
+        </p:nvSpPr>
+        <p:spPr>
+          <a:xfrm>
+            <a:off x="928815" y="720810"/>
+            <a:ext cx="2520777" cy="976184"/>
+          </a:xfrm>
+          <a:prstGeom prst="rect">
+            <a:avLst/>
+          </a:prstGeom>
+          <a:solidFill>
+            <a:schemeClr val="accent1">
+              <a:lumMod val="40000"/>
+              <a:lumOff val="60000"/>
+            </a:schemeClr>
+          </a:solidFill>
+          <a:ln>
+            <a:solidFill>
+              <a:schemeClr val="tx1"/>
+            </a:solidFill>
+          </a:ln>
+        </p:spPr>
+        <p:style>
+          <a:lnRef idx="2">
+            <a:schemeClr val="accent1">
+              <a:shade val="50000"/>
+            </a:schemeClr>
+          </a:lnRef>
+          <a:fillRef idx="1">
+            <a:schemeClr val="accent1"/>
+          </a:fillRef>
+          <a:effectRef idx="0">
+            <a:schemeClr val="accent1"/>
+          </a:effectRef>
+          <a:fontRef idx="minor">
+            <a:schemeClr val="lt1"/>
+          </a:fontRef>
+        </p:style>
+        <p:txBody>
+          <a:bodyPr rtlCol="0" anchor="t"/>
+          <a:lstStyle/>
+          <a:p>
+            <a:r>
+              <a:rPr lang="en-US" dirty="0" smtClean="0">
+                <a:solidFill>
+                  <a:schemeClr val="tx1"/>
+                </a:solidFill>
+              </a:rPr>
+              <a:t>Task #2</a:t>
+            </a:r>
+          </a:p>
+          <a:p>
+            <a:endParaRPr lang="en-US" noProof="1" smtClean="0">
+              <a:solidFill>
+                <a:schemeClr val="tx1"/>
+              </a:solidFill>
+            </a:endParaRPr>
+          </a:p>
+          <a:p>
+            <a:pPr algn="ctr"/>
+            <a:r>
+              <a:rPr lang="en-US" noProof="1" smtClean="0">
+                <a:solidFill>
+                  <a:schemeClr val="tx1"/>
+                </a:solidFill>
+              </a:rPr>
+              <a:t>(sc, qos, nr_simulations)</a:t>
+            </a:r>
+            <a:endParaRPr lang="en-US" noProof="1">
+              <a:solidFill>
+                <a:schemeClr val="tx1"/>
+              </a:solidFill>
+            </a:endParaRPr>
+          </a:p>
+        </p:txBody>
+      </p:sp>
+      <p:sp>
+        <p:nvSpPr>
+          <p:cNvPr id="8" name="Rechteck 7"/>
+          <p:cNvSpPr/>
+          <p:nvPr/>
+        </p:nvSpPr>
+        <p:spPr>
+          <a:xfrm>
+            <a:off x="869091" y="908221"/>
+            <a:ext cx="2520777" cy="976184"/>
+          </a:xfrm>
+          <a:prstGeom prst="rect">
+            <a:avLst/>
+          </a:prstGeom>
+          <a:solidFill>
+            <a:schemeClr val="accent1">
+              <a:lumMod val="40000"/>
+              <a:lumOff val="60000"/>
+            </a:schemeClr>
+          </a:solidFill>
+          <a:ln>
+            <a:solidFill>
+              <a:schemeClr val="tx1"/>
+            </a:solidFill>
+          </a:ln>
+        </p:spPr>
+        <p:style>
+          <a:lnRef idx="2">
+            <a:schemeClr val="accent1">
+              <a:shade val="50000"/>
+            </a:schemeClr>
+          </a:lnRef>
+          <a:fillRef idx="1">
+            <a:schemeClr val="accent1"/>
+          </a:fillRef>
+          <a:effectRef idx="0">
+            <a:schemeClr val="accent1"/>
+          </a:effectRef>
+          <a:fontRef idx="minor">
+            <a:schemeClr val="lt1"/>
+          </a:fontRef>
+        </p:style>
+        <p:txBody>
+          <a:bodyPr rtlCol="0" anchor="t"/>
+          <a:lstStyle/>
+          <a:p>
+            <a:r>
+              <a:rPr lang="en-US" dirty="0" smtClean="0">
+                <a:solidFill>
+                  <a:schemeClr val="tx1"/>
+                </a:solidFill>
+              </a:rPr>
+              <a:t>Task #1</a:t>
+            </a:r>
+          </a:p>
+          <a:p>
+            <a:endParaRPr lang="en-US" noProof="1" smtClean="0">
+              <a:solidFill>
+                <a:schemeClr val="tx1"/>
+              </a:solidFill>
+            </a:endParaRPr>
+          </a:p>
+          <a:p>
+            <a:pPr algn="ctr"/>
+            <a:r>
+              <a:rPr lang="en-US" noProof="1" smtClean="0">
+                <a:solidFill>
+                  <a:schemeClr val="tx1"/>
+                </a:solidFill>
+              </a:rPr>
+              <a:t>(sc, qos, nr_simulations)</a:t>
+            </a:r>
+            <a:endParaRPr lang="en-US" noProof="1">
+              <a:solidFill>
+                <a:schemeClr val="tx1"/>
+              </a:solidFill>
+            </a:endParaRPr>
+          </a:p>
+        </p:txBody>
+      </p:sp>
+      <p:sp>
+        <p:nvSpPr>
+          <p:cNvPr id="9" name="Rechteck 8"/>
+          <p:cNvSpPr/>
+          <p:nvPr/>
+        </p:nvSpPr>
+        <p:spPr>
+          <a:xfrm>
+            <a:off x="928815" y="2514599"/>
+            <a:ext cx="2520777" cy="976184"/>
+          </a:xfrm>
+          <a:prstGeom prst="rect">
+            <a:avLst/>
+          </a:prstGeom>
+          <a:solidFill>
+            <a:schemeClr val="accent1">
+              <a:lumMod val="40000"/>
+              <a:lumOff val="60000"/>
+            </a:schemeClr>
+          </a:solidFill>
+          <a:ln>
+            <a:solidFill>
+              <a:schemeClr val="tx1"/>
+            </a:solidFill>
+          </a:ln>
+        </p:spPr>
+        <p:style>
+          <a:lnRef idx="2">
+            <a:schemeClr val="accent1">
+              <a:shade val="50000"/>
+            </a:schemeClr>
+          </a:lnRef>
+          <a:fillRef idx="1">
+            <a:schemeClr val="accent1"/>
+          </a:fillRef>
+          <a:effectRef idx="0">
+            <a:schemeClr val="accent1"/>
+          </a:effectRef>
+          <a:fontRef idx="minor">
+            <a:schemeClr val="lt1"/>
+          </a:fontRef>
+        </p:style>
+        <p:txBody>
+          <a:bodyPr rtlCol="0" anchor="t"/>
+          <a:lstStyle/>
+          <a:p>
+            <a:r>
+              <a:rPr lang="en-US" dirty="0" smtClean="0">
+                <a:solidFill>
+                  <a:schemeClr val="tx1"/>
+                </a:solidFill>
+              </a:rPr>
+              <a:t>Task #3</a:t>
+            </a:r>
+          </a:p>
+          <a:p>
+            <a:endParaRPr lang="en-US" noProof="1" smtClean="0">
+              <a:solidFill>
+                <a:schemeClr val="tx1"/>
+              </a:solidFill>
+            </a:endParaRPr>
+          </a:p>
+          <a:p>
+            <a:pPr algn="ctr"/>
+            <a:r>
+              <a:rPr lang="en-US" noProof="1" smtClean="0">
+                <a:solidFill>
+                  <a:schemeClr val="tx1"/>
+                </a:solidFill>
+              </a:rPr>
+              <a:t>(sc, qos, nr_simulations)</a:t>
+            </a:r>
+            <a:endParaRPr lang="en-US" noProof="1">
+              <a:solidFill>
+                <a:schemeClr val="tx1"/>
+              </a:solidFill>
+            </a:endParaRPr>
+          </a:p>
+        </p:txBody>
+      </p:sp>
+      <p:sp>
+        <p:nvSpPr>
+          <p:cNvPr id="10" name="Rechteck 9"/>
+          <p:cNvSpPr/>
+          <p:nvPr/>
+        </p:nvSpPr>
+        <p:spPr>
+          <a:xfrm>
+            <a:off x="869091" y="2702010"/>
+            <a:ext cx="2520777" cy="976184"/>
+          </a:xfrm>
+          <a:prstGeom prst="rect">
+            <a:avLst/>
+          </a:prstGeom>
+          <a:solidFill>
+            <a:schemeClr val="accent1">
+              <a:lumMod val="40000"/>
+              <a:lumOff val="60000"/>
+            </a:schemeClr>
+          </a:solidFill>
+          <a:ln>
+            <a:solidFill>
+              <a:schemeClr val="tx1"/>
+            </a:solidFill>
+          </a:ln>
+        </p:spPr>
+        <p:style>
+          <a:lnRef idx="2">
+            <a:schemeClr val="accent1">
+              <a:shade val="50000"/>
+            </a:schemeClr>
+          </a:lnRef>
+          <a:fillRef idx="1">
+            <a:schemeClr val="accent1"/>
+          </a:fillRef>
+          <a:effectRef idx="0">
+            <a:schemeClr val="accent1"/>
+          </a:effectRef>
+          <a:fontRef idx="minor">
+            <a:schemeClr val="lt1"/>
+          </a:fontRef>
+        </p:style>
+        <p:txBody>
+          <a:bodyPr rtlCol="0" anchor="t"/>
+          <a:lstStyle/>
+          <a:p>
+            <a:r>
+              <a:rPr lang="en-US" dirty="0" smtClean="0">
+                <a:solidFill>
+                  <a:schemeClr val="tx1"/>
+                </a:solidFill>
+              </a:rPr>
+              <a:t>Task #2</a:t>
+            </a:r>
+          </a:p>
+          <a:p>
+            <a:endParaRPr lang="en-US" noProof="1" smtClean="0">
+              <a:solidFill>
+                <a:schemeClr val="tx1"/>
+              </a:solidFill>
+            </a:endParaRPr>
+          </a:p>
+          <a:p>
+            <a:pPr algn="ctr"/>
+            <a:r>
+              <a:rPr lang="en-US" noProof="1" smtClean="0">
+                <a:solidFill>
+                  <a:schemeClr val="tx1"/>
+                </a:solidFill>
+              </a:rPr>
+              <a:t>(sc, qos, nr_simulations)</a:t>
+            </a:r>
+            <a:endParaRPr lang="en-US" noProof="1">
+              <a:solidFill>
+                <a:schemeClr val="tx1"/>
+              </a:solidFill>
+            </a:endParaRPr>
+          </a:p>
+        </p:txBody>
+      </p:sp>
+      <p:sp>
+        <p:nvSpPr>
+          <p:cNvPr id="11" name="Rechteck 10"/>
+          <p:cNvSpPr/>
+          <p:nvPr/>
+        </p:nvSpPr>
+        <p:spPr>
+          <a:xfrm>
+            <a:off x="809367" y="2889421"/>
+            <a:ext cx="2520777" cy="976184"/>
+          </a:xfrm>
+          <a:prstGeom prst="rect">
+            <a:avLst/>
+          </a:prstGeom>
+          <a:solidFill>
+            <a:schemeClr val="accent1">
+              <a:lumMod val="40000"/>
+              <a:lumOff val="60000"/>
+            </a:schemeClr>
+          </a:solidFill>
+          <a:ln>
+            <a:solidFill>
+              <a:schemeClr val="tx1"/>
+            </a:solidFill>
+          </a:ln>
+        </p:spPr>
+        <p:style>
+          <a:lnRef idx="2">
+            <a:schemeClr val="accent1">
+              <a:shade val="50000"/>
+            </a:schemeClr>
+          </a:lnRef>
+          <a:fillRef idx="1">
+            <a:schemeClr val="accent1"/>
+          </a:fillRef>
+          <a:effectRef idx="0">
+            <a:schemeClr val="accent1"/>
+          </a:effectRef>
+          <a:fontRef idx="minor">
+            <a:schemeClr val="lt1"/>
+          </a:fontRef>
+        </p:style>
+        <p:txBody>
+          <a:bodyPr rtlCol="0" anchor="t"/>
+          <a:lstStyle/>
+          <a:p>
+            <a:r>
+              <a:rPr lang="en-US" dirty="0" smtClean="0">
+                <a:solidFill>
+                  <a:schemeClr val="tx1"/>
+                </a:solidFill>
+              </a:rPr>
+              <a:t>Task #1</a:t>
+            </a:r>
+          </a:p>
+          <a:p>
+            <a:endParaRPr lang="en-US" noProof="1" smtClean="0">
+              <a:solidFill>
+                <a:schemeClr val="tx1"/>
+              </a:solidFill>
+            </a:endParaRPr>
+          </a:p>
+          <a:p>
+            <a:pPr algn="ctr"/>
+            <a:r>
+              <a:rPr lang="en-US" noProof="1" smtClean="0">
+                <a:solidFill>
+                  <a:schemeClr val="tx1"/>
+                </a:solidFill>
+              </a:rPr>
+              <a:t>(sc, qos, nr_simulations)</a:t>
+            </a:r>
+            <a:endParaRPr lang="en-US" noProof="1">
+              <a:solidFill>
+                <a:schemeClr val="tx1"/>
+              </a:solidFill>
+            </a:endParaRPr>
+          </a:p>
+        </p:txBody>
+      </p:sp>
+      <p:sp>
+        <p:nvSpPr>
+          <p:cNvPr id="7" name="Ellipse 6"/>
+          <p:cNvSpPr/>
+          <p:nvPr/>
+        </p:nvSpPr>
+        <p:spPr>
+          <a:xfrm>
+            <a:off x="4204390" y="1479720"/>
+            <a:ext cx="4015946" cy="2069757"/>
+          </a:xfrm>
+          <a:prstGeom prst="ellipse">
+            <a:avLst/>
+          </a:prstGeom>
+          <a:solidFill>
+            <a:schemeClr val="accent1">
+              <a:lumMod val="40000"/>
+              <a:lumOff val="60000"/>
+            </a:schemeClr>
+          </a:solidFill>
+          <a:ln>
+            <a:solidFill>
+              <a:schemeClr val="tx1"/>
+            </a:solidFill>
+          </a:ln>
+        </p:spPr>
+        <p:style>
+          <a:lnRef idx="2">
+            <a:schemeClr val="accent1">
+              <a:shade val="50000"/>
+            </a:schemeClr>
+          </a:lnRef>
+          <a:fillRef idx="1">
+            <a:schemeClr val="accent1"/>
+          </a:fillRef>
+          <a:effectRef idx="0">
+            <a:schemeClr val="accent1"/>
+          </a:effectRef>
+          <a:fontRef idx="minor">
+            <a:schemeClr val="lt1"/>
+          </a:fontRef>
+        </p:style>
+        <p:txBody>
+          <a:bodyPr rtlCol="0" anchor="ctr"/>
+          <a:lstStyle/>
+          <a:p>
+            <a:pPr algn="ctr"/>
+            <a:r>
+              <a:rPr lang="de-DE" sz="2800" noProof="1" smtClean="0">
+                <a:solidFill>
+                  <a:schemeClr val="tx1"/>
+                </a:solidFill>
+              </a:rPr>
+              <a:t>Process Pool</a:t>
+            </a:r>
+            <a:endParaRPr lang="de-DE" sz="2800" noProof="1">
+              <a:solidFill>
+                <a:schemeClr val="tx1"/>
+              </a:solidFill>
+            </a:endParaRPr>
+          </a:p>
+        </p:txBody>
+      </p:sp>
+      <p:sp>
+        <p:nvSpPr>
+          <p:cNvPr id="14" name="Rechteck 13"/>
+          <p:cNvSpPr/>
+          <p:nvPr/>
+        </p:nvSpPr>
+        <p:spPr>
+          <a:xfrm>
+            <a:off x="9879994" y="979271"/>
+            <a:ext cx="889687" cy="1000897"/>
+          </a:xfrm>
+          <a:prstGeom prst="rect">
+            <a:avLst/>
+          </a:prstGeom>
+          <a:solidFill>
+            <a:schemeClr val="accent4">
+              <a:lumMod val="40000"/>
+              <a:lumOff val="60000"/>
+            </a:schemeClr>
+          </a:solidFill>
+          <a:ln>
+            <a:solidFill>
+              <a:schemeClr val="tx1"/>
+            </a:solidFill>
+          </a:ln>
+        </p:spPr>
+        <p:style>
+          <a:lnRef idx="2">
+            <a:schemeClr val="accent1">
+              <a:shade val="50000"/>
+            </a:schemeClr>
+          </a:lnRef>
+          <a:fillRef idx="1">
+            <a:schemeClr val="accent1"/>
+          </a:fillRef>
+          <a:effectRef idx="0">
+            <a:schemeClr val="accent1"/>
+          </a:effectRef>
+          <a:fontRef idx="minor">
+            <a:schemeClr val="lt1"/>
+          </a:fontRef>
+        </p:style>
+        <p:txBody>
+          <a:bodyPr rtlCol="0" anchor="ctr"/>
+          <a:lstStyle/>
+          <a:p>
+            <a:pPr algn="ctr"/>
+            <a:r>
+              <a:rPr lang="de-DE" dirty="0" smtClean="0">
+                <a:solidFill>
+                  <a:schemeClr val="tx1"/>
+                </a:solidFill>
+              </a:rPr>
+              <a:t>Worker #1</a:t>
+            </a:r>
+            <a:endParaRPr lang="de-DE" dirty="0">
+              <a:solidFill>
+                <a:schemeClr val="tx1"/>
+              </a:solidFill>
+            </a:endParaRPr>
+          </a:p>
+        </p:txBody>
+      </p:sp>
+      <p:pic>
+        <p:nvPicPr>
+          <p:cNvPr id="15" name="Grafik 14"/>
+          <p:cNvPicPr>
+            <a:picLocks noChangeAspect="1"/>
+          </p:cNvPicPr>
+          <p:nvPr/>
+        </p:nvPicPr>
+        <p:blipFill>
+          <a:blip r:embed="rId2" cstate="print">
+            <a:extLst>
+              <a:ext uri="{28A0092B-C50C-407E-A947-70E740481C1C}">
+                <a14:useLocalDpi xmlns:a14="http://schemas.microsoft.com/office/drawing/2010/main" val="0"/>
+              </a:ext>
+            </a:extLst>
+          </a:blip>
+          <a:stretch>
+            <a:fillRect/>
+          </a:stretch>
+        </p:blipFill>
+        <p:spPr>
+          <a:xfrm>
+            <a:off x="9649091" y="372760"/>
+            <a:ext cx="1120590" cy="862914"/>
+          </a:xfrm>
+          <a:prstGeom prst="rect">
+            <a:avLst/>
+          </a:prstGeom>
+          <a:ln>
+            <a:noFill/>
+          </a:ln>
+        </p:spPr>
+      </p:pic>
+      <p:sp>
+        <p:nvSpPr>
+          <p:cNvPr id="16" name="Rechteck 15"/>
+          <p:cNvSpPr/>
+          <p:nvPr/>
+        </p:nvSpPr>
+        <p:spPr>
+          <a:xfrm>
+            <a:off x="9879994" y="2850292"/>
+            <a:ext cx="889687" cy="1000897"/>
+          </a:xfrm>
+          <a:prstGeom prst="rect">
+            <a:avLst/>
+          </a:prstGeom>
+          <a:solidFill>
+            <a:schemeClr val="accent4">
+              <a:lumMod val="40000"/>
+              <a:lumOff val="60000"/>
+            </a:schemeClr>
+          </a:solidFill>
+          <a:ln>
+            <a:solidFill>
+              <a:schemeClr val="tx1"/>
+            </a:solidFill>
+          </a:ln>
+        </p:spPr>
+        <p:style>
+          <a:lnRef idx="2">
+            <a:schemeClr val="accent1">
+              <a:shade val="50000"/>
+            </a:schemeClr>
+          </a:lnRef>
+          <a:fillRef idx="1">
+            <a:schemeClr val="accent1"/>
+          </a:fillRef>
+          <a:effectRef idx="0">
+            <a:schemeClr val="accent1"/>
+          </a:effectRef>
+          <a:fontRef idx="minor">
+            <a:schemeClr val="lt1"/>
+          </a:fontRef>
+        </p:style>
+        <p:txBody>
+          <a:bodyPr rtlCol="0" anchor="ctr"/>
+          <a:lstStyle/>
+          <a:p>
+            <a:pPr algn="ctr"/>
+            <a:r>
+              <a:rPr lang="de-DE" dirty="0" smtClean="0">
+                <a:solidFill>
+                  <a:schemeClr val="tx1"/>
+                </a:solidFill>
+              </a:rPr>
+              <a:t>Worker #2</a:t>
+            </a:r>
+            <a:endParaRPr lang="de-DE" dirty="0">
+              <a:solidFill>
+                <a:schemeClr val="tx1"/>
+              </a:solidFill>
+            </a:endParaRPr>
+          </a:p>
+        </p:txBody>
+      </p:sp>
+      <p:pic>
+        <p:nvPicPr>
+          <p:cNvPr id="17" name="Grafik 16"/>
+          <p:cNvPicPr>
+            <a:picLocks noChangeAspect="1"/>
+          </p:cNvPicPr>
+          <p:nvPr/>
+        </p:nvPicPr>
+        <p:blipFill>
+          <a:blip r:embed="rId2" cstate="print">
+            <a:extLst>
+              <a:ext uri="{28A0092B-C50C-407E-A947-70E740481C1C}">
+                <a14:useLocalDpi xmlns:a14="http://schemas.microsoft.com/office/drawing/2010/main" val="0"/>
+              </a:ext>
+            </a:extLst>
+          </a:blip>
+          <a:stretch>
+            <a:fillRect/>
+          </a:stretch>
+        </p:blipFill>
+        <p:spPr>
+          <a:xfrm>
+            <a:off x="9649091" y="2243781"/>
+            <a:ext cx="1120590" cy="862914"/>
+          </a:xfrm>
+          <a:prstGeom prst="rect">
+            <a:avLst/>
+          </a:prstGeom>
+          <a:ln>
+            <a:noFill/>
+          </a:ln>
+        </p:spPr>
+      </p:pic>
+      <p:sp>
+        <p:nvSpPr>
+          <p:cNvPr id="18" name="Pfeil nach rechts 17"/>
+          <p:cNvSpPr/>
+          <p:nvPr/>
+        </p:nvSpPr>
+        <p:spPr>
+          <a:xfrm>
+            <a:off x="7927262" y="1178008"/>
+            <a:ext cx="1606378" cy="301711"/>
+          </a:xfrm>
+          <a:prstGeom prst="rightArrow">
+            <a:avLst/>
+          </a:prstGeom>
+          <a:solidFill>
+            <a:schemeClr val="accent1">
+              <a:lumMod val="40000"/>
+              <a:lumOff val="60000"/>
+            </a:schemeClr>
+          </a:solidFill>
+          <a:ln>
+            <a:solidFill>
+              <a:schemeClr val="tx1"/>
+            </a:solidFill>
+          </a:ln>
+        </p:spPr>
+        <p:style>
+          <a:lnRef idx="2">
+            <a:schemeClr val="accent1">
+              <a:shade val="50000"/>
+            </a:schemeClr>
+          </a:lnRef>
+          <a:fillRef idx="1">
+            <a:schemeClr val="accent1"/>
+          </a:fillRef>
+          <a:effectRef idx="0">
+            <a:schemeClr val="accent1"/>
+          </a:effectRef>
+          <a:fontRef idx="minor">
+            <a:schemeClr val="lt1"/>
+          </a:fontRef>
+        </p:style>
+        <p:txBody>
+          <a:bodyPr rtlCol="0" anchor="ctr"/>
+          <a:lstStyle/>
+          <a:p>
+            <a:pPr algn="ctr"/>
+            <a:endParaRPr lang="de-DE"/>
+          </a:p>
+        </p:txBody>
+      </p:sp>
+      <p:sp>
+        <p:nvSpPr>
+          <p:cNvPr id="19" name="Pfeil nach rechts 18"/>
+          <p:cNvSpPr/>
+          <p:nvPr/>
+        </p:nvSpPr>
+        <p:spPr>
+          <a:xfrm rot="10800000">
+            <a:off x="7927262" y="1546137"/>
+            <a:ext cx="1606378" cy="301711"/>
+          </a:xfrm>
+          <a:prstGeom prst="rightArrow">
+            <a:avLst/>
+          </a:prstGeom>
+          <a:solidFill>
+            <a:schemeClr val="accent1">
+              <a:lumMod val="40000"/>
+              <a:lumOff val="60000"/>
+            </a:schemeClr>
+          </a:solidFill>
+          <a:ln>
+            <a:solidFill>
+              <a:schemeClr val="tx1"/>
+            </a:solidFill>
+          </a:ln>
+        </p:spPr>
+        <p:style>
+          <a:lnRef idx="2">
+            <a:schemeClr val="accent1">
+              <a:shade val="50000"/>
+            </a:schemeClr>
+          </a:lnRef>
+          <a:fillRef idx="1">
+            <a:schemeClr val="accent1"/>
+          </a:fillRef>
+          <a:effectRef idx="0">
+            <a:schemeClr val="accent1"/>
+          </a:effectRef>
+          <a:fontRef idx="minor">
+            <a:schemeClr val="lt1"/>
+          </a:fontRef>
+        </p:style>
+        <p:txBody>
+          <a:bodyPr rtlCol="0" anchor="ctr"/>
+          <a:lstStyle/>
+          <a:p>
+            <a:pPr algn="ctr"/>
+            <a:endParaRPr lang="de-DE"/>
+          </a:p>
+        </p:txBody>
+      </p:sp>
+      <p:pic>
+        <p:nvPicPr>
+          <p:cNvPr id="21" name="Grafik 20"/>
+          <p:cNvPicPr>
+            <a:picLocks noChangeAspect="1"/>
+          </p:cNvPicPr>
+          <p:nvPr/>
+        </p:nvPicPr>
+        <p:blipFill>
+          <a:blip r:embed="rId3"/>
+          <a:stretch>
+            <a:fillRect/>
+          </a:stretch>
+        </p:blipFill>
+        <p:spPr>
+          <a:xfrm>
+            <a:off x="8095736" y="739345"/>
+            <a:ext cx="1048282" cy="422774"/>
+          </a:xfrm>
+          <a:prstGeom prst="rect">
+            <a:avLst/>
+          </a:prstGeom>
+          <a:ln>
+            <a:noFill/>
+          </a:ln>
+        </p:spPr>
+      </p:pic>
+      <p:sp>
+        <p:nvSpPr>
+          <p:cNvPr id="22" name="Pfeil nach rechts 21"/>
+          <p:cNvSpPr/>
+          <p:nvPr/>
+        </p:nvSpPr>
+        <p:spPr>
+          <a:xfrm>
+            <a:off x="8042713" y="3066019"/>
+            <a:ext cx="1606378" cy="301711"/>
+          </a:xfrm>
+          <a:prstGeom prst="rightArrow">
+            <a:avLst/>
+          </a:prstGeom>
+          <a:solidFill>
+            <a:schemeClr val="accent1">
+              <a:lumMod val="40000"/>
+              <a:lumOff val="60000"/>
+            </a:schemeClr>
+          </a:solidFill>
+          <a:ln>
+            <a:solidFill>
+              <a:schemeClr val="tx1"/>
+            </a:solidFill>
+          </a:ln>
+        </p:spPr>
+        <p:style>
+          <a:lnRef idx="2">
+            <a:schemeClr val="accent1">
+              <a:shade val="50000"/>
+            </a:schemeClr>
+          </a:lnRef>
+          <a:fillRef idx="1">
+            <a:schemeClr val="accent1"/>
+          </a:fillRef>
+          <a:effectRef idx="0">
+            <a:schemeClr val="accent1"/>
+          </a:effectRef>
+          <a:fontRef idx="minor">
+            <a:schemeClr val="lt1"/>
+          </a:fontRef>
+        </p:style>
+        <p:txBody>
+          <a:bodyPr rtlCol="0" anchor="ctr"/>
+          <a:lstStyle/>
+          <a:p>
+            <a:pPr algn="ctr"/>
+            <a:endParaRPr lang="de-DE"/>
+          </a:p>
+        </p:txBody>
+      </p:sp>
+      <p:sp>
+        <p:nvSpPr>
+          <p:cNvPr id="23" name="Pfeil nach rechts 22"/>
+          <p:cNvSpPr/>
+          <p:nvPr/>
+        </p:nvSpPr>
+        <p:spPr>
+          <a:xfrm rot="10800000">
+            <a:off x="8042713" y="3434148"/>
+            <a:ext cx="1606378" cy="301711"/>
+          </a:xfrm>
+          <a:prstGeom prst="rightArrow">
+            <a:avLst/>
+          </a:prstGeom>
+          <a:solidFill>
+            <a:schemeClr val="accent1">
+              <a:lumMod val="40000"/>
+              <a:lumOff val="60000"/>
+            </a:schemeClr>
+          </a:solidFill>
+          <a:ln>
+            <a:solidFill>
+              <a:schemeClr val="tx1"/>
+            </a:solidFill>
+          </a:ln>
+        </p:spPr>
+        <p:style>
+          <a:lnRef idx="2">
+            <a:schemeClr val="accent1">
+              <a:shade val="50000"/>
+            </a:schemeClr>
+          </a:lnRef>
+          <a:fillRef idx="1">
+            <a:schemeClr val="accent1"/>
+          </a:fillRef>
+          <a:effectRef idx="0">
+            <a:schemeClr val="accent1"/>
+          </a:effectRef>
+          <a:fontRef idx="minor">
+            <a:schemeClr val="lt1"/>
+          </a:fontRef>
+        </p:style>
+        <p:txBody>
+          <a:bodyPr rtlCol="0" anchor="ctr"/>
+          <a:lstStyle/>
+          <a:p>
+            <a:pPr algn="ctr"/>
+            <a:endParaRPr lang="de-DE"/>
+          </a:p>
+        </p:txBody>
+      </p:sp>
+      <p:pic>
+        <p:nvPicPr>
+          <p:cNvPr id="24" name="Grafik 23"/>
+          <p:cNvPicPr>
+            <a:picLocks noChangeAspect="1"/>
+          </p:cNvPicPr>
+          <p:nvPr/>
+        </p:nvPicPr>
+        <p:blipFill>
+          <a:blip r:embed="rId3"/>
+          <a:stretch>
+            <a:fillRect/>
+          </a:stretch>
+        </p:blipFill>
+        <p:spPr>
+          <a:xfrm>
+            <a:off x="8352847" y="2610036"/>
+            <a:ext cx="1048282" cy="422774"/>
+          </a:xfrm>
+          <a:prstGeom prst="rect">
+            <a:avLst/>
+          </a:prstGeom>
+          <a:ln>
+            <a:noFill/>
+          </a:ln>
+        </p:spPr>
+      </p:pic>
+      <p:sp>
+        <p:nvSpPr>
+          <p:cNvPr id="31" name="Pfeil nach rechts 30"/>
+          <p:cNvSpPr/>
+          <p:nvPr/>
+        </p:nvSpPr>
+        <p:spPr>
+          <a:xfrm rot="5400000">
+            <a:off x="5956217" y="2639335"/>
+            <a:ext cx="512292" cy="2332576"/>
+          </a:xfrm>
+          <a:prstGeom prst="rightArrow">
+            <a:avLst/>
+          </a:prstGeom>
+          <a:solidFill>
+            <a:schemeClr val="accent1">
+              <a:lumMod val="40000"/>
+              <a:lumOff val="60000"/>
+            </a:schemeClr>
+          </a:solidFill>
+          <a:ln>
+            <a:solidFill>
+              <a:schemeClr val="tx1"/>
+            </a:solidFill>
+          </a:ln>
+        </p:spPr>
+        <p:style>
+          <a:lnRef idx="2">
+            <a:schemeClr val="accent1">
+              <a:shade val="50000"/>
+            </a:schemeClr>
+          </a:lnRef>
+          <a:fillRef idx="1">
+            <a:schemeClr val="accent1"/>
+          </a:fillRef>
+          <a:effectRef idx="0">
+            <a:schemeClr val="accent1"/>
+          </a:effectRef>
+          <a:fontRef idx="minor">
+            <a:schemeClr val="lt1"/>
+          </a:fontRef>
+        </p:style>
+        <p:txBody>
+          <a:bodyPr rtlCol="0" anchor="ctr"/>
+          <a:lstStyle/>
+          <a:p>
+            <a:pPr algn="ctr"/>
+            <a:endParaRPr lang="de-DE"/>
+          </a:p>
+        </p:txBody>
+      </p:sp>
+      <p:sp>
+        <p:nvSpPr>
+          <p:cNvPr id="40" name="Rechteck 39"/>
+          <p:cNvSpPr/>
+          <p:nvPr/>
+        </p:nvSpPr>
+        <p:spPr>
+          <a:xfrm>
+            <a:off x="5133406" y="4101928"/>
+            <a:ext cx="2157914" cy="979789"/>
+          </a:xfrm>
+          <a:prstGeom prst="rect">
+            <a:avLst/>
+          </a:prstGeom>
+          <a:solidFill>
+            <a:schemeClr val="accent6">
+              <a:lumMod val="60000"/>
+              <a:lumOff val="40000"/>
+            </a:schemeClr>
+          </a:solidFill>
+          <a:ln>
+            <a:solidFill>
+              <a:schemeClr val="tx1"/>
+            </a:solidFill>
+          </a:ln>
+        </p:spPr>
+        <p:style>
+          <a:lnRef idx="2">
+            <a:schemeClr val="accent1">
+              <a:shade val="50000"/>
+            </a:schemeClr>
+          </a:lnRef>
+          <a:fillRef idx="1">
+            <a:schemeClr val="accent1"/>
+          </a:fillRef>
+          <a:effectRef idx="0">
+            <a:schemeClr val="accent1"/>
+          </a:effectRef>
+          <a:fontRef idx="minor">
+            <a:schemeClr val="lt1"/>
+          </a:fontRef>
+        </p:style>
+        <p:txBody>
+          <a:bodyPr rtlCol="0" anchor="ctr"/>
+          <a:lstStyle/>
+          <a:p>
+            <a:pPr algn="ctr"/>
+            <a:r>
+              <a:rPr lang="de-DE" sz="2800" noProof="1" smtClean="0">
+                <a:solidFill>
+                  <a:schemeClr val="tx1"/>
+                </a:solidFill>
+              </a:rPr>
+              <a:t>Results</a:t>
+            </a:r>
+            <a:endParaRPr lang="de-DE" sz="2800" noProof="1">
+              <a:solidFill>
+                <a:schemeClr val="tx1"/>
+              </a:solidFill>
+            </a:endParaRPr>
+          </a:p>
+        </p:txBody>
+      </p:sp>
+    </p:spTree>
+    <p:extLst>
+      <p:ext uri="{BB962C8B-B14F-4D97-AF65-F5344CB8AC3E}">
+        <p14:creationId xmlns:p14="http://schemas.microsoft.com/office/powerpoint/2010/main" val="4212470715"/>
       </p:ext>
     </p:extLst>
   </p:cSld>

--- a/Figures/Figures_new.pptx
+++ b/Figures/Figures_new.pptx
@@ -7,7 +7,11 @@
   <p:sldIdLst>
     <p:sldId id="257" r:id="rId2"/>
     <p:sldId id="256" r:id="rId3"/>
-    <p:sldId id="258" r:id="rId4"/>
+    <p:sldId id="262" r:id="rId4"/>
+    <p:sldId id="259" r:id="rId5"/>
+    <p:sldId id="260" r:id="rId6"/>
+    <p:sldId id="261" r:id="rId7"/>
+    <p:sldId id="258" r:id="rId8"/>
   </p:sldIdLst>
   <p:sldSz cx="12192000" cy="6858000"/>
   <p:notesSz cx="6858000" cy="9144000"/>
@@ -3039,8 +3043,8 @@
           </a:prstGeom>
           <a:solidFill>
             <a:schemeClr val="accent1">
-              <a:lumMod val="40000"/>
-              <a:lumOff val="60000"/>
+              <a:lumMod val="60000"/>
+              <a:lumOff val="40000"/>
             </a:schemeClr>
           </a:solidFill>
         </p:spPr>
@@ -4704,23 +4708,3589 @@
           <a:chExt cx="0" cy="0"/>
         </a:xfrm>
       </p:grpSpPr>
-      <p:sp>
-        <p:nvSpPr>
-          <p:cNvPr id="13" name="Nach unten gekrümmter Pfeil 12"/>
+      <p:cxnSp>
+        <p:nvCxnSpPr>
+          <p:cNvPr id="5" name="Gerader Verbinder 4"/>
+          <p:cNvCxnSpPr/>
+          <p:nvPr/>
+        </p:nvCxnSpPr>
+        <p:spPr>
+          <a:xfrm flipH="1">
+            <a:off x="2567128" y="1247144"/>
+            <a:ext cx="0" cy="5519956"/>
+          </a:xfrm>
+          <a:prstGeom prst="line">
+            <a:avLst/>
+          </a:prstGeom>
+          <a:ln w="19050">
+            <a:solidFill>
+              <a:schemeClr val="bg1">
+                <a:lumMod val="65000"/>
+              </a:schemeClr>
+            </a:solidFill>
+            <a:prstDash val="lgDash"/>
+          </a:ln>
+        </p:spPr>
+        <p:style>
+          <a:lnRef idx="1">
+            <a:schemeClr val="accent1"/>
+          </a:lnRef>
+          <a:fillRef idx="0">
+            <a:schemeClr val="accent1"/>
+          </a:fillRef>
+          <a:effectRef idx="0">
+            <a:schemeClr val="accent1"/>
+          </a:effectRef>
+          <a:fontRef idx="minor">
+            <a:schemeClr val="tx1"/>
+          </a:fontRef>
+        </p:style>
+      </p:cxnSp>
+      <p:cxnSp>
+        <p:nvCxnSpPr>
+          <p:cNvPr id="6" name="Gerader Verbinder 5"/>
+          <p:cNvCxnSpPr/>
+          <p:nvPr/>
+        </p:nvCxnSpPr>
+        <p:spPr>
+          <a:xfrm flipH="1">
+            <a:off x="6154088" y="1247144"/>
+            <a:ext cx="0" cy="5519956"/>
+          </a:xfrm>
+          <a:prstGeom prst="line">
+            <a:avLst/>
+          </a:prstGeom>
+          <a:ln w="19050">
+            <a:solidFill>
+              <a:schemeClr val="bg1">
+                <a:lumMod val="75000"/>
+              </a:schemeClr>
+            </a:solidFill>
+            <a:prstDash val="lgDash"/>
+          </a:ln>
+        </p:spPr>
+        <p:style>
+          <a:lnRef idx="1">
+            <a:schemeClr val="accent1"/>
+          </a:lnRef>
+          <a:fillRef idx="0">
+            <a:schemeClr val="accent1"/>
+          </a:fillRef>
+          <a:effectRef idx="0">
+            <a:schemeClr val="accent1"/>
+          </a:effectRef>
+          <a:fontRef idx="minor">
+            <a:schemeClr val="tx1"/>
+          </a:fontRef>
+        </p:style>
+      </p:cxnSp>
+      <p:cxnSp>
+        <p:nvCxnSpPr>
+          <p:cNvPr id="8" name="Gerade Verbindung mit Pfeil 7"/>
+          <p:cNvCxnSpPr/>
+          <p:nvPr/>
+        </p:nvCxnSpPr>
+        <p:spPr>
+          <a:xfrm flipH="1">
+            <a:off x="2567129" y="1661814"/>
+            <a:ext cx="3586959" cy="0"/>
+          </a:xfrm>
+          <a:prstGeom prst="straightConnector1">
+            <a:avLst/>
+          </a:prstGeom>
+          <a:ln w="19050">
+            <a:solidFill>
+              <a:schemeClr val="tx1"/>
+            </a:solidFill>
+            <a:tailEnd type="triangle" w="lg" len="lg"/>
+          </a:ln>
+        </p:spPr>
+        <p:style>
+          <a:lnRef idx="1">
+            <a:schemeClr val="accent1"/>
+          </a:lnRef>
+          <a:fillRef idx="0">
+            <a:schemeClr val="accent1"/>
+          </a:fillRef>
+          <a:effectRef idx="0">
+            <a:schemeClr val="accent1"/>
+          </a:effectRef>
+          <a:fontRef idx="minor">
+            <a:schemeClr val="tx1"/>
+          </a:fontRef>
+        </p:style>
+      </p:cxnSp>
+      <p:sp>
+        <p:nvSpPr>
+          <p:cNvPr id="9" name="Textfeld 8"/>
+          <p:cNvSpPr txBox="1"/>
+          <p:nvPr/>
+        </p:nvSpPr>
+        <p:spPr>
+          <a:xfrm>
+            <a:off x="2971571" y="1292482"/>
+            <a:ext cx="3195560" cy="369332"/>
+          </a:xfrm>
+          <a:prstGeom prst="rect">
+            <a:avLst/>
+          </a:prstGeom>
+          <a:noFill/>
+        </p:spPr>
+        <p:txBody>
+          <a:bodyPr wrap="square" rtlCol="0">
+            <a:spAutoFit/>
+          </a:bodyPr>
+          <a:lstStyle/>
+          <a:p>
+            <a:r>
+              <a:rPr lang="de-DE" noProof="1" smtClean="0"/>
+              <a:t>Reference Signal, PSS, SSS</a:t>
+            </a:r>
+            <a:endParaRPr lang="de-DE" noProof="1"/>
+          </a:p>
+        </p:txBody>
+      </p:sp>
+      <p:cxnSp>
+        <p:nvCxnSpPr>
+          <p:cNvPr id="11" name="Gerade Verbindung mit Pfeil 10"/>
+          <p:cNvCxnSpPr/>
+          <p:nvPr/>
+        </p:nvCxnSpPr>
+        <p:spPr>
+          <a:xfrm flipH="1">
+            <a:off x="2582992" y="1988752"/>
+            <a:ext cx="3600000" cy="0"/>
+          </a:xfrm>
+          <a:prstGeom prst="straightConnector1">
+            <a:avLst/>
+          </a:prstGeom>
+          <a:ln w="19050">
+            <a:solidFill>
+              <a:schemeClr val="tx1"/>
+            </a:solidFill>
+            <a:tailEnd type="triangle" w="lg" len="lg"/>
+          </a:ln>
+        </p:spPr>
+        <p:style>
+          <a:lnRef idx="1">
+            <a:schemeClr val="accent1"/>
+          </a:lnRef>
+          <a:fillRef idx="0">
+            <a:schemeClr val="accent1"/>
+          </a:fillRef>
+          <a:effectRef idx="0">
+            <a:schemeClr val="accent1"/>
+          </a:effectRef>
+          <a:fontRef idx="minor">
+            <a:schemeClr val="tx1"/>
+          </a:fontRef>
+        </p:style>
+      </p:cxnSp>
+      <p:cxnSp>
+        <p:nvCxnSpPr>
+          <p:cNvPr id="12" name="Gerade Verbindung mit Pfeil 11"/>
+          <p:cNvCxnSpPr/>
+          <p:nvPr/>
+        </p:nvCxnSpPr>
+        <p:spPr>
+          <a:xfrm>
+            <a:off x="2582992" y="3770808"/>
+            <a:ext cx="3600000" cy="0"/>
+          </a:xfrm>
+          <a:prstGeom prst="straightConnector1">
+            <a:avLst/>
+          </a:prstGeom>
+          <a:ln w="19050">
+            <a:solidFill>
+              <a:schemeClr val="tx1"/>
+            </a:solidFill>
+            <a:tailEnd type="triangle" w="lg" len="lg"/>
+          </a:ln>
+        </p:spPr>
+        <p:style>
+          <a:lnRef idx="1">
+            <a:schemeClr val="accent1"/>
+          </a:lnRef>
+          <a:fillRef idx="0">
+            <a:schemeClr val="accent1"/>
+          </a:fillRef>
+          <a:effectRef idx="0">
+            <a:schemeClr val="accent1"/>
+          </a:effectRef>
+          <a:fontRef idx="minor">
+            <a:schemeClr val="tx1"/>
+          </a:fontRef>
+        </p:style>
+      </p:cxnSp>
+      <p:sp>
+        <p:nvSpPr>
+          <p:cNvPr id="17" name="Textfeld 16"/>
+          <p:cNvSpPr txBox="1"/>
+          <p:nvPr/>
+        </p:nvSpPr>
+        <p:spPr>
+          <a:xfrm>
+            <a:off x="2971570" y="1639894"/>
+            <a:ext cx="3182517" cy="369332"/>
+          </a:xfrm>
+          <a:prstGeom prst="rect">
+            <a:avLst/>
+          </a:prstGeom>
+          <a:noFill/>
+        </p:spPr>
+        <p:txBody>
+          <a:bodyPr wrap="square" rtlCol="0">
+            <a:spAutoFit/>
+          </a:bodyPr>
+          <a:lstStyle/>
+          <a:p>
+            <a:r>
+              <a:rPr lang="de-DE" noProof="1" smtClean="0"/>
+              <a:t>MIB, SIB 1, SIB2, …</a:t>
+            </a:r>
+            <a:endParaRPr lang="de-DE" noProof="1"/>
+          </a:p>
+        </p:txBody>
+      </p:sp>
+      <p:sp>
+        <p:nvSpPr>
+          <p:cNvPr id="19" name="Textfeld 18"/>
+          <p:cNvSpPr txBox="1"/>
+          <p:nvPr/>
+        </p:nvSpPr>
+        <p:spPr>
+          <a:xfrm>
+            <a:off x="2891468" y="3396784"/>
+            <a:ext cx="3268274" cy="369332"/>
+          </a:xfrm>
+          <a:prstGeom prst="rect">
+            <a:avLst/>
+          </a:prstGeom>
+          <a:noFill/>
+        </p:spPr>
+        <p:txBody>
+          <a:bodyPr wrap="square" rtlCol="0">
+            <a:spAutoFit/>
+          </a:bodyPr>
+          <a:lstStyle/>
+          <a:p>
+            <a:r>
+              <a:rPr lang="de-DE" noProof="1" smtClean="0"/>
+              <a:t>PRACH Preamble</a:t>
+            </a:r>
+            <a:endParaRPr lang="de-DE" noProof="1"/>
+          </a:p>
+        </p:txBody>
+      </p:sp>
+      <p:cxnSp>
+        <p:nvCxnSpPr>
+          <p:cNvPr id="20" name="Gerade Verbindung mit Pfeil 19"/>
+          <p:cNvCxnSpPr/>
+          <p:nvPr/>
+        </p:nvCxnSpPr>
+        <p:spPr>
+          <a:xfrm flipH="1">
+            <a:off x="2567130" y="4144833"/>
+            <a:ext cx="3600000" cy="0"/>
+          </a:xfrm>
+          <a:prstGeom prst="straightConnector1">
+            <a:avLst/>
+          </a:prstGeom>
+          <a:ln w="19050">
+            <a:solidFill>
+              <a:schemeClr val="tx1"/>
+            </a:solidFill>
+            <a:tailEnd type="triangle" w="lg" len="lg"/>
+          </a:ln>
+        </p:spPr>
+        <p:style>
+          <a:lnRef idx="1">
+            <a:schemeClr val="accent1"/>
+          </a:lnRef>
+          <a:fillRef idx="0">
+            <a:schemeClr val="accent1"/>
+          </a:fillRef>
+          <a:effectRef idx="0">
+            <a:schemeClr val="accent1"/>
+          </a:effectRef>
+          <a:fontRef idx="minor">
+            <a:schemeClr val="tx1"/>
+          </a:fontRef>
+        </p:style>
+      </p:cxnSp>
+      <p:sp>
+        <p:nvSpPr>
+          <p:cNvPr id="21" name="Textfeld 20"/>
+          <p:cNvSpPr txBox="1"/>
+          <p:nvPr/>
+        </p:nvSpPr>
+        <p:spPr>
+          <a:xfrm>
+            <a:off x="2885814" y="3770808"/>
+            <a:ext cx="3268274" cy="369332"/>
+          </a:xfrm>
+          <a:prstGeom prst="rect">
+            <a:avLst/>
+          </a:prstGeom>
+          <a:noFill/>
+        </p:spPr>
+        <p:txBody>
+          <a:bodyPr wrap="square" rtlCol="0">
+            <a:spAutoFit/>
+          </a:bodyPr>
+          <a:lstStyle/>
+          <a:p>
+            <a:r>
+              <a:rPr lang="de-DE" noProof="1" smtClean="0"/>
+              <a:t>PRACH Preamble Response</a:t>
+            </a:r>
+            <a:endParaRPr lang="de-DE" noProof="1"/>
+          </a:p>
+        </p:txBody>
+      </p:sp>
+      <p:cxnSp>
+        <p:nvCxnSpPr>
+          <p:cNvPr id="24" name="Gerade Verbindung mit Pfeil 23"/>
+          <p:cNvCxnSpPr/>
+          <p:nvPr/>
+        </p:nvCxnSpPr>
+        <p:spPr>
+          <a:xfrm>
+            <a:off x="2554087" y="4526636"/>
+            <a:ext cx="3192372" cy="0"/>
+          </a:xfrm>
+          <a:prstGeom prst="straightConnector1">
+            <a:avLst/>
+          </a:prstGeom>
+          <a:ln w="19050">
+            <a:solidFill>
+              <a:schemeClr val="tx1"/>
+            </a:solidFill>
+            <a:tailEnd type="triangle" w="lg" len="lg"/>
+          </a:ln>
+        </p:spPr>
+        <p:style>
+          <a:lnRef idx="1">
+            <a:schemeClr val="accent1"/>
+          </a:lnRef>
+          <a:fillRef idx="0">
+            <a:schemeClr val="accent1"/>
+          </a:fillRef>
+          <a:effectRef idx="0">
+            <a:schemeClr val="accent1"/>
+          </a:effectRef>
+          <a:fontRef idx="minor">
+            <a:schemeClr val="tx1"/>
+          </a:fontRef>
+        </p:style>
+      </p:cxnSp>
+      <p:sp>
+        <p:nvSpPr>
+          <p:cNvPr id="25" name="Textfeld 24"/>
+          <p:cNvSpPr txBox="1"/>
+          <p:nvPr/>
+        </p:nvSpPr>
+        <p:spPr>
+          <a:xfrm>
+            <a:off x="2890466" y="4144048"/>
+            <a:ext cx="3268275" cy="369332"/>
+          </a:xfrm>
+          <a:prstGeom prst="rect">
+            <a:avLst/>
+          </a:prstGeom>
+          <a:noFill/>
+        </p:spPr>
+        <p:txBody>
+          <a:bodyPr wrap="square" rtlCol="0">
+            <a:spAutoFit/>
+          </a:bodyPr>
+          <a:lstStyle/>
+          <a:p>
+            <a:r>
+              <a:rPr lang="de-DE" noProof="1" smtClean="0"/>
+              <a:t>RRC Connection Request</a:t>
+            </a:r>
+            <a:endParaRPr lang="de-DE" noProof="1"/>
+          </a:p>
+        </p:txBody>
+      </p:sp>
+      <p:sp>
+        <p:nvSpPr>
+          <p:cNvPr id="31" name="Rechteck 30"/>
           <p:cNvSpPr/>
           <p:nvPr/>
         </p:nvSpPr>
         <p:spPr>
           <a:xfrm>
-            <a:off x="2775635" y="1048265"/>
-            <a:ext cx="2423987" cy="1526059"/>
-          </a:xfrm>
-          <a:prstGeom prst="curvedDownArrow">
-            <a:avLst>
-              <a:gd name="adj1" fmla="val 25000"/>
-              <a:gd name="adj2" fmla="val 53265"/>
-              <a:gd name="adj3" fmla="val 25000"/>
-            </a:avLst>
+            <a:off x="2390400" y="1558521"/>
+            <a:ext cx="45719" cy="532078"/>
+          </a:xfrm>
+          <a:prstGeom prst="rect">
+            <a:avLst/>
+          </a:prstGeom>
+          <a:ln>
+            <a:solidFill>
+              <a:schemeClr val="bg1"/>
+            </a:solidFill>
+          </a:ln>
+        </p:spPr>
+        <p:style>
+          <a:lnRef idx="2">
+            <a:schemeClr val="accent3">
+              <a:shade val="50000"/>
+            </a:schemeClr>
+          </a:lnRef>
+          <a:fillRef idx="1">
+            <a:schemeClr val="accent3"/>
+          </a:fillRef>
+          <a:effectRef idx="0">
+            <a:schemeClr val="accent3"/>
+          </a:effectRef>
+          <a:fontRef idx="minor">
+            <a:schemeClr val="lt1"/>
+          </a:fontRef>
+        </p:style>
+        <p:txBody>
+          <a:bodyPr rtlCol="0" anchor="ctr"/>
+          <a:lstStyle/>
+          <a:p>
+            <a:pPr algn="ctr"/>
+            <a:endParaRPr lang="de-DE"/>
+          </a:p>
+        </p:txBody>
+      </p:sp>
+      <p:sp>
+        <p:nvSpPr>
+          <p:cNvPr id="33" name="Textfeld 32"/>
+          <p:cNvSpPr txBox="1"/>
+          <p:nvPr/>
+        </p:nvSpPr>
+        <p:spPr>
+          <a:xfrm>
+            <a:off x="453762" y="1639894"/>
+            <a:ext cx="1948746" cy="369332"/>
+          </a:xfrm>
+          <a:prstGeom prst="rect">
+            <a:avLst/>
+          </a:prstGeom>
+          <a:noFill/>
+        </p:spPr>
+        <p:txBody>
+          <a:bodyPr wrap="square" rtlCol="0">
+            <a:spAutoFit/>
+          </a:bodyPr>
+          <a:lstStyle/>
+          <a:p>
+            <a:pPr algn="r"/>
+            <a:r>
+              <a:rPr lang="de-DE" noProof="1" smtClean="0"/>
+              <a:t>Cell Configuration</a:t>
+            </a:r>
+            <a:endParaRPr lang="de-DE" noProof="1"/>
+          </a:p>
+        </p:txBody>
+      </p:sp>
+      <p:sp>
+        <p:nvSpPr>
+          <p:cNvPr id="34" name="Rechteck 33"/>
+          <p:cNvSpPr/>
+          <p:nvPr/>
+        </p:nvSpPr>
+        <p:spPr>
+          <a:xfrm>
+            <a:off x="2388529" y="3670149"/>
+            <a:ext cx="46800" cy="540000"/>
+          </a:xfrm>
+          <a:prstGeom prst="rect">
+            <a:avLst/>
+          </a:prstGeom>
+          <a:solidFill>
+            <a:srgbClr val="00B050"/>
+          </a:solidFill>
+          <a:ln>
+            <a:solidFill>
+              <a:schemeClr val="bg1"/>
+            </a:solidFill>
+          </a:ln>
+        </p:spPr>
+        <p:style>
+          <a:lnRef idx="2">
+            <a:schemeClr val="accent3">
+              <a:shade val="50000"/>
+            </a:schemeClr>
+          </a:lnRef>
+          <a:fillRef idx="1">
+            <a:schemeClr val="accent3"/>
+          </a:fillRef>
+          <a:effectRef idx="0">
+            <a:schemeClr val="accent3"/>
+          </a:effectRef>
+          <a:fontRef idx="minor">
+            <a:schemeClr val="lt1"/>
+          </a:fontRef>
+        </p:style>
+        <p:txBody>
+          <a:bodyPr rtlCol="0" anchor="ctr"/>
+          <a:lstStyle/>
+          <a:p>
+            <a:pPr algn="ctr"/>
+            <a:endParaRPr lang="de-DE"/>
+          </a:p>
+        </p:txBody>
+      </p:sp>
+      <p:sp>
+        <p:nvSpPr>
+          <p:cNvPr id="35" name="Textfeld 34"/>
+          <p:cNvSpPr txBox="1"/>
+          <p:nvPr/>
+        </p:nvSpPr>
+        <p:spPr>
+          <a:xfrm>
+            <a:off x="453762" y="3755483"/>
+            <a:ext cx="1948746" cy="369332"/>
+          </a:xfrm>
+          <a:prstGeom prst="rect">
+            <a:avLst/>
+          </a:prstGeom>
+          <a:noFill/>
+        </p:spPr>
+        <p:txBody>
+          <a:bodyPr wrap="square" rtlCol="0">
+            <a:spAutoFit/>
+          </a:bodyPr>
+          <a:lstStyle/>
+          <a:p>
+            <a:pPr algn="r"/>
+            <a:r>
+              <a:rPr lang="de-DE" noProof="1" smtClean="0"/>
+              <a:t>Random Access</a:t>
+            </a:r>
+            <a:endParaRPr lang="de-DE" noProof="1"/>
+          </a:p>
+        </p:txBody>
+      </p:sp>
+      <p:sp>
+        <p:nvSpPr>
+          <p:cNvPr id="36" name="Textfeld 35"/>
+          <p:cNvSpPr txBox="1"/>
+          <p:nvPr/>
+        </p:nvSpPr>
+        <p:spPr>
+          <a:xfrm>
+            <a:off x="2097216" y="884067"/>
+            <a:ext cx="971551" cy="369332"/>
+          </a:xfrm>
+          <a:prstGeom prst="rect">
+            <a:avLst/>
+          </a:prstGeom>
+          <a:noFill/>
+        </p:spPr>
+        <p:txBody>
+          <a:bodyPr wrap="square" rtlCol="0">
+            <a:spAutoFit/>
+          </a:bodyPr>
+          <a:lstStyle/>
+          <a:p>
+            <a:pPr algn="ctr"/>
+            <a:r>
+              <a:rPr lang="de-DE" noProof="1" smtClean="0"/>
+              <a:t>UE</a:t>
+            </a:r>
+            <a:endParaRPr lang="de-DE" noProof="1"/>
+          </a:p>
+        </p:txBody>
+      </p:sp>
+      <p:sp>
+        <p:nvSpPr>
+          <p:cNvPr id="37" name="Textfeld 36"/>
+          <p:cNvSpPr txBox="1"/>
+          <p:nvPr/>
+        </p:nvSpPr>
+        <p:spPr>
+          <a:xfrm>
+            <a:off x="5668311" y="877812"/>
+            <a:ext cx="971551" cy="369332"/>
+          </a:xfrm>
+          <a:prstGeom prst="rect">
+            <a:avLst/>
+          </a:prstGeom>
+          <a:noFill/>
+        </p:spPr>
+        <p:txBody>
+          <a:bodyPr wrap="square" rtlCol="0">
+            <a:spAutoFit/>
+          </a:bodyPr>
+          <a:lstStyle/>
+          <a:p>
+            <a:pPr algn="ctr"/>
+            <a:r>
+              <a:rPr lang="de-DE" noProof="1" smtClean="0"/>
+              <a:t>eNodeB</a:t>
+            </a:r>
+            <a:endParaRPr lang="de-DE" noProof="1"/>
+          </a:p>
+        </p:txBody>
+      </p:sp>
+      <p:sp>
+        <p:nvSpPr>
+          <p:cNvPr id="38" name="Rechteck 37"/>
+          <p:cNvSpPr/>
+          <p:nvPr/>
+        </p:nvSpPr>
+        <p:spPr>
+          <a:xfrm>
+            <a:off x="2390400" y="4261302"/>
+            <a:ext cx="45719" cy="900000"/>
+          </a:xfrm>
+          <a:prstGeom prst="rect">
+            <a:avLst/>
+          </a:prstGeom>
+          <a:solidFill>
+            <a:srgbClr val="FF0000"/>
+          </a:solidFill>
+          <a:ln>
+            <a:solidFill>
+              <a:schemeClr val="bg1"/>
+            </a:solidFill>
+          </a:ln>
+        </p:spPr>
+        <p:style>
+          <a:lnRef idx="2">
+            <a:schemeClr val="accent3">
+              <a:shade val="50000"/>
+            </a:schemeClr>
+          </a:lnRef>
+          <a:fillRef idx="1">
+            <a:schemeClr val="accent3"/>
+          </a:fillRef>
+          <a:effectRef idx="0">
+            <a:schemeClr val="accent3"/>
+          </a:effectRef>
+          <a:fontRef idx="minor">
+            <a:schemeClr val="lt1"/>
+          </a:fontRef>
+        </p:style>
+        <p:txBody>
+          <a:bodyPr rtlCol="0" anchor="ctr"/>
+          <a:lstStyle/>
+          <a:p>
+            <a:pPr algn="ctr"/>
+            <a:endParaRPr lang="de-DE"/>
+          </a:p>
+        </p:txBody>
+      </p:sp>
+      <p:sp>
+        <p:nvSpPr>
+          <p:cNvPr id="39" name="Textfeld 38"/>
+          <p:cNvSpPr txBox="1"/>
+          <p:nvPr/>
+        </p:nvSpPr>
+        <p:spPr>
+          <a:xfrm>
+            <a:off x="453762" y="4526636"/>
+            <a:ext cx="1948746" cy="369332"/>
+          </a:xfrm>
+          <a:prstGeom prst="rect">
+            <a:avLst/>
+          </a:prstGeom>
+          <a:noFill/>
+        </p:spPr>
+        <p:txBody>
+          <a:bodyPr wrap="square" rtlCol="0">
+            <a:spAutoFit/>
+          </a:bodyPr>
+          <a:lstStyle/>
+          <a:p>
+            <a:pPr algn="r"/>
+            <a:r>
+              <a:rPr lang="de-DE" noProof="1" smtClean="0"/>
+              <a:t>RRC Setup</a:t>
+            </a:r>
+            <a:endParaRPr lang="de-DE" noProof="1"/>
+          </a:p>
+        </p:txBody>
+      </p:sp>
+      <p:pic>
+        <p:nvPicPr>
+          <p:cNvPr id="40" name="Grafik 39"/>
+          <p:cNvPicPr>
+            <a:picLocks noChangeAspect="1"/>
+          </p:cNvPicPr>
+          <p:nvPr/>
+        </p:nvPicPr>
+        <p:blipFill>
+          <a:blip r:embed="rId2"/>
+          <a:stretch>
+            <a:fillRect/>
+          </a:stretch>
+        </p:blipFill>
+        <p:spPr>
+          <a:xfrm>
+            <a:off x="2388530" y="65155"/>
+            <a:ext cx="524211" cy="720000"/>
+          </a:xfrm>
+          <a:prstGeom prst="rect">
+            <a:avLst/>
+          </a:prstGeom>
+        </p:spPr>
+      </p:pic>
+      <p:pic>
+        <p:nvPicPr>
+          <p:cNvPr id="41" name="Grafik 40"/>
+          <p:cNvPicPr>
+            <a:picLocks noChangeAspect="1"/>
+          </p:cNvPicPr>
+          <p:nvPr/>
+        </p:nvPicPr>
+        <p:blipFill>
+          <a:blip r:embed="rId3" cstate="print">
+            <a:extLst>
+              <a:ext uri="{28A0092B-C50C-407E-A947-70E740481C1C}">
+                <a14:useLocalDpi xmlns:a14="http://schemas.microsoft.com/office/drawing/2010/main" val="0"/>
+              </a:ext>
+            </a:extLst>
+          </a:blip>
+          <a:stretch>
+            <a:fillRect/>
+          </a:stretch>
+        </p:blipFill>
+        <p:spPr>
+          <a:xfrm>
+            <a:off x="5826642" y="190867"/>
+            <a:ext cx="720000" cy="720000"/>
+          </a:xfrm>
+          <a:prstGeom prst="rect">
+            <a:avLst/>
+          </a:prstGeom>
+        </p:spPr>
+      </p:pic>
+      <p:pic>
+        <p:nvPicPr>
+          <p:cNvPr id="28" name="Grafik 27"/>
+          <p:cNvPicPr>
+            <a:picLocks noChangeAspect="1"/>
+          </p:cNvPicPr>
+          <p:nvPr/>
+        </p:nvPicPr>
+        <p:blipFill>
+          <a:blip r:embed="rId4" cstate="print">
+            <a:extLst>
+              <a:ext uri="{28A0092B-C50C-407E-A947-70E740481C1C}">
+                <a14:useLocalDpi xmlns:a14="http://schemas.microsoft.com/office/drawing/2010/main" val="0"/>
+              </a:ext>
+            </a:extLst>
+          </a:blip>
+          <a:stretch>
+            <a:fillRect/>
+          </a:stretch>
+        </p:blipFill>
+        <p:spPr>
+          <a:xfrm rot="4419845">
+            <a:off x="5324267" y="4200194"/>
+            <a:ext cx="688087" cy="843199"/>
+          </a:xfrm>
+          <a:prstGeom prst="rect">
+            <a:avLst/>
+          </a:prstGeom>
+        </p:spPr>
+      </p:pic>
+    </p:spTree>
+    <p:extLst>
+      <p:ext uri="{BB962C8B-B14F-4D97-AF65-F5344CB8AC3E}">
+        <p14:creationId xmlns:p14="http://schemas.microsoft.com/office/powerpoint/2010/main" val="977096733"/>
+      </p:ext>
+    </p:extLst>
+  </p:cSld>
+  <p:clrMapOvr>
+    <a:masterClrMapping/>
+  </p:clrMapOvr>
+</p:sld>
+</file>
+
+<file path=ppt/slides/slide4.xml><?xml version="1.0" encoding="utf-8"?>
+<p:sld xmlns:a="http://schemas.openxmlformats.org/drawingml/2006/main" xmlns:r="http://schemas.openxmlformats.org/officeDocument/2006/relationships" xmlns:p="http://schemas.openxmlformats.org/presentationml/2006/main">
+  <p:cSld>
+    <p:spTree>
+      <p:nvGrpSpPr>
+        <p:cNvPr id="1" name=""/>
+        <p:cNvGrpSpPr/>
+        <p:nvPr/>
+      </p:nvGrpSpPr>
+      <p:grpSpPr>
+        <a:xfrm>
+          <a:off x="0" y="0"/>
+          <a:ext cx="0" cy="0"/>
+          <a:chOff x="0" y="0"/>
+          <a:chExt cx="0" cy="0"/>
+        </a:xfrm>
+      </p:grpSpPr>
+      <p:cxnSp>
+        <p:nvCxnSpPr>
+          <p:cNvPr id="5" name="Gerader Verbinder 4"/>
+          <p:cNvCxnSpPr/>
+          <p:nvPr/>
+        </p:nvCxnSpPr>
+        <p:spPr>
+          <a:xfrm flipH="1">
+            <a:off x="2567128" y="1247144"/>
+            <a:ext cx="0" cy="5519956"/>
+          </a:xfrm>
+          <a:prstGeom prst="line">
+            <a:avLst/>
+          </a:prstGeom>
+          <a:ln w="19050">
+            <a:solidFill>
+              <a:schemeClr val="bg1">
+                <a:lumMod val="65000"/>
+              </a:schemeClr>
+            </a:solidFill>
+            <a:prstDash val="lgDash"/>
+          </a:ln>
+        </p:spPr>
+        <p:style>
+          <a:lnRef idx="1">
+            <a:schemeClr val="accent1"/>
+          </a:lnRef>
+          <a:fillRef idx="0">
+            <a:schemeClr val="accent1"/>
+          </a:fillRef>
+          <a:effectRef idx="0">
+            <a:schemeClr val="accent1"/>
+          </a:effectRef>
+          <a:fontRef idx="minor">
+            <a:schemeClr val="tx1"/>
+          </a:fontRef>
+        </p:style>
+      </p:cxnSp>
+      <p:cxnSp>
+        <p:nvCxnSpPr>
+          <p:cNvPr id="6" name="Gerader Verbinder 5"/>
+          <p:cNvCxnSpPr/>
+          <p:nvPr/>
+        </p:nvCxnSpPr>
+        <p:spPr>
+          <a:xfrm flipH="1">
+            <a:off x="6154088" y="1247144"/>
+            <a:ext cx="0" cy="5519956"/>
+          </a:xfrm>
+          <a:prstGeom prst="line">
+            <a:avLst/>
+          </a:prstGeom>
+          <a:ln w="19050">
+            <a:solidFill>
+              <a:schemeClr val="bg1">
+                <a:lumMod val="75000"/>
+              </a:schemeClr>
+            </a:solidFill>
+            <a:prstDash val="lgDash"/>
+          </a:ln>
+        </p:spPr>
+        <p:style>
+          <a:lnRef idx="1">
+            <a:schemeClr val="accent1"/>
+          </a:lnRef>
+          <a:fillRef idx="0">
+            <a:schemeClr val="accent1"/>
+          </a:fillRef>
+          <a:effectRef idx="0">
+            <a:schemeClr val="accent1"/>
+          </a:effectRef>
+          <a:fontRef idx="minor">
+            <a:schemeClr val="tx1"/>
+          </a:fontRef>
+        </p:style>
+      </p:cxnSp>
+      <p:cxnSp>
+        <p:nvCxnSpPr>
+          <p:cNvPr id="8" name="Gerade Verbindung mit Pfeil 7"/>
+          <p:cNvCxnSpPr/>
+          <p:nvPr/>
+        </p:nvCxnSpPr>
+        <p:spPr>
+          <a:xfrm flipH="1">
+            <a:off x="2567129" y="1661814"/>
+            <a:ext cx="3586959" cy="0"/>
+          </a:xfrm>
+          <a:prstGeom prst="straightConnector1">
+            <a:avLst/>
+          </a:prstGeom>
+          <a:ln w="19050">
+            <a:solidFill>
+              <a:srgbClr val="FF0000"/>
+            </a:solidFill>
+            <a:tailEnd type="triangle" w="lg" len="lg"/>
+          </a:ln>
+        </p:spPr>
+        <p:style>
+          <a:lnRef idx="1">
+            <a:schemeClr val="accent1"/>
+          </a:lnRef>
+          <a:fillRef idx="0">
+            <a:schemeClr val="accent1"/>
+          </a:fillRef>
+          <a:effectRef idx="0">
+            <a:schemeClr val="accent1"/>
+          </a:effectRef>
+          <a:fontRef idx="minor">
+            <a:schemeClr val="tx1"/>
+          </a:fontRef>
+        </p:style>
+      </p:cxnSp>
+      <p:sp>
+        <p:nvSpPr>
+          <p:cNvPr id="9" name="Textfeld 8"/>
+          <p:cNvSpPr txBox="1"/>
+          <p:nvPr/>
+        </p:nvSpPr>
+        <p:spPr>
+          <a:xfrm>
+            <a:off x="2971571" y="1292482"/>
+            <a:ext cx="3195560" cy="369332"/>
+          </a:xfrm>
+          <a:prstGeom prst="rect">
+            <a:avLst/>
+          </a:prstGeom>
+          <a:noFill/>
+        </p:spPr>
+        <p:txBody>
+          <a:bodyPr wrap="square" rtlCol="0">
+            <a:spAutoFit/>
+          </a:bodyPr>
+          <a:lstStyle/>
+          <a:p>
+            <a:r>
+              <a:rPr lang="de-DE" noProof="1" smtClean="0"/>
+              <a:t>Reference Signal, PSS, SSS</a:t>
+            </a:r>
+            <a:endParaRPr lang="de-DE" noProof="1"/>
+          </a:p>
+        </p:txBody>
+      </p:sp>
+      <p:cxnSp>
+        <p:nvCxnSpPr>
+          <p:cNvPr id="11" name="Gerade Verbindung mit Pfeil 10"/>
+          <p:cNvCxnSpPr/>
+          <p:nvPr/>
+        </p:nvCxnSpPr>
+        <p:spPr>
+          <a:xfrm flipH="1">
+            <a:off x="2582992" y="1988752"/>
+            <a:ext cx="3600000" cy="0"/>
+          </a:xfrm>
+          <a:prstGeom prst="straightConnector1">
+            <a:avLst/>
+          </a:prstGeom>
+          <a:ln w="19050">
+            <a:solidFill>
+              <a:srgbClr val="FF0000"/>
+            </a:solidFill>
+            <a:tailEnd type="triangle" w="lg" len="lg"/>
+          </a:ln>
+        </p:spPr>
+        <p:style>
+          <a:lnRef idx="1">
+            <a:schemeClr val="accent1"/>
+          </a:lnRef>
+          <a:fillRef idx="0">
+            <a:schemeClr val="accent1"/>
+          </a:fillRef>
+          <a:effectRef idx="0">
+            <a:schemeClr val="accent1"/>
+          </a:effectRef>
+          <a:fontRef idx="minor">
+            <a:schemeClr val="tx1"/>
+          </a:fontRef>
+        </p:style>
+      </p:cxnSp>
+      <p:cxnSp>
+        <p:nvCxnSpPr>
+          <p:cNvPr id="12" name="Gerade Verbindung mit Pfeil 11"/>
+          <p:cNvCxnSpPr/>
+          <p:nvPr/>
+        </p:nvCxnSpPr>
+        <p:spPr>
+          <a:xfrm>
+            <a:off x="2582992" y="3770808"/>
+            <a:ext cx="3600000" cy="0"/>
+          </a:xfrm>
+          <a:prstGeom prst="straightConnector1">
+            <a:avLst/>
+          </a:prstGeom>
+          <a:ln w="19050">
+            <a:solidFill>
+              <a:schemeClr val="tx1"/>
+            </a:solidFill>
+            <a:tailEnd type="triangle" w="lg" len="lg"/>
+          </a:ln>
+        </p:spPr>
+        <p:style>
+          <a:lnRef idx="1">
+            <a:schemeClr val="accent1"/>
+          </a:lnRef>
+          <a:fillRef idx="0">
+            <a:schemeClr val="accent1"/>
+          </a:fillRef>
+          <a:effectRef idx="0">
+            <a:schemeClr val="accent1"/>
+          </a:effectRef>
+          <a:fontRef idx="minor">
+            <a:schemeClr val="tx1"/>
+          </a:fontRef>
+        </p:style>
+      </p:cxnSp>
+      <p:sp>
+        <p:nvSpPr>
+          <p:cNvPr id="17" name="Textfeld 16"/>
+          <p:cNvSpPr txBox="1"/>
+          <p:nvPr/>
+        </p:nvSpPr>
+        <p:spPr>
+          <a:xfrm>
+            <a:off x="2971570" y="1639894"/>
+            <a:ext cx="3182517" cy="369332"/>
+          </a:xfrm>
+          <a:prstGeom prst="rect">
+            <a:avLst/>
+          </a:prstGeom>
+          <a:noFill/>
+        </p:spPr>
+        <p:txBody>
+          <a:bodyPr wrap="square" rtlCol="0">
+            <a:spAutoFit/>
+          </a:bodyPr>
+          <a:lstStyle/>
+          <a:p>
+            <a:r>
+              <a:rPr lang="de-DE" noProof="1" smtClean="0"/>
+              <a:t>MIB, SIB 1, SIB2, …</a:t>
+            </a:r>
+            <a:endParaRPr lang="de-DE" noProof="1"/>
+          </a:p>
+        </p:txBody>
+      </p:sp>
+      <p:sp>
+        <p:nvSpPr>
+          <p:cNvPr id="19" name="Textfeld 18"/>
+          <p:cNvSpPr txBox="1"/>
+          <p:nvPr/>
+        </p:nvSpPr>
+        <p:spPr>
+          <a:xfrm>
+            <a:off x="2891468" y="3396784"/>
+            <a:ext cx="3268274" cy="369332"/>
+          </a:xfrm>
+          <a:prstGeom prst="rect">
+            <a:avLst/>
+          </a:prstGeom>
+          <a:noFill/>
+        </p:spPr>
+        <p:txBody>
+          <a:bodyPr wrap="square" rtlCol="0">
+            <a:spAutoFit/>
+          </a:bodyPr>
+          <a:lstStyle/>
+          <a:p>
+            <a:r>
+              <a:rPr lang="de-DE" noProof="1" smtClean="0"/>
+              <a:t>PRACH Preamble</a:t>
+            </a:r>
+            <a:endParaRPr lang="de-DE" noProof="1"/>
+          </a:p>
+        </p:txBody>
+      </p:sp>
+      <p:cxnSp>
+        <p:nvCxnSpPr>
+          <p:cNvPr id="20" name="Gerade Verbindung mit Pfeil 19"/>
+          <p:cNvCxnSpPr/>
+          <p:nvPr/>
+        </p:nvCxnSpPr>
+        <p:spPr>
+          <a:xfrm flipH="1">
+            <a:off x="2567130" y="4144833"/>
+            <a:ext cx="3600000" cy="0"/>
+          </a:xfrm>
+          <a:prstGeom prst="straightConnector1">
+            <a:avLst/>
+          </a:prstGeom>
+          <a:ln w="19050">
+            <a:solidFill>
+              <a:schemeClr val="tx1"/>
+            </a:solidFill>
+            <a:tailEnd type="triangle" w="lg" len="lg"/>
+          </a:ln>
+        </p:spPr>
+        <p:style>
+          <a:lnRef idx="1">
+            <a:schemeClr val="accent1"/>
+          </a:lnRef>
+          <a:fillRef idx="0">
+            <a:schemeClr val="accent1"/>
+          </a:fillRef>
+          <a:effectRef idx="0">
+            <a:schemeClr val="accent1"/>
+          </a:effectRef>
+          <a:fontRef idx="minor">
+            <a:schemeClr val="tx1"/>
+          </a:fontRef>
+        </p:style>
+      </p:cxnSp>
+      <p:sp>
+        <p:nvSpPr>
+          <p:cNvPr id="21" name="Textfeld 20"/>
+          <p:cNvSpPr txBox="1"/>
+          <p:nvPr/>
+        </p:nvSpPr>
+        <p:spPr>
+          <a:xfrm>
+            <a:off x="2885814" y="3770808"/>
+            <a:ext cx="3268274" cy="369332"/>
+          </a:xfrm>
+          <a:prstGeom prst="rect">
+            <a:avLst/>
+          </a:prstGeom>
+          <a:noFill/>
+        </p:spPr>
+        <p:txBody>
+          <a:bodyPr wrap="square" rtlCol="0">
+            <a:spAutoFit/>
+          </a:bodyPr>
+          <a:lstStyle/>
+          <a:p>
+            <a:r>
+              <a:rPr lang="de-DE" noProof="1" smtClean="0"/>
+              <a:t>PRACH Preamble Response</a:t>
+            </a:r>
+            <a:endParaRPr lang="de-DE" noProof="1"/>
+          </a:p>
+        </p:txBody>
+      </p:sp>
+      <p:cxnSp>
+        <p:nvCxnSpPr>
+          <p:cNvPr id="22" name="Gerade Verbindung mit Pfeil 21"/>
+          <p:cNvCxnSpPr/>
+          <p:nvPr/>
+        </p:nvCxnSpPr>
+        <p:spPr>
+          <a:xfrm flipH="1">
+            <a:off x="2567130" y="4903883"/>
+            <a:ext cx="3600000" cy="0"/>
+          </a:xfrm>
+          <a:prstGeom prst="straightConnector1">
+            <a:avLst/>
+          </a:prstGeom>
+          <a:ln w="19050">
+            <a:solidFill>
+              <a:schemeClr val="tx1"/>
+            </a:solidFill>
+            <a:tailEnd type="triangle" w="lg" len="lg"/>
+          </a:ln>
+        </p:spPr>
+        <p:style>
+          <a:lnRef idx="1">
+            <a:schemeClr val="accent1"/>
+          </a:lnRef>
+          <a:fillRef idx="0">
+            <a:schemeClr val="accent1"/>
+          </a:fillRef>
+          <a:effectRef idx="0">
+            <a:schemeClr val="accent1"/>
+          </a:effectRef>
+          <a:fontRef idx="minor">
+            <a:schemeClr val="tx1"/>
+          </a:fontRef>
+        </p:style>
+      </p:cxnSp>
+      <p:sp>
+        <p:nvSpPr>
+          <p:cNvPr id="23" name="Textfeld 22"/>
+          <p:cNvSpPr txBox="1"/>
+          <p:nvPr/>
+        </p:nvSpPr>
+        <p:spPr>
+          <a:xfrm>
+            <a:off x="2885813" y="4526636"/>
+            <a:ext cx="3281317" cy="369332"/>
+          </a:xfrm>
+          <a:prstGeom prst="rect">
+            <a:avLst/>
+          </a:prstGeom>
+          <a:noFill/>
+        </p:spPr>
+        <p:txBody>
+          <a:bodyPr wrap="square" rtlCol="0">
+            <a:spAutoFit/>
+          </a:bodyPr>
+          <a:lstStyle/>
+          <a:p>
+            <a:r>
+              <a:rPr lang="de-DE" noProof="1" smtClean="0"/>
+              <a:t>RRC Connection Setup</a:t>
+            </a:r>
+            <a:endParaRPr lang="de-DE" noProof="1"/>
+          </a:p>
+        </p:txBody>
+      </p:sp>
+      <p:cxnSp>
+        <p:nvCxnSpPr>
+          <p:cNvPr id="24" name="Gerade Verbindung mit Pfeil 23"/>
+          <p:cNvCxnSpPr/>
+          <p:nvPr/>
+        </p:nvCxnSpPr>
+        <p:spPr>
+          <a:xfrm>
+            <a:off x="2554087" y="4526636"/>
+            <a:ext cx="3600000" cy="0"/>
+          </a:xfrm>
+          <a:prstGeom prst="straightConnector1">
+            <a:avLst/>
+          </a:prstGeom>
+          <a:ln w="19050">
+            <a:solidFill>
+              <a:schemeClr val="tx1"/>
+            </a:solidFill>
+            <a:tailEnd type="triangle" w="lg" len="lg"/>
+          </a:ln>
+        </p:spPr>
+        <p:style>
+          <a:lnRef idx="1">
+            <a:schemeClr val="accent1"/>
+          </a:lnRef>
+          <a:fillRef idx="0">
+            <a:schemeClr val="accent1"/>
+          </a:fillRef>
+          <a:effectRef idx="0">
+            <a:schemeClr val="accent1"/>
+          </a:effectRef>
+          <a:fontRef idx="minor">
+            <a:schemeClr val="tx1"/>
+          </a:fontRef>
+        </p:style>
+      </p:cxnSp>
+      <p:sp>
+        <p:nvSpPr>
+          <p:cNvPr id="25" name="Textfeld 24"/>
+          <p:cNvSpPr txBox="1"/>
+          <p:nvPr/>
+        </p:nvSpPr>
+        <p:spPr>
+          <a:xfrm>
+            <a:off x="2890466" y="4144048"/>
+            <a:ext cx="3268275" cy="369332"/>
+          </a:xfrm>
+          <a:prstGeom prst="rect">
+            <a:avLst/>
+          </a:prstGeom>
+          <a:noFill/>
+        </p:spPr>
+        <p:txBody>
+          <a:bodyPr wrap="square" rtlCol="0">
+            <a:spAutoFit/>
+          </a:bodyPr>
+          <a:lstStyle/>
+          <a:p>
+            <a:r>
+              <a:rPr lang="de-DE" noProof="1" smtClean="0"/>
+              <a:t>RRC Connection Request</a:t>
+            </a:r>
+            <a:endParaRPr lang="de-DE" noProof="1"/>
+          </a:p>
+        </p:txBody>
+      </p:sp>
+      <p:cxnSp>
+        <p:nvCxnSpPr>
+          <p:cNvPr id="29" name="Gerade Verbindung mit Pfeil 28"/>
+          <p:cNvCxnSpPr/>
+          <p:nvPr/>
+        </p:nvCxnSpPr>
+        <p:spPr>
+          <a:xfrm>
+            <a:off x="2582992" y="5307095"/>
+            <a:ext cx="3600000" cy="0"/>
+          </a:xfrm>
+          <a:prstGeom prst="straightConnector1">
+            <a:avLst/>
+          </a:prstGeom>
+          <a:ln w="19050">
+            <a:solidFill>
+              <a:schemeClr val="tx1"/>
+            </a:solidFill>
+            <a:tailEnd type="triangle" w="lg" len="lg"/>
+          </a:ln>
+        </p:spPr>
+        <p:style>
+          <a:lnRef idx="1">
+            <a:schemeClr val="accent1"/>
+          </a:lnRef>
+          <a:fillRef idx="0">
+            <a:schemeClr val="accent1"/>
+          </a:fillRef>
+          <a:effectRef idx="0">
+            <a:schemeClr val="accent1"/>
+          </a:effectRef>
+          <a:fontRef idx="minor">
+            <a:schemeClr val="tx1"/>
+          </a:fontRef>
+        </p:style>
+      </p:cxnSp>
+      <p:sp>
+        <p:nvSpPr>
+          <p:cNvPr id="30" name="Textfeld 29"/>
+          <p:cNvSpPr txBox="1"/>
+          <p:nvPr/>
+        </p:nvSpPr>
+        <p:spPr>
+          <a:xfrm>
+            <a:off x="2892333" y="4936140"/>
+            <a:ext cx="3268275" cy="369332"/>
+          </a:xfrm>
+          <a:prstGeom prst="rect">
+            <a:avLst/>
+          </a:prstGeom>
+          <a:noFill/>
+        </p:spPr>
+        <p:txBody>
+          <a:bodyPr wrap="square" rtlCol="0">
+            <a:spAutoFit/>
+          </a:bodyPr>
+          <a:lstStyle/>
+          <a:p>
+            <a:r>
+              <a:rPr lang="de-DE" noProof="1" smtClean="0"/>
+              <a:t>RRC Connection Setup Complete</a:t>
+            </a:r>
+            <a:endParaRPr lang="de-DE" noProof="1"/>
+          </a:p>
+        </p:txBody>
+      </p:sp>
+      <p:sp>
+        <p:nvSpPr>
+          <p:cNvPr id="31" name="Rechteck 30"/>
+          <p:cNvSpPr/>
+          <p:nvPr/>
+        </p:nvSpPr>
+        <p:spPr>
+          <a:xfrm>
+            <a:off x="2390400" y="1558521"/>
+            <a:ext cx="45719" cy="532078"/>
+          </a:xfrm>
+          <a:prstGeom prst="rect">
+            <a:avLst/>
+          </a:prstGeom>
+          <a:ln>
+            <a:solidFill>
+              <a:schemeClr val="bg1"/>
+            </a:solidFill>
+          </a:ln>
+        </p:spPr>
+        <p:style>
+          <a:lnRef idx="2">
+            <a:schemeClr val="accent3">
+              <a:shade val="50000"/>
+            </a:schemeClr>
+          </a:lnRef>
+          <a:fillRef idx="1">
+            <a:schemeClr val="accent3"/>
+          </a:fillRef>
+          <a:effectRef idx="0">
+            <a:schemeClr val="accent3"/>
+          </a:effectRef>
+          <a:fontRef idx="minor">
+            <a:schemeClr val="lt1"/>
+          </a:fontRef>
+        </p:style>
+        <p:txBody>
+          <a:bodyPr rtlCol="0" anchor="ctr"/>
+          <a:lstStyle/>
+          <a:p>
+            <a:pPr algn="ctr"/>
+            <a:endParaRPr lang="de-DE"/>
+          </a:p>
+        </p:txBody>
+      </p:sp>
+      <p:sp>
+        <p:nvSpPr>
+          <p:cNvPr id="33" name="Textfeld 32"/>
+          <p:cNvSpPr txBox="1"/>
+          <p:nvPr/>
+        </p:nvSpPr>
+        <p:spPr>
+          <a:xfrm>
+            <a:off x="453762" y="1639894"/>
+            <a:ext cx="1948746" cy="369332"/>
+          </a:xfrm>
+          <a:prstGeom prst="rect">
+            <a:avLst/>
+          </a:prstGeom>
+          <a:noFill/>
+        </p:spPr>
+        <p:txBody>
+          <a:bodyPr wrap="square" rtlCol="0">
+            <a:spAutoFit/>
+          </a:bodyPr>
+          <a:lstStyle/>
+          <a:p>
+            <a:pPr algn="r"/>
+            <a:r>
+              <a:rPr lang="de-DE" noProof="1" smtClean="0"/>
+              <a:t>Cell Configuration</a:t>
+            </a:r>
+            <a:endParaRPr lang="de-DE" noProof="1"/>
+          </a:p>
+        </p:txBody>
+      </p:sp>
+      <p:sp>
+        <p:nvSpPr>
+          <p:cNvPr id="34" name="Rechteck 33"/>
+          <p:cNvSpPr/>
+          <p:nvPr/>
+        </p:nvSpPr>
+        <p:spPr>
+          <a:xfrm>
+            <a:off x="2388529" y="3670149"/>
+            <a:ext cx="46800" cy="540000"/>
+          </a:xfrm>
+          <a:prstGeom prst="rect">
+            <a:avLst/>
+          </a:prstGeom>
+          <a:solidFill>
+            <a:srgbClr val="00B050"/>
+          </a:solidFill>
+          <a:ln>
+            <a:solidFill>
+              <a:schemeClr val="bg1"/>
+            </a:solidFill>
+          </a:ln>
+        </p:spPr>
+        <p:style>
+          <a:lnRef idx="2">
+            <a:schemeClr val="accent3">
+              <a:shade val="50000"/>
+            </a:schemeClr>
+          </a:lnRef>
+          <a:fillRef idx="1">
+            <a:schemeClr val="accent3"/>
+          </a:fillRef>
+          <a:effectRef idx="0">
+            <a:schemeClr val="accent3"/>
+          </a:effectRef>
+          <a:fontRef idx="minor">
+            <a:schemeClr val="lt1"/>
+          </a:fontRef>
+        </p:style>
+        <p:txBody>
+          <a:bodyPr rtlCol="0" anchor="ctr"/>
+          <a:lstStyle/>
+          <a:p>
+            <a:pPr algn="ctr"/>
+            <a:endParaRPr lang="de-DE"/>
+          </a:p>
+        </p:txBody>
+      </p:sp>
+      <p:sp>
+        <p:nvSpPr>
+          <p:cNvPr id="35" name="Textfeld 34"/>
+          <p:cNvSpPr txBox="1"/>
+          <p:nvPr/>
+        </p:nvSpPr>
+        <p:spPr>
+          <a:xfrm>
+            <a:off x="453762" y="3755483"/>
+            <a:ext cx="1948746" cy="369332"/>
+          </a:xfrm>
+          <a:prstGeom prst="rect">
+            <a:avLst/>
+          </a:prstGeom>
+          <a:noFill/>
+        </p:spPr>
+        <p:txBody>
+          <a:bodyPr wrap="square" rtlCol="0">
+            <a:spAutoFit/>
+          </a:bodyPr>
+          <a:lstStyle/>
+          <a:p>
+            <a:pPr algn="r"/>
+            <a:r>
+              <a:rPr lang="de-DE" noProof="1" smtClean="0"/>
+              <a:t>Random Access</a:t>
+            </a:r>
+            <a:endParaRPr lang="de-DE" noProof="1"/>
+          </a:p>
+        </p:txBody>
+      </p:sp>
+      <p:sp>
+        <p:nvSpPr>
+          <p:cNvPr id="36" name="Textfeld 35"/>
+          <p:cNvSpPr txBox="1"/>
+          <p:nvPr/>
+        </p:nvSpPr>
+        <p:spPr>
+          <a:xfrm>
+            <a:off x="2097216" y="884067"/>
+            <a:ext cx="971551" cy="369332"/>
+          </a:xfrm>
+          <a:prstGeom prst="rect">
+            <a:avLst/>
+          </a:prstGeom>
+          <a:noFill/>
+        </p:spPr>
+        <p:txBody>
+          <a:bodyPr wrap="square" rtlCol="0">
+            <a:spAutoFit/>
+          </a:bodyPr>
+          <a:lstStyle/>
+          <a:p>
+            <a:pPr algn="ctr"/>
+            <a:r>
+              <a:rPr lang="de-DE" noProof="1" smtClean="0"/>
+              <a:t>UE</a:t>
+            </a:r>
+            <a:endParaRPr lang="de-DE" noProof="1"/>
+          </a:p>
+        </p:txBody>
+      </p:sp>
+      <p:sp>
+        <p:nvSpPr>
+          <p:cNvPr id="37" name="Textfeld 36"/>
+          <p:cNvSpPr txBox="1"/>
+          <p:nvPr/>
+        </p:nvSpPr>
+        <p:spPr>
+          <a:xfrm>
+            <a:off x="5668311" y="877812"/>
+            <a:ext cx="971551" cy="369332"/>
+          </a:xfrm>
+          <a:prstGeom prst="rect">
+            <a:avLst/>
+          </a:prstGeom>
+          <a:noFill/>
+        </p:spPr>
+        <p:txBody>
+          <a:bodyPr wrap="square" rtlCol="0">
+            <a:spAutoFit/>
+          </a:bodyPr>
+          <a:lstStyle/>
+          <a:p>
+            <a:pPr algn="ctr"/>
+            <a:r>
+              <a:rPr lang="de-DE" noProof="1" smtClean="0"/>
+              <a:t>eNodeB</a:t>
+            </a:r>
+            <a:endParaRPr lang="de-DE" noProof="1"/>
+          </a:p>
+        </p:txBody>
+      </p:sp>
+      <p:sp>
+        <p:nvSpPr>
+          <p:cNvPr id="38" name="Rechteck 37"/>
+          <p:cNvSpPr/>
+          <p:nvPr/>
+        </p:nvSpPr>
+        <p:spPr>
+          <a:xfrm>
+            <a:off x="2390400" y="4261302"/>
+            <a:ext cx="45719" cy="900000"/>
+          </a:xfrm>
+          <a:prstGeom prst="rect">
+            <a:avLst/>
+          </a:prstGeom>
+          <a:solidFill>
+            <a:srgbClr val="FF0000"/>
+          </a:solidFill>
+          <a:ln>
+            <a:solidFill>
+              <a:schemeClr val="bg1"/>
+            </a:solidFill>
+          </a:ln>
+        </p:spPr>
+        <p:style>
+          <a:lnRef idx="2">
+            <a:schemeClr val="accent3">
+              <a:shade val="50000"/>
+            </a:schemeClr>
+          </a:lnRef>
+          <a:fillRef idx="1">
+            <a:schemeClr val="accent3"/>
+          </a:fillRef>
+          <a:effectRef idx="0">
+            <a:schemeClr val="accent3"/>
+          </a:effectRef>
+          <a:fontRef idx="minor">
+            <a:schemeClr val="lt1"/>
+          </a:fontRef>
+        </p:style>
+        <p:txBody>
+          <a:bodyPr rtlCol="0" anchor="ctr"/>
+          <a:lstStyle/>
+          <a:p>
+            <a:pPr algn="ctr"/>
+            <a:endParaRPr lang="de-DE"/>
+          </a:p>
+        </p:txBody>
+      </p:sp>
+      <p:sp>
+        <p:nvSpPr>
+          <p:cNvPr id="39" name="Textfeld 38"/>
+          <p:cNvSpPr txBox="1"/>
+          <p:nvPr/>
+        </p:nvSpPr>
+        <p:spPr>
+          <a:xfrm>
+            <a:off x="453762" y="4526636"/>
+            <a:ext cx="1948746" cy="369332"/>
+          </a:xfrm>
+          <a:prstGeom prst="rect">
+            <a:avLst/>
+          </a:prstGeom>
+          <a:noFill/>
+        </p:spPr>
+        <p:txBody>
+          <a:bodyPr wrap="square" rtlCol="0">
+            <a:spAutoFit/>
+          </a:bodyPr>
+          <a:lstStyle/>
+          <a:p>
+            <a:pPr algn="r"/>
+            <a:r>
+              <a:rPr lang="de-DE" noProof="1" smtClean="0"/>
+              <a:t>RRC Setup</a:t>
+            </a:r>
+            <a:endParaRPr lang="de-DE" noProof="1"/>
+          </a:p>
+        </p:txBody>
+      </p:sp>
+      <p:pic>
+        <p:nvPicPr>
+          <p:cNvPr id="40" name="Grafik 39"/>
+          <p:cNvPicPr>
+            <a:picLocks noChangeAspect="1"/>
+          </p:cNvPicPr>
+          <p:nvPr/>
+        </p:nvPicPr>
+        <p:blipFill>
+          <a:blip r:embed="rId2"/>
+          <a:stretch>
+            <a:fillRect/>
+          </a:stretch>
+        </p:blipFill>
+        <p:spPr>
+          <a:xfrm>
+            <a:off x="2388530" y="65155"/>
+            <a:ext cx="524211" cy="720000"/>
+          </a:xfrm>
+          <a:prstGeom prst="rect">
+            <a:avLst/>
+          </a:prstGeom>
+        </p:spPr>
+      </p:pic>
+      <p:pic>
+        <p:nvPicPr>
+          <p:cNvPr id="41" name="Grafik 40"/>
+          <p:cNvPicPr>
+            <a:picLocks noChangeAspect="1"/>
+          </p:cNvPicPr>
+          <p:nvPr/>
+        </p:nvPicPr>
+        <p:blipFill>
+          <a:blip r:embed="rId3" cstate="print">
+            <a:extLst>
+              <a:ext uri="{28A0092B-C50C-407E-A947-70E740481C1C}">
+                <a14:useLocalDpi xmlns:a14="http://schemas.microsoft.com/office/drawing/2010/main" val="0"/>
+              </a:ext>
+            </a:extLst>
+          </a:blip>
+          <a:stretch>
+            <a:fillRect/>
+          </a:stretch>
+        </p:blipFill>
+        <p:spPr>
+          <a:xfrm>
+            <a:off x="5826642" y="190867"/>
+            <a:ext cx="720000" cy="720000"/>
+          </a:xfrm>
+          <a:prstGeom prst="rect">
+            <a:avLst/>
+          </a:prstGeom>
+        </p:spPr>
+      </p:pic>
+    </p:spTree>
+    <p:extLst>
+      <p:ext uri="{BB962C8B-B14F-4D97-AF65-F5344CB8AC3E}">
+        <p14:creationId xmlns:p14="http://schemas.microsoft.com/office/powerpoint/2010/main" val="451443823"/>
+      </p:ext>
+    </p:extLst>
+  </p:cSld>
+  <p:clrMapOvr>
+    <a:masterClrMapping/>
+  </p:clrMapOvr>
+</p:sld>
+</file>
+
+<file path=ppt/slides/slide5.xml><?xml version="1.0" encoding="utf-8"?>
+<p:sld xmlns:a="http://schemas.openxmlformats.org/drawingml/2006/main" xmlns:r="http://schemas.openxmlformats.org/officeDocument/2006/relationships" xmlns:p="http://schemas.openxmlformats.org/presentationml/2006/main">
+  <p:cSld>
+    <p:spTree>
+      <p:nvGrpSpPr>
+        <p:cNvPr id="1" name=""/>
+        <p:cNvGrpSpPr/>
+        <p:nvPr/>
+      </p:nvGrpSpPr>
+      <p:grpSpPr>
+        <a:xfrm>
+          <a:off x="0" y="0"/>
+          <a:ext cx="0" cy="0"/>
+          <a:chOff x="0" y="0"/>
+          <a:chExt cx="0" cy="0"/>
+        </a:xfrm>
+      </p:grpSpPr>
+      <p:cxnSp>
+        <p:nvCxnSpPr>
+          <p:cNvPr id="5" name="Gerader Verbinder 4"/>
+          <p:cNvCxnSpPr/>
+          <p:nvPr/>
+        </p:nvCxnSpPr>
+        <p:spPr>
+          <a:xfrm flipH="1">
+            <a:off x="2567128" y="1247144"/>
+            <a:ext cx="0" cy="5519956"/>
+          </a:xfrm>
+          <a:prstGeom prst="line">
+            <a:avLst/>
+          </a:prstGeom>
+          <a:ln w="19050">
+            <a:solidFill>
+              <a:schemeClr val="bg1">
+                <a:lumMod val="65000"/>
+              </a:schemeClr>
+            </a:solidFill>
+            <a:prstDash val="lgDash"/>
+          </a:ln>
+        </p:spPr>
+        <p:style>
+          <a:lnRef idx="1">
+            <a:schemeClr val="accent1"/>
+          </a:lnRef>
+          <a:fillRef idx="0">
+            <a:schemeClr val="accent1"/>
+          </a:fillRef>
+          <a:effectRef idx="0">
+            <a:schemeClr val="accent1"/>
+          </a:effectRef>
+          <a:fontRef idx="minor">
+            <a:schemeClr val="tx1"/>
+          </a:fontRef>
+        </p:style>
+      </p:cxnSp>
+      <p:cxnSp>
+        <p:nvCxnSpPr>
+          <p:cNvPr id="6" name="Gerader Verbinder 5"/>
+          <p:cNvCxnSpPr/>
+          <p:nvPr/>
+        </p:nvCxnSpPr>
+        <p:spPr>
+          <a:xfrm flipH="1">
+            <a:off x="6154088" y="1247144"/>
+            <a:ext cx="0" cy="5519956"/>
+          </a:xfrm>
+          <a:prstGeom prst="line">
+            <a:avLst/>
+          </a:prstGeom>
+          <a:ln w="19050">
+            <a:solidFill>
+              <a:schemeClr val="bg1">
+                <a:lumMod val="75000"/>
+              </a:schemeClr>
+            </a:solidFill>
+            <a:prstDash val="lgDash"/>
+          </a:ln>
+        </p:spPr>
+        <p:style>
+          <a:lnRef idx="1">
+            <a:schemeClr val="accent1"/>
+          </a:lnRef>
+          <a:fillRef idx="0">
+            <a:schemeClr val="accent1"/>
+          </a:fillRef>
+          <a:effectRef idx="0">
+            <a:schemeClr val="accent1"/>
+          </a:effectRef>
+          <a:fontRef idx="minor">
+            <a:schemeClr val="tx1"/>
+          </a:fontRef>
+        </p:style>
+      </p:cxnSp>
+      <p:cxnSp>
+        <p:nvCxnSpPr>
+          <p:cNvPr id="8" name="Gerade Verbindung mit Pfeil 7"/>
+          <p:cNvCxnSpPr/>
+          <p:nvPr/>
+        </p:nvCxnSpPr>
+        <p:spPr>
+          <a:xfrm flipH="1">
+            <a:off x="2567129" y="1661814"/>
+            <a:ext cx="3586959" cy="0"/>
+          </a:xfrm>
+          <a:prstGeom prst="straightConnector1">
+            <a:avLst/>
+          </a:prstGeom>
+          <a:ln w="19050">
+            <a:solidFill>
+              <a:schemeClr val="tx1"/>
+            </a:solidFill>
+            <a:tailEnd type="triangle" w="lg" len="lg"/>
+          </a:ln>
+        </p:spPr>
+        <p:style>
+          <a:lnRef idx="1">
+            <a:schemeClr val="accent1"/>
+          </a:lnRef>
+          <a:fillRef idx="0">
+            <a:schemeClr val="accent1"/>
+          </a:fillRef>
+          <a:effectRef idx="0">
+            <a:schemeClr val="accent1"/>
+          </a:effectRef>
+          <a:fontRef idx="minor">
+            <a:schemeClr val="tx1"/>
+          </a:fontRef>
+        </p:style>
+      </p:cxnSp>
+      <p:sp>
+        <p:nvSpPr>
+          <p:cNvPr id="9" name="Textfeld 8"/>
+          <p:cNvSpPr txBox="1"/>
+          <p:nvPr/>
+        </p:nvSpPr>
+        <p:spPr>
+          <a:xfrm>
+            <a:off x="2971571" y="1292482"/>
+            <a:ext cx="3195560" cy="369332"/>
+          </a:xfrm>
+          <a:prstGeom prst="rect">
+            <a:avLst/>
+          </a:prstGeom>
+          <a:noFill/>
+        </p:spPr>
+        <p:txBody>
+          <a:bodyPr wrap="square" rtlCol="0">
+            <a:spAutoFit/>
+          </a:bodyPr>
+          <a:lstStyle/>
+          <a:p>
+            <a:r>
+              <a:rPr lang="de-DE" noProof="1" smtClean="0"/>
+              <a:t>Reference Signal, PSS, SSS</a:t>
+            </a:r>
+            <a:endParaRPr lang="de-DE" noProof="1"/>
+          </a:p>
+        </p:txBody>
+      </p:sp>
+      <p:cxnSp>
+        <p:nvCxnSpPr>
+          <p:cNvPr id="11" name="Gerade Verbindung mit Pfeil 10"/>
+          <p:cNvCxnSpPr/>
+          <p:nvPr/>
+        </p:nvCxnSpPr>
+        <p:spPr>
+          <a:xfrm flipH="1">
+            <a:off x="2582992" y="1988752"/>
+            <a:ext cx="3600000" cy="0"/>
+          </a:xfrm>
+          <a:prstGeom prst="straightConnector1">
+            <a:avLst/>
+          </a:prstGeom>
+          <a:ln w="19050">
+            <a:solidFill>
+              <a:schemeClr val="tx1"/>
+            </a:solidFill>
+            <a:tailEnd type="triangle" w="lg" len="lg"/>
+          </a:ln>
+        </p:spPr>
+        <p:style>
+          <a:lnRef idx="1">
+            <a:schemeClr val="accent1"/>
+          </a:lnRef>
+          <a:fillRef idx="0">
+            <a:schemeClr val="accent1"/>
+          </a:fillRef>
+          <a:effectRef idx="0">
+            <a:schemeClr val="accent1"/>
+          </a:effectRef>
+          <a:fontRef idx="minor">
+            <a:schemeClr val="tx1"/>
+          </a:fontRef>
+        </p:style>
+      </p:cxnSp>
+      <p:cxnSp>
+        <p:nvCxnSpPr>
+          <p:cNvPr id="12" name="Gerade Verbindung mit Pfeil 11"/>
+          <p:cNvCxnSpPr/>
+          <p:nvPr/>
+        </p:nvCxnSpPr>
+        <p:spPr>
+          <a:xfrm>
+            <a:off x="2582992" y="3770808"/>
+            <a:ext cx="3600000" cy="0"/>
+          </a:xfrm>
+          <a:prstGeom prst="straightConnector1">
+            <a:avLst/>
+          </a:prstGeom>
+          <a:ln w="19050">
+            <a:solidFill>
+              <a:srgbClr val="FF0000"/>
+            </a:solidFill>
+            <a:tailEnd type="triangle" w="lg" len="lg"/>
+          </a:ln>
+        </p:spPr>
+        <p:style>
+          <a:lnRef idx="1">
+            <a:schemeClr val="accent1"/>
+          </a:lnRef>
+          <a:fillRef idx="0">
+            <a:schemeClr val="accent1"/>
+          </a:fillRef>
+          <a:effectRef idx="0">
+            <a:schemeClr val="accent1"/>
+          </a:effectRef>
+          <a:fontRef idx="minor">
+            <a:schemeClr val="tx1"/>
+          </a:fontRef>
+        </p:style>
+      </p:cxnSp>
+      <p:sp>
+        <p:nvSpPr>
+          <p:cNvPr id="17" name="Textfeld 16"/>
+          <p:cNvSpPr txBox="1"/>
+          <p:nvPr/>
+        </p:nvSpPr>
+        <p:spPr>
+          <a:xfrm>
+            <a:off x="2971570" y="1639894"/>
+            <a:ext cx="3182517" cy="369332"/>
+          </a:xfrm>
+          <a:prstGeom prst="rect">
+            <a:avLst/>
+          </a:prstGeom>
+          <a:noFill/>
+        </p:spPr>
+        <p:txBody>
+          <a:bodyPr wrap="square" rtlCol="0">
+            <a:spAutoFit/>
+          </a:bodyPr>
+          <a:lstStyle/>
+          <a:p>
+            <a:r>
+              <a:rPr lang="de-DE" noProof="1" smtClean="0"/>
+              <a:t>MIB, SIB 1, SIB2, …</a:t>
+            </a:r>
+            <a:endParaRPr lang="de-DE" noProof="1"/>
+          </a:p>
+        </p:txBody>
+      </p:sp>
+      <p:sp>
+        <p:nvSpPr>
+          <p:cNvPr id="19" name="Textfeld 18"/>
+          <p:cNvSpPr txBox="1"/>
+          <p:nvPr/>
+        </p:nvSpPr>
+        <p:spPr>
+          <a:xfrm>
+            <a:off x="2891468" y="3396784"/>
+            <a:ext cx="3268274" cy="369332"/>
+          </a:xfrm>
+          <a:prstGeom prst="rect">
+            <a:avLst/>
+          </a:prstGeom>
+          <a:noFill/>
+        </p:spPr>
+        <p:txBody>
+          <a:bodyPr wrap="square" rtlCol="0">
+            <a:spAutoFit/>
+          </a:bodyPr>
+          <a:lstStyle/>
+          <a:p>
+            <a:r>
+              <a:rPr lang="de-DE" noProof="1" smtClean="0"/>
+              <a:t>PRACH Preamble</a:t>
+            </a:r>
+            <a:endParaRPr lang="de-DE" noProof="1"/>
+          </a:p>
+        </p:txBody>
+      </p:sp>
+      <p:cxnSp>
+        <p:nvCxnSpPr>
+          <p:cNvPr id="20" name="Gerade Verbindung mit Pfeil 19"/>
+          <p:cNvCxnSpPr/>
+          <p:nvPr/>
+        </p:nvCxnSpPr>
+        <p:spPr>
+          <a:xfrm flipH="1">
+            <a:off x="2567130" y="4144833"/>
+            <a:ext cx="3600000" cy="0"/>
+          </a:xfrm>
+          <a:prstGeom prst="straightConnector1">
+            <a:avLst/>
+          </a:prstGeom>
+          <a:ln w="19050">
+            <a:solidFill>
+              <a:srgbClr val="FF0000"/>
+            </a:solidFill>
+            <a:tailEnd type="triangle" w="lg" len="lg"/>
+          </a:ln>
+        </p:spPr>
+        <p:style>
+          <a:lnRef idx="1">
+            <a:schemeClr val="accent1"/>
+          </a:lnRef>
+          <a:fillRef idx="0">
+            <a:schemeClr val="accent1"/>
+          </a:fillRef>
+          <a:effectRef idx="0">
+            <a:schemeClr val="accent1"/>
+          </a:effectRef>
+          <a:fontRef idx="minor">
+            <a:schemeClr val="tx1"/>
+          </a:fontRef>
+        </p:style>
+      </p:cxnSp>
+      <p:sp>
+        <p:nvSpPr>
+          <p:cNvPr id="21" name="Textfeld 20"/>
+          <p:cNvSpPr txBox="1"/>
+          <p:nvPr/>
+        </p:nvSpPr>
+        <p:spPr>
+          <a:xfrm>
+            <a:off x="2885814" y="3770808"/>
+            <a:ext cx="3268274" cy="369332"/>
+          </a:xfrm>
+          <a:prstGeom prst="rect">
+            <a:avLst/>
+          </a:prstGeom>
+          <a:noFill/>
+        </p:spPr>
+        <p:txBody>
+          <a:bodyPr wrap="square" rtlCol="0">
+            <a:spAutoFit/>
+          </a:bodyPr>
+          <a:lstStyle/>
+          <a:p>
+            <a:r>
+              <a:rPr lang="de-DE" noProof="1" smtClean="0"/>
+              <a:t>PRACH Preamble Response</a:t>
+            </a:r>
+            <a:endParaRPr lang="de-DE" noProof="1"/>
+          </a:p>
+        </p:txBody>
+      </p:sp>
+      <p:cxnSp>
+        <p:nvCxnSpPr>
+          <p:cNvPr id="22" name="Gerade Verbindung mit Pfeil 21"/>
+          <p:cNvCxnSpPr/>
+          <p:nvPr/>
+        </p:nvCxnSpPr>
+        <p:spPr>
+          <a:xfrm flipH="1">
+            <a:off x="2567130" y="4903883"/>
+            <a:ext cx="3600000" cy="0"/>
+          </a:xfrm>
+          <a:prstGeom prst="straightConnector1">
+            <a:avLst/>
+          </a:prstGeom>
+          <a:ln w="19050">
+            <a:solidFill>
+              <a:schemeClr val="tx1"/>
+            </a:solidFill>
+            <a:tailEnd type="triangle" w="lg" len="lg"/>
+          </a:ln>
+        </p:spPr>
+        <p:style>
+          <a:lnRef idx="1">
+            <a:schemeClr val="accent1"/>
+          </a:lnRef>
+          <a:fillRef idx="0">
+            <a:schemeClr val="accent1"/>
+          </a:fillRef>
+          <a:effectRef idx="0">
+            <a:schemeClr val="accent1"/>
+          </a:effectRef>
+          <a:fontRef idx="minor">
+            <a:schemeClr val="tx1"/>
+          </a:fontRef>
+        </p:style>
+      </p:cxnSp>
+      <p:sp>
+        <p:nvSpPr>
+          <p:cNvPr id="23" name="Textfeld 22"/>
+          <p:cNvSpPr txBox="1"/>
+          <p:nvPr/>
+        </p:nvSpPr>
+        <p:spPr>
+          <a:xfrm>
+            <a:off x="2885813" y="4526636"/>
+            <a:ext cx="3281317" cy="369332"/>
+          </a:xfrm>
+          <a:prstGeom prst="rect">
+            <a:avLst/>
+          </a:prstGeom>
+          <a:noFill/>
+        </p:spPr>
+        <p:txBody>
+          <a:bodyPr wrap="square" rtlCol="0">
+            <a:spAutoFit/>
+          </a:bodyPr>
+          <a:lstStyle/>
+          <a:p>
+            <a:r>
+              <a:rPr lang="de-DE" noProof="1" smtClean="0"/>
+              <a:t>RRC Connection Setup</a:t>
+            </a:r>
+            <a:endParaRPr lang="de-DE" noProof="1"/>
+          </a:p>
+        </p:txBody>
+      </p:sp>
+      <p:cxnSp>
+        <p:nvCxnSpPr>
+          <p:cNvPr id="24" name="Gerade Verbindung mit Pfeil 23"/>
+          <p:cNvCxnSpPr/>
+          <p:nvPr/>
+        </p:nvCxnSpPr>
+        <p:spPr>
+          <a:xfrm>
+            <a:off x="2554087" y="4526636"/>
+            <a:ext cx="3600000" cy="0"/>
+          </a:xfrm>
+          <a:prstGeom prst="straightConnector1">
+            <a:avLst/>
+          </a:prstGeom>
+          <a:ln w="19050">
+            <a:solidFill>
+              <a:schemeClr val="tx1"/>
+            </a:solidFill>
+            <a:tailEnd type="triangle" w="lg" len="lg"/>
+          </a:ln>
+        </p:spPr>
+        <p:style>
+          <a:lnRef idx="1">
+            <a:schemeClr val="accent1"/>
+          </a:lnRef>
+          <a:fillRef idx="0">
+            <a:schemeClr val="accent1"/>
+          </a:fillRef>
+          <a:effectRef idx="0">
+            <a:schemeClr val="accent1"/>
+          </a:effectRef>
+          <a:fontRef idx="minor">
+            <a:schemeClr val="tx1"/>
+          </a:fontRef>
+        </p:style>
+      </p:cxnSp>
+      <p:sp>
+        <p:nvSpPr>
+          <p:cNvPr id="25" name="Textfeld 24"/>
+          <p:cNvSpPr txBox="1"/>
+          <p:nvPr/>
+        </p:nvSpPr>
+        <p:spPr>
+          <a:xfrm>
+            <a:off x="2890466" y="4144048"/>
+            <a:ext cx="3268275" cy="369332"/>
+          </a:xfrm>
+          <a:prstGeom prst="rect">
+            <a:avLst/>
+          </a:prstGeom>
+          <a:noFill/>
+        </p:spPr>
+        <p:txBody>
+          <a:bodyPr wrap="square" rtlCol="0">
+            <a:spAutoFit/>
+          </a:bodyPr>
+          <a:lstStyle/>
+          <a:p>
+            <a:r>
+              <a:rPr lang="de-DE" noProof="1" smtClean="0"/>
+              <a:t>RRC Connection Request</a:t>
+            </a:r>
+            <a:endParaRPr lang="de-DE" noProof="1"/>
+          </a:p>
+        </p:txBody>
+      </p:sp>
+      <p:cxnSp>
+        <p:nvCxnSpPr>
+          <p:cNvPr id="29" name="Gerade Verbindung mit Pfeil 28"/>
+          <p:cNvCxnSpPr/>
+          <p:nvPr/>
+        </p:nvCxnSpPr>
+        <p:spPr>
+          <a:xfrm>
+            <a:off x="2582992" y="5307095"/>
+            <a:ext cx="3600000" cy="0"/>
+          </a:xfrm>
+          <a:prstGeom prst="straightConnector1">
+            <a:avLst/>
+          </a:prstGeom>
+          <a:ln w="19050">
+            <a:solidFill>
+              <a:schemeClr val="tx1"/>
+            </a:solidFill>
+            <a:tailEnd type="triangle" w="lg" len="lg"/>
+          </a:ln>
+        </p:spPr>
+        <p:style>
+          <a:lnRef idx="1">
+            <a:schemeClr val="accent1"/>
+          </a:lnRef>
+          <a:fillRef idx="0">
+            <a:schemeClr val="accent1"/>
+          </a:fillRef>
+          <a:effectRef idx="0">
+            <a:schemeClr val="accent1"/>
+          </a:effectRef>
+          <a:fontRef idx="minor">
+            <a:schemeClr val="tx1"/>
+          </a:fontRef>
+        </p:style>
+      </p:cxnSp>
+      <p:sp>
+        <p:nvSpPr>
+          <p:cNvPr id="30" name="Textfeld 29"/>
+          <p:cNvSpPr txBox="1"/>
+          <p:nvPr/>
+        </p:nvSpPr>
+        <p:spPr>
+          <a:xfrm>
+            <a:off x="2892333" y="4936140"/>
+            <a:ext cx="3268275" cy="369332"/>
+          </a:xfrm>
+          <a:prstGeom prst="rect">
+            <a:avLst/>
+          </a:prstGeom>
+          <a:noFill/>
+        </p:spPr>
+        <p:txBody>
+          <a:bodyPr wrap="square" rtlCol="0">
+            <a:spAutoFit/>
+          </a:bodyPr>
+          <a:lstStyle/>
+          <a:p>
+            <a:r>
+              <a:rPr lang="de-DE" noProof="1" smtClean="0"/>
+              <a:t>RRC Connection Setup Complete</a:t>
+            </a:r>
+            <a:endParaRPr lang="de-DE" noProof="1"/>
+          </a:p>
+        </p:txBody>
+      </p:sp>
+      <p:sp>
+        <p:nvSpPr>
+          <p:cNvPr id="31" name="Rechteck 30"/>
+          <p:cNvSpPr/>
+          <p:nvPr/>
+        </p:nvSpPr>
+        <p:spPr>
+          <a:xfrm>
+            <a:off x="2390400" y="1558521"/>
+            <a:ext cx="45719" cy="532078"/>
+          </a:xfrm>
+          <a:prstGeom prst="rect">
+            <a:avLst/>
+          </a:prstGeom>
+          <a:ln>
+            <a:solidFill>
+              <a:schemeClr val="bg1"/>
+            </a:solidFill>
+          </a:ln>
+        </p:spPr>
+        <p:style>
+          <a:lnRef idx="2">
+            <a:schemeClr val="accent3">
+              <a:shade val="50000"/>
+            </a:schemeClr>
+          </a:lnRef>
+          <a:fillRef idx="1">
+            <a:schemeClr val="accent3"/>
+          </a:fillRef>
+          <a:effectRef idx="0">
+            <a:schemeClr val="accent3"/>
+          </a:effectRef>
+          <a:fontRef idx="minor">
+            <a:schemeClr val="lt1"/>
+          </a:fontRef>
+        </p:style>
+        <p:txBody>
+          <a:bodyPr rtlCol="0" anchor="ctr"/>
+          <a:lstStyle/>
+          <a:p>
+            <a:pPr algn="ctr"/>
+            <a:endParaRPr lang="de-DE"/>
+          </a:p>
+        </p:txBody>
+      </p:sp>
+      <p:sp>
+        <p:nvSpPr>
+          <p:cNvPr id="33" name="Textfeld 32"/>
+          <p:cNvSpPr txBox="1"/>
+          <p:nvPr/>
+        </p:nvSpPr>
+        <p:spPr>
+          <a:xfrm>
+            <a:off x="453762" y="1639894"/>
+            <a:ext cx="1948746" cy="369332"/>
+          </a:xfrm>
+          <a:prstGeom prst="rect">
+            <a:avLst/>
+          </a:prstGeom>
+          <a:noFill/>
+        </p:spPr>
+        <p:txBody>
+          <a:bodyPr wrap="square" rtlCol="0">
+            <a:spAutoFit/>
+          </a:bodyPr>
+          <a:lstStyle/>
+          <a:p>
+            <a:pPr algn="r"/>
+            <a:r>
+              <a:rPr lang="de-DE" noProof="1" smtClean="0"/>
+              <a:t>Cell Configuration</a:t>
+            </a:r>
+            <a:endParaRPr lang="de-DE" noProof="1"/>
+          </a:p>
+        </p:txBody>
+      </p:sp>
+      <p:sp>
+        <p:nvSpPr>
+          <p:cNvPr id="34" name="Rechteck 33"/>
+          <p:cNvSpPr/>
+          <p:nvPr/>
+        </p:nvSpPr>
+        <p:spPr>
+          <a:xfrm>
+            <a:off x="2388529" y="3670149"/>
+            <a:ext cx="46800" cy="540000"/>
+          </a:xfrm>
+          <a:prstGeom prst="rect">
+            <a:avLst/>
+          </a:prstGeom>
+          <a:solidFill>
+            <a:srgbClr val="00B050"/>
+          </a:solidFill>
+          <a:ln>
+            <a:solidFill>
+              <a:schemeClr val="bg1"/>
+            </a:solidFill>
+          </a:ln>
+        </p:spPr>
+        <p:style>
+          <a:lnRef idx="2">
+            <a:schemeClr val="accent3">
+              <a:shade val="50000"/>
+            </a:schemeClr>
+          </a:lnRef>
+          <a:fillRef idx="1">
+            <a:schemeClr val="accent3"/>
+          </a:fillRef>
+          <a:effectRef idx="0">
+            <a:schemeClr val="accent3"/>
+          </a:effectRef>
+          <a:fontRef idx="minor">
+            <a:schemeClr val="lt1"/>
+          </a:fontRef>
+        </p:style>
+        <p:txBody>
+          <a:bodyPr rtlCol="0" anchor="ctr"/>
+          <a:lstStyle/>
+          <a:p>
+            <a:pPr algn="ctr"/>
+            <a:endParaRPr lang="de-DE"/>
+          </a:p>
+        </p:txBody>
+      </p:sp>
+      <p:sp>
+        <p:nvSpPr>
+          <p:cNvPr id="35" name="Textfeld 34"/>
+          <p:cNvSpPr txBox="1"/>
+          <p:nvPr/>
+        </p:nvSpPr>
+        <p:spPr>
+          <a:xfrm>
+            <a:off x="453762" y="3755483"/>
+            <a:ext cx="1948746" cy="369332"/>
+          </a:xfrm>
+          <a:prstGeom prst="rect">
+            <a:avLst/>
+          </a:prstGeom>
+          <a:noFill/>
+        </p:spPr>
+        <p:txBody>
+          <a:bodyPr wrap="square" rtlCol="0">
+            <a:spAutoFit/>
+          </a:bodyPr>
+          <a:lstStyle/>
+          <a:p>
+            <a:pPr algn="r"/>
+            <a:r>
+              <a:rPr lang="de-DE" noProof="1" smtClean="0"/>
+              <a:t>Random Access</a:t>
+            </a:r>
+            <a:endParaRPr lang="de-DE" noProof="1"/>
+          </a:p>
+        </p:txBody>
+      </p:sp>
+      <p:sp>
+        <p:nvSpPr>
+          <p:cNvPr id="36" name="Textfeld 35"/>
+          <p:cNvSpPr txBox="1"/>
+          <p:nvPr/>
+        </p:nvSpPr>
+        <p:spPr>
+          <a:xfrm>
+            <a:off x="2097216" y="884067"/>
+            <a:ext cx="971551" cy="369332"/>
+          </a:xfrm>
+          <a:prstGeom prst="rect">
+            <a:avLst/>
+          </a:prstGeom>
+          <a:noFill/>
+        </p:spPr>
+        <p:txBody>
+          <a:bodyPr wrap="square" rtlCol="0">
+            <a:spAutoFit/>
+          </a:bodyPr>
+          <a:lstStyle/>
+          <a:p>
+            <a:pPr algn="ctr"/>
+            <a:r>
+              <a:rPr lang="de-DE" noProof="1" smtClean="0"/>
+              <a:t>UE</a:t>
+            </a:r>
+            <a:endParaRPr lang="de-DE" noProof="1"/>
+          </a:p>
+        </p:txBody>
+      </p:sp>
+      <p:sp>
+        <p:nvSpPr>
+          <p:cNvPr id="37" name="Textfeld 36"/>
+          <p:cNvSpPr txBox="1"/>
+          <p:nvPr/>
+        </p:nvSpPr>
+        <p:spPr>
+          <a:xfrm>
+            <a:off x="5668311" y="877812"/>
+            <a:ext cx="971551" cy="369332"/>
+          </a:xfrm>
+          <a:prstGeom prst="rect">
+            <a:avLst/>
+          </a:prstGeom>
+          <a:noFill/>
+        </p:spPr>
+        <p:txBody>
+          <a:bodyPr wrap="square" rtlCol="0">
+            <a:spAutoFit/>
+          </a:bodyPr>
+          <a:lstStyle/>
+          <a:p>
+            <a:pPr algn="ctr"/>
+            <a:r>
+              <a:rPr lang="de-DE" noProof="1" smtClean="0"/>
+              <a:t>eNodeB</a:t>
+            </a:r>
+            <a:endParaRPr lang="de-DE" noProof="1"/>
+          </a:p>
+        </p:txBody>
+      </p:sp>
+      <p:sp>
+        <p:nvSpPr>
+          <p:cNvPr id="38" name="Rechteck 37"/>
+          <p:cNvSpPr/>
+          <p:nvPr/>
+        </p:nvSpPr>
+        <p:spPr>
+          <a:xfrm>
+            <a:off x="2390400" y="4261302"/>
+            <a:ext cx="45719" cy="900000"/>
+          </a:xfrm>
+          <a:prstGeom prst="rect">
+            <a:avLst/>
+          </a:prstGeom>
+          <a:solidFill>
+            <a:srgbClr val="FF0000"/>
+          </a:solidFill>
+          <a:ln>
+            <a:solidFill>
+              <a:schemeClr val="bg1"/>
+            </a:solidFill>
+          </a:ln>
+        </p:spPr>
+        <p:style>
+          <a:lnRef idx="2">
+            <a:schemeClr val="accent3">
+              <a:shade val="50000"/>
+            </a:schemeClr>
+          </a:lnRef>
+          <a:fillRef idx="1">
+            <a:schemeClr val="accent3"/>
+          </a:fillRef>
+          <a:effectRef idx="0">
+            <a:schemeClr val="accent3"/>
+          </a:effectRef>
+          <a:fontRef idx="minor">
+            <a:schemeClr val="lt1"/>
+          </a:fontRef>
+        </p:style>
+        <p:txBody>
+          <a:bodyPr rtlCol="0" anchor="ctr"/>
+          <a:lstStyle/>
+          <a:p>
+            <a:pPr algn="ctr"/>
+            <a:endParaRPr lang="de-DE"/>
+          </a:p>
+        </p:txBody>
+      </p:sp>
+      <p:sp>
+        <p:nvSpPr>
+          <p:cNvPr id="39" name="Textfeld 38"/>
+          <p:cNvSpPr txBox="1"/>
+          <p:nvPr/>
+        </p:nvSpPr>
+        <p:spPr>
+          <a:xfrm>
+            <a:off x="453762" y="4526636"/>
+            <a:ext cx="1948746" cy="369332"/>
+          </a:xfrm>
+          <a:prstGeom prst="rect">
+            <a:avLst/>
+          </a:prstGeom>
+          <a:noFill/>
+        </p:spPr>
+        <p:txBody>
+          <a:bodyPr wrap="square" rtlCol="0">
+            <a:spAutoFit/>
+          </a:bodyPr>
+          <a:lstStyle/>
+          <a:p>
+            <a:pPr algn="r"/>
+            <a:r>
+              <a:rPr lang="de-DE" noProof="1" smtClean="0"/>
+              <a:t>RRC Setup</a:t>
+            </a:r>
+            <a:endParaRPr lang="de-DE" noProof="1"/>
+          </a:p>
+        </p:txBody>
+      </p:sp>
+      <p:pic>
+        <p:nvPicPr>
+          <p:cNvPr id="40" name="Grafik 39"/>
+          <p:cNvPicPr>
+            <a:picLocks noChangeAspect="1"/>
+          </p:cNvPicPr>
+          <p:nvPr/>
+        </p:nvPicPr>
+        <p:blipFill>
+          <a:blip r:embed="rId2"/>
+          <a:stretch>
+            <a:fillRect/>
+          </a:stretch>
+        </p:blipFill>
+        <p:spPr>
+          <a:xfrm>
+            <a:off x="2388530" y="65155"/>
+            <a:ext cx="524211" cy="720000"/>
+          </a:xfrm>
+          <a:prstGeom prst="rect">
+            <a:avLst/>
+          </a:prstGeom>
+        </p:spPr>
+      </p:pic>
+      <p:pic>
+        <p:nvPicPr>
+          <p:cNvPr id="41" name="Grafik 40"/>
+          <p:cNvPicPr>
+            <a:picLocks noChangeAspect="1"/>
+          </p:cNvPicPr>
+          <p:nvPr/>
+        </p:nvPicPr>
+        <p:blipFill>
+          <a:blip r:embed="rId3" cstate="print">
+            <a:extLst>
+              <a:ext uri="{28A0092B-C50C-407E-A947-70E740481C1C}">
+                <a14:useLocalDpi xmlns:a14="http://schemas.microsoft.com/office/drawing/2010/main" val="0"/>
+              </a:ext>
+            </a:extLst>
+          </a:blip>
+          <a:stretch>
+            <a:fillRect/>
+          </a:stretch>
+        </p:blipFill>
+        <p:spPr>
+          <a:xfrm>
+            <a:off x="5826642" y="190867"/>
+            <a:ext cx="720000" cy="720000"/>
+          </a:xfrm>
+          <a:prstGeom prst="rect">
+            <a:avLst/>
+          </a:prstGeom>
+        </p:spPr>
+      </p:pic>
+    </p:spTree>
+    <p:extLst>
+      <p:ext uri="{BB962C8B-B14F-4D97-AF65-F5344CB8AC3E}">
+        <p14:creationId xmlns:p14="http://schemas.microsoft.com/office/powerpoint/2010/main" val="2086634028"/>
+      </p:ext>
+    </p:extLst>
+  </p:cSld>
+  <p:clrMapOvr>
+    <a:masterClrMapping/>
+  </p:clrMapOvr>
+</p:sld>
+</file>
+
+<file path=ppt/slides/slide6.xml><?xml version="1.0" encoding="utf-8"?>
+<p:sld xmlns:a="http://schemas.openxmlformats.org/drawingml/2006/main" xmlns:r="http://schemas.openxmlformats.org/officeDocument/2006/relationships" xmlns:p="http://schemas.openxmlformats.org/presentationml/2006/main">
+  <p:cSld>
+    <p:spTree>
+      <p:nvGrpSpPr>
+        <p:cNvPr id="1" name=""/>
+        <p:cNvGrpSpPr/>
+        <p:nvPr/>
+      </p:nvGrpSpPr>
+      <p:grpSpPr>
+        <a:xfrm>
+          <a:off x="0" y="0"/>
+          <a:ext cx="0" cy="0"/>
+          <a:chOff x="0" y="0"/>
+          <a:chExt cx="0" cy="0"/>
+        </a:xfrm>
+      </p:grpSpPr>
+      <p:cxnSp>
+        <p:nvCxnSpPr>
+          <p:cNvPr id="5" name="Gerader Verbinder 4"/>
+          <p:cNvCxnSpPr/>
+          <p:nvPr/>
+        </p:nvCxnSpPr>
+        <p:spPr>
+          <a:xfrm flipH="1">
+            <a:off x="2567128" y="1247144"/>
+            <a:ext cx="0" cy="5519956"/>
+          </a:xfrm>
+          <a:prstGeom prst="line">
+            <a:avLst/>
+          </a:prstGeom>
+          <a:ln w="19050">
+            <a:solidFill>
+              <a:schemeClr val="bg1">
+                <a:lumMod val="65000"/>
+              </a:schemeClr>
+            </a:solidFill>
+            <a:prstDash val="lgDash"/>
+          </a:ln>
+        </p:spPr>
+        <p:style>
+          <a:lnRef idx="1">
+            <a:schemeClr val="accent1"/>
+          </a:lnRef>
+          <a:fillRef idx="0">
+            <a:schemeClr val="accent1"/>
+          </a:fillRef>
+          <a:effectRef idx="0">
+            <a:schemeClr val="accent1"/>
+          </a:effectRef>
+          <a:fontRef idx="minor">
+            <a:schemeClr val="tx1"/>
+          </a:fontRef>
+        </p:style>
+      </p:cxnSp>
+      <p:cxnSp>
+        <p:nvCxnSpPr>
+          <p:cNvPr id="6" name="Gerader Verbinder 5"/>
+          <p:cNvCxnSpPr/>
+          <p:nvPr/>
+        </p:nvCxnSpPr>
+        <p:spPr>
+          <a:xfrm flipH="1">
+            <a:off x="6154088" y="1247144"/>
+            <a:ext cx="0" cy="5519956"/>
+          </a:xfrm>
+          <a:prstGeom prst="line">
+            <a:avLst/>
+          </a:prstGeom>
+          <a:ln w="19050">
+            <a:solidFill>
+              <a:schemeClr val="bg1">
+                <a:lumMod val="75000"/>
+              </a:schemeClr>
+            </a:solidFill>
+            <a:prstDash val="lgDash"/>
+          </a:ln>
+        </p:spPr>
+        <p:style>
+          <a:lnRef idx="1">
+            <a:schemeClr val="accent1"/>
+          </a:lnRef>
+          <a:fillRef idx="0">
+            <a:schemeClr val="accent1"/>
+          </a:fillRef>
+          <a:effectRef idx="0">
+            <a:schemeClr val="accent1"/>
+          </a:effectRef>
+          <a:fontRef idx="minor">
+            <a:schemeClr val="tx1"/>
+          </a:fontRef>
+        </p:style>
+      </p:cxnSp>
+      <p:cxnSp>
+        <p:nvCxnSpPr>
+          <p:cNvPr id="8" name="Gerade Verbindung mit Pfeil 7"/>
+          <p:cNvCxnSpPr/>
+          <p:nvPr/>
+        </p:nvCxnSpPr>
+        <p:spPr>
+          <a:xfrm flipH="1">
+            <a:off x="2567129" y="1661814"/>
+            <a:ext cx="3586959" cy="0"/>
+          </a:xfrm>
+          <a:prstGeom prst="straightConnector1">
+            <a:avLst/>
+          </a:prstGeom>
+          <a:ln w="19050">
+            <a:solidFill>
+              <a:schemeClr val="tx1"/>
+            </a:solidFill>
+            <a:tailEnd type="triangle" w="lg" len="lg"/>
+          </a:ln>
+        </p:spPr>
+        <p:style>
+          <a:lnRef idx="1">
+            <a:schemeClr val="accent1"/>
+          </a:lnRef>
+          <a:fillRef idx="0">
+            <a:schemeClr val="accent1"/>
+          </a:fillRef>
+          <a:effectRef idx="0">
+            <a:schemeClr val="accent1"/>
+          </a:effectRef>
+          <a:fontRef idx="minor">
+            <a:schemeClr val="tx1"/>
+          </a:fontRef>
+        </p:style>
+      </p:cxnSp>
+      <p:sp>
+        <p:nvSpPr>
+          <p:cNvPr id="9" name="Textfeld 8"/>
+          <p:cNvSpPr txBox="1"/>
+          <p:nvPr/>
+        </p:nvSpPr>
+        <p:spPr>
+          <a:xfrm>
+            <a:off x="2971571" y="1292482"/>
+            <a:ext cx="3195560" cy="369332"/>
+          </a:xfrm>
+          <a:prstGeom prst="rect">
+            <a:avLst/>
+          </a:prstGeom>
+          <a:noFill/>
+        </p:spPr>
+        <p:txBody>
+          <a:bodyPr wrap="square" rtlCol="0">
+            <a:spAutoFit/>
+          </a:bodyPr>
+          <a:lstStyle/>
+          <a:p>
+            <a:r>
+              <a:rPr lang="de-DE" noProof="1" smtClean="0"/>
+              <a:t>Reference Signal, PSS, SSS</a:t>
+            </a:r>
+            <a:endParaRPr lang="de-DE" noProof="1"/>
+          </a:p>
+        </p:txBody>
+      </p:sp>
+      <p:cxnSp>
+        <p:nvCxnSpPr>
+          <p:cNvPr id="11" name="Gerade Verbindung mit Pfeil 10"/>
+          <p:cNvCxnSpPr/>
+          <p:nvPr/>
+        </p:nvCxnSpPr>
+        <p:spPr>
+          <a:xfrm flipH="1">
+            <a:off x="2582992" y="1988752"/>
+            <a:ext cx="3600000" cy="0"/>
+          </a:xfrm>
+          <a:prstGeom prst="straightConnector1">
+            <a:avLst/>
+          </a:prstGeom>
+          <a:ln w="19050">
+            <a:solidFill>
+              <a:schemeClr val="tx1"/>
+            </a:solidFill>
+            <a:tailEnd type="triangle" w="lg" len="lg"/>
+          </a:ln>
+        </p:spPr>
+        <p:style>
+          <a:lnRef idx="1">
+            <a:schemeClr val="accent1"/>
+          </a:lnRef>
+          <a:fillRef idx="0">
+            <a:schemeClr val="accent1"/>
+          </a:fillRef>
+          <a:effectRef idx="0">
+            <a:schemeClr val="accent1"/>
+          </a:effectRef>
+          <a:fontRef idx="minor">
+            <a:schemeClr val="tx1"/>
+          </a:fontRef>
+        </p:style>
+      </p:cxnSp>
+      <p:cxnSp>
+        <p:nvCxnSpPr>
+          <p:cNvPr id="12" name="Gerade Verbindung mit Pfeil 11"/>
+          <p:cNvCxnSpPr/>
+          <p:nvPr/>
+        </p:nvCxnSpPr>
+        <p:spPr>
+          <a:xfrm>
+            <a:off x="2582992" y="3770808"/>
+            <a:ext cx="3600000" cy="0"/>
+          </a:xfrm>
+          <a:prstGeom prst="straightConnector1">
+            <a:avLst/>
+          </a:prstGeom>
+          <a:ln w="19050">
+            <a:solidFill>
+              <a:schemeClr val="tx1"/>
+            </a:solidFill>
+            <a:tailEnd type="triangle" w="lg" len="lg"/>
+          </a:ln>
+        </p:spPr>
+        <p:style>
+          <a:lnRef idx="1">
+            <a:schemeClr val="accent1"/>
+          </a:lnRef>
+          <a:fillRef idx="0">
+            <a:schemeClr val="accent1"/>
+          </a:fillRef>
+          <a:effectRef idx="0">
+            <a:schemeClr val="accent1"/>
+          </a:effectRef>
+          <a:fontRef idx="minor">
+            <a:schemeClr val="tx1"/>
+          </a:fontRef>
+        </p:style>
+      </p:cxnSp>
+      <p:sp>
+        <p:nvSpPr>
+          <p:cNvPr id="17" name="Textfeld 16"/>
+          <p:cNvSpPr txBox="1"/>
+          <p:nvPr/>
+        </p:nvSpPr>
+        <p:spPr>
+          <a:xfrm>
+            <a:off x="2971570" y="1639894"/>
+            <a:ext cx="3182517" cy="369332"/>
+          </a:xfrm>
+          <a:prstGeom prst="rect">
+            <a:avLst/>
+          </a:prstGeom>
+          <a:noFill/>
+        </p:spPr>
+        <p:txBody>
+          <a:bodyPr wrap="square" rtlCol="0">
+            <a:spAutoFit/>
+          </a:bodyPr>
+          <a:lstStyle/>
+          <a:p>
+            <a:r>
+              <a:rPr lang="de-DE" noProof="1" smtClean="0"/>
+              <a:t>MIB, SIB 1, SIB2, …</a:t>
+            </a:r>
+            <a:endParaRPr lang="de-DE" noProof="1"/>
+          </a:p>
+        </p:txBody>
+      </p:sp>
+      <p:sp>
+        <p:nvSpPr>
+          <p:cNvPr id="19" name="Textfeld 18"/>
+          <p:cNvSpPr txBox="1"/>
+          <p:nvPr/>
+        </p:nvSpPr>
+        <p:spPr>
+          <a:xfrm>
+            <a:off x="2891468" y="3396784"/>
+            <a:ext cx="3268274" cy="369332"/>
+          </a:xfrm>
+          <a:prstGeom prst="rect">
+            <a:avLst/>
+          </a:prstGeom>
+          <a:noFill/>
+        </p:spPr>
+        <p:txBody>
+          <a:bodyPr wrap="square" rtlCol="0">
+            <a:spAutoFit/>
+          </a:bodyPr>
+          <a:lstStyle/>
+          <a:p>
+            <a:r>
+              <a:rPr lang="de-DE" noProof="1" smtClean="0"/>
+              <a:t>PRACH Preamble</a:t>
+            </a:r>
+            <a:endParaRPr lang="de-DE" noProof="1"/>
+          </a:p>
+        </p:txBody>
+      </p:sp>
+      <p:cxnSp>
+        <p:nvCxnSpPr>
+          <p:cNvPr id="20" name="Gerade Verbindung mit Pfeil 19"/>
+          <p:cNvCxnSpPr/>
+          <p:nvPr/>
+        </p:nvCxnSpPr>
+        <p:spPr>
+          <a:xfrm flipH="1">
+            <a:off x="2567130" y="4144833"/>
+            <a:ext cx="3600000" cy="0"/>
+          </a:xfrm>
+          <a:prstGeom prst="straightConnector1">
+            <a:avLst/>
+          </a:prstGeom>
+          <a:ln w="19050">
+            <a:solidFill>
+              <a:schemeClr val="tx1"/>
+            </a:solidFill>
+            <a:tailEnd type="triangle" w="lg" len="lg"/>
+          </a:ln>
+        </p:spPr>
+        <p:style>
+          <a:lnRef idx="1">
+            <a:schemeClr val="accent1"/>
+          </a:lnRef>
+          <a:fillRef idx="0">
+            <a:schemeClr val="accent1"/>
+          </a:fillRef>
+          <a:effectRef idx="0">
+            <a:schemeClr val="accent1"/>
+          </a:effectRef>
+          <a:fontRef idx="minor">
+            <a:schemeClr val="tx1"/>
+          </a:fontRef>
+        </p:style>
+      </p:cxnSp>
+      <p:sp>
+        <p:nvSpPr>
+          <p:cNvPr id="21" name="Textfeld 20"/>
+          <p:cNvSpPr txBox="1"/>
+          <p:nvPr/>
+        </p:nvSpPr>
+        <p:spPr>
+          <a:xfrm>
+            <a:off x="2885814" y="3770808"/>
+            <a:ext cx="3268274" cy="369332"/>
+          </a:xfrm>
+          <a:prstGeom prst="rect">
+            <a:avLst/>
+          </a:prstGeom>
+          <a:noFill/>
+        </p:spPr>
+        <p:txBody>
+          <a:bodyPr wrap="square" rtlCol="0">
+            <a:spAutoFit/>
+          </a:bodyPr>
+          <a:lstStyle/>
+          <a:p>
+            <a:r>
+              <a:rPr lang="de-DE" noProof="1" smtClean="0"/>
+              <a:t>PRACH Preamble Response</a:t>
+            </a:r>
+            <a:endParaRPr lang="de-DE" noProof="1"/>
+          </a:p>
+        </p:txBody>
+      </p:sp>
+      <p:cxnSp>
+        <p:nvCxnSpPr>
+          <p:cNvPr id="22" name="Gerade Verbindung mit Pfeil 21"/>
+          <p:cNvCxnSpPr/>
+          <p:nvPr/>
+        </p:nvCxnSpPr>
+        <p:spPr>
+          <a:xfrm flipH="1">
+            <a:off x="2567130" y="4903883"/>
+            <a:ext cx="3600000" cy="0"/>
+          </a:xfrm>
+          <a:prstGeom prst="straightConnector1">
+            <a:avLst/>
+          </a:prstGeom>
+          <a:ln w="19050">
+            <a:solidFill>
+              <a:srgbClr val="FF0000"/>
+            </a:solidFill>
+            <a:tailEnd type="triangle" w="lg" len="lg"/>
+          </a:ln>
+        </p:spPr>
+        <p:style>
+          <a:lnRef idx="1">
+            <a:schemeClr val="accent1"/>
+          </a:lnRef>
+          <a:fillRef idx="0">
+            <a:schemeClr val="accent1"/>
+          </a:fillRef>
+          <a:effectRef idx="0">
+            <a:schemeClr val="accent1"/>
+          </a:effectRef>
+          <a:fontRef idx="minor">
+            <a:schemeClr val="tx1"/>
+          </a:fontRef>
+        </p:style>
+      </p:cxnSp>
+      <p:sp>
+        <p:nvSpPr>
+          <p:cNvPr id="23" name="Textfeld 22"/>
+          <p:cNvSpPr txBox="1"/>
+          <p:nvPr/>
+        </p:nvSpPr>
+        <p:spPr>
+          <a:xfrm>
+            <a:off x="2885813" y="4526636"/>
+            <a:ext cx="3281317" cy="369332"/>
+          </a:xfrm>
+          <a:prstGeom prst="rect">
+            <a:avLst/>
+          </a:prstGeom>
+          <a:noFill/>
+        </p:spPr>
+        <p:txBody>
+          <a:bodyPr wrap="square" rtlCol="0">
+            <a:spAutoFit/>
+          </a:bodyPr>
+          <a:lstStyle/>
+          <a:p>
+            <a:r>
+              <a:rPr lang="de-DE" noProof="1" smtClean="0"/>
+              <a:t>RRC Connection Setup</a:t>
+            </a:r>
+            <a:endParaRPr lang="de-DE" noProof="1"/>
+          </a:p>
+        </p:txBody>
+      </p:sp>
+      <p:cxnSp>
+        <p:nvCxnSpPr>
+          <p:cNvPr id="24" name="Gerade Verbindung mit Pfeil 23"/>
+          <p:cNvCxnSpPr/>
+          <p:nvPr/>
+        </p:nvCxnSpPr>
+        <p:spPr>
+          <a:xfrm>
+            <a:off x="2554087" y="4526636"/>
+            <a:ext cx="3600000" cy="0"/>
+          </a:xfrm>
+          <a:prstGeom prst="straightConnector1">
+            <a:avLst/>
+          </a:prstGeom>
+          <a:ln w="19050">
+            <a:solidFill>
+              <a:srgbClr val="FF0000"/>
+            </a:solidFill>
+            <a:tailEnd type="triangle" w="lg" len="lg"/>
+          </a:ln>
+        </p:spPr>
+        <p:style>
+          <a:lnRef idx="1">
+            <a:schemeClr val="accent1"/>
+          </a:lnRef>
+          <a:fillRef idx="0">
+            <a:schemeClr val="accent1"/>
+          </a:fillRef>
+          <a:effectRef idx="0">
+            <a:schemeClr val="accent1"/>
+          </a:effectRef>
+          <a:fontRef idx="minor">
+            <a:schemeClr val="tx1"/>
+          </a:fontRef>
+        </p:style>
+      </p:cxnSp>
+      <p:sp>
+        <p:nvSpPr>
+          <p:cNvPr id="25" name="Textfeld 24"/>
+          <p:cNvSpPr txBox="1"/>
+          <p:nvPr/>
+        </p:nvSpPr>
+        <p:spPr>
+          <a:xfrm>
+            <a:off x="2890466" y="4144048"/>
+            <a:ext cx="3268275" cy="369332"/>
+          </a:xfrm>
+          <a:prstGeom prst="rect">
+            <a:avLst/>
+          </a:prstGeom>
+          <a:noFill/>
+        </p:spPr>
+        <p:txBody>
+          <a:bodyPr wrap="square" rtlCol="0">
+            <a:spAutoFit/>
+          </a:bodyPr>
+          <a:lstStyle/>
+          <a:p>
+            <a:r>
+              <a:rPr lang="de-DE" noProof="1" smtClean="0"/>
+              <a:t>RRC Connection Request</a:t>
+            </a:r>
+            <a:endParaRPr lang="de-DE" noProof="1"/>
+          </a:p>
+        </p:txBody>
+      </p:sp>
+      <p:cxnSp>
+        <p:nvCxnSpPr>
+          <p:cNvPr id="29" name="Gerade Verbindung mit Pfeil 28"/>
+          <p:cNvCxnSpPr/>
+          <p:nvPr/>
+        </p:nvCxnSpPr>
+        <p:spPr>
+          <a:xfrm>
+            <a:off x="2582992" y="5307095"/>
+            <a:ext cx="3600000" cy="0"/>
+          </a:xfrm>
+          <a:prstGeom prst="straightConnector1">
+            <a:avLst/>
+          </a:prstGeom>
+          <a:ln w="19050">
+            <a:solidFill>
+              <a:srgbClr val="FF0000"/>
+            </a:solidFill>
+            <a:tailEnd type="triangle" w="lg" len="lg"/>
+          </a:ln>
+        </p:spPr>
+        <p:style>
+          <a:lnRef idx="1">
+            <a:schemeClr val="accent1"/>
+          </a:lnRef>
+          <a:fillRef idx="0">
+            <a:schemeClr val="accent1"/>
+          </a:fillRef>
+          <a:effectRef idx="0">
+            <a:schemeClr val="accent1"/>
+          </a:effectRef>
+          <a:fontRef idx="minor">
+            <a:schemeClr val="tx1"/>
+          </a:fontRef>
+        </p:style>
+      </p:cxnSp>
+      <p:sp>
+        <p:nvSpPr>
+          <p:cNvPr id="30" name="Textfeld 29"/>
+          <p:cNvSpPr txBox="1"/>
+          <p:nvPr/>
+        </p:nvSpPr>
+        <p:spPr>
+          <a:xfrm>
+            <a:off x="2892333" y="4936140"/>
+            <a:ext cx="3268275" cy="369332"/>
+          </a:xfrm>
+          <a:prstGeom prst="rect">
+            <a:avLst/>
+          </a:prstGeom>
+          <a:noFill/>
+        </p:spPr>
+        <p:txBody>
+          <a:bodyPr wrap="square" rtlCol="0">
+            <a:spAutoFit/>
+          </a:bodyPr>
+          <a:lstStyle/>
+          <a:p>
+            <a:r>
+              <a:rPr lang="de-DE" noProof="1" smtClean="0"/>
+              <a:t>RRC Connection Setup Complete</a:t>
+            </a:r>
+            <a:endParaRPr lang="de-DE" noProof="1"/>
+          </a:p>
+        </p:txBody>
+      </p:sp>
+      <p:sp>
+        <p:nvSpPr>
+          <p:cNvPr id="31" name="Rechteck 30"/>
+          <p:cNvSpPr/>
+          <p:nvPr/>
+        </p:nvSpPr>
+        <p:spPr>
+          <a:xfrm>
+            <a:off x="2390400" y="1558521"/>
+            <a:ext cx="45719" cy="532078"/>
+          </a:xfrm>
+          <a:prstGeom prst="rect">
+            <a:avLst/>
+          </a:prstGeom>
+          <a:ln>
+            <a:solidFill>
+              <a:schemeClr val="bg1"/>
+            </a:solidFill>
+          </a:ln>
+        </p:spPr>
+        <p:style>
+          <a:lnRef idx="2">
+            <a:schemeClr val="accent3">
+              <a:shade val="50000"/>
+            </a:schemeClr>
+          </a:lnRef>
+          <a:fillRef idx="1">
+            <a:schemeClr val="accent3"/>
+          </a:fillRef>
+          <a:effectRef idx="0">
+            <a:schemeClr val="accent3"/>
+          </a:effectRef>
+          <a:fontRef idx="minor">
+            <a:schemeClr val="lt1"/>
+          </a:fontRef>
+        </p:style>
+        <p:txBody>
+          <a:bodyPr rtlCol="0" anchor="ctr"/>
+          <a:lstStyle/>
+          <a:p>
+            <a:pPr algn="ctr"/>
+            <a:endParaRPr lang="de-DE"/>
+          </a:p>
+        </p:txBody>
+      </p:sp>
+      <p:sp>
+        <p:nvSpPr>
+          <p:cNvPr id="33" name="Textfeld 32"/>
+          <p:cNvSpPr txBox="1"/>
+          <p:nvPr/>
+        </p:nvSpPr>
+        <p:spPr>
+          <a:xfrm>
+            <a:off x="453762" y="1639894"/>
+            <a:ext cx="1948746" cy="369332"/>
+          </a:xfrm>
+          <a:prstGeom prst="rect">
+            <a:avLst/>
+          </a:prstGeom>
+          <a:noFill/>
+        </p:spPr>
+        <p:txBody>
+          <a:bodyPr wrap="square" rtlCol="0">
+            <a:spAutoFit/>
+          </a:bodyPr>
+          <a:lstStyle/>
+          <a:p>
+            <a:pPr algn="r"/>
+            <a:r>
+              <a:rPr lang="de-DE" noProof="1" smtClean="0"/>
+              <a:t>Cell Configuration</a:t>
+            </a:r>
+            <a:endParaRPr lang="de-DE" noProof="1"/>
+          </a:p>
+        </p:txBody>
+      </p:sp>
+      <p:sp>
+        <p:nvSpPr>
+          <p:cNvPr id="34" name="Rechteck 33"/>
+          <p:cNvSpPr/>
+          <p:nvPr/>
+        </p:nvSpPr>
+        <p:spPr>
+          <a:xfrm>
+            <a:off x="2388529" y="3670149"/>
+            <a:ext cx="46800" cy="540000"/>
+          </a:xfrm>
+          <a:prstGeom prst="rect">
+            <a:avLst/>
+          </a:prstGeom>
+          <a:solidFill>
+            <a:srgbClr val="00B050"/>
+          </a:solidFill>
+          <a:ln>
+            <a:solidFill>
+              <a:schemeClr val="bg1"/>
+            </a:solidFill>
+          </a:ln>
+        </p:spPr>
+        <p:style>
+          <a:lnRef idx="2">
+            <a:schemeClr val="accent3">
+              <a:shade val="50000"/>
+            </a:schemeClr>
+          </a:lnRef>
+          <a:fillRef idx="1">
+            <a:schemeClr val="accent3"/>
+          </a:fillRef>
+          <a:effectRef idx="0">
+            <a:schemeClr val="accent3"/>
+          </a:effectRef>
+          <a:fontRef idx="minor">
+            <a:schemeClr val="lt1"/>
+          </a:fontRef>
+        </p:style>
+        <p:txBody>
+          <a:bodyPr rtlCol="0" anchor="ctr"/>
+          <a:lstStyle/>
+          <a:p>
+            <a:pPr algn="ctr"/>
+            <a:endParaRPr lang="de-DE"/>
+          </a:p>
+        </p:txBody>
+      </p:sp>
+      <p:sp>
+        <p:nvSpPr>
+          <p:cNvPr id="35" name="Textfeld 34"/>
+          <p:cNvSpPr txBox="1"/>
+          <p:nvPr/>
+        </p:nvSpPr>
+        <p:spPr>
+          <a:xfrm>
+            <a:off x="453762" y="3755483"/>
+            <a:ext cx="1948746" cy="369332"/>
+          </a:xfrm>
+          <a:prstGeom prst="rect">
+            <a:avLst/>
+          </a:prstGeom>
+          <a:noFill/>
+        </p:spPr>
+        <p:txBody>
+          <a:bodyPr wrap="square" rtlCol="0">
+            <a:spAutoFit/>
+          </a:bodyPr>
+          <a:lstStyle/>
+          <a:p>
+            <a:pPr algn="r"/>
+            <a:r>
+              <a:rPr lang="de-DE" noProof="1" smtClean="0"/>
+              <a:t>Random Access</a:t>
+            </a:r>
+            <a:endParaRPr lang="de-DE" noProof="1"/>
+          </a:p>
+        </p:txBody>
+      </p:sp>
+      <p:sp>
+        <p:nvSpPr>
+          <p:cNvPr id="36" name="Textfeld 35"/>
+          <p:cNvSpPr txBox="1"/>
+          <p:nvPr/>
+        </p:nvSpPr>
+        <p:spPr>
+          <a:xfrm>
+            <a:off x="2097216" y="884067"/>
+            <a:ext cx="971551" cy="369332"/>
+          </a:xfrm>
+          <a:prstGeom prst="rect">
+            <a:avLst/>
+          </a:prstGeom>
+          <a:noFill/>
+        </p:spPr>
+        <p:txBody>
+          <a:bodyPr wrap="square" rtlCol="0">
+            <a:spAutoFit/>
+          </a:bodyPr>
+          <a:lstStyle/>
+          <a:p>
+            <a:pPr algn="ctr"/>
+            <a:r>
+              <a:rPr lang="de-DE" noProof="1" smtClean="0"/>
+              <a:t>UE</a:t>
+            </a:r>
+            <a:endParaRPr lang="de-DE" noProof="1"/>
+          </a:p>
+        </p:txBody>
+      </p:sp>
+      <p:sp>
+        <p:nvSpPr>
+          <p:cNvPr id="37" name="Textfeld 36"/>
+          <p:cNvSpPr txBox="1"/>
+          <p:nvPr/>
+        </p:nvSpPr>
+        <p:spPr>
+          <a:xfrm>
+            <a:off x="5668311" y="877812"/>
+            <a:ext cx="971551" cy="369332"/>
+          </a:xfrm>
+          <a:prstGeom prst="rect">
+            <a:avLst/>
+          </a:prstGeom>
+          <a:noFill/>
+        </p:spPr>
+        <p:txBody>
+          <a:bodyPr wrap="square" rtlCol="0">
+            <a:spAutoFit/>
+          </a:bodyPr>
+          <a:lstStyle/>
+          <a:p>
+            <a:pPr algn="ctr"/>
+            <a:r>
+              <a:rPr lang="de-DE" noProof="1" smtClean="0"/>
+              <a:t>eNodeB</a:t>
+            </a:r>
+            <a:endParaRPr lang="de-DE" noProof="1"/>
+          </a:p>
+        </p:txBody>
+      </p:sp>
+      <p:sp>
+        <p:nvSpPr>
+          <p:cNvPr id="38" name="Rechteck 37"/>
+          <p:cNvSpPr/>
+          <p:nvPr/>
+        </p:nvSpPr>
+        <p:spPr>
+          <a:xfrm>
+            <a:off x="2390400" y="4261302"/>
+            <a:ext cx="45719" cy="900000"/>
+          </a:xfrm>
+          <a:prstGeom prst="rect">
+            <a:avLst/>
+          </a:prstGeom>
+          <a:solidFill>
+            <a:srgbClr val="FF0000"/>
+          </a:solidFill>
+          <a:ln>
+            <a:solidFill>
+              <a:schemeClr val="bg1"/>
+            </a:solidFill>
+          </a:ln>
+        </p:spPr>
+        <p:style>
+          <a:lnRef idx="2">
+            <a:schemeClr val="accent3">
+              <a:shade val="50000"/>
+            </a:schemeClr>
+          </a:lnRef>
+          <a:fillRef idx="1">
+            <a:schemeClr val="accent3"/>
+          </a:fillRef>
+          <a:effectRef idx="0">
+            <a:schemeClr val="accent3"/>
+          </a:effectRef>
+          <a:fontRef idx="minor">
+            <a:schemeClr val="lt1"/>
+          </a:fontRef>
+        </p:style>
+        <p:txBody>
+          <a:bodyPr rtlCol="0" anchor="ctr"/>
+          <a:lstStyle/>
+          <a:p>
+            <a:pPr algn="ctr"/>
+            <a:endParaRPr lang="de-DE"/>
+          </a:p>
+        </p:txBody>
+      </p:sp>
+      <p:sp>
+        <p:nvSpPr>
+          <p:cNvPr id="39" name="Textfeld 38"/>
+          <p:cNvSpPr txBox="1"/>
+          <p:nvPr/>
+        </p:nvSpPr>
+        <p:spPr>
+          <a:xfrm>
+            <a:off x="453762" y="4526636"/>
+            <a:ext cx="1948746" cy="369332"/>
+          </a:xfrm>
+          <a:prstGeom prst="rect">
+            <a:avLst/>
+          </a:prstGeom>
+          <a:noFill/>
+        </p:spPr>
+        <p:txBody>
+          <a:bodyPr wrap="square" rtlCol="0">
+            <a:spAutoFit/>
+          </a:bodyPr>
+          <a:lstStyle/>
+          <a:p>
+            <a:pPr algn="r"/>
+            <a:r>
+              <a:rPr lang="de-DE" noProof="1" smtClean="0"/>
+              <a:t>RRC Setup</a:t>
+            </a:r>
+            <a:endParaRPr lang="de-DE" noProof="1"/>
+          </a:p>
+        </p:txBody>
+      </p:sp>
+      <p:pic>
+        <p:nvPicPr>
+          <p:cNvPr id="40" name="Grafik 39"/>
+          <p:cNvPicPr>
+            <a:picLocks noChangeAspect="1"/>
+          </p:cNvPicPr>
+          <p:nvPr/>
+        </p:nvPicPr>
+        <p:blipFill>
+          <a:blip r:embed="rId2"/>
+          <a:stretch>
+            <a:fillRect/>
+          </a:stretch>
+        </p:blipFill>
+        <p:spPr>
+          <a:xfrm>
+            <a:off x="2388530" y="65155"/>
+            <a:ext cx="524211" cy="720000"/>
+          </a:xfrm>
+          <a:prstGeom prst="rect">
+            <a:avLst/>
+          </a:prstGeom>
+        </p:spPr>
+      </p:pic>
+      <p:pic>
+        <p:nvPicPr>
+          <p:cNvPr id="41" name="Grafik 40"/>
+          <p:cNvPicPr>
+            <a:picLocks noChangeAspect="1"/>
+          </p:cNvPicPr>
+          <p:nvPr/>
+        </p:nvPicPr>
+        <p:blipFill>
+          <a:blip r:embed="rId3" cstate="print">
+            <a:extLst>
+              <a:ext uri="{28A0092B-C50C-407E-A947-70E740481C1C}">
+                <a14:useLocalDpi xmlns:a14="http://schemas.microsoft.com/office/drawing/2010/main" val="0"/>
+              </a:ext>
+            </a:extLst>
+          </a:blip>
+          <a:stretch>
+            <a:fillRect/>
+          </a:stretch>
+        </p:blipFill>
+        <p:spPr>
+          <a:xfrm>
+            <a:off x="5826642" y="190867"/>
+            <a:ext cx="720000" cy="720000"/>
+          </a:xfrm>
+          <a:prstGeom prst="rect">
+            <a:avLst/>
+          </a:prstGeom>
+        </p:spPr>
+      </p:pic>
+    </p:spTree>
+    <p:extLst>
+      <p:ext uri="{BB962C8B-B14F-4D97-AF65-F5344CB8AC3E}">
+        <p14:creationId xmlns:p14="http://schemas.microsoft.com/office/powerpoint/2010/main" val="1982182596"/>
+      </p:ext>
+    </p:extLst>
+  </p:cSld>
+  <p:clrMapOvr>
+    <a:masterClrMapping/>
+  </p:clrMapOvr>
+</p:sld>
+</file>
+
+<file path=ppt/slides/slide7.xml><?xml version="1.0" encoding="utf-8"?>
+<p:sld xmlns:a="http://schemas.openxmlformats.org/drawingml/2006/main" xmlns:r="http://schemas.openxmlformats.org/officeDocument/2006/relationships" xmlns:p="http://schemas.openxmlformats.org/presentationml/2006/main">
+  <p:cSld>
+    <p:spTree>
+      <p:nvGrpSpPr>
+        <p:cNvPr id="1" name=""/>
+        <p:cNvGrpSpPr/>
+        <p:nvPr/>
+      </p:nvGrpSpPr>
+      <p:grpSpPr>
+        <a:xfrm>
+          <a:off x="0" y="0"/>
+          <a:ext cx="0" cy="0"/>
+          <a:chOff x="0" y="0"/>
+          <a:chExt cx="0" cy="0"/>
+        </a:xfrm>
+      </p:grpSpPr>
+      <p:sp>
+        <p:nvSpPr>
+          <p:cNvPr id="31" name="Pfeil nach rechts 30"/>
+          <p:cNvSpPr/>
+          <p:nvPr/>
+        </p:nvSpPr>
+        <p:spPr>
+          <a:xfrm rot="5400000">
+            <a:off x="5865343" y="2548462"/>
+            <a:ext cx="694039" cy="2332576"/>
+          </a:xfrm>
+          <a:prstGeom prst="rightArrow">
+            <a:avLst/>
           </a:prstGeom>
           <a:solidFill>
             <a:schemeClr val="accent1">
@@ -4755,26 +8325,22 @@
           <a:lstStyle/>
           <a:p>
             <a:pPr algn="ctr"/>
-            <a:endParaRPr lang="de-DE">
-              <a:solidFill>
-                <a:schemeClr val="tx1"/>
-              </a:solidFill>
-            </a:endParaRPr>
-          </a:p>
-        </p:txBody>
-      </p:sp>
-      <p:sp>
-        <p:nvSpPr>
-          <p:cNvPr id="12" name="Nach unten gekrümmter Pfeil 11"/>
+            <a:endParaRPr lang="de-DE"/>
+          </a:p>
+        </p:txBody>
+      </p:sp>
+      <p:sp>
+        <p:nvSpPr>
+          <p:cNvPr id="26" name="Pfeil nach rechts 25"/>
           <p:cNvSpPr/>
           <p:nvPr/>
         </p:nvSpPr>
         <p:spPr>
           <a:xfrm>
-            <a:off x="3330144" y="170934"/>
-            <a:ext cx="2423987" cy="1526059"/>
-          </a:xfrm>
-          <a:prstGeom prst="curvedDownArrow">
+            <a:off x="2775635" y="1952109"/>
+            <a:ext cx="1580199" cy="301711"/>
+          </a:xfrm>
+          <a:prstGeom prst="rightArrow">
             <a:avLst/>
           </a:prstGeom>
           <a:solidFill>
@@ -4810,26 +8376,22 @@
           <a:lstStyle/>
           <a:p>
             <a:pPr algn="ctr"/>
-            <a:endParaRPr lang="de-DE">
-              <a:solidFill>
-                <a:schemeClr val="tx1"/>
-              </a:solidFill>
-            </a:endParaRPr>
-          </a:p>
-        </p:txBody>
-      </p:sp>
-      <p:sp>
-        <p:nvSpPr>
-          <p:cNvPr id="4" name="Rechteck 3"/>
+            <a:endParaRPr lang="de-DE"/>
+          </a:p>
+        </p:txBody>
+      </p:sp>
+      <p:sp>
+        <p:nvSpPr>
+          <p:cNvPr id="25" name="Pfeil nach rechts 24"/>
           <p:cNvSpPr/>
           <p:nvPr/>
         </p:nvSpPr>
         <p:spPr>
           <a:xfrm>
-            <a:off x="988539" y="533399"/>
-            <a:ext cx="2520777" cy="976184"/>
-          </a:xfrm>
-          <a:prstGeom prst="rect">
+            <a:off x="2829245" y="2850292"/>
+            <a:ext cx="1580199" cy="301711"/>
+          </a:xfrm>
+          <a:prstGeom prst="rightArrow">
             <a:avLst/>
           </a:prstGeom>
           <a:solidFill>
@@ -4861,52 +8423,23 @@
           </a:fontRef>
         </p:style>
         <p:txBody>
-          <a:bodyPr rtlCol="0" anchor="t"/>
-          <a:lstStyle/>
-          <a:p>
-            <a:r>
-              <a:rPr lang="en-US" dirty="0" smtClean="0">
-                <a:solidFill>
-                  <a:schemeClr val="tx1"/>
-                </a:solidFill>
-              </a:rPr>
-              <a:t>Task #3</a:t>
-            </a:r>
-          </a:p>
-          <a:p>
-            <a:endParaRPr lang="en-US" noProof="1" smtClean="0">
-              <a:solidFill>
-                <a:schemeClr val="tx1"/>
-              </a:solidFill>
-            </a:endParaRPr>
-          </a:p>
+          <a:bodyPr rtlCol="0" anchor="ctr"/>
+          <a:lstStyle/>
           <a:p>
             <a:pPr algn="ctr"/>
-            <a:r>
-              <a:rPr lang="en-US" noProof="1" smtClean="0">
-                <a:solidFill>
-                  <a:schemeClr val="tx1"/>
-                </a:solidFill>
-              </a:rPr>
-              <a:t>(sc, qos, nr_simulations)</a:t>
-            </a:r>
-            <a:endParaRPr lang="en-US" noProof="1">
-              <a:solidFill>
-                <a:schemeClr val="tx1"/>
-              </a:solidFill>
-            </a:endParaRPr>
-          </a:p>
-        </p:txBody>
-      </p:sp>
-      <p:sp>
-        <p:nvSpPr>
-          <p:cNvPr id="6" name="Rechteck 5"/>
+            <a:endParaRPr lang="de-DE"/>
+          </a:p>
+        </p:txBody>
+      </p:sp>
+      <p:sp>
+        <p:nvSpPr>
+          <p:cNvPr id="4" name="Rechteck 3"/>
           <p:cNvSpPr/>
           <p:nvPr/>
         </p:nvSpPr>
         <p:spPr>
           <a:xfrm>
-            <a:off x="928815" y="720810"/>
+            <a:off x="552389" y="984935"/>
             <a:ext cx="2520777" cy="976184"/>
           </a:xfrm>
           <a:prstGeom prst="rect">
@@ -4950,7 +8483,7 @@
                   <a:schemeClr val="tx1"/>
                 </a:solidFill>
               </a:rPr>
-              <a:t>Task #2</a:t>
+              <a:t>Task #3</a:t>
             </a:r>
           </a:p>
           <a:p>
@@ -4980,13 +8513,13 @@
       </p:sp>
       <p:sp>
         <p:nvSpPr>
-          <p:cNvPr id="8" name="Rechteck 7"/>
+          <p:cNvPr id="6" name="Rechteck 5"/>
           <p:cNvSpPr/>
           <p:nvPr/>
         </p:nvSpPr>
         <p:spPr>
           <a:xfrm>
-            <a:off x="869091" y="908221"/>
+            <a:off x="492665" y="1172346"/>
             <a:ext cx="2520777" cy="976184"/>
           </a:xfrm>
           <a:prstGeom prst="rect">
@@ -5030,7 +8563,7 @@
                   <a:schemeClr val="tx1"/>
                 </a:solidFill>
               </a:rPr>
-              <a:t>Task #1</a:t>
+              <a:t>Task #2</a:t>
             </a:r>
           </a:p>
           <a:p>
@@ -5060,13 +8593,13 @@
       </p:sp>
       <p:sp>
         <p:nvSpPr>
-          <p:cNvPr id="9" name="Rechteck 8"/>
+          <p:cNvPr id="8" name="Rechteck 7"/>
           <p:cNvSpPr/>
           <p:nvPr/>
         </p:nvSpPr>
         <p:spPr>
           <a:xfrm>
-            <a:off x="928815" y="2514599"/>
+            <a:off x="432941" y="1359757"/>
             <a:ext cx="2520777" cy="976184"/>
           </a:xfrm>
           <a:prstGeom prst="rect">
@@ -5110,7 +8643,7 @@
                   <a:schemeClr val="tx1"/>
                 </a:solidFill>
               </a:rPr>
-              <a:t>Task #3</a:t>
+              <a:t>Task #1</a:t>
             </a:r>
           </a:p>
           <a:p>
@@ -5140,13 +8673,13 @@
       </p:sp>
       <p:sp>
         <p:nvSpPr>
-          <p:cNvPr id="10" name="Rechteck 9"/>
+          <p:cNvPr id="9" name="Rechteck 8"/>
           <p:cNvSpPr/>
           <p:nvPr/>
         </p:nvSpPr>
         <p:spPr>
           <a:xfrm>
-            <a:off x="869091" y="2702010"/>
+            <a:off x="492665" y="2691197"/>
             <a:ext cx="2520777" cy="976184"/>
           </a:xfrm>
           <a:prstGeom prst="rect">
@@ -5190,7 +8723,7 @@
                   <a:schemeClr val="tx1"/>
                 </a:solidFill>
               </a:rPr>
-              <a:t>Task #2</a:t>
+              <a:t>Task #3</a:t>
             </a:r>
           </a:p>
           <a:p>
@@ -5220,13 +8753,93 @@
       </p:sp>
       <p:sp>
         <p:nvSpPr>
+          <p:cNvPr id="10" name="Rechteck 9"/>
+          <p:cNvSpPr/>
+          <p:nvPr/>
+        </p:nvSpPr>
+        <p:spPr>
+          <a:xfrm>
+            <a:off x="432941" y="2878608"/>
+            <a:ext cx="2520777" cy="976184"/>
+          </a:xfrm>
+          <a:prstGeom prst="rect">
+            <a:avLst/>
+          </a:prstGeom>
+          <a:solidFill>
+            <a:schemeClr val="accent1">
+              <a:lumMod val="40000"/>
+              <a:lumOff val="60000"/>
+            </a:schemeClr>
+          </a:solidFill>
+          <a:ln>
+            <a:solidFill>
+              <a:schemeClr val="tx1"/>
+            </a:solidFill>
+          </a:ln>
+        </p:spPr>
+        <p:style>
+          <a:lnRef idx="2">
+            <a:schemeClr val="accent1">
+              <a:shade val="50000"/>
+            </a:schemeClr>
+          </a:lnRef>
+          <a:fillRef idx="1">
+            <a:schemeClr val="accent1"/>
+          </a:fillRef>
+          <a:effectRef idx="0">
+            <a:schemeClr val="accent1"/>
+          </a:effectRef>
+          <a:fontRef idx="minor">
+            <a:schemeClr val="lt1"/>
+          </a:fontRef>
+        </p:style>
+        <p:txBody>
+          <a:bodyPr rtlCol="0" anchor="t"/>
+          <a:lstStyle/>
+          <a:p>
+            <a:r>
+              <a:rPr lang="en-US" dirty="0" smtClean="0">
+                <a:solidFill>
+                  <a:schemeClr val="tx1"/>
+                </a:solidFill>
+              </a:rPr>
+              <a:t>Task #2</a:t>
+            </a:r>
+          </a:p>
+          <a:p>
+            <a:endParaRPr lang="en-US" noProof="1" smtClean="0">
+              <a:solidFill>
+                <a:schemeClr val="tx1"/>
+              </a:solidFill>
+            </a:endParaRPr>
+          </a:p>
+          <a:p>
+            <a:pPr algn="ctr"/>
+            <a:r>
+              <a:rPr lang="en-US" noProof="1" smtClean="0">
+                <a:solidFill>
+                  <a:schemeClr val="tx1"/>
+                </a:solidFill>
+              </a:rPr>
+              <a:t>(sc, qos, nr_simulations)</a:t>
+            </a:r>
+            <a:endParaRPr lang="en-US" noProof="1">
+              <a:solidFill>
+                <a:schemeClr val="tx1"/>
+              </a:solidFill>
+            </a:endParaRPr>
+          </a:p>
+        </p:txBody>
+      </p:sp>
+      <p:sp>
+        <p:nvSpPr>
           <p:cNvPr id="11" name="Rechteck 10"/>
           <p:cNvSpPr/>
           <p:nvPr/>
         </p:nvSpPr>
         <p:spPr>
           <a:xfrm>
-            <a:off x="809367" y="2889421"/>
+            <a:off x="373217" y="3066019"/>
             <a:ext cx="2520777" cy="976184"/>
           </a:xfrm>
           <a:prstGeom prst="rect">
@@ -5811,57 +9424,6 @@
           </a:ln>
         </p:spPr>
       </p:pic>
-      <p:sp>
-        <p:nvSpPr>
-          <p:cNvPr id="31" name="Pfeil nach rechts 30"/>
-          <p:cNvSpPr/>
-          <p:nvPr/>
-        </p:nvSpPr>
-        <p:spPr>
-          <a:xfrm rot="5400000">
-            <a:off x="5956217" y="2639335"/>
-            <a:ext cx="512292" cy="2332576"/>
-          </a:xfrm>
-          <a:prstGeom prst="rightArrow">
-            <a:avLst/>
-          </a:prstGeom>
-          <a:solidFill>
-            <a:schemeClr val="accent1">
-              <a:lumMod val="40000"/>
-              <a:lumOff val="60000"/>
-            </a:schemeClr>
-          </a:solidFill>
-          <a:ln>
-            <a:solidFill>
-              <a:schemeClr val="tx1"/>
-            </a:solidFill>
-          </a:ln>
-        </p:spPr>
-        <p:style>
-          <a:lnRef idx="2">
-            <a:schemeClr val="accent1">
-              <a:shade val="50000"/>
-            </a:schemeClr>
-          </a:lnRef>
-          <a:fillRef idx="1">
-            <a:schemeClr val="accent1"/>
-          </a:fillRef>
-          <a:effectRef idx="0">
-            <a:schemeClr val="accent1"/>
-          </a:effectRef>
-          <a:fontRef idx="minor">
-            <a:schemeClr val="lt1"/>
-          </a:fontRef>
-        </p:style>
-        <p:txBody>
-          <a:bodyPr rtlCol="0" anchor="ctr"/>
-          <a:lstStyle/>
-          <a:p>
-            <a:pPr algn="ctr"/>
-            <a:endParaRPr lang="de-DE"/>
-          </a:p>
-        </p:txBody>
-      </p:sp>
       <p:sp>
         <p:nvSpPr>
           <p:cNvPr id="40" name="Rechteck 39"/>

--- a/Figures/Figures_new.pptx
+++ b/Figures/Figures_new.pptx
@@ -11,7 +11,11 @@
     <p:sldId id="259" r:id="rId5"/>
     <p:sldId id="260" r:id="rId6"/>
     <p:sldId id="261" r:id="rId7"/>
-    <p:sldId id="258" r:id="rId8"/>
+    <p:sldId id="266" r:id="rId8"/>
+    <p:sldId id="267" r:id="rId9"/>
+    <p:sldId id="268" r:id="rId10"/>
+    <p:sldId id="269" r:id="rId11"/>
+    <p:sldId id="258" r:id="rId12"/>
   </p:sldIdLst>
   <p:sldSz cx="12192000" cy="6858000"/>
   <p:notesSz cx="6858000" cy="9144000"/>
@@ -118,6 +122,74 @@
 </p:presentation>
 </file>
 
+<file path=ppt/commentAuthors.xml><?xml version="1.0" encoding="utf-8"?>
+<p:cmAuthorLst xmlns:a="http://schemas.openxmlformats.org/drawingml/2006/main" xmlns:r="http://schemas.openxmlformats.org/officeDocument/2006/relationships" xmlns:p="http://schemas.openxmlformats.org/presentationml/2006/main">
+  <p:cmAuthor id="1" name="Microsoft-Konto" initials="M" lastIdx="1" clrIdx="0">
+    <p:extLst>
+      <p:ext uri="{19B8F6BF-5375-455C-9EA6-DF929625EA0E}">
+        <p15:presenceInfo xmlns:p15="http://schemas.microsoft.com/office/powerpoint/2012/main" userId="2b51d44491d582e0" providerId="Windows Live"/>
+      </p:ext>
+    </p:extLst>
+  </p:cmAuthor>
+</p:cmAuthorLst>
+</file>
+
+<file path=ppt/comments/comment1.xml><?xml version="1.0" encoding="utf-8"?>
+<p:cmLst xmlns:a="http://schemas.openxmlformats.org/drawingml/2006/main" xmlns:r="http://schemas.openxmlformats.org/officeDocument/2006/relationships" xmlns:p="http://schemas.openxmlformats.org/presentationml/2006/main">
+  <p:cm authorId="1" dt="2023-07-10T10:17:10.516" idx="1">
+    <p:pos x="10" y="10"/>
+    <p:text/>
+    <p:extLst>
+      <p:ext uri="{C676402C-5697-4E1C-873F-D02D1690AC5C}">
+        <p15:threadingInfo xmlns:p15="http://schemas.microsoft.com/office/powerpoint/2012/main" timeZoneBias="-120"/>
+      </p:ext>
+    </p:extLst>
+  </p:cm>
+</p:cmLst>
+</file>
+
+<file path=ppt/comments/comment2.xml><?xml version="1.0" encoding="utf-8"?>
+<p:cmLst xmlns:a="http://schemas.openxmlformats.org/drawingml/2006/main" xmlns:r="http://schemas.openxmlformats.org/officeDocument/2006/relationships" xmlns:p="http://schemas.openxmlformats.org/presentationml/2006/main">
+  <p:cm authorId="1" dt="2023-07-10T10:17:10.516" idx="1">
+    <p:pos x="10" y="10"/>
+    <p:text/>
+    <p:extLst>
+      <p:ext uri="{C676402C-5697-4E1C-873F-D02D1690AC5C}">
+        <p15:threadingInfo xmlns:p15="http://schemas.microsoft.com/office/powerpoint/2012/main" timeZoneBias="-120"/>
+      </p:ext>
+    </p:extLst>
+  </p:cm>
+</p:cmLst>
+</file>
+
+<file path=ppt/comments/comment3.xml><?xml version="1.0" encoding="utf-8"?>
+<p:cmLst xmlns:a="http://schemas.openxmlformats.org/drawingml/2006/main" xmlns:r="http://schemas.openxmlformats.org/officeDocument/2006/relationships" xmlns:p="http://schemas.openxmlformats.org/presentationml/2006/main">
+  <p:cm authorId="1" dt="2023-07-10T10:17:10.516" idx="1">
+    <p:pos x="10" y="10"/>
+    <p:text/>
+    <p:extLst>
+      <p:ext uri="{C676402C-5697-4E1C-873F-D02D1690AC5C}">
+        <p15:threadingInfo xmlns:p15="http://schemas.microsoft.com/office/powerpoint/2012/main" timeZoneBias="-120"/>
+      </p:ext>
+    </p:extLst>
+  </p:cm>
+</p:cmLst>
+</file>
+
+<file path=ppt/comments/comment4.xml><?xml version="1.0" encoding="utf-8"?>
+<p:cmLst xmlns:a="http://schemas.openxmlformats.org/drawingml/2006/main" xmlns:r="http://schemas.openxmlformats.org/officeDocument/2006/relationships" xmlns:p="http://schemas.openxmlformats.org/presentationml/2006/main">
+  <p:cm authorId="1" dt="2023-07-10T10:17:10.516" idx="1">
+    <p:pos x="10" y="10"/>
+    <p:text/>
+    <p:extLst>
+      <p:ext uri="{C676402C-5697-4E1C-873F-D02D1690AC5C}">
+        <p15:threadingInfo xmlns:p15="http://schemas.microsoft.com/office/powerpoint/2012/main" timeZoneBias="-120"/>
+      </p:ext>
+    </p:extLst>
+  </p:cm>
+</p:cmLst>
+</file>
+
 <file path=ppt/slideLayouts/slideLayout1.xml><?xml version="1.0" encoding="utf-8"?>
 <p:sldLayout xmlns:a="http://schemas.openxmlformats.org/drawingml/2006/main" xmlns:r="http://schemas.openxmlformats.org/officeDocument/2006/relationships" xmlns:p="http://schemas.openxmlformats.org/presentationml/2006/main" type="title" preserve="1">
   <p:cSld name="Titelfolie">
@@ -249,7 +321,7 @@
           <a:p>
             <a:fld id="{3E23CD3D-23FF-483A-8075-59D73A9D3B5C}" type="datetimeFigureOut">
               <a:rPr lang="de-DE" smtClean="0"/>
-              <a:t>16.06.2023</a:t>
+              <a:t>10.07.2023</a:t>
             </a:fld>
             <a:endParaRPr lang="de-DE"/>
           </a:p>
@@ -419,7 +491,7 @@
           <a:p>
             <a:fld id="{3E23CD3D-23FF-483A-8075-59D73A9D3B5C}" type="datetimeFigureOut">
               <a:rPr lang="de-DE" smtClean="0"/>
-              <a:t>16.06.2023</a:t>
+              <a:t>10.07.2023</a:t>
             </a:fld>
             <a:endParaRPr lang="de-DE"/>
           </a:p>
@@ -599,7 +671,7 @@
           <a:p>
             <a:fld id="{3E23CD3D-23FF-483A-8075-59D73A9D3B5C}" type="datetimeFigureOut">
               <a:rPr lang="de-DE" smtClean="0"/>
-              <a:t>16.06.2023</a:t>
+              <a:t>10.07.2023</a:t>
             </a:fld>
             <a:endParaRPr lang="de-DE"/>
           </a:p>
@@ -769,7 +841,7 @@
           <a:p>
             <a:fld id="{3E23CD3D-23FF-483A-8075-59D73A9D3B5C}" type="datetimeFigureOut">
               <a:rPr lang="de-DE" smtClean="0"/>
-              <a:t>16.06.2023</a:t>
+              <a:t>10.07.2023</a:t>
             </a:fld>
             <a:endParaRPr lang="de-DE"/>
           </a:p>
@@ -1015,7 +1087,7 @@
           <a:p>
             <a:fld id="{3E23CD3D-23FF-483A-8075-59D73A9D3B5C}" type="datetimeFigureOut">
               <a:rPr lang="de-DE" smtClean="0"/>
-              <a:t>16.06.2023</a:t>
+              <a:t>10.07.2023</a:t>
             </a:fld>
             <a:endParaRPr lang="de-DE"/>
           </a:p>
@@ -1247,7 +1319,7 @@
           <a:p>
             <a:fld id="{3E23CD3D-23FF-483A-8075-59D73A9D3B5C}" type="datetimeFigureOut">
               <a:rPr lang="de-DE" smtClean="0"/>
-              <a:t>16.06.2023</a:t>
+              <a:t>10.07.2023</a:t>
             </a:fld>
             <a:endParaRPr lang="de-DE"/>
           </a:p>
@@ -1614,7 +1686,7 @@
           <a:p>
             <a:fld id="{3E23CD3D-23FF-483A-8075-59D73A9D3B5C}" type="datetimeFigureOut">
               <a:rPr lang="de-DE" smtClean="0"/>
-              <a:t>16.06.2023</a:t>
+              <a:t>10.07.2023</a:t>
             </a:fld>
             <a:endParaRPr lang="de-DE"/>
           </a:p>
@@ -1732,7 +1804,7 @@
           <a:p>
             <a:fld id="{3E23CD3D-23FF-483A-8075-59D73A9D3B5C}" type="datetimeFigureOut">
               <a:rPr lang="de-DE" smtClean="0"/>
-              <a:t>16.06.2023</a:t>
+              <a:t>10.07.2023</a:t>
             </a:fld>
             <a:endParaRPr lang="de-DE"/>
           </a:p>
@@ -1827,7 +1899,7 @@
           <a:p>
             <a:fld id="{3E23CD3D-23FF-483A-8075-59D73A9D3B5C}" type="datetimeFigureOut">
               <a:rPr lang="de-DE" smtClean="0"/>
-              <a:t>16.06.2023</a:t>
+              <a:t>10.07.2023</a:t>
             </a:fld>
             <a:endParaRPr lang="de-DE"/>
           </a:p>
@@ -2104,7 +2176,7 @@
           <a:p>
             <a:fld id="{3E23CD3D-23FF-483A-8075-59D73A9D3B5C}" type="datetimeFigureOut">
               <a:rPr lang="de-DE" smtClean="0"/>
-              <a:t>16.06.2023</a:t>
+              <a:t>10.07.2023</a:t>
             </a:fld>
             <a:endParaRPr lang="de-DE"/>
           </a:p>
@@ -2357,7 +2429,7 @@
           <a:p>
             <a:fld id="{3E23CD3D-23FF-483A-8075-59D73A9D3B5C}" type="datetimeFigureOut">
               <a:rPr lang="de-DE" smtClean="0"/>
-              <a:t>16.06.2023</a:t>
+              <a:t>10.07.2023</a:t>
             </a:fld>
             <a:endParaRPr lang="de-DE"/>
           </a:p>
@@ -2570,7 +2642,7 @@
           <a:p>
             <a:fld id="{3E23CD3D-23FF-483A-8075-59D73A9D3B5C}" type="datetimeFigureOut">
               <a:rPr lang="de-DE" smtClean="0"/>
-              <a:t>16.06.2023</a:t>
+              <a:t>10.07.2023</a:t>
             </a:fld>
             <a:endParaRPr lang="de-DE"/>
           </a:p>
@@ -3773,6 +3845,2744 @@
 </p:sld>
 </file>
 
+<file path=ppt/slides/slide10.xml><?xml version="1.0" encoding="utf-8"?>
+<p:sld xmlns:a="http://schemas.openxmlformats.org/drawingml/2006/main" xmlns:r="http://schemas.openxmlformats.org/officeDocument/2006/relationships" xmlns:p="http://schemas.openxmlformats.org/presentationml/2006/main">
+  <p:cSld>
+    <p:spTree>
+      <p:nvGrpSpPr>
+        <p:cNvPr id="1" name=""/>
+        <p:cNvGrpSpPr/>
+        <p:nvPr/>
+      </p:nvGrpSpPr>
+      <p:grpSpPr>
+        <a:xfrm>
+          <a:off x="0" y="0"/>
+          <a:ext cx="0" cy="0"/>
+          <a:chOff x="0" y="0"/>
+          <a:chExt cx="0" cy="0"/>
+        </a:xfrm>
+      </p:grpSpPr>
+      <p:sp>
+        <p:nvSpPr>
+          <p:cNvPr id="4" name="Flussdiagramm: Verbindungsstelle 3"/>
+          <p:cNvSpPr>
+            <a:spLocks noChangeAspect="1"/>
+          </p:cNvSpPr>
+          <p:nvPr/>
+        </p:nvSpPr>
+        <p:spPr>
+          <a:xfrm>
+            <a:off x="5999024" y="258476"/>
+            <a:ext cx="280424" cy="280423"/>
+          </a:xfrm>
+          <a:prstGeom prst="flowChartConnector">
+            <a:avLst/>
+          </a:prstGeom>
+        </p:spPr>
+        <p:style>
+          <a:lnRef idx="2">
+            <a:schemeClr val="dk1">
+              <a:shade val="50000"/>
+            </a:schemeClr>
+          </a:lnRef>
+          <a:fillRef idx="1">
+            <a:schemeClr val="dk1"/>
+          </a:fillRef>
+          <a:effectRef idx="0">
+            <a:schemeClr val="dk1"/>
+          </a:effectRef>
+          <a:fontRef idx="minor">
+            <a:schemeClr val="lt1"/>
+          </a:fontRef>
+        </p:style>
+        <p:txBody>
+          <a:bodyPr rtlCol="0" anchor="ctr"/>
+          <a:lstStyle/>
+          <a:p>
+            <a:pPr algn="ctr"/>
+            <a:endParaRPr lang="de-DE" noProof="1"/>
+          </a:p>
+        </p:txBody>
+      </p:sp>
+      <p:cxnSp>
+        <p:nvCxnSpPr>
+          <p:cNvPr id="5" name="Gerade Verbindung mit Pfeil 4"/>
+          <p:cNvCxnSpPr>
+            <a:stCxn id="4" idx="4"/>
+            <a:endCxn id="6" idx="0"/>
+          </p:cNvCxnSpPr>
+          <p:nvPr/>
+        </p:nvCxnSpPr>
+        <p:spPr>
+          <a:xfrm flipH="1">
+            <a:off x="6139012" y="538899"/>
+            <a:ext cx="224" cy="286856"/>
+          </a:xfrm>
+          <a:prstGeom prst="straightConnector1">
+            <a:avLst/>
+          </a:prstGeom>
+          <a:ln w="19050">
+            <a:solidFill>
+              <a:schemeClr val="tx1"/>
+            </a:solidFill>
+            <a:tailEnd type="arrow" w="lg" len="lg"/>
+          </a:ln>
+        </p:spPr>
+        <p:style>
+          <a:lnRef idx="1">
+            <a:schemeClr val="accent1"/>
+          </a:lnRef>
+          <a:fillRef idx="0">
+            <a:schemeClr val="accent1"/>
+          </a:fillRef>
+          <a:effectRef idx="0">
+            <a:schemeClr val="accent1"/>
+          </a:effectRef>
+          <a:fontRef idx="minor">
+            <a:schemeClr val="tx1"/>
+          </a:fontRef>
+        </p:style>
+      </p:cxnSp>
+      <p:sp>
+        <p:nvSpPr>
+          <p:cNvPr id="6" name="Flussdiagramm: Verzweigung 5"/>
+          <p:cNvSpPr/>
+          <p:nvPr/>
+        </p:nvSpPr>
+        <p:spPr>
+          <a:xfrm>
+            <a:off x="5915607" y="825755"/>
+            <a:ext cx="446809" cy="623455"/>
+          </a:xfrm>
+          <a:prstGeom prst="flowChartDecision">
+            <a:avLst/>
+          </a:prstGeom>
+          <a:solidFill>
+            <a:schemeClr val="accent6">
+              <a:lumMod val="60000"/>
+              <a:lumOff val="40000"/>
+            </a:schemeClr>
+          </a:solidFill>
+          <a:ln>
+            <a:solidFill>
+              <a:schemeClr val="tx1"/>
+            </a:solidFill>
+          </a:ln>
+        </p:spPr>
+        <p:style>
+          <a:lnRef idx="2">
+            <a:schemeClr val="accent1">
+              <a:shade val="50000"/>
+            </a:schemeClr>
+          </a:lnRef>
+          <a:fillRef idx="1">
+            <a:schemeClr val="accent1"/>
+          </a:fillRef>
+          <a:effectRef idx="0">
+            <a:schemeClr val="accent1"/>
+          </a:effectRef>
+          <a:fontRef idx="minor">
+            <a:schemeClr val="lt1"/>
+          </a:fontRef>
+        </p:style>
+        <p:txBody>
+          <a:bodyPr rtlCol="0" anchor="ctr"/>
+          <a:lstStyle/>
+          <a:p>
+            <a:pPr algn="ctr"/>
+            <a:endParaRPr lang="de-DE" noProof="1"/>
+          </a:p>
+        </p:txBody>
+      </p:sp>
+      <p:sp>
+        <p:nvSpPr>
+          <p:cNvPr id="11" name="Rechteck 10"/>
+          <p:cNvSpPr/>
+          <p:nvPr/>
+        </p:nvSpPr>
+        <p:spPr>
+          <a:xfrm>
+            <a:off x="4991936" y="2605227"/>
+            <a:ext cx="2295476" cy="504000"/>
+          </a:xfrm>
+          <a:prstGeom prst="rect">
+            <a:avLst/>
+          </a:prstGeom>
+          <a:solidFill>
+            <a:schemeClr val="accent1">
+              <a:lumMod val="60000"/>
+              <a:lumOff val="40000"/>
+            </a:schemeClr>
+          </a:solidFill>
+          <a:ln>
+            <a:solidFill>
+              <a:schemeClr val="tx1"/>
+            </a:solidFill>
+          </a:ln>
+        </p:spPr>
+        <p:style>
+          <a:lnRef idx="2">
+            <a:schemeClr val="accent1">
+              <a:shade val="50000"/>
+            </a:schemeClr>
+          </a:lnRef>
+          <a:fillRef idx="1">
+            <a:schemeClr val="accent1"/>
+          </a:fillRef>
+          <a:effectRef idx="0">
+            <a:schemeClr val="accent1"/>
+          </a:effectRef>
+          <a:fontRef idx="minor">
+            <a:schemeClr val="lt1"/>
+          </a:fontRef>
+        </p:style>
+        <p:txBody>
+          <a:bodyPr rtlCol="0" anchor="ctr"/>
+          <a:lstStyle/>
+          <a:p>
+            <a:pPr algn="ctr"/>
+            <a:r>
+              <a:rPr lang="de-DE" b="1" noProof="1" smtClean="0">
+                <a:ln w="0"/>
+                <a:solidFill>
+                  <a:schemeClr val="tx1"/>
+                </a:solidFill>
+              </a:rPr>
+              <a:t>NR of admitted UEs</a:t>
+            </a:r>
+            <a:endParaRPr lang="de-DE" b="1" noProof="1"/>
+          </a:p>
+        </p:txBody>
+      </p:sp>
+      <p:cxnSp>
+        <p:nvCxnSpPr>
+          <p:cNvPr id="12" name="Gerade Verbindung mit Pfeil 11"/>
+          <p:cNvCxnSpPr>
+            <a:stCxn id="76" idx="2"/>
+            <a:endCxn id="11" idx="0"/>
+          </p:cNvCxnSpPr>
+          <p:nvPr/>
+        </p:nvCxnSpPr>
+        <p:spPr>
+          <a:xfrm flipH="1">
+            <a:off x="6139674" y="2270251"/>
+            <a:ext cx="1324" cy="334976"/>
+          </a:xfrm>
+          <a:prstGeom prst="straightConnector1">
+            <a:avLst/>
+          </a:prstGeom>
+          <a:ln w="19050">
+            <a:solidFill>
+              <a:schemeClr val="tx1"/>
+            </a:solidFill>
+            <a:tailEnd type="arrow" w="lg" len="lg"/>
+          </a:ln>
+        </p:spPr>
+        <p:style>
+          <a:lnRef idx="1">
+            <a:schemeClr val="accent1"/>
+          </a:lnRef>
+          <a:fillRef idx="0">
+            <a:schemeClr val="accent1"/>
+          </a:fillRef>
+          <a:effectRef idx="0">
+            <a:schemeClr val="accent1"/>
+          </a:effectRef>
+          <a:fontRef idx="minor">
+            <a:schemeClr val="tx1"/>
+          </a:fontRef>
+        </p:style>
+      </p:cxnSp>
+      <p:cxnSp>
+        <p:nvCxnSpPr>
+          <p:cNvPr id="17" name="Gerade Verbindung mit Pfeil 16"/>
+          <p:cNvCxnSpPr>
+            <a:stCxn id="64" idx="2"/>
+            <a:endCxn id="20" idx="0"/>
+          </p:cNvCxnSpPr>
+          <p:nvPr/>
+        </p:nvCxnSpPr>
+        <p:spPr>
+          <a:xfrm flipH="1">
+            <a:off x="6139012" y="3948203"/>
+            <a:ext cx="1324" cy="332102"/>
+          </a:xfrm>
+          <a:prstGeom prst="straightConnector1">
+            <a:avLst/>
+          </a:prstGeom>
+          <a:ln w="19050">
+            <a:solidFill>
+              <a:schemeClr val="tx1"/>
+            </a:solidFill>
+            <a:tailEnd type="arrow" w="lg" len="lg"/>
+          </a:ln>
+        </p:spPr>
+        <p:style>
+          <a:lnRef idx="1">
+            <a:schemeClr val="accent1"/>
+          </a:lnRef>
+          <a:fillRef idx="0">
+            <a:schemeClr val="accent1"/>
+          </a:fillRef>
+          <a:effectRef idx="0">
+            <a:schemeClr val="accent1"/>
+          </a:effectRef>
+          <a:fontRef idx="minor">
+            <a:schemeClr val="tx1"/>
+          </a:fontRef>
+        </p:style>
+      </p:cxnSp>
+      <mc:AlternateContent xmlns:mc="http://schemas.openxmlformats.org/markup-compatibility/2006">
+        <mc:Choice xmlns:a14="http://schemas.microsoft.com/office/drawing/2010/main" Requires="a14">
+          <p:sp>
+            <p:nvSpPr>
+              <p:cNvPr id="20" name="Rechteck 19"/>
+              <p:cNvSpPr/>
+              <p:nvPr/>
+            </p:nvSpPr>
+            <p:spPr>
+              <a:xfrm>
+                <a:off x="4990612" y="4280305"/>
+                <a:ext cx="2296800" cy="504000"/>
+              </a:xfrm>
+              <a:prstGeom prst="rect">
+                <a:avLst/>
+              </a:prstGeom>
+              <a:solidFill>
+                <a:schemeClr val="accent1">
+                  <a:lumMod val="60000"/>
+                  <a:lumOff val="40000"/>
+                </a:schemeClr>
+              </a:solidFill>
+              <a:ln>
+                <a:solidFill>
+                  <a:schemeClr val="tx1"/>
+                </a:solidFill>
+              </a:ln>
+            </p:spPr>
+            <p:style>
+              <a:lnRef idx="2">
+                <a:schemeClr val="accent1">
+                  <a:shade val="50000"/>
+                </a:schemeClr>
+              </a:lnRef>
+              <a:fillRef idx="1">
+                <a:schemeClr val="accent1"/>
+              </a:fillRef>
+              <a:effectRef idx="0">
+                <a:schemeClr val="accent1"/>
+              </a:effectRef>
+              <a:fontRef idx="minor">
+                <a:schemeClr val="lt1"/>
+              </a:fontRef>
+            </p:style>
+            <p:txBody>
+              <a:bodyPr rtlCol="0" anchor="ctr"/>
+              <a:lstStyle/>
+              <a:p>
+                <a:pPr algn="ctr"/>
+                <a14:m>
+                  <m:oMath xmlns:m="http://schemas.openxmlformats.org/officeDocument/2006/math">
+                    <m:sSub>
+                      <m:sSubPr>
+                        <m:ctrlPr>
+                          <a:rPr lang="de-DE" b="1" i="1" noProof="1" smtClean="0">
+                            <a:ln w="0"/>
+                            <a:solidFill>
+                              <a:schemeClr val="tx1"/>
+                            </a:solidFill>
+                            <a:effectLst/>
+                            <a:latin typeface="Cambria Math" panose="02040503050406030204" pitchFamily="18" charset="0"/>
+                          </a:rPr>
+                        </m:ctrlPr>
+                      </m:sSubPr>
+                      <m:e>
+                        <m:r>
+                          <a:rPr lang="de-DE" b="1" i="1" noProof="1" smtClean="0">
+                            <a:ln w="0"/>
+                            <a:solidFill>
+                              <a:schemeClr val="tx1"/>
+                            </a:solidFill>
+                            <a:effectLst/>
+                            <a:latin typeface="Cambria Math" panose="02040503050406030204" pitchFamily="18" charset="0"/>
+                          </a:rPr>
+                          <m:t>𝒔</m:t>
+                        </m:r>
+                      </m:e>
+                      <m:sub>
+                        <m:r>
+                          <a:rPr lang="de-DE" b="1" i="1" noProof="1" smtClean="0">
+                            <a:ln w="0"/>
+                            <a:solidFill>
+                              <a:schemeClr val="tx1"/>
+                            </a:solidFill>
+                            <a:effectLst/>
+                            <a:latin typeface="Cambria Math" panose="02040503050406030204" pitchFamily="18" charset="0"/>
+                          </a:rPr>
+                          <m:t>𝒊</m:t>
+                        </m:r>
+                      </m:sub>
+                    </m:sSub>
+                  </m:oMath>
+                </a14:m>
+                <a:r>
+                  <a:rPr lang="de-DE" b="1" noProof="1" smtClean="0">
+                    <a:ln w="0"/>
+                    <a:solidFill>
+                      <a:schemeClr val="tx1"/>
+                    </a:solidFill>
+                    <a:effectLst/>
+                  </a:rPr>
+                  <a:t> = preambles chose once</a:t>
+                </a:r>
+                <a:endParaRPr lang="de-DE" b="1" noProof="1">
+                  <a:effectLst/>
+                </a:endParaRPr>
+              </a:p>
+            </p:txBody>
+          </p:sp>
+        </mc:Choice>
+        <mc:Fallback>
+          <p:sp>
+            <p:nvSpPr>
+              <p:cNvPr id="20" name="Rechteck 19"/>
+              <p:cNvSpPr>
+                <a:spLocks noRot="1" noChangeAspect="1" noMove="1" noResize="1" noEditPoints="1" noAdjustHandles="1" noChangeArrowheads="1" noChangeShapeType="1" noTextEdit="1"/>
+              </p:cNvSpPr>
+              <p:nvPr/>
+            </p:nvSpPr>
+            <p:spPr>
+              <a:xfrm>
+                <a:off x="4990612" y="4280305"/>
+                <a:ext cx="2296800" cy="504000"/>
+              </a:xfrm>
+              <a:prstGeom prst="rect">
+                <a:avLst/>
+              </a:prstGeom>
+              <a:blipFill rotWithShape="0">
+                <a:blip r:embed="rId2"/>
+                <a:stretch>
+                  <a:fillRect t="-18824" r="-1587" b="-30588"/>
+                </a:stretch>
+              </a:blipFill>
+              <a:ln>
+                <a:solidFill>
+                  <a:schemeClr val="tx1"/>
+                </a:solidFill>
+              </a:ln>
+            </p:spPr>
+            <p:txBody>
+              <a:bodyPr/>
+              <a:lstStyle/>
+              <a:p>
+                <a:r>
+                  <a:rPr lang="de-DE">
+                    <a:noFill/>
+                  </a:rPr>
+                  <a:t> </a:t>
+                </a:r>
+              </a:p>
+            </p:txBody>
+          </p:sp>
+        </mc:Fallback>
+      </mc:AlternateContent>
+      <mc:AlternateContent xmlns:mc="http://schemas.openxmlformats.org/markup-compatibility/2006">
+        <mc:Choice xmlns:a14="http://schemas.microsoft.com/office/drawing/2010/main" Requires="a14">
+          <p:sp>
+            <p:nvSpPr>
+              <p:cNvPr id="21" name="Abgerundetes Rechteck 20"/>
+              <p:cNvSpPr/>
+              <p:nvPr/>
+            </p:nvSpPr>
+            <p:spPr>
+              <a:xfrm>
+                <a:off x="4990612" y="5122155"/>
+                <a:ext cx="2296800" cy="504000"/>
+              </a:xfrm>
+              <a:prstGeom prst="roundRect">
+                <a:avLst/>
+              </a:prstGeom>
+              <a:solidFill>
+                <a:schemeClr val="accent2">
+                  <a:lumMod val="40000"/>
+                  <a:lumOff val="60000"/>
+                </a:schemeClr>
+              </a:solidFill>
+              <a:ln>
+                <a:solidFill>
+                  <a:schemeClr val="tx1"/>
+                </a:solidFill>
+              </a:ln>
+            </p:spPr>
+            <p:style>
+              <a:lnRef idx="2">
+                <a:schemeClr val="accent1">
+                  <a:shade val="50000"/>
+                </a:schemeClr>
+              </a:lnRef>
+              <a:fillRef idx="1">
+                <a:schemeClr val="accent1"/>
+              </a:fillRef>
+              <a:effectRef idx="0">
+                <a:schemeClr val="accent1"/>
+              </a:effectRef>
+              <a:fontRef idx="minor">
+                <a:schemeClr val="lt1"/>
+              </a:fontRef>
+            </p:style>
+            <p:txBody>
+              <a:bodyPr rtlCol="0" anchor="ctr"/>
+              <a:lstStyle/>
+              <a:p>
+                <a:pPr algn="ctr"/>
+                <a:r>
+                  <a:rPr lang="de-DE" b="1" noProof="1" smtClean="0">
+                    <a:ln w="0"/>
+                    <a:solidFill>
+                      <a:schemeClr val="tx1"/>
+                    </a:solidFill>
+                  </a:rPr>
+                  <a:t>B -= </a:t>
+                </a:r>
+                <a14:m>
+                  <m:oMath xmlns:m="http://schemas.openxmlformats.org/officeDocument/2006/math">
+                    <m:sSub>
+                      <m:sSubPr>
+                        <m:ctrlPr>
+                          <a:rPr lang="de-DE" b="1" i="1" noProof="1" smtClean="0">
+                            <a:ln w="0"/>
+                            <a:solidFill>
+                              <a:schemeClr val="tx1"/>
+                            </a:solidFill>
+                            <a:latin typeface="Cambria Math" panose="02040503050406030204" pitchFamily="18" charset="0"/>
+                          </a:rPr>
+                        </m:ctrlPr>
+                      </m:sSubPr>
+                      <m:e>
+                        <m:r>
+                          <a:rPr lang="de-DE" b="1" i="1" noProof="1" smtClean="0">
+                            <a:ln w="0"/>
+                            <a:solidFill>
+                              <a:schemeClr val="tx1"/>
+                            </a:solidFill>
+                            <a:latin typeface="Cambria Math" panose="02040503050406030204" pitchFamily="18" charset="0"/>
+                          </a:rPr>
+                          <m:t>𝒔</m:t>
+                        </m:r>
+                      </m:e>
+                      <m:sub>
+                        <m:r>
+                          <a:rPr lang="de-DE" b="1" i="1" noProof="1" smtClean="0">
+                            <a:ln w="0"/>
+                            <a:solidFill>
+                              <a:schemeClr val="tx1"/>
+                            </a:solidFill>
+                            <a:latin typeface="Cambria Math" panose="02040503050406030204" pitchFamily="18" charset="0"/>
+                          </a:rPr>
+                          <m:t>𝒊</m:t>
+                        </m:r>
+                      </m:sub>
+                    </m:sSub>
+                  </m:oMath>
+                </a14:m>
+                <a:endParaRPr lang="de-DE" b="1" noProof="1" smtClean="0">
+                  <a:ln w="0"/>
+                  <a:solidFill>
+                    <a:schemeClr val="tx1"/>
+                  </a:solidFill>
+                </a:endParaRPr>
+              </a:p>
+            </p:txBody>
+          </p:sp>
+        </mc:Choice>
+        <mc:Fallback>
+          <p:sp>
+            <p:nvSpPr>
+              <p:cNvPr id="21" name="Abgerundetes Rechteck 20"/>
+              <p:cNvSpPr>
+                <a:spLocks noRot="1" noChangeAspect="1" noMove="1" noResize="1" noEditPoints="1" noAdjustHandles="1" noChangeArrowheads="1" noChangeShapeType="1" noTextEdit="1"/>
+              </p:cNvSpPr>
+              <p:nvPr/>
+            </p:nvSpPr>
+            <p:spPr>
+              <a:xfrm>
+                <a:off x="4990612" y="5122155"/>
+                <a:ext cx="2296800" cy="504000"/>
+              </a:xfrm>
+              <a:prstGeom prst="roundRect">
+                <a:avLst/>
+              </a:prstGeom>
+              <a:blipFill rotWithShape="0">
+                <a:blip r:embed="rId3"/>
+                <a:stretch>
+                  <a:fillRect b="-4706"/>
+                </a:stretch>
+              </a:blipFill>
+              <a:ln>
+                <a:solidFill>
+                  <a:schemeClr val="tx1"/>
+                </a:solidFill>
+              </a:ln>
+            </p:spPr>
+            <p:txBody>
+              <a:bodyPr/>
+              <a:lstStyle/>
+              <a:p>
+                <a:r>
+                  <a:rPr lang="de-DE">
+                    <a:noFill/>
+                  </a:rPr>
+                  <a:t> </a:t>
+                </a:r>
+              </a:p>
+            </p:txBody>
+          </p:sp>
+        </mc:Fallback>
+      </mc:AlternateContent>
+      <p:cxnSp>
+        <p:nvCxnSpPr>
+          <p:cNvPr id="26" name="Gerade Verbindung mit Pfeil 25"/>
+          <p:cNvCxnSpPr>
+            <a:stCxn id="11" idx="2"/>
+            <a:endCxn id="64" idx="0"/>
+          </p:cNvCxnSpPr>
+          <p:nvPr/>
+        </p:nvCxnSpPr>
+        <p:spPr>
+          <a:xfrm>
+            <a:off x="6139674" y="3109227"/>
+            <a:ext cx="662" cy="334976"/>
+          </a:xfrm>
+          <a:prstGeom prst="straightConnector1">
+            <a:avLst/>
+          </a:prstGeom>
+          <a:ln w="19050">
+            <a:solidFill>
+              <a:schemeClr val="tx1"/>
+            </a:solidFill>
+            <a:tailEnd type="arrow" w="lg" len="lg"/>
+          </a:ln>
+        </p:spPr>
+        <p:style>
+          <a:lnRef idx="1">
+            <a:schemeClr val="accent1"/>
+          </a:lnRef>
+          <a:fillRef idx="0">
+            <a:schemeClr val="accent1"/>
+          </a:fillRef>
+          <a:effectRef idx="0">
+            <a:schemeClr val="accent1"/>
+          </a:effectRef>
+          <a:fontRef idx="minor">
+            <a:schemeClr val="tx1"/>
+          </a:fontRef>
+        </p:style>
+      </p:cxnSp>
+      <p:cxnSp>
+        <p:nvCxnSpPr>
+          <p:cNvPr id="31" name="Gerade Verbindung mit Pfeil 30"/>
+          <p:cNvCxnSpPr>
+            <a:stCxn id="20" idx="2"/>
+            <a:endCxn id="21" idx="0"/>
+          </p:cNvCxnSpPr>
+          <p:nvPr/>
+        </p:nvCxnSpPr>
+        <p:spPr>
+          <a:xfrm>
+            <a:off x="6139012" y="4784305"/>
+            <a:ext cx="0" cy="337850"/>
+          </a:xfrm>
+          <a:prstGeom prst="straightConnector1">
+            <a:avLst/>
+          </a:prstGeom>
+          <a:ln w="19050">
+            <a:solidFill>
+              <a:schemeClr val="tx1"/>
+            </a:solidFill>
+            <a:tailEnd type="arrow" w="lg" len="lg"/>
+          </a:ln>
+        </p:spPr>
+        <p:style>
+          <a:lnRef idx="1">
+            <a:schemeClr val="accent1"/>
+          </a:lnRef>
+          <a:fillRef idx="0">
+            <a:schemeClr val="accent1"/>
+          </a:fillRef>
+          <a:effectRef idx="0">
+            <a:schemeClr val="accent1"/>
+          </a:effectRef>
+          <a:fontRef idx="minor">
+            <a:schemeClr val="tx1"/>
+          </a:fontRef>
+        </p:style>
+      </p:cxnSp>
+      <p:cxnSp>
+        <p:nvCxnSpPr>
+          <p:cNvPr id="41" name="Gerade Verbindung mit Pfeil 40"/>
+          <p:cNvCxnSpPr>
+            <a:stCxn id="21" idx="2"/>
+            <a:endCxn id="53" idx="0"/>
+          </p:cNvCxnSpPr>
+          <p:nvPr/>
+        </p:nvCxnSpPr>
+        <p:spPr>
+          <a:xfrm>
+            <a:off x="6139012" y="5626155"/>
+            <a:ext cx="1324" cy="329228"/>
+          </a:xfrm>
+          <a:prstGeom prst="straightConnector1">
+            <a:avLst/>
+          </a:prstGeom>
+          <a:ln w="19050">
+            <a:solidFill>
+              <a:schemeClr val="tx1"/>
+            </a:solidFill>
+            <a:tailEnd type="arrow" w="lg" len="lg"/>
+          </a:ln>
+        </p:spPr>
+        <p:style>
+          <a:lnRef idx="1">
+            <a:schemeClr val="accent1"/>
+          </a:lnRef>
+          <a:fillRef idx="0">
+            <a:schemeClr val="accent1"/>
+          </a:fillRef>
+          <a:effectRef idx="0">
+            <a:schemeClr val="accent1"/>
+          </a:effectRef>
+          <a:fontRef idx="minor">
+            <a:schemeClr val="tx1"/>
+          </a:fontRef>
+        </p:style>
+      </p:cxnSp>
+      <p:sp>
+        <p:nvSpPr>
+          <p:cNvPr id="53" name="Abgerundetes Rechteck 52"/>
+          <p:cNvSpPr/>
+          <p:nvPr/>
+        </p:nvSpPr>
+        <p:spPr>
+          <a:xfrm>
+            <a:off x="4991936" y="5955383"/>
+            <a:ext cx="2296800" cy="504000"/>
+          </a:xfrm>
+          <a:prstGeom prst="roundRect">
+            <a:avLst/>
+          </a:prstGeom>
+          <a:solidFill>
+            <a:schemeClr val="accent2">
+              <a:lumMod val="40000"/>
+              <a:lumOff val="60000"/>
+            </a:schemeClr>
+          </a:solidFill>
+          <a:ln>
+            <a:solidFill>
+              <a:schemeClr val="tx1"/>
+            </a:solidFill>
+          </a:ln>
+        </p:spPr>
+        <p:style>
+          <a:lnRef idx="2">
+            <a:schemeClr val="accent1">
+              <a:shade val="50000"/>
+            </a:schemeClr>
+          </a:lnRef>
+          <a:fillRef idx="1">
+            <a:schemeClr val="accent1"/>
+          </a:fillRef>
+          <a:effectRef idx="0">
+            <a:schemeClr val="accent1"/>
+          </a:effectRef>
+          <a:fontRef idx="minor">
+            <a:schemeClr val="lt1"/>
+          </a:fontRef>
+        </p:style>
+        <p:txBody>
+          <a:bodyPr rtlCol="0" anchor="ctr"/>
+          <a:lstStyle/>
+          <a:p>
+            <a:pPr algn="ctr"/>
+            <a:r>
+              <a:rPr lang="de-DE" b="1" noProof="1" smtClean="0">
+                <a:ln w="0"/>
+                <a:solidFill>
+                  <a:schemeClr val="tx1"/>
+                </a:solidFill>
+              </a:rPr>
+              <a:t>ACB</a:t>
+            </a:r>
+          </a:p>
+        </p:txBody>
+      </p:sp>
+      <p:sp>
+        <p:nvSpPr>
+          <p:cNvPr id="64" name="Abgerundetes Rechteck 63"/>
+          <p:cNvSpPr/>
+          <p:nvPr/>
+        </p:nvSpPr>
+        <p:spPr>
+          <a:xfrm>
+            <a:off x="4991936" y="3444203"/>
+            <a:ext cx="2296800" cy="504000"/>
+          </a:xfrm>
+          <a:prstGeom prst="roundRect">
+            <a:avLst/>
+          </a:prstGeom>
+          <a:solidFill>
+            <a:schemeClr val="accent2">
+              <a:lumMod val="40000"/>
+              <a:lumOff val="60000"/>
+            </a:schemeClr>
+          </a:solidFill>
+          <a:ln>
+            <a:solidFill>
+              <a:schemeClr val="tx1"/>
+            </a:solidFill>
+          </a:ln>
+        </p:spPr>
+        <p:style>
+          <a:lnRef idx="2">
+            <a:schemeClr val="accent1">
+              <a:shade val="50000"/>
+            </a:schemeClr>
+          </a:lnRef>
+          <a:fillRef idx="1">
+            <a:schemeClr val="accent1"/>
+          </a:fillRef>
+          <a:effectRef idx="0">
+            <a:schemeClr val="accent1"/>
+          </a:effectRef>
+          <a:fontRef idx="minor">
+            <a:schemeClr val="lt1"/>
+          </a:fontRef>
+        </p:style>
+        <p:txBody>
+          <a:bodyPr rtlCol="0" anchor="ctr"/>
+          <a:lstStyle/>
+          <a:p>
+            <a:pPr algn="ctr"/>
+            <a:r>
+              <a:rPr lang="de-DE" b="1" noProof="1" smtClean="0">
+                <a:ln w="0"/>
+                <a:solidFill>
+                  <a:schemeClr val="tx1"/>
+                </a:solidFill>
+              </a:rPr>
+              <a:t>B samples of uniform distribution</a:t>
+            </a:r>
+          </a:p>
+        </p:txBody>
+      </p:sp>
+      <p:cxnSp>
+        <p:nvCxnSpPr>
+          <p:cNvPr id="71" name="Gerade Verbindung mit Pfeil 70"/>
+          <p:cNvCxnSpPr>
+            <a:stCxn id="6" idx="2"/>
+          </p:cNvCxnSpPr>
+          <p:nvPr/>
+        </p:nvCxnSpPr>
+        <p:spPr>
+          <a:xfrm>
+            <a:off x="6139012" y="1449210"/>
+            <a:ext cx="0" cy="332048"/>
+          </a:xfrm>
+          <a:prstGeom prst="straightConnector1">
+            <a:avLst/>
+          </a:prstGeom>
+          <a:ln w="19050">
+            <a:solidFill>
+              <a:schemeClr val="tx1"/>
+            </a:solidFill>
+            <a:tailEnd type="arrow" w="lg" len="lg"/>
+          </a:ln>
+        </p:spPr>
+        <p:style>
+          <a:lnRef idx="1">
+            <a:schemeClr val="accent1"/>
+          </a:lnRef>
+          <a:fillRef idx="0">
+            <a:schemeClr val="accent1"/>
+          </a:fillRef>
+          <a:effectRef idx="0">
+            <a:schemeClr val="accent1"/>
+          </a:effectRef>
+          <a:fontRef idx="minor">
+            <a:schemeClr val="tx1"/>
+          </a:fontRef>
+        </p:style>
+      </p:cxnSp>
+      <p:sp>
+        <p:nvSpPr>
+          <p:cNvPr id="76" name="Abgerundetes Rechteck 75"/>
+          <p:cNvSpPr/>
+          <p:nvPr/>
+        </p:nvSpPr>
+        <p:spPr>
+          <a:xfrm>
+            <a:off x="4993260" y="1766251"/>
+            <a:ext cx="2295476" cy="504000"/>
+          </a:xfrm>
+          <a:prstGeom prst="roundRect">
+            <a:avLst/>
+          </a:prstGeom>
+          <a:solidFill>
+            <a:schemeClr val="accent2">
+              <a:lumMod val="40000"/>
+              <a:lumOff val="60000"/>
+            </a:schemeClr>
+          </a:solidFill>
+          <a:ln>
+            <a:solidFill>
+              <a:schemeClr val="tx1"/>
+            </a:solidFill>
+          </a:ln>
+        </p:spPr>
+        <p:style>
+          <a:lnRef idx="2">
+            <a:schemeClr val="accent1">
+              <a:shade val="50000"/>
+            </a:schemeClr>
+          </a:lnRef>
+          <a:fillRef idx="1">
+            <a:schemeClr val="accent1"/>
+          </a:fillRef>
+          <a:effectRef idx="0">
+            <a:schemeClr val="accent1"/>
+          </a:effectRef>
+          <a:fontRef idx="minor">
+            <a:schemeClr val="lt1"/>
+          </a:fontRef>
+        </p:style>
+        <p:txBody>
+          <a:bodyPr rtlCol="0" anchor="ctr"/>
+          <a:lstStyle/>
+          <a:p>
+            <a:pPr algn="ctr"/>
+            <a:r>
+              <a:rPr lang="de-DE" b="1" noProof="1">
+                <a:ln w="0"/>
+                <a:solidFill>
+                  <a:schemeClr val="tx1"/>
+                </a:solidFill>
+              </a:rPr>
+              <a:t>B samples </a:t>
+            </a:r>
+            <a:r>
+              <a:rPr lang="de-DE" b="1" noProof="1">
+                <a:ln w="0"/>
+                <a:solidFill>
+                  <a:schemeClr val="tx1"/>
+                </a:solidFill>
+              </a:rPr>
+              <a:t>of </a:t>
+            </a:r>
+            <a:r>
+              <a:rPr lang="de-DE" b="1" noProof="1" smtClean="0">
+                <a:ln w="0"/>
+                <a:solidFill>
+                  <a:schemeClr val="tx1"/>
+                </a:solidFill>
+              </a:rPr>
+              <a:t>binomial </a:t>
+            </a:r>
+            <a:r>
+              <a:rPr lang="de-DE" b="1" noProof="1">
+                <a:ln w="0"/>
+                <a:solidFill>
+                  <a:schemeClr val="tx1"/>
+                </a:solidFill>
+              </a:rPr>
+              <a:t>distribution</a:t>
+            </a:r>
+          </a:p>
+        </p:txBody>
+      </p:sp>
+      <p:cxnSp>
+        <p:nvCxnSpPr>
+          <p:cNvPr id="126" name="Gerade Verbindung mit Pfeil 125"/>
+          <p:cNvCxnSpPr>
+            <a:stCxn id="53" idx="1"/>
+          </p:cNvCxnSpPr>
+          <p:nvPr/>
+        </p:nvCxnSpPr>
+        <p:spPr>
+          <a:xfrm flipH="1" flipV="1">
+            <a:off x="3746500" y="6201090"/>
+            <a:ext cx="1245436" cy="6293"/>
+          </a:xfrm>
+          <a:prstGeom prst="straightConnector1">
+            <a:avLst/>
+          </a:prstGeom>
+          <a:ln w="19050">
+            <a:solidFill>
+              <a:schemeClr val="tx1"/>
+            </a:solidFill>
+            <a:tailEnd type="arrow" w="lg" len="lg"/>
+          </a:ln>
+        </p:spPr>
+        <p:style>
+          <a:lnRef idx="1">
+            <a:schemeClr val="accent1"/>
+          </a:lnRef>
+          <a:fillRef idx="0">
+            <a:schemeClr val="accent1"/>
+          </a:fillRef>
+          <a:effectRef idx="0">
+            <a:schemeClr val="accent1"/>
+          </a:effectRef>
+          <a:fontRef idx="minor">
+            <a:schemeClr val="tx1"/>
+          </a:fontRef>
+        </p:style>
+      </p:cxnSp>
+      <p:cxnSp>
+        <p:nvCxnSpPr>
+          <p:cNvPr id="129" name="Gerade Verbindung mit Pfeil 128"/>
+          <p:cNvCxnSpPr>
+            <a:endCxn id="6" idx="1"/>
+          </p:cNvCxnSpPr>
+          <p:nvPr/>
+        </p:nvCxnSpPr>
+        <p:spPr>
+          <a:xfrm>
+            <a:off x="3730364" y="1137482"/>
+            <a:ext cx="2185243" cy="1"/>
+          </a:xfrm>
+          <a:prstGeom prst="straightConnector1">
+            <a:avLst/>
+          </a:prstGeom>
+          <a:ln w="19050">
+            <a:solidFill>
+              <a:schemeClr val="tx1"/>
+            </a:solidFill>
+            <a:tailEnd type="arrow" w="lg" len="lg"/>
+          </a:ln>
+        </p:spPr>
+        <p:style>
+          <a:lnRef idx="1">
+            <a:schemeClr val="accent1"/>
+          </a:lnRef>
+          <a:fillRef idx="0">
+            <a:schemeClr val="accent1"/>
+          </a:fillRef>
+          <a:effectRef idx="0">
+            <a:schemeClr val="accent1"/>
+          </a:effectRef>
+          <a:fontRef idx="minor">
+            <a:schemeClr val="tx1"/>
+          </a:fontRef>
+        </p:style>
+      </p:cxnSp>
+      <p:cxnSp>
+        <p:nvCxnSpPr>
+          <p:cNvPr id="132" name="Gerade Verbindung mit Pfeil 131"/>
+          <p:cNvCxnSpPr/>
+          <p:nvPr/>
+        </p:nvCxnSpPr>
+        <p:spPr>
+          <a:xfrm flipV="1">
+            <a:off x="3746500" y="1137482"/>
+            <a:ext cx="0" cy="5063609"/>
+          </a:xfrm>
+          <a:prstGeom prst="straightConnector1">
+            <a:avLst/>
+          </a:prstGeom>
+          <a:ln w="19050">
+            <a:solidFill>
+              <a:schemeClr val="tx1"/>
+            </a:solidFill>
+            <a:tailEnd type="none" w="lg" len="lg"/>
+          </a:ln>
+        </p:spPr>
+        <p:style>
+          <a:lnRef idx="1">
+            <a:schemeClr val="accent1"/>
+          </a:lnRef>
+          <a:fillRef idx="0">
+            <a:schemeClr val="accent1"/>
+          </a:fillRef>
+          <a:effectRef idx="0">
+            <a:schemeClr val="accent1"/>
+          </a:effectRef>
+          <a:fontRef idx="minor">
+            <a:schemeClr val="tx1"/>
+          </a:fontRef>
+        </p:style>
+      </p:cxnSp>
+      <p:cxnSp>
+        <p:nvCxnSpPr>
+          <p:cNvPr id="150" name="Gerade Verbindung mit Pfeil 149"/>
+          <p:cNvCxnSpPr/>
+          <p:nvPr/>
+        </p:nvCxnSpPr>
+        <p:spPr>
+          <a:xfrm>
+            <a:off x="6378551" y="1155307"/>
+            <a:ext cx="2185243" cy="7047"/>
+          </a:xfrm>
+          <a:prstGeom prst="straightConnector1">
+            <a:avLst/>
+          </a:prstGeom>
+          <a:ln w="19050">
+            <a:solidFill>
+              <a:schemeClr val="tx1"/>
+            </a:solidFill>
+            <a:tailEnd type="arrow" w="lg" len="lg"/>
+          </a:ln>
+        </p:spPr>
+        <p:style>
+          <a:lnRef idx="1">
+            <a:schemeClr val="accent1"/>
+          </a:lnRef>
+          <a:fillRef idx="0">
+            <a:schemeClr val="accent1"/>
+          </a:fillRef>
+          <a:effectRef idx="0">
+            <a:schemeClr val="accent1"/>
+          </a:effectRef>
+          <a:fontRef idx="minor">
+            <a:schemeClr val="tx1"/>
+          </a:fontRef>
+        </p:style>
+      </p:cxnSp>
+      <mc:AlternateContent xmlns:mc="http://schemas.openxmlformats.org/markup-compatibility/2006">
+        <mc:Choice xmlns:a14="http://schemas.microsoft.com/office/drawing/2010/main" Requires="a14">
+          <p:sp>
+            <p:nvSpPr>
+              <p:cNvPr id="151" name="Textfeld 150"/>
+              <p:cNvSpPr txBox="1"/>
+              <p:nvPr/>
+            </p:nvSpPr>
+            <p:spPr>
+              <a:xfrm>
+                <a:off x="5931743" y="718641"/>
+                <a:ext cx="3046425" cy="369332"/>
+              </a:xfrm>
+              <a:prstGeom prst="rect">
+                <a:avLst/>
+              </a:prstGeom>
+              <a:noFill/>
+            </p:spPr>
+            <p:txBody>
+              <a:bodyPr wrap="square" rtlCol="0">
+                <a:spAutoFit/>
+              </a:bodyPr>
+              <a:lstStyle/>
+              <a:p>
+                <a:pPr algn="ctr"/>
+                <a14:m>
+                  <m:oMath xmlns:m="http://schemas.openxmlformats.org/officeDocument/2006/math">
+                    <m:r>
+                      <a:rPr lang="de-DE" b="0" i="1" noProof="1" smtClean="0">
+                        <a:ln w="0"/>
+                        <a:effectLst>
+                          <a:outerShdw blurRad="38100" dist="19050" dir="2700000" algn="tl" rotWithShape="0">
+                            <a:schemeClr val="dk1">
+                              <a:alpha val="40000"/>
+                            </a:schemeClr>
+                          </a:outerShdw>
+                        </a:effectLst>
+                        <a:latin typeface="Cambria Math" panose="02040503050406030204" pitchFamily="18" charset="0"/>
+                      </a:rPr>
+                      <m:t>[</m:t>
+                    </m:r>
+                    <m:r>
+                      <a:rPr lang="de-DE" b="0" i="1" noProof="1" smtClean="0">
+                        <a:ln w="0"/>
+                        <a:effectLst>
+                          <a:outerShdw blurRad="38100" dist="19050" dir="2700000" algn="tl" rotWithShape="0">
+                            <a:schemeClr val="dk1">
+                              <a:alpha val="40000"/>
+                            </a:schemeClr>
+                          </a:outerShdw>
+                        </a:effectLst>
+                        <a:latin typeface="Cambria Math" panose="02040503050406030204" pitchFamily="18" charset="0"/>
+                      </a:rPr>
+                      <m:t>𝐵</m:t>
+                    </m:r>
+                    <m:r>
+                      <a:rPr lang="de-DE" b="0" i="1" noProof="1" smtClean="0">
+                        <a:ln w="0"/>
+                        <a:effectLst>
+                          <a:outerShdw blurRad="38100" dist="19050" dir="2700000" algn="tl" rotWithShape="0">
+                            <a:schemeClr val="dk1">
+                              <a:alpha val="40000"/>
+                            </a:schemeClr>
+                          </a:outerShdw>
+                        </a:effectLst>
+                        <a:latin typeface="Cambria Math" panose="02040503050406030204" pitchFamily="18" charset="0"/>
+                      </a:rPr>
+                      <m:t>&lt;</m:t>
+                    </m:r>
+                    <m:sSup>
+                      <m:sSupPr>
+                        <m:ctrlPr>
+                          <a:rPr lang="de-DE" b="0" i="1" noProof="1" smtClean="0">
+                            <a:ln w="0"/>
+                            <a:effectLst>
+                              <a:outerShdw blurRad="38100" dist="19050" dir="2700000" algn="tl" rotWithShape="0">
+                                <a:schemeClr val="dk1">
+                                  <a:alpha val="40000"/>
+                                </a:schemeClr>
+                              </a:outerShdw>
+                            </a:effectLst>
+                            <a:latin typeface="Cambria Math" panose="02040503050406030204" pitchFamily="18" charset="0"/>
+                          </a:rPr>
+                        </m:ctrlPr>
+                      </m:sSupPr>
+                      <m:e>
+                        <m:r>
+                          <a:rPr lang="de-DE" b="0" i="1" noProof="1" smtClean="0">
+                            <a:ln w="0"/>
+                            <a:effectLst>
+                              <a:outerShdw blurRad="38100" dist="19050" dir="2700000" algn="tl" rotWithShape="0">
+                                <a:schemeClr val="dk1">
+                                  <a:alpha val="40000"/>
+                                </a:schemeClr>
+                              </a:outerShdw>
+                            </a:effectLst>
+                            <a:latin typeface="Cambria Math" panose="02040503050406030204" pitchFamily="18" charset="0"/>
+                          </a:rPr>
+                          <m:t>𝑏</m:t>
+                        </m:r>
+                      </m:e>
+                      <m:sup>
+                        <m:r>
+                          <a:rPr lang="de-DE" b="0" i="1" noProof="1" smtClean="0">
+                            <a:ln w="0"/>
+                            <a:effectLst>
+                              <a:outerShdw blurRad="38100" dist="19050" dir="2700000" algn="tl" rotWithShape="0">
+                                <a:schemeClr val="dk1">
+                                  <a:alpha val="40000"/>
+                                </a:schemeClr>
+                              </a:outerShdw>
+                            </a:effectLst>
+                            <a:latin typeface="Cambria Math" panose="02040503050406030204" pitchFamily="18" charset="0"/>
+                          </a:rPr>
+                          <m:t>𝜖</m:t>
+                        </m:r>
+                      </m:sup>
+                    </m:sSup>
+                    <m:r>
+                      <a:rPr lang="de-DE" b="0" i="1" noProof="1" smtClean="0">
+                        <a:ln w="0"/>
+                        <a:effectLst>
+                          <a:outerShdw blurRad="38100" dist="19050" dir="2700000" algn="tl" rotWithShape="0">
+                            <a:schemeClr val="dk1">
+                              <a:alpha val="40000"/>
+                            </a:schemeClr>
+                          </a:outerShdw>
+                        </a:effectLst>
+                        <a:latin typeface="Cambria Math" panose="02040503050406030204" pitchFamily="18" charset="0"/>
+                      </a:rPr>
+                      <m:t> </m:t>
+                    </m:r>
+                    <m:r>
+                      <a:rPr lang="de-DE" b="0" i="1" noProof="1" smtClean="0">
+                        <a:ln w="0"/>
+                        <a:effectLst/>
+                        <a:latin typeface="Cambria Math" panose="02040503050406030204" pitchFamily="18" charset="0"/>
+                      </a:rPr>
+                      <m:t>𝑜𝑟</m:t>
+                    </m:r>
+                    <m:r>
+                      <a:rPr lang="de-DE" b="0" i="1" noProof="1" smtClean="0">
+                        <a:ln w="0"/>
+                        <a:effectLst>
+                          <a:outerShdw blurRad="38100" dist="19050" dir="2700000" algn="tl" rotWithShape="0">
+                            <a:schemeClr val="dk1">
+                              <a:alpha val="40000"/>
+                            </a:schemeClr>
+                          </a:outerShdw>
+                        </a:effectLst>
+                        <a:latin typeface="Cambria Math" panose="02040503050406030204" pitchFamily="18" charset="0"/>
+                      </a:rPr>
+                      <m:t> </m:t>
+                    </m:r>
+                    <m:sSub>
+                      <m:sSubPr>
+                        <m:ctrlPr>
+                          <a:rPr lang="de-DE" b="0" i="1" noProof="1" smtClean="0">
+                            <a:ln w="0"/>
+                            <a:effectLst>
+                              <a:outerShdw blurRad="38100" dist="19050" dir="2700000" algn="tl" rotWithShape="0">
+                                <a:schemeClr val="dk1">
+                                  <a:alpha val="40000"/>
+                                </a:schemeClr>
+                              </a:outerShdw>
+                            </a:effectLst>
+                            <a:latin typeface="Cambria Math" panose="02040503050406030204" pitchFamily="18" charset="0"/>
+                          </a:rPr>
+                        </m:ctrlPr>
+                      </m:sSubPr>
+                      <m:e>
+                        <m:r>
+                          <a:rPr lang="de-DE" b="0" i="1" noProof="1" smtClean="0">
+                            <a:ln w="0"/>
+                            <a:effectLst>
+                              <a:outerShdw blurRad="38100" dist="19050" dir="2700000" algn="tl" rotWithShape="0">
+                                <a:schemeClr val="dk1">
+                                  <a:alpha val="40000"/>
+                                </a:schemeClr>
+                              </a:outerShdw>
+                            </a:effectLst>
+                            <a:latin typeface="Cambria Math" panose="02040503050406030204" pitchFamily="18" charset="0"/>
+                          </a:rPr>
+                          <m:t>𝑡</m:t>
+                        </m:r>
+                      </m:e>
+                      <m:sub>
+                        <m:r>
+                          <a:rPr lang="de-DE" b="0" i="1" noProof="1" smtClean="0">
+                            <a:ln w="0"/>
+                            <a:effectLst>
+                              <a:outerShdw blurRad="38100" dist="19050" dir="2700000" algn="tl" rotWithShape="0">
+                                <a:schemeClr val="dk1">
+                                  <a:alpha val="40000"/>
+                                </a:schemeClr>
+                              </a:outerShdw>
+                            </a:effectLst>
+                            <a:latin typeface="Cambria Math" panose="02040503050406030204" pitchFamily="18" charset="0"/>
+                          </a:rPr>
+                          <m:t>𝑖</m:t>
+                        </m:r>
+                      </m:sub>
+                    </m:sSub>
+                    <m:r>
+                      <a:rPr lang="de-DE" b="0" i="1" noProof="1" smtClean="0">
+                        <a:ln w="0"/>
+                        <a:effectLst>
+                          <a:outerShdw blurRad="38100" dist="19050" dir="2700000" algn="tl" rotWithShape="0">
+                            <a:schemeClr val="dk1">
+                              <a:alpha val="40000"/>
+                            </a:schemeClr>
+                          </a:outerShdw>
+                        </a:effectLst>
+                        <a:latin typeface="Cambria Math" panose="02040503050406030204" pitchFamily="18" charset="0"/>
+                      </a:rPr>
+                      <m:t>≥</m:t>
+                    </m:r>
+                    <m:r>
+                      <a:rPr lang="de-DE" b="0" i="1" noProof="1" smtClean="0">
+                        <a:ln w="0"/>
+                        <a:effectLst>
+                          <a:outerShdw blurRad="38100" dist="19050" dir="2700000" algn="tl" rotWithShape="0">
+                            <a:schemeClr val="dk1">
+                              <a:alpha val="40000"/>
+                            </a:schemeClr>
+                          </a:outerShdw>
+                        </a:effectLst>
+                        <a:latin typeface="Cambria Math" panose="02040503050406030204" pitchFamily="18" charset="0"/>
+                      </a:rPr>
+                      <m:t>𝑡</m:t>
+                    </m:r>
+                  </m:oMath>
+                </a14:m>
+                <a:r>
+                  <a:rPr lang="de-DE" noProof="1" smtClean="0">
+                    <a:ln w="0"/>
+                    <a:effectLst>
+                      <a:outerShdw blurRad="38100" dist="19050" dir="2700000" algn="tl" rotWithShape="0">
+                        <a:schemeClr val="dk1">
+                          <a:alpha val="40000"/>
+                        </a:schemeClr>
+                      </a:outerShdw>
+                    </a:effectLst>
+                  </a:rPr>
+                  <a:t>]</a:t>
+                </a:r>
+                <a:endParaRPr lang="de-DE" noProof="1">
+                  <a:ln w="0"/>
+                  <a:effectLst>
+                    <a:outerShdw blurRad="38100" dist="19050" dir="2700000" algn="tl" rotWithShape="0">
+                      <a:schemeClr val="dk1">
+                        <a:alpha val="40000"/>
+                      </a:schemeClr>
+                    </a:outerShdw>
+                  </a:effectLst>
+                </a:endParaRPr>
+              </a:p>
+            </p:txBody>
+          </p:sp>
+        </mc:Choice>
+        <mc:Fallback>
+          <p:sp>
+            <p:nvSpPr>
+              <p:cNvPr id="151" name="Textfeld 150"/>
+              <p:cNvSpPr txBox="1">
+                <a:spLocks noRot="1" noChangeAspect="1" noMove="1" noResize="1" noEditPoints="1" noAdjustHandles="1" noChangeArrowheads="1" noChangeShapeType="1" noTextEdit="1"/>
+              </p:cNvSpPr>
+              <p:nvPr/>
+            </p:nvSpPr>
+            <p:spPr>
+              <a:xfrm>
+                <a:off x="5931743" y="718641"/>
+                <a:ext cx="3046425" cy="369332"/>
+              </a:xfrm>
+              <a:prstGeom prst="rect">
+                <a:avLst/>
+              </a:prstGeom>
+              <a:blipFill rotWithShape="0">
+                <a:blip r:embed="rId4"/>
+                <a:stretch>
+                  <a:fillRect t="-11667" b="-31667"/>
+                </a:stretch>
+              </a:blipFill>
+            </p:spPr>
+            <p:txBody>
+              <a:bodyPr/>
+              <a:lstStyle/>
+              <a:p>
+                <a:r>
+                  <a:rPr lang="de-DE">
+                    <a:noFill/>
+                  </a:rPr>
+                  <a:t> </a:t>
+                </a:r>
+              </a:p>
+            </p:txBody>
+          </p:sp>
+        </mc:Fallback>
+      </mc:AlternateContent>
+      <p:sp>
+        <p:nvSpPr>
+          <p:cNvPr id="154" name="Flussdiagramm: Verbindungsstelle 153"/>
+          <p:cNvSpPr>
+            <a:spLocks noChangeAspect="1"/>
+          </p:cNvSpPr>
+          <p:nvPr/>
+        </p:nvSpPr>
+        <p:spPr>
+          <a:xfrm>
+            <a:off x="8563794" y="965000"/>
+            <a:ext cx="384915" cy="384913"/>
+          </a:xfrm>
+          <a:prstGeom prst="flowChartConnector">
+            <a:avLst/>
+          </a:prstGeom>
+          <a:noFill/>
+          <a:ln w="19050"/>
+        </p:spPr>
+        <p:style>
+          <a:lnRef idx="2">
+            <a:schemeClr val="dk1">
+              <a:shade val="50000"/>
+            </a:schemeClr>
+          </a:lnRef>
+          <a:fillRef idx="1">
+            <a:schemeClr val="dk1"/>
+          </a:fillRef>
+          <a:effectRef idx="0">
+            <a:schemeClr val="dk1"/>
+          </a:effectRef>
+          <a:fontRef idx="minor">
+            <a:schemeClr val="lt1"/>
+          </a:fontRef>
+        </p:style>
+        <p:txBody>
+          <a:bodyPr rtlCol="0" anchor="ctr"/>
+          <a:lstStyle/>
+          <a:p>
+            <a:pPr algn="ctr"/>
+            <a:endParaRPr lang="de-DE"/>
+          </a:p>
+        </p:txBody>
+      </p:sp>
+      <p:sp>
+        <p:nvSpPr>
+          <p:cNvPr id="155" name="Flussdiagramm: Verbindungsstelle 154"/>
+          <p:cNvSpPr>
+            <a:spLocks noChangeAspect="1"/>
+          </p:cNvSpPr>
+          <p:nvPr/>
+        </p:nvSpPr>
+        <p:spPr>
+          <a:xfrm>
+            <a:off x="8606515" y="1015095"/>
+            <a:ext cx="280424" cy="280423"/>
+          </a:xfrm>
+          <a:prstGeom prst="flowChartConnector">
+            <a:avLst/>
+          </a:prstGeom>
+        </p:spPr>
+        <p:style>
+          <a:lnRef idx="2">
+            <a:schemeClr val="dk1">
+              <a:shade val="50000"/>
+            </a:schemeClr>
+          </a:lnRef>
+          <a:fillRef idx="1">
+            <a:schemeClr val="dk1"/>
+          </a:fillRef>
+          <a:effectRef idx="0">
+            <a:schemeClr val="dk1"/>
+          </a:effectRef>
+          <a:fontRef idx="minor">
+            <a:schemeClr val="lt1"/>
+          </a:fontRef>
+        </p:style>
+        <p:txBody>
+          <a:bodyPr rtlCol="0" anchor="ctr"/>
+          <a:lstStyle/>
+          <a:p>
+            <a:pPr algn="ctr"/>
+            <a:endParaRPr lang="de-DE"/>
+          </a:p>
+        </p:txBody>
+      </p:sp>
+    </p:spTree>
+    <p:extLst>
+      <p:ext uri="{BB962C8B-B14F-4D97-AF65-F5344CB8AC3E}">
+        <p14:creationId xmlns:p14="http://schemas.microsoft.com/office/powerpoint/2010/main" val="2955981374"/>
+      </p:ext>
+    </p:extLst>
+  </p:cSld>
+  <p:clrMapOvr>
+    <a:masterClrMapping/>
+  </p:clrMapOvr>
+</p:sld>
+</file>
+
+<file path=ppt/slides/slide11.xml><?xml version="1.0" encoding="utf-8"?>
+<p:sld xmlns:a="http://schemas.openxmlformats.org/drawingml/2006/main" xmlns:r="http://schemas.openxmlformats.org/officeDocument/2006/relationships" xmlns:p="http://schemas.openxmlformats.org/presentationml/2006/main">
+  <p:cSld>
+    <p:spTree>
+      <p:nvGrpSpPr>
+        <p:cNvPr id="1" name=""/>
+        <p:cNvGrpSpPr/>
+        <p:nvPr/>
+      </p:nvGrpSpPr>
+      <p:grpSpPr>
+        <a:xfrm>
+          <a:off x="0" y="0"/>
+          <a:ext cx="0" cy="0"/>
+          <a:chOff x="0" y="0"/>
+          <a:chExt cx="0" cy="0"/>
+        </a:xfrm>
+      </p:grpSpPr>
+      <p:sp>
+        <p:nvSpPr>
+          <p:cNvPr id="31" name="Pfeil nach rechts 30"/>
+          <p:cNvSpPr/>
+          <p:nvPr/>
+        </p:nvSpPr>
+        <p:spPr>
+          <a:xfrm rot="5400000">
+            <a:off x="5865343" y="2548462"/>
+            <a:ext cx="694039" cy="2332576"/>
+          </a:xfrm>
+          <a:prstGeom prst="rightArrow">
+            <a:avLst/>
+          </a:prstGeom>
+          <a:solidFill>
+            <a:schemeClr val="accent1">
+              <a:lumMod val="40000"/>
+              <a:lumOff val="60000"/>
+            </a:schemeClr>
+          </a:solidFill>
+          <a:ln>
+            <a:solidFill>
+              <a:schemeClr val="tx1"/>
+            </a:solidFill>
+          </a:ln>
+        </p:spPr>
+        <p:style>
+          <a:lnRef idx="2">
+            <a:schemeClr val="accent1">
+              <a:shade val="50000"/>
+            </a:schemeClr>
+          </a:lnRef>
+          <a:fillRef idx="1">
+            <a:schemeClr val="accent1"/>
+          </a:fillRef>
+          <a:effectRef idx="0">
+            <a:schemeClr val="accent1"/>
+          </a:effectRef>
+          <a:fontRef idx="minor">
+            <a:schemeClr val="lt1"/>
+          </a:fontRef>
+        </p:style>
+        <p:txBody>
+          <a:bodyPr rtlCol="0" anchor="ctr"/>
+          <a:lstStyle/>
+          <a:p>
+            <a:pPr algn="ctr"/>
+            <a:endParaRPr lang="de-DE"/>
+          </a:p>
+        </p:txBody>
+      </p:sp>
+      <p:sp>
+        <p:nvSpPr>
+          <p:cNvPr id="26" name="Pfeil nach rechts 25"/>
+          <p:cNvSpPr/>
+          <p:nvPr/>
+        </p:nvSpPr>
+        <p:spPr>
+          <a:xfrm>
+            <a:off x="2775635" y="1952109"/>
+            <a:ext cx="1580199" cy="301711"/>
+          </a:xfrm>
+          <a:prstGeom prst="rightArrow">
+            <a:avLst/>
+          </a:prstGeom>
+          <a:solidFill>
+            <a:schemeClr val="accent1">
+              <a:lumMod val="40000"/>
+              <a:lumOff val="60000"/>
+            </a:schemeClr>
+          </a:solidFill>
+          <a:ln>
+            <a:solidFill>
+              <a:schemeClr val="tx1"/>
+            </a:solidFill>
+          </a:ln>
+        </p:spPr>
+        <p:style>
+          <a:lnRef idx="2">
+            <a:schemeClr val="accent1">
+              <a:shade val="50000"/>
+            </a:schemeClr>
+          </a:lnRef>
+          <a:fillRef idx="1">
+            <a:schemeClr val="accent1"/>
+          </a:fillRef>
+          <a:effectRef idx="0">
+            <a:schemeClr val="accent1"/>
+          </a:effectRef>
+          <a:fontRef idx="minor">
+            <a:schemeClr val="lt1"/>
+          </a:fontRef>
+        </p:style>
+        <p:txBody>
+          <a:bodyPr rtlCol="0" anchor="ctr"/>
+          <a:lstStyle/>
+          <a:p>
+            <a:pPr algn="ctr"/>
+            <a:endParaRPr lang="de-DE"/>
+          </a:p>
+        </p:txBody>
+      </p:sp>
+      <p:sp>
+        <p:nvSpPr>
+          <p:cNvPr id="25" name="Pfeil nach rechts 24"/>
+          <p:cNvSpPr/>
+          <p:nvPr/>
+        </p:nvSpPr>
+        <p:spPr>
+          <a:xfrm>
+            <a:off x="2829245" y="2850292"/>
+            <a:ext cx="1580199" cy="301711"/>
+          </a:xfrm>
+          <a:prstGeom prst="rightArrow">
+            <a:avLst/>
+          </a:prstGeom>
+          <a:solidFill>
+            <a:schemeClr val="accent1">
+              <a:lumMod val="40000"/>
+              <a:lumOff val="60000"/>
+            </a:schemeClr>
+          </a:solidFill>
+          <a:ln>
+            <a:solidFill>
+              <a:schemeClr val="tx1"/>
+            </a:solidFill>
+          </a:ln>
+        </p:spPr>
+        <p:style>
+          <a:lnRef idx="2">
+            <a:schemeClr val="accent1">
+              <a:shade val="50000"/>
+            </a:schemeClr>
+          </a:lnRef>
+          <a:fillRef idx="1">
+            <a:schemeClr val="accent1"/>
+          </a:fillRef>
+          <a:effectRef idx="0">
+            <a:schemeClr val="accent1"/>
+          </a:effectRef>
+          <a:fontRef idx="minor">
+            <a:schemeClr val="lt1"/>
+          </a:fontRef>
+        </p:style>
+        <p:txBody>
+          <a:bodyPr rtlCol="0" anchor="ctr"/>
+          <a:lstStyle/>
+          <a:p>
+            <a:pPr algn="ctr"/>
+            <a:endParaRPr lang="de-DE"/>
+          </a:p>
+        </p:txBody>
+      </p:sp>
+      <p:sp>
+        <p:nvSpPr>
+          <p:cNvPr id="4" name="Rechteck 3"/>
+          <p:cNvSpPr/>
+          <p:nvPr/>
+        </p:nvSpPr>
+        <p:spPr>
+          <a:xfrm>
+            <a:off x="552389" y="984935"/>
+            <a:ext cx="2520777" cy="976184"/>
+          </a:xfrm>
+          <a:prstGeom prst="rect">
+            <a:avLst/>
+          </a:prstGeom>
+          <a:solidFill>
+            <a:schemeClr val="accent1">
+              <a:lumMod val="40000"/>
+              <a:lumOff val="60000"/>
+            </a:schemeClr>
+          </a:solidFill>
+          <a:ln>
+            <a:solidFill>
+              <a:schemeClr val="tx1"/>
+            </a:solidFill>
+          </a:ln>
+        </p:spPr>
+        <p:style>
+          <a:lnRef idx="2">
+            <a:schemeClr val="accent1">
+              <a:shade val="50000"/>
+            </a:schemeClr>
+          </a:lnRef>
+          <a:fillRef idx="1">
+            <a:schemeClr val="accent1"/>
+          </a:fillRef>
+          <a:effectRef idx="0">
+            <a:schemeClr val="accent1"/>
+          </a:effectRef>
+          <a:fontRef idx="minor">
+            <a:schemeClr val="lt1"/>
+          </a:fontRef>
+        </p:style>
+        <p:txBody>
+          <a:bodyPr rtlCol="0" anchor="t"/>
+          <a:lstStyle/>
+          <a:p>
+            <a:r>
+              <a:rPr lang="en-US" dirty="0" smtClean="0">
+                <a:solidFill>
+                  <a:schemeClr val="tx1"/>
+                </a:solidFill>
+              </a:rPr>
+              <a:t>Task #3</a:t>
+            </a:r>
+          </a:p>
+          <a:p>
+            <a:endParaRPr lang="en-US" noProof="1" smtClean="0">
+              <a:solidFill>
+                <a:schemeClr val="tx1"/>
+              </a:solidFill>
+            </a:endParaRPr>
+          </a:p>
+          <a:p>
+            <a:pPr algn="ctr"/>
+            <a:r>
+              <a:rPr lang="en-US" noProof="1" smtClean="0">
+                <a:solidFill>
+                  <a:schemeClr val="tx1"/>
+                </a:solidFill>
+              </a:rPr>
+              <a:t>(sc, qos, nr_simulations)</a:t>
+            </a:r>
+            <a:endParaRPr lang="en-US" noProof="1">
+              <a:solidFill>
+                <a:schemeClr val="tx1"/>
+              </a:solidFill>
+            </a:endParaRPr>
+          </a:p>
+        </p:txBody>
+      </p:sp>
+      <p:sp>
+        <p:nvSpPr>
+          <p:cNvPr id="6" name="Rechteck 5"/>
+          <p:cNvSpPr/>
+          <p:nvPr/>
+        </p:nvSpPr>
+        <p:spPr>
+          <a:xfrm>
+            <a:off x="492665" y="1172346"/>
+            <a:ext cx="2520777" cy="976184"/>
+          </a:xfrm>
+          <a:prstGeom prst="rect">
+            <a:avLst/>
+          </a:prstGeom>
+          <a:solidFill>
+            <a:schemeClr val="accent1">
+              <a:lumMod val="40000"/>
+              <a:lumOff val="60000"/>
+            </a:schemeClr>
+          </a:solidFill>
+          <a:ln>
+            <a:solidFill>
+              <a:schemeClr val="tx1"/>
+            </a:solidFill>
+          </a:ln>
+        </p:spPr>
+        <p:style>
+          <a:lnRef idx="2">
+            <a:schemeClr val="accent1">
+              <a:shade val="50000"/>
+            </a:schemeClr>
+          </a:lnRef>
+          <a:fillRef idx="1">
+            <a:schemeClr val="accent1"/>
+          </a:fillRef>
+          <a:effectRef idx="0">
+            <a:schemeClr val="accent1"/>
+          </a:effectRef>
+          <a:fontRef idx="minor">
+            <a:schemeClr val="lt1"/>
+          </a:fontRef>
+        </p:style>
+        <p:txBody>
+          <a:bodyPr rtlCol="0" anchor="t"/>
+          <a:lstStyle/>
+          <a:p>
+            <a:r>
+              <a:rPr lang="en-US" dirty="0" smtClean="0">
+                <a:solidFill>
+                  <a:schemeClr val="tx1"/>
+                </a:solidFill>
+              </a:rPr>
+              <a:t>Task #2</a:t>
+            </a:r>
+          </a:p>
+          <a:p>
+            <a:endParaRPr lang="en-US" noProof="1" smtClean="0">
+              <a:solidFill>
+                <a:schemeClr val="tx1"/>
+              </a:solidFill>
+            </a:endParaRPr>
+          </a:p>
+          <a:p>
+            <a:pPr algn="ctr"/>
+            <a:r>
+              <a:rPr lang="en-US" noProof="1" smtClean="0">
+                <a:solidFill>
+                  <a:schemeClr val="tx1"/>
+                </a:solidFill>
+              </a:rPr>
+              <a:t>(sc, qos, nr_simulations)</a:t>
+            </a:r>
+            <a:endParaRPr lang="en-US" noProof="1">
+              <a:solidFill>
+                <a:schemeClr val="tx1"/>
+              </a:solidFill>
+            </a:endParaRPr>
+          </a:p>
+        </p:txBody>
+      </p:sp>
+      <p:sp>
+        <p:nvSpPr>
+          <p:cNvPr id="8" name="Rechteck 7"/>
+          <p:cNvSpPr/>
+          <p:nvPr/>
+        </p:nvSpPr>
+        <p:spPr>
+          <a:xfrm>
+            <a:off x="432941" y="1359757"/>
+            <a:ext cx="2520777" cy="976184"/>
+          </a:xfrm>
+          <a:prstGeom prst="rect">
+            <a:avLst/>
+          </a:prstGeom>
+          <a:solidFill>
+            <a:schemeClr val="accent1">
+              <a:lumMod val="40000"/>
+              <a:lumOff val="60000"/>
+            </a:schemeClr>
+          </a:solidFill>
+          <a:ln>
+            <a:solidFill>
+              <a:schemeClr val="tx1"/>
+            </a:solidFill>
+          </a:ln>
+        </p:spPr>
+        <p:style>
+          <a:lnRef idx="2">
+            <a:schemeClr val="accent1">
+              <a:shade val="50000"/>
+            </a:schemeClr>
+          </a:lnRef>
+          <a:fillRef idx="1">
+            <a:schemeClr val="accent1"/>
+          </a:fillRef>
+          <a:effectRef idx="0">
+            <a:schemeClr val="accent1"/>
+          </a:effectRef>
+          <a:fontRef idx="minor">
+            <a:schemeClr val="lt1"/>
+          </a:fontRef>
+        </p:style>
+        <p:txBody>
+          <a:bodyPr rtlCol="0" anchor="t"/>
+          <a:lstStyle/>
+          <a:p>
+            <a:r>
+              <a:rPr lang="en-US" dirty="0" smtClean="0">
+                <a:solidFill>
+                  <a:schemeClr val="tx1"/>
+                </a:solidFill>
+              </a:rPr>
+              <a:t>Task #1</a:t>
+            </a:r>
+          </a:p>
+          <a:p>
+            <a:endParaRPr lang="en-US" noProof="1" smtClean="0">
+              <a:solidFill>
+                <a:schemeClr val="tx1"/>
+              </a:solidFill>
+            </a:endParaRPr>
+          </a:p>
+          <a:p>
+            <a:pPr algn="ctr"/>
+            <a:r>
+              <a:rPr lang="en-US" noProof="1" smtClean="0">
+                <a:solidFill>
+                  <a:schemeClr val="tx1"/>
+                </a:solidFill>
+              </a:rPr>
+              <a:t>(sc, qos, nr_simulations)</a:t>
+            </a:r>
+            <a:endParaRPr lang="en-US" noProof="1">
+              <a:solidFill>
+                <a:schemeClr val="tx1"/>
+              </a:solidFill>
+            </a:endParaRPr>
+          </a:p>
+        </p:txBody>
+      </p:sp>
+      <p:sp>
+        <p:nvSpPr>
+          <p:cNvPr id="9" name="Rechteck 8"/>
+          <p:cNvSpPr/>
+          <p:nvPr/>
+        </p:nvSpPr>
+        <p:spPr>
+          <a:xfrm>
+            <a:off x="492665" y="2691197"/>
+            <a:ext cx="2520777" cy="976184"/>
+          </a:xfrm>
+          <a:prstGeom prst="rect">
+            <a:avLst/>
+          </a:prstGeom>
+          <a:solidFill>
+            <a:schemeClr val="accent1">
+              <a:lumMod val="40000"/>
+              <a:lumOff val="60000"/>
+            </a:schemeClr>
+          </a:solidFill>
+          <a:ln>
+            <a:solidFill>
+              <a:schemeClr val="tx1"/>
+            </a:solidFill>
+          </a:ln>
+        </p:spPr>
+        <p:style>
+          <a:lnRef idx="2">
+            <a:schemeClr val="accent1">
+              <a:shade val="50000"/>
+            </a:schemeClr>
+          </a:lnRef>
+          <a:fillRef idx="1">
+            <a:schemeClr val="accent1"/>
+          </a:fillRef>
+          <a:effectRef idx="0">
+            <a:schemeClr val="accent1"/>
+          </a:effectRef>
+          <a:fontRef idx="minor">
+            <a:schemeClr val="lt1"/>
+          </a:fontRef>
+        </p:style>
+        <p:txBody>
+          <a:bodyPr rtlCol="0" anchor="t"/>
+          <a:lstStyle/>
+          <a:p>
+            <a:r>
+              <a:rPr lang="en-US" dirty="0" smtClean="0">
+                <a:solidFill>
+                  <a:schemeClr val="tx1"/>
+                </a:solidFill>
+              </a:rPr>
+              <a:t>Task #3</a:t>
+            </a:r>
+          </a:p>
+          <a:p>
+            <a:endParaRPr lang="en-US" noProof="1" smtClean="0">
+              <a:solidFill>
+                <a:schemeClr val="tx1"/>
+              </a:solidFill>
+            </a:endParaRPr>
+          </a:p>
+          <a:p>
+            <a:pPr algn="ctr"/>
+            <a:r>
+              <a:rPr lang="en-US" noProof="1" smtClean="0">
+                <a:solidFill>
+                  <a:schemeClr val="tx1"/>
+                </a:solidFill>
+              </a:rPr>
+              <a:t>(sc, qos, nr_simulations)</a:t>
+            </a:r>
+            <a:endParaRPr lang="en-US" noProof="1">
+              <a:solidFill>
+                <a:schemeClr val="tx1"/>
+              </a:solidFill>
+            </a:endParaRPr>
+          </a:p>
+        </p:txBody>
+      </p:sp>
+      <p:sp>
+        <p:nvSpPr>
+          <p:cNvPr id="10" name="Rechteck 9"/>
+          <p:cNvSpPr/>
+          <p:nvPr/>
+        </p:nvSpPr>
+        <p:spPr>
+          <a:xfrm>
+            <a:off x="432941" y="2878608"/>
+            <a:ext cx="2520777" cy="976184"/>
+          </a:xfrm>
+          <a:prstGeom prst="rect">
+            <a:avLst/>
+          </a:prstGeom>
+          <a:solidFill>
+            <a:schemeClr val="accent1">
+              <a:lumMod val="40000"/>
+              <a:lumOff val="60000"/>
+            </a:schemeClr>
+          </a:solidFill>
+          <a:ln>
+            <a:solidFill>
+              <a:schemeClr val="tx1"/>
+            </a:solidFill>
+          </a:ln>
+        </p:spPr>
+        <p:style>
+          <a:lnRef idx="2">
+            <a:schemeClr val="accent1">
+              <a:shade val="50000"/>
+            </a:schemeClr>
+          </a:lnRef>
+          <a:fillRef idx="1">
+            <a:schemeClr val="accent1"/>
+          </a:fillRef>
+          <a:effectRef idx="0">
+            <a:schemeClr val="accent1"/>
+          </a:effectRef>
+          <a:fontRef idx="minor">
+            <a:schemeClr val="lt1"/>
+          </a:fontRef>
+        </p:style>
+        <p:txBody>
+          <a:bodyPr rtlCol="0" anchor="t"/>
+          <a:lstStyle/>
+          <a:p>
+            <a:r>
+              <a:rPr lang="en-US" dirty="0" smtClean="0">
+                <a:solidFill>
+                  <a:schemeClr val="tx1"/>
+                </a:solidFill>
+              </a:rPr>
+              <a:t>Task #2</a:t>
+            </a:r>
+          </a:p>
+          <a:p>
+            <a:endParaRPr lang="en-US" noProof="1" smtClean="0">
+              <a:solidFill>
+                <a:schemeClr val="tx1"/>
+              </a:solidFill>
+            </a:endParaRPr>
+          </a:p>
+          <a:p>
+            <a:pPr algn="ctr"/>
+            <a:r>
+              <a:rPr lang="en-US" noProof="1" smtClean="0">
+                <a:solidFill>
+                  <a:schemeClr val="tx1"/>
+                </a:solidFill>
+              </a:rPr>
+              <a:t>(sc, qos, nr_simulations)</a:t>
+            </a:r>
+            <a:endParaRPr lang="en-US" noProof="1">
+              <a:solidFill>
+                <a:schemeClr val="tx1"/>
+              </a:solidFill>
+            </a:endParaRPr>
+          </a:p>
+        </p:txBody>
+      </p:sp>
+      <p:sp>
+        <p:nvSpPr>
+          <p:cNvPr id="11" name="Rechteck 10"/>
+          <p:cNvSpPr/>
+          <p:nvPr/>
+        </p:nvSpPr>
+        <p:spPr>
+          <a:xfrm>
+            <a:off x="373217" y="3066019"/>
+            <a:ext cx="2520777" cy="976184"/>
+          </a:xfrm>
+          <a:prstGeom prst="rect">
+            <a:avLst/>
+          </a:prstGeom>
+          <a:solidFill>
+            <a:schemeClr val="accent1">
+              <a:lumMod val="40000"/>
+              <a:lumOff val="60000"/>
+            </a:schemeClr>
+          </a:solidFill>
+          <a:ln>
+            <a:solidFill>
+              <a:schemeClr val="tx1"/>
+            </a:solidFill>
+          </a:ln>
+        </p:spPr>
+        <p:style>
+          <a:lnRef idx="2">
+            <a:schemeClr val="accent1">
+              <a:shade val="50000"/>
+            </a:schemeClr>
+          </a:lnRef>
+          <a:fillRef idx="1">
+            <a:schemeClr val="accent1"/>
+          </a:fillRef>
+          <a:effectRef idx="0">
+            <a:schemeClr val="accent1"/>
+          </a:effectRef>
+          <a:fontRef idx="minor">
+            <a:schemeClr val="lt1"/>
+          </a:fontRef>
+        </p:style>
+        <p:txBody>
+          <a:bodyPr rtlCol="0" anchor="t"/>
+          <a:lstStyle/>
+          <a:p>
+            <a:r>
+              <a:rPr lang="en-US" dirty="0" smtClean="0">
+                <a:solidFill>
+                  <a:schemeClr val="tx1"/>
+                </a:solidFill>
+              </a:rPr>
+              <a:t>Task #1</a:t>
+            </a:r>
+          </a:p>
+          <a:p>
+            <a:endParaRPr lang="en-US" noProof="1" smtClean="0">
+              <a:solidFill>
+                <a:schemeClr val="tx1"/>
+              </a:solidFill>
+            </a:endParaRPr>
+          </a:p>
+          <a:p>
+            <a:pPr algn="ctr"/>
+            <a:r>
+              <a:rPr lang="en-US" noProof="1" smtClean="0">
+                <a:solidFill>
+                  <a:schemeClr val="tx1"/>
+                </a:solidFill>
+              </a:rPr>
+              <a:t>(sc, qos, nr_simulations)</a:t>
+            </a:r>
+            <a:endParaRPr lang="en-US" noProof="1">
+              <a:solidFill>
+                <a:schemeClr val="tx1"/>
+              </a:solidFill>
+            </a:endParaRPr>
+          </a:p>
+        </p:txBody>
+      </p:sp>
+      <p:sp>
+        <p:nvSpPr>
+          <p:cNvPr id="7" name="Ellipse 6"/>
+          <p:cNvSpPr/>
+          <p:nvPr/>
+        </p:nvSpPr>
+        <p:spPr>
+          <a:xfrm>
+            <a:off x="4204390" y="1479720"/>
+            <a:ext cx="4015946" cy="2069757"/>
+          </a:xfrm>
+          <a:prstGeom prst="ellipse">
+            <a:avLst/>
+          </a:prstGeom>
+          <a:solidFill>
+            <a:schemeClr val="accent1">
+              <a:lumMod val="40000"/>
+              <a:lumOff val="60000"/>
+            </a:schemeClr>
+          </a:solidFill>
+          <a:ln>
+            <a:solidFill>
+              <a:schemeClr val="tx1"/>
+            </a:solidFill>
+          </a:ln>
+        </p:spPr>
+        <p:style>
+          <a:lnRef idx="2">
+            <a:schemeClr val="accent1">
+              <a:shade val="50000"/>
+            </a:schemeClr>
+          </a:lnRef>
+          <a:fillRef idx="1">
+            <a:schemeClr val="accent1"/>
+          </a:fillRef>
+          <a:effectRef idx="0">
+            <a:schemeClr val="accent1"/>
+          </a:effectRef>
+          <a:fontRef idx="minor">
+            <a:schemeClr val="lt1"/>
+          </a:fontRef>
+        </p:style>
+        <p:txBody>
+          <a:bodyPr rtlCol="0" anchor="ctr"/>
+          <a:lstStyle/>
+          <a:p>
+            <a:pPr algn="ctr"/>
+            <a:r>
+              <a:rPr lang="de-DE" sz="2800" noProof="1" smtClean="0">
+                <a:solidFill>
+                  <a:schemeClr val="tx1"/>
+                </a:solidFill>
+              </a:rPr>
+              <a:t>Process Pool</a:t>
+            </a:r>
+            <a:endParaRPr lang="de-DE" sz="2800" noProof="1">
+              <a:solidFill>
+                <a:schemeClr val="tx1"/>
+              </a:solidFill>
+            </a:endParaRPr>
+          </a:p>
+        </p:txBody>
+      </p:sp>
+      <p:sp>
+        <p:nvSpPr>
+          <p:cNvPr id="14" name="Rechteck 13"/>
+          <p:cNvSpPr/>
+          <p:nvPr/>
+        </p:nvSpPr>
+        <p:spPr>
+          <a:xfrm>
+            <a:off x="9879994" y="979271"/>
+            <a:ext cx="889687" cy="1000897"/>
+          </a:xfrm>
+          <a:prstGeom prst="rect">
+            <a:avLst/>
+          </a:prstGeom>
+          <a:solidFill>
+            <a:schemeClr val="accent4">
+              <a:lumMod val="40000"/>
+              <a:lumOff val="60000"/>
+            </a:schemeClr>
+          </a:solidFill>
+          <a:ln>
+            <a:solidFill>
+              <a:schemeClr val="tx1"/>
+            </a:solidFill>
+          </a:ln>
+        </p:spPr>
+        <p:style>
+          <a:lnRef idx="2">
+            <a:schemeClr val="accent1">
+              <a:shade val="50000"/>
+            </a:schemeClr>
+          </a:lnRef>
+          <a:fillRef idx="1">
+            <a:schemeClr val="accent1"/>
+          </a:fillRef>
+          <a:effectRef idx="0">
+            <a:schemeClr val="accent1"/>
+          </a:effectRef>
+          <a:fontRef idx="minor">
+            <a:schemeClr val="lt1"/>
+          </a:fontRef>
+        </p:style>
+        <p:txBody>
+          <a:bodyPr rtlCol="0" anchor="ctr"/>
+          <a:lstStyle/>
+          <a:p>
+            <a:pPr algn="ctr"/>
+            <a:r>
+              <a:rPr lang="de-DE" dirty="0" smtClean="0">
+                <a:solidFill>
+                  <a:schemeClr val="tx1"/>
+                </a:solidFill>
+              </a:rPr>
+              <a:t>Worker #1</a:t>
+            </a:r>
+            <a:endParaRPr lang="de-DE" dirty="0">
+              <a:solidFill>
+                <a:schemeClr val="tx1"/>
+              </a:solidFill>
+            </a:endParaRPr>
+          </a:p>
+        </p:txBody>
+      </p:sp>
+      <p:pic>
+        <p:nvPicPr>
+          <p:cNvPr id="15" name="Grafik 14"/>
+          <p:cNvPicPr>
+            <a:picLocks noChangeAspect="1"/>
+          </p:cNvPicPr>
+          <p:nvPr/>
+        </p:nvPicPr>
+        <p:blipFill>
+          <a:blip r:embed="rId2" cstate="print">
+            <a:extLst>
+              <a:ext uri="{28A0092B-C50C-407E-A947-70E740481C1C}">
+                <a14:useLocalDpi xmlns:a14="http://schemas.microsoft.com/office/drawing/2010/main" val="0"/>
+              </a:ext>
+            </a:extLst>
+          </a:blip>
+          <a:stretch>
+            <a:fillRect/>
+          </a:stretch>
+        </p:blipFill>
+        <p:spPr>
+          <a:xfrm>
+            <a:off x="9649091" y="372760"/>
+            <a:ext cx="1120590" cy="862914"/>
+          </a:xfrm>
+          <a:prstGeom prst="rect">
+            <a:avLst/>
+          </a:prstGeom>
+          <a:ln>
+            <a:noFill/>
+          </a:ln>
+        </p:spPr>
+      </p:pic>
+      <p:sp>
+        <p:nvSpPr>
+          <p:cNvPr id="16" name="Rechteck 15"/>
+          <p:cNvSpPr/>
+          <p:nvPr/>
+        </p:nvSpPr>
+        <p:spPr>
+          <a:xfrm>
+            <a:off x="9879994" y="2850292"/>
+            <a:ext cx="889687" cy="1000897"/>
+          </a:xfrm>
+          <a:prstGeom prst="rect">
+            <a:avLst/>
+          </a:prstGeom>
+          <a:solidFill>
+            <a:schemeClr val="accent4">
+              <a:lumMod val="40000"/>
+              <a:lumOff val="60000"/>
+            </a:schemeClr>
+          </a:solidFill>
+          <a:ln>
+            <a:solidFill>
+              <a:schemeClr val="tx1"/>
+            </a:solidFill>
+          </a:ln>
+        </p:spPr>
+        <p:style>
+          <a:lnRef idx="2">
+            <a:schemeClr val="accent1">
+              <a:shade val="50000"/>
+            </a:schemeClr>
+          </a:lnRef>
+          <a:fillRef idx="1">
+            <a:schemeClr val="accent1"/>
+          </a:fillRef>
+          <a:effectRef idx="0">
+            <a:schemeClr val="accent1"/>
+          </a:effectRef>
+          <a:fontRef idx="minor">
+            <a:schemeClr val="lt1"/>
+          </a:fontRef>
+        </p:style>
+        <p:txBody>
+          <a:bodyPr rtlCol="0" anchor="ctr"/>
+          <a:lstStyle/>
+          <a:p>
+            <a:pPr algn="ctr"/>
+            <a:r>
+              <a:rPr lang="de-DE" dirty="0" smtClean="0">
+                <a:solidFill>
+                  <a:schemeClr val="tx1"/>
+                </a:solidFill>
+              </a:rPr>
+              <a:t>Worker #2</a:t>
+            </a:r>
+            <a:endParaRPr lang="de-DE" dirty="0">
+              <a:solidFill>
+                <a:schemeClr val="tx1"/>
+              </a:solidFill>
+            </a:endParaRPr>
+          </a:p>
+        </p:txBody>
+      </p:sp>
+      <p:pic>
+        <p:nvPicPr>
+          <p:cNvPr id="17" name="Grafik 16"/>
+          <p:cNvPicPr>
+            <a:picLocks noChangeAspect="1"/>
+          </p:cNvPicPr>
+          <p:nvPr/>
+        </p:nvPicPr>
+        <p:blipFill>
+          <a:blip r:embed="rId2" cstate="print">
+            <a:extLst>
+              <a:ext uri="{28A0092B-C50C-407E-A947-70E740481C1C}">
+                <a14:useLocalDpi xmlns:a14="http://schemas.microsoft.com/office/drawing/2010/main" val="0"/>
+              </a:ext>
+            </a:extLst>
+          </a:blip>
+          <a:stretch>
+            <a:fillRect/>
+          </a:stretch>
+        </p:blipFill>
+        <p:spPr>
+          <a:xfrm>
+            <a:off x="9649091" y="2243781"/>
+            <a:ext cx="1120590" cy="862914"/>
+          </a:xfrm>
+          <a:prstGeom prst="rect">
+            <a:avLst/>
+          </a:prstGeom>
+          <a:ln>
+            <a:noFill/>
+          </a:ln>
+        </p:spPr>
+      </p:pic>
+      <p:sp>
+        <p:nvSpPr>
+          <p:cNvPr id="18" name="Pfeil nach rechts 17"/>
+          <p:cNvSpPr/>
+          <p:nvPr/>
+        </p:nvSpPr>
+        <p:spPr>
+          <a:xfrm>
+            <a:off x="7927262" y="1178008"/>
+            <a:ext cx="1606378" cy="301711"/>
+          </a:xfrm>
+          <a:prstGeom prst="rightArrow">
+            <a:avLst/>
+          </a:prstGeom>
+          <a:solidFill>
+            <a:schemeClr val="accent1">
+              <a:lumMod val="40000"/>
+              <a:lumOff val="60000"/>
+            </a:schemeClr>
+          </a:solidFill>
+          <a:ln>
+            <a:solidFill>
+              <a:schemeClr val="tx1"/>
+            </a:solidFill>
+          </a:ln>
+        </p:spPr>
+        <p:style>
+          <a:lnRef idx="2">
+            <a:schemeClr val="accent1">
+              <a:shade val="50000"/>
+            </a:schemeClr>
+          </a:lnRef>
+          <a:fillRef idx="1">
+            <a:schemeClr val="accent1"/>
+          </a:fillRef>
+          <a:effectRef idx="0">
+            <a:schemeClr val="accent1"/>
+          </a:effectRef>
+          <a:fontRef idx="minor">
+            <a:schemeClr val="lt1"/>
+          </a:fontRef>
+        </p:style>
+        <p:txBody>
+          <a:bodyPr rtlCol="0" anchor="ctr"/>
+          <a:lstStyle/>
+          <a:p>
+            <a:pPr algn="ctr"/>
+            <a:endParaRPr lang="de-DE"/>
+          </a:p>
+        </p:txBody>
+      </p:sp>
+      <p:sp>
+        <p:nvSpPr>
+          <p:cNvPr id="19" name="Pfeil nach rechts 18"/>
+          <p:cNvSpPr/>
+          <p:nvPr/>
+        </p:nvSpPr>
+        <p:spPr>
+          <a:xfrm rot="10800000">
+            <a:off x="7927262" y="1546137"/>
+            <a:ext cx="1606378" cy="301711"/>
+          </a:xfrm>
+          <a:prstGeom prst="rightArrow">
+            <a:avLst/>
+          </a:prstGeom>
+          <a:solidFill>
+            <a:schemeClr val="accent1">
+              <a:lumMod val="40000"/>
+              <a:lumOff val="60000"/>
+            </a:schemeClr>
+          </a:solidFill>
+          <a:ln>
+            <a:solidFill>
+              <a:schemeClr val="tx1"/>
+            </a:solidFill>
+          </a:ln>
+        </p:spPr>
+        <p:style>
+          <a:lnRef idx="2">
+            <a:schemeClr val="accent1">
+              <a:shade val="50000"/>
+            </a:schemeClr>
+          </a:lnRef>
+          <a:fillRef idx="1">
+            <a:schemeClr val="accent1"/>
+          </a:fillRef>
+          <a:effectRef idx="0">
+            <a:schemeClr val="accent1"/>
+          </a:effectRef>
+          <a:fontRef idx="minor">
+            <a:schemeClr val="lt1"/>
+          </a:fontRef>
+        </p:style>
+        <p:txBody>
+          <a:bodyPr rtlCol="0" anchor="ctr"/>
+          <a:lstStyle/>
+          <a:p>
+            <a:pPr algn="ctr"/>
+            <a:endParaRPr lang="de-DE"/>
+          </a:p>
+        </p:txBody>
+      </p:sp>
+      <p:pic>
+        <p:nvPicPr>
+          <p:cNvPr id="21" name="Grafik 20"/>
+          <p:cNvPicPr>
+            <a:picLocks noChangeAspect="1"/>
+          </p:cNvPicPr>
+          <p:nvPr/>
+        </p:nvPicPr>
+        <p:blipFill>
+          <a:blip r:embed="rId3"/>
+          <a:stretch>
+            <a:fillRect/>
+          </a:stretch>
+        </p:blipFill>
+        <p:spPr>
+          <a:xfrm>
+            <a:off x="8095736" y="739345"/>
+            <a:ext cx="1048282" cy="422774"/>
+          </a:xfrm>
+          <a:prstGeom prst="rect">
+            <a:avLst/>
+          </a:prstGeom>
+          <a:ln>
+            <a:noFill/>
+          </a:ln>
+        </p:spPr>
+      </p:pic>
+      <p:sp>
+        <p:nvSpPr>
+          <p:cNvPr id="22" name="Pfeil nach rechts 21"/>
+          <p:cNvSpPr/>
+          <p:nvPr/>
+        </p:nvSpPr>
+        <p:spPr>
+          <a:xfrm>
+            <a:off x="8042713" y="3066019"/>
+            <a:ext cx="1606378" cy="301711"/>
+          </a:xfrm>
+          <a:prstGeom prst="rightArrow">
+            <a:avLst/>
+          </a:prstGeom>
+          <a:solidFill>
+            <a:schemeClr val="accent1">
+              <a:lumMod val="40000"/>
+              <a:lumOff val="60000"/>
+            </a:schemeClr>
+          </a:solidFill>
+          <a:ln>
+            <a:solidFill>
+              <a:schemeClr val="tx1"/>
+            </a:solidFill>
+          </a:ln>
+        </p:spPr>
+        <p:style>
+          <a:lnRef idx="2">
+            <a:schemeClr val="accent1">
+              <a:shade val="50000"/>
+            </a:schemeClr>
+          </a:lnRef>
+          <a:fillRef idx="1">
+            <a:schemeClr val="accent1"/>
+          </a:fillRef>
+          <a:effectRef idx="0">
+            <a:schemeClr val="accent1"/>
+          </a:effectRef>
+          <a:fontRef idx="minor">
+            <a:schemeClr val="lt1"/>
+          </a:fontRef>
+        </p:style>
+        <p:txBody>
+          <a:bodyPr rtlCol="0" anchor="ctr"/>
+          <a:lstStyle/>
+          <a:p>
+            <a:pPr algn="ctr"/>
+            <a:endParaRPr lang="de-DE"/>
+          </a:p>
+        </p:txBody>
+      </p:sp>
+      <p:sp>
+        <p:nvSpPr>
+          <p:cNvPr id="23" name="Pfeil nach rechts 22"/>
+          <p:cNvSpPr/>
+          <p:nvPr/>
+        </p:nvSpPr>
+        <p:spPr>
+          <a:xfrm rot="10800000">
+            <a:off x="8042713" y="3434148"/>
+            <a:ext cx="1606378" cy="301711"/>
+          </a:xfrm>
+          <a:prstGeom prst="rightArrow">
+            <a:avLst/>
+          </a:prstGeom>
+          <a:solidFill>
+            <a:schemeClr val="accent1">
+              <a:lumMod val="40000"/>
+              <a:lumOff val="60000"/>
+            </a:schemeClr>
+          </a:solidFill>
+          <a:ln>
+            <a:solidFill>
+              <a:schemeClr val="tx1"/>
+            </a:solidFill>
+          </a:ln>
+        </p:spPr>
+        <p:style>
+          <a:lnRef idx="2">
+            <a:schemeClr val="accent1">
+              <a:shade val="50000"/>
+            </a:schemeClr>
+          </a:lnRef>
+          <a:fillRef idx="1">
+            <a:schemeClr val="accent1"/>
+          </a:fillRef>
+          <a:effectRef idx="0">
+            <a:schemeClr val="accent1"/>
+          </a:effectRef>
+          <a:fontRef idx="minor">
+            <a:schemeClr val="lt1"/>
+          </a:fontRef>
+        </p:style>
+        <p:txBody>
+          <a:bodyPr rtlCol="0" anchor="ctr"/>
+          <a:lstStyle/>
+          <a:p>
+            <a:pPr algn="ctr"/>
+            <a:endParaRPr lang="de-DE"/>
+          </a:p>
+        </p:txBody>
+      </p:sp>
+      <p:pic>
+        <p:nvPicPr>
+          <p:cNvPr id="24" name="Grafik 23"/>
+          <p:cNvPicPr>
+            <a:picLocks noChangeAspect="1"/>
+          </p:cNvPicPr>
+          <p:nvPr/>
+        </p:nvPicPr>
+        <p:blipFill>
+          <a:blip r:embed="rId3"/>
+          <a:stretch>
+            <a:fillRect/>
+          </a:stretch>
+        </p:blipFill>
+        <p:spPr>
+          <a:xfrm>
+            <a:off x="8352847" y="2610036"/>
+            <a:ext cx="1048282" cy="422774"/>
+          </a:xfrm>
+          <a:prstGeom prst="rect">
+            <a:avLst/>
+          </a:prstGeom>
+          <a:ln>
+            <a:noFill/>
+          </a:ln>
+        </p:spPr>
+      </p:pic>
+      <p:sp>
+        <p:nvSpPr>
+          <p:cNvPr id="40" name="Rechteck 39"/>
+          <p:cNvSpPr/>
+          <p:nvPr/>
+        </p:nvSpPr>
+        <p:spPr>
+          <a:xfrm>
+            <a:off x="5133406" y="4101928"/>
+            <a:ext cx="2157914" cy="979789"/>
+          </a:xfrm>
+          <a:prstGeom prst="rect">
+            <a:avLst/>
+          </a:prstGeom>
+          <a:solidFill>
+            <a:schemeClr val="accent6">
+              <a:lumMod val="60000"/>
+              <a:lumOff val="40000"/>
+            </a:schemeClr>
+          </a:solidFill>
+          <a:ln>
+            <a:solidFill>
+              <a:schemeClr val="tx1"/>
+            </a:solidFill>
+          </a:ln>
+        </p:spPr>
+        <p:style>
+          <a:lnRef idx="2">
+            <a:schemeClr val="accent1">
+              <a:shade val="50000"/>
+            </a:schemeClr>
+          </a:lnRef>
+          <a:fillRef idx="1">
+            <a:schemeClr val="accent1"/>
+          </a:fillRef>
+          <a:effectRef idx="0">
+            <a:schemeClr val="accent1"/>
+          </a:effectRef>
+          <a:fontRef idx="minor">
+            <a:schemeClr val="lt1"/>
+          </a:fontRef>
+        </p:style>
+        <p:txBody>
+          <a:bodyPr rtlCol="0" anchor="ctr"/>
+          <a:lstStyle/>
+          <a:p>
+            <a:pPr algn="ctr"/>
+            <a:r>
+              <a:rPr lang="de-DE" sz="2800" noProof="1" smtClean="0">
+                <a:solidFill>
+                  <a:schemeClr val="tx1"/>
+                </a:solidFill>
+              </a:rPr>
+              <a:t>Results</a:t>
+            </a:r>
+            <a:endParaRPr lang="de-DE" sz="2800" noProof="1">
+              <a:solidFill>
+                <a:schemeClr val="tx1"/>
+              </a:solidFill>
+            </a:endParaRPr>
+          </a:p>
+        </p:txBody>
+      </p:sp>
+    </p:spTree>
+    <p:extLst>
+      <p:ext uri="{BB962C8B-B14F-4D97-AF65-F5344CB8AC3E}">
+        <p14:creationId xmlns:p14="http://schemas.microsoft.com/office/powerpoint/2010/main" val="4212470715"/>
+      </p:ext>
+    </p:extLst>
+  </p:cSld>
+  <p:clrMapOvr>
+    <a:masterClrMapping/>
+  </p:clrMapOvr>
+</p:sld>
+</file>
+
 <file path=ppt/slides/slide2.xml><?xml version="1.0" encoding="utf-8"?>
 <p:sld xmlns:a="http://schemas.openxmlformats.org/drawingml/2006/main" xmlns:r="http://schemas.openxmlformats.org/officeDocument/2006/relationships" xmlns:p="http://schemas.openxmlformats.org/presentationml/2006/main">
   <p:cSld>
@@ -8280,1162 +11090,97 @@
       </p:grpSpPr>
       <p:sp>
         <p:nvSpPr>
-          <p:cNvPr id="31" name="Pfeil nach rechts 30"/>
-          <p:cNvSpPr/>
-          <p:nvPr/>
-        </p:nvSpPr>
-        <p:spPr>
-          <a:xfrm rot="5400000">
-            <a:off x="5865343" y="2548462"/>
-            <a:ext cx="694039" cy="2332576"/>
-          </a:xfrm>
-          <a:prstGeom prst="rightArrow">
-            <a:avLst/>
-          </a:prstGeom>
-          <a:solidFill>
-            <a:schemeClr val="accent1">
-              <a:lumMod val="40000"/>
-              <a:lumOff val="60000"/>
+          <p:cNvPr id="4" name="Flussdiagramm: Verbindungsstelle 3"/>
+          <p:cNvSpPr>
+            <a:spLocks noChangeAspect="1"/>
+          </p:cNvSpPr>
+          <p:nvPr/>
+        </p:nvSpPr>
+        <p:spPr>
+          <a:xfrm>
+            <a:off x="5999024" y="258476"/>
+            <a:ext cx="280424" cy="280423"/>
+          </a:xfrm>
+          <a:prstGeom prst="flowChartConnector">
+            <a:avLst/>
+          </a:prstGeom>
+        </p:spPr>
+        <p:style>
+          <a:lnRef idx="2">
+            <a:schemeClr val="dk1">
+              <a:shade val="50000"/>
             </a:schemeClr>
-          </a:solidFill>
-          <a:ln>
+          </a:lnRef>
+          <a:fillRef idx="1">
+            <a:schemeClr val="dk1"/>
+          </a:fillRef>
+          <a:effectRef idx="0">
+            <a:schemeClr val="dk1"/>
+          </a:effectRef>
+          <a:fontRef idx="minor">
+            <a:schemeClr val="lt1"/>
+          </a:fontRef>
+        </p:style>
+        <p:txBody>
+          <a:bodyPr rtlCol="0" anchor="ctr"/>
+          <a:lstStyle/>
+          <a:p>
+            <a:pPr algn="ctr"/>
+            <a:endParaRPr lang="de-DE" noProof="1"/>
+          </a:p>
+        </p:txBody>
+      </p:sp>
+      <p:cxnSp>
+        <p:nvCxnSpPr>
+          <p:cNvPr id="5" name="Gerade Verbindung mit Pfeil 4"/>
+          <p:cNvCxnSpPr>
+            <a:stCxn id="4" idx="4"/>
+            <a:endCxn id="6" idx="0"/>
+          </p:cNvCxnSpPr>
+          <p:nvPr/>
+        </p:nvCxnSpPr>
+        <p:spPr>
+          <a:xfrm flipH="1">
+            <a:off x="6139012" y="538899"/>
+            <a:ext cx="224" cy="286856"/>
+          </a:xfrm>
+          <a:prstGeom prst="straightConnector1">
+            <a:avLst/>
+          </a:prstGeom>
+          <a:ln w="19050">
             <a:solidFill>
               <a:schemeClr val="tx1"/>
             </a:solidFill>
+            <a:tailEnd type="arrow" w="lg" len="lg"/>
           </a:ln>
         </p:spPr>
         <p:style>
-          <a:lnRef idx="2">
-            <a:schemeClr val="accent1">
-              <a:shade val="50000"/>
-            </a:schemeClr>
-          </a:lnRef>
-          <a:fillRef idx="1">
-            <a:schemeClr val="accent1"/>
-          </a:fillRef>
-          <a:effectRef idx="0">
-            <a:schemeClr val="accent1"/>
-          </a:effectRef>
-          <a:fontRef idx="minor">
-            <a:schemeClr val="lt1"/>
-          </a:fontRef>
-        </p:style>
-        <p:txBody>
-          <a:bodyPr rtlCol="0" anchor="ctr"/>
-          <a:lstStyle/>
-          <a:p>
-            <a:pPr algn="ctr"/>
-            <a:endParaRPr lang="de-DE"/>
-          </a:p>
-        </p:txBody>
-      </p:sp>
-      <p:sp>
-        <p:nvSpPr>
-          <p:cNvPr id="26" name="Pfeil nach rechts 25"/>
+          <a:lnRef idx="1">
+            <a:schemeClr val="accent1"/>
+          </a:lnRef>
+          <a:fillRef idx="0">
+            <a:schemeClr val="accent1"/>
+          </a:fillRef>
+          <a:effectRef idx="0">
+            <a:schemeClr val="accent1"/>
+          </a:effectRef>
+          <a:fontRef idx="minor">
+            <a:schemeClr val="tx1"/>
+          </a:fontRef>
+        </p:style>
+      </p:cxnSp>
+      <p:sp>
+        <p:nvSpPr>
+          <p:cNvPr id="6" name="Flussdiagramm: Verzweigung 5"/>
           <p:cNvSpPr/>
           <p:nvPr/>
         </p:nvSpPr>
         <p:spPr>
           <a:xfrm>
-            <a:off x="2775635" y="1952109"/>
-            <a:ext cx="1580199" cy="301711"/>
-          </a:xfrm>
-          <a:prstGeom prst="rightArrow">
-            <a:avLst/>
-          </a:prstGeom>
-          <a:solidFill>
-            <a:schemeClr val="accent1">
-              <a:lumMod val="40000"/>
-              <a:lumOff val="60000"/>
-            </a:schemeClr>
-          </a:solidFill>
-          <a:ln>
-            <a:solidFill>
-              <a:schemeClr val="tx1"/>
-            </a:solidFill>
-          </a:ln>
-        </p:spPr>
-        <p:style>
-          <a:lnRef idx="2">
-            <a:schemeClr val="accent1">
-              <a:shade val="50000"/>
-            </a:schemeClr>
-          </a:lnRef>
-          <a:fillRef idx="1">
-            <a:schemeClr val="accent1"/>
-          </a:fillRef>
-          <a:effectRef idx="0">
-            <a:schemeClr val="accent1"/>
-          </a:effectRef>
-          <a:fontRef idx="minor">
-            <a:schemeClr val="lt1"/>
-          </a:fontRef>
-        </p:style>
-        <p:txBody>
-          <a:bodyPr rtlCol="0" anchor="ctr"/>
-          <a:lstStyle/>
-          <a:p>
-            <a:pPr algn="ctr"/>
-            <a:endParaRPr lang="de-DE"/>
-          </a:p>
-        </p:txBody>
-      </p:sp>
-      <p:sp>
-        <p:nvSpPr>
-          <p:cNvPr id="25" name="Pfeil nach rechts 24"/>
-          <p:cNvSpPr/>
-          <p:nvPr/>
-        </p:nvSpPr>
-        <p:spPr>
-          <a:xfrm>
-            <a:off x="2829245" y="2850292"/>
-            <a:ext cx="1580199" cy="301711"/>
-          </a:xfrm>
-          <a:prstGeom prst="rightArrow">
-            <a:avLst/>
-          </a:prstGeom>
-          <a:solidFill>
-            <a:schemeClr val="accent1">
-              <a:lumMod val="40000"/>
-              <a:lumOff val="60000"/>
-            </a:schemeClr>
-          </a:solidFill>
-          <a:ln>
-            <a:solidFill>
-              <a:schemeClr val="tx1"/>
-            </a:solidFill>
-          </a:ln>
-        </p:spPr>
-        <p:style>
-          <a:lnRef idx="2">
-            <a:schemeClr val="accent1">
-              <a:shade val="50000"/>
-            </a:schemeClr>
-          </a:lnRef>
-          <a:fillRef idx="1">
-            <a:schemeClr val="accent1"/>
-          </a:fillRef>
-          <a:effectRef idx="0">
-            <a:schemeClr val="accent1"/>
-          </a:effectRef>
-          <a:fontRef idx="minor">
-            <a:schemeClr val="lt1"/>
-          </a:fontRef>
-        </p:style>
-        <p:txBody>
-          <a:bodyPr rtlCol="0" anchor="ctr"/>
-          <a:lstStyle/>
-          <a:p>
-            <a:pPr algn="ctr"/>
-            <a:endParaRPr lang="de-DE"/>
-          </a:p>
-        </p:txBody>
-      </p:sp>
-      <p:sp>
-        <p:nvSpPr>
-          <p:cNvPr id="4" name="Rechteck 3"/>
-          <p:cNvSpPr/>
-          <p:nvPr/>
-        </p:nvSpPr>
-        <p:spPr>
-          <a:xfrm>
-            <a:off x="552389" y="984935"/>
-            <a:ext cx="2520777" cy="976184"/>
-          </a:xfrm>
-          <a:prstGeom prst="rect">
-            <a:avLst/>
-          </a:prstGeom>
-          <a:solidFill>
-            <a:schemeClr val="accent1">
-              <a:lumMod val="40000"/>
-              <a:lumOff val="60000"/>
-            </a:schemeClr>
-          </a:solidFill>
-          <a:ln>
-            <a:solidFill>
-              <a:schemeClr val="tx1"/>
-            </a:solidFill>
-          </a:ln>
-        </p:spPr>
-        <p:style>
-          <a:lnRef idx="2">
-            <a:schemeClr val="accent1">
-              <a:shade val="50000"/>
-            </a:schemeClr>
-          </a:lnRef>
-          <a:fillRef idx="1">
-            <a:schemeClr val="accent1"/>
-          </a:fillRef>
-          <a:effectRef idx="0">
-            <a:schemeClr val="accent1"/>
-          </a:effectRef>
-          <a:fontRef idx="minor">
-            <a:schemeClr val="lt1"/>
-          </a:fontRef>
-        </p:style>
-        <p:txBody>
-          <a:bodyPr rtlCol="0" anchor="t"/>
-          <a:lstStyle/>
-          <a:p>
-            <a:r>
-              <a:rPr lang="en-US" dirty="0" smtClean="0">
-                <a:solidFill>
-                  <a:schemeClr val="tx1"/>
-                </a:solidFill>
-              </a:rPr>
-              <a:t>Task #3</a:t>
-            </a:r>
-          </a:p>
-          <a:p>
-            <a:endParaRPr lang="en-US" noProof="1" smtClean="0">
-              <a:solidFill>
-                <a:schemeClr val="tx1"/>
-              </a:solidFill>
-            </a:endParaRPr>
-          </a:p>
-          <a:p>
-            <a:pPr algn="ctr"/>
-            <a:r>
-              <a:rPr lang="en-US" noProof="1" smtClean="0">
-                <a:solidFill>
-                  <a:schemeClr val="tx1"/>
-                </a:solidFill>
-              </a:rPr>
-              <a:t>(sc, qos, nr_simulations)</a:t>
-            </a:r>
-            <a:endParaRPr lang="en-US" noProof="1">
-              <a:solidFill>
-                <a:schemeClr val="tx1"/>
-              </a:solidFill>
-            </a:endParaRPr>
-          </a:p>
-        </p:txBody>
-      </p:sp>
-      <p:sp>
-        <p:nvSpPr>
-          <p:cNvPr id="6" name="Rechteck 5"/>
-          <p:cNvSpPr/>
-          <p:nvPr/>
-        </p:nvSpPr>
-        <p:spPr>
-          <a:xfrm>
-            <a:off x="492665" y="1172346"/>
-            <a:ext cx="2520777" cy="976184"/>
-          </a:xfrm>
-          <a:prstGeom prst="rect">
-            <a:avLst/>
-          </a:prstGeom>
-          <a:solidFill>
-            <a:schemeClr val="accent1">
-              <a:lumMod val="40000"/>
-              <a:lumOff val="60000"/>
-            </a:schemeClr>
-          </a:solidFill>
-          <a:ln>
-            <a:solidFill>
-              <a:schemeClr val="tx1"/>
-            </a:solidFill>
-          </a:ln>
-        </p:spPr>
-        <p:style>
-          <a:lnRef idx="2">
-            <a:schemeClr val="accent1">
-              <a:shade val="50000"/>
-            </a:schemeClr>
-          </a:lnRef>
-          <a:fillRef idx="1">
-            <a:schemeClr val="accent1"/>
-          </a:fillRef>
-          <a:effectRef idx="0">
-            <a:schemeClr val="accent1"/>
-          </a:effectRef>
-          <a:fontRef idx="minor">
-            <a:schemeClr val="lt1"/>
-          </a:fontRef>
-        </p:style>
-        <p:txBody>
-          <a:bodyPr rtlCol="0" anchor="t"/>
-          <a:lstStyle/>
-          <a:p>
-            <a:r>
-              <a:rPr lang="en-US" dirty="0" smtClean="0">
-                <a:solidFill>
-                  <a:schemeClr val="tx1"/>
-                </a:solidFill>
-              </a:rPr>
-              <a:t>Task #2</a:t>
-            </a:r>
-          </a:p>
-          <a:p>
-            <a:endParaRPr lang="en-US" noProof="1" smtClean="0">
-              <a:solidFill>
-                <a:schemeClr val="tx1"/>
-              </a:solidFill>
-            </a:endParaRPr>
-          </a:p>
-          <a:p>
-            <a:pPr algn="ctr"/>
-            <a:r>
-              <a:rPr lang="en-US" noProof="1" smtClean="0">
-                <a:solidFill>
-                  <a:schemeClr val="tx1"/>
-                </a:solidFill>
-              </a:rPr>
-              <a:t>(sc, qos, nr_simulations)</a:t>
-            </a:r>
-            <a:endParaRPr lang="en-US" noProof="1">
-              <a:solidFill>
-                <a:schemeClr val="tx1"/>
-              </a:solidFill>
-            </a:endParaRPr>
-          </a:p>
-        </p:txBody>
-      </p:sp>
-      <p:sp>
-        <p:nvSpPr>
-          <p:cNvPr id="8" name="Rechteck 7"/>
-          <p:cNvSpPr/>
-          <p:nvPr/>
-        </p:nvSpPr>
-        <p:spPr>
-          <a:xfrm>
-            <a:off x="432941" y="1359757"/>
-            <a:ext cx="2520777" cy="976184"/>
-          </a:xfrm>
-          <a:prstGeom prst="rect">
-            <a:avLst/>
-          </a:prstGeom>
-          <a:solidFill>
-            <a:schemeClr val="accent1">
-              <a:lumMod val="40000"/>
-              <a:lumOff val="60000"/>
-            </a:schemeClr>
-          </a:solidFill>
-          <a:ln>
-            <a:solidFill>
-              <a:schemeClr val="tx1"/>
-            </a:solidFill>
-          </a:ln>
-        </p:spPr>
-        <p:style>
-          <a:lnRef idx="2">
-            <a:schemeClr val="accent1">
-              <a:shade val="50000"/>
-            </a:schemeClr>
-          </a:lnRef>
-          <a:fillRef idx="1">
-            <a:schemeClr val="accent1"/>
-          </a:fillRef>
-          <a:effectRef idx="0">
-            <a:schemeClr val="accent1"/>
-          </a:effectRef>
-          <a:fontRef idx="minor">
-            <a:schemeClr val="lt1"/>
-          </a:fontRef>
-        </p:style>
-        <p:txBody>
-          <a:bodyPr rtlCol="0" anchor="t"/>
-          <a:lstStyle/>
-          <a:p>
-            <a:r>
-              <a:rPr lang="en-US" dirty="0" smtClean="0">
-                <a:solidFill>
-                  <a:schemeClr val="tx1"/>
-                </a:solidFill>
-              </a:rPr>
-              <a:t>Task #1</a:t>
-            </a:r>
-          </a:p>
-          <a:p>
-            <a:endParaRPr lang="en-US" noProof="1" smtClean="0">
-              <a:solidFill>
-                <a:schemeClr val="tx1"/>
-              </a:solidFill>
-            </a:endParaRPr>
-          </a:p>
-          <a:p>
-            <a:pPr algn="ctr"/>
-            <a:r>
-              <a:rPr lang="en-US" noProof="1" smtClean="0">
-                <a:solidFill>
-                  <a:schemeClr val="tx1"/>
-                </a:solidFill>
-              </a:rPr>
-              <a:t>(sc, qos, nr_simulations)</a:t>
-            </a:r>
-            <a:endParaRPr lang="en-US" noProof="1">
-              <a:solidFill>
-                <a:schemeClr val="tx1"/>
-              </a:solidFill>
-            </a:endParaRPr>
-          </a:p>
-        </p:txBody>
-      </p:sp>
-      <p:sp>
-        <p:nvSpPr>
-          <p:cNvPr id="9" name="Rechteck 8"/>
-          <p:cNvSpPr/>
-          <p:nvPr/>
-        </p:nvSpPr>
-        <p:spPr>
-          <a:xfrm>
-            <a:off x="492665" y="2691197"/>
-            <a:ext cx="2520777" cy="976184"/>
-          </a:xfrm>
-          <a:prstGeom prst="rect">
-            <a:avLst/>
-          </a:prstGeom>
-          <a:solidFill>
-            <a:schemeClr val="accent1">
-              <a:lumMod val="40000"/>
-              <a:lumOff val="60000"/>
-            </a:schemeClr>
-          </a:solidFill>
-          <a:ln>
-            <a:solidFill>
-              <a:schemeClr val="tx1"/>
-            </a:solidFill>
-          </a:ln>
-        </p:spPr>
-        <p:style>
-          <a:lnRef idx="2">
-            <a:schemeClr val="accent1">
-              <a:shade val="50000"/>
-            </a:schemeClr>
-          </a:lnRef>
-          <a:fillRef idx="1">
-            <a:schemeClr val="accent1"/>
-          </a:fillRef>
-          <a:effectRef idx="0">
-            <a:schemeClr val="accent1"/>
-          </a:effectRef>
-          <a:fontRef idx="minor">
-            <a:schemeClr val="lt1"/>
-          </a:fontRef>
-        </p:style>
-        <p:txBody>
-          <a:bodyPr rtlCol="0" anchor="t"/>
-          <a:lstStyle/>
-          <a:p>
-            <a:r>
-              <a:rPr lang="en-US" dirty="0" smtClean="0">
-                <a:solidFill>
-                  <a:schemeClr val="tx1"/>
-                </a:solidFill>
-              </a:rPr>
-              <a:t>Task #3</a:t>
-            </a:r>
-          </a:p>
-          <a:p>
-            <a:endParaRPr lang="en-US" noProof="1" smtClean="0">
-              <a:solidFill>
-                <a:schemeClr val="tx1"/>
-              </a:solidFill>
-            </a:endParaRPr>
-          </a:p>
-          <a:p>
-            <a:pPr algn="ctr"/>
-            <a:r>
-              <a:rPr lang="en-US" noProof="1" smtClean="0">
-                <a:solidFill>
-                  <a:schemeClr val="tx1"/>
-                </a:solidFill>
-              </a:rPr>
-              <a:t>(sc, qos, nr_simulations)</a:t>
-            </a:r>
-            <a:endParaRPr lang="en-US" noProof="1">
-              <a:solidFill>
-                <a:schemeClr val="tx1"/>
-              </a:solidFill>
-            </a:endParaRPr>
-          </a:p>
-        </p:txBody>
-      </p:sp>
-      <p:sp>
-        <p:nvSpPr>
-          <p:cNvPr id="10" name="Rechteck 9"/>
-          <p:cNvSpPr/>
-          <p:nvPr/>
-        </p:nvSpPr>
-        <p:spPr>
-          <a:xfrm>
-            <a:off x="432941" y="2878608"/>
-            <a:ext cx="2520777" cy="976184"/>
-          </a:xfrm>
-          <a:prstGeom prst="rect">
-            <a:avLst/>
-          </a:prstGeom>
-          <a:solidFill>
-            <a:schemeClr val="accent1">
-              <a:lumMod val="40000"/>
-              <a:lumOff val="60000"/>
-            </a:schemeClr>
-          </a:solidFill>
-          <a:ln>
-            <a:solidFill>
-              <a:schemeClr val="tx1"/>
-            </a:solidFill>
-          </a:ln>
-        </p:spPr>
-        <p:style>
-          <a:lnRef idx="2">
-            <a:schemeClr val="accent1">
-              <a:shade val="50000"/>
-            </a:schemeClr>
-          </a:lnRef>
-          <a:fillRef idx="1">
-            <a:schemeClr val="accent1"/>
-          </a:fillRef>
-          <a:effectRef idx="0">
-            <a:schemeClr val="accent1"/>
-          </a:effectRef>
-          <a:fontRef idx="minor">
-            <a:schemeClr val="lt1"/>
-          </a:fontRef>
-        </p:style>
-        <p:txBody>
-          <a:bodyPr rtlCol="0" anchor="t"/>
-          <a:lstStyle/>
-          <a:p>
-            <a:r>
-              <a:rPr lang="en-US" dirty="0" smtClean="0">
-                <a:solidFill>
-                  <a:schemeClr val="tx1"/>
-                </a:solidFill>
-              </a:rPr>
-              <a:t>Task #2</a:t>
-            </a:r>
-          </a:p>
-          <a:p>
-            <a:endParaRPr lang="en-US" noProof="1" smtClean="0">
-              <a:solidFill>
-                <a:schemeClr val="tx1"/>
-              </a:solidFill>
-            </a:endParaRPr>
-          </a:p>
-          <a:p>
-            <a:pPr algn="ctr"/>
-            <a:r>
-              <a:rPr lang="en-US" noProof="1" smtClean="0">
-                <a:solidFill>
-                  <a:schemeClr val="tx1"/>
-                </a:solidFill>
-              </a:rPr>
-              <a:t>(sc, qos, nr_simulations)</a:t>
-            </a:r>
-            <a:endParaRPr lang="en-US" noProof="1">
-              <a:solidFill>
-                <a:schemeClr val="tx1"/>
-              </a:solidFill>
-            </a:endParaRPr>
-          </a:p>
-        </p:txBody>
-      </p:sp>
-      <p:sp>
-        <p:nvSpPr>
-          <p:cNvPr id="11" name="Rechteck 10"/>
-          <p:cNvSpPr/>
-          <p:nvPr/>
-        </p:nvSpPr>
-        <p:spPr>
-          <a:xfrm>
-            <a:off x="373217" y="3066019"/>
-            <a:ext cx="2520777" cy="976184"/>
-          </a:xfrm>
-          <a:prstGeom prst="rect">
-            <a:avLst/>
-          </a:prstGeom>
-          <a:solidFill>
-            <a:schemeClr val="accent1">
-              <a:lumMod val="40000"/>
-              <a:lumOff val="60000"/>
-            </a:schemeClr>
-          </a:solidFill>
-          <a:ln>
-            <a:solidFill>
-              <a:schemeClr val="tx1"/>
-            </a:solidFill>
-          </a:ln>
-        </p:spPr>
-        <p:style>
-          <a:lnRef idx="2">
-            <a:schemeClr val="accent1">
-              <a:shade val="50000"/>
-            </a:schemeClr>
-          </a:lnRef>
-          <a:fillRef idx="1">
-            <a:schemeClr val="accent1"/>
-          </a:fillRef>
-          <a:effectRef idx="0">
-            <a:schemeClr val="accent1"/>
-          </a:effectRef>
-          <a:fontRef idx="minor">
-            <a:schemeClr val="lt1"/>
-          </a:fontRef>
-        </p:style>
-        <p:txBody>
-          <a:bodyPr rtlCol="0" anchor="t"/>
-          <a:lstStyle/>
-          <a:p>
-            <a:r>
-              <a:rPr lang="en-US" dirty="0" smtClean="0">
-                <a:solidFill>
-                  <a:schemeClr val="tx1"/>
-                </a:solidFill>
-              </a:rPr>
-              <a:t>Task #1</a:t>
-            </a:r>
-          </a:p>
-          <a:p>
-            <a:endParaRPr lang="en-US" noProof="1" smtClean="0">
-              <a:solidFill>
-                <a:schemeClr val="tx1"/>
-              </a:solidFill>
-            </a:endParaRPr>
-          </a:p>
-          <a:p>
-            <a:pPr algn="ctr"/>
-            <a:r>
-              <a:rPr lang="en-US" noProof="1" smtClean="0">
-                <a:solidFill>
-                  <a:schemeClr val="tx1"/>
-                </a:solidFill>
-              </a:rPr>
-              <a:t>(sc, qos, nr_simulations)</a:t>
-            </a:r>
-            <a:endParaRPr lang="en-US" noProof="1">
-              <a:solidFill>
-                <a:schemeClr val="tx1"/>
-              </a:solidFill>
-            </a:endParaRPr>
-          </a:p>
-        </p:txBody>
-      </p:sp>
-      <p:sp>
-        <p:nvSpPr>
-          <p:cNvPr id="7" name="Ellipse 6"/>
-          <p:cNvSpPr/>
-          <p:nvPr/>
-        </p:nvSpPr>
-        <p:spPr>
-          <a:xfrm>
-            <a:off x="4204390" y="1479720"/>
-            <a:ext cx="4015946" cy="2069757"/>
-          </a:xfrm>
-          <a:prstGeom prst="ellipse">
-            <a:avLst/>
-          </a:prstGeom>
-          <a:solidFill>
-            <a:schemeClr val="accent1">
-              <a:lumMod val="40000"/>
-              <a:lumOff val="60000"/>
-            </a:schemeClr>
-          </a:solidFill>
-          <a:ln>
-            <a:solidFill>
-              <a:schemeClr val="tx1"/>
-            </a:solidFill>
-          </a:ln>
-        </p:spPr>
-        <p:style>
-          <a:lnRef idx="2">
-            <a:schemeClr val="accent1">
-              <a:shade val="50000"/>
-            </a:schemeClr>
-          </a:lnRef>
-          <a:fillRef idx="1">
-            <a:schemeClr val="accent1"/>
-          </a:fillRef>
-          <a:effectRef idx="0">
-            <a:schemeClr val="accent1"/>
-          </a:effectRef>
-          <a:fontRef idx="minor">
-            <a:schemeClr val="lt1"/>
-          </a:fontRef>
-        </p:style>
-        <p:txBody>
-          <a:bodyPr rtlCol="0" anchor="ctr"/>
-          <a:lstStyle/>
-          <a:p>
-            <a:pPr algn="ctr"/>
-            <a:r>
-              <a:rPr lang="de-DE" sz="2800" noProof="1" smtClean="0">
-                <a:solidFill>
-                  <a:schemeClr val="tx1"/>
-                </a:solidFill>
-              </a:rPr>
-              <a:t>Process Pool</a:t>
-            </a:r>
-            <a:endParaRPr lang="de-DE" sz="2800" noProof="1">
-              <a:solidFill>
-                <a:schemeClr val="tx1"/>
-              </a:solidFill>
-            </a:endParaRPr>
-          </a:p>
-        </p:txBody>
-      </p:sp>
-      <p:sp>
-        <p:nvSpPr>
-          <p:cNvPr id="14" name="Rechteck 13"/>
-          <p:cNvSpPr/>
-          <p:nvPr/>
-        </p:nvSpPr>
-        <p:spPr>
-          <a:xfrm>
-            <a:off x="9879994" y="979271"/>
-            <a:ext cx="889687" cy="1000897"/>
-          </a:xfrm>
-          <a:prstGeom prst="rect">
-            <a:avLst/>
-          </a:prstGeom>
-          <a:solidFill>
-            <a:schemeClr val="accent4">
-              <a:lumMod val="40000"/>
-              <a:lumOff val="60000"/>
-            </a:schemeClr>
-          </a:solidFill>
-          <a:ln>
-            <a:solidFill>
-              <a:schemeClr val="tx1"/>
-            </a:solidFill>
-          </a:ln>
-        </p:spPr>
-        <p:style>
-          <a:lnRef idx="2">
-            <a:schemeClr val="accent1">
-              <a:shade val="50000"/>
-            </a:schemeClr>
-          </a:lnRef>
-          <a:fillRef idx="1">
-            <a:schemeClr val="accent1"/>
-          </a:fillRef>
-          <a:effectRef idx="0">
-            <a:schemeClr val="accent1"/>
-          </a:effectRef>
-          <a:fontRef idx="minor">
-            <a:schemeClr val="lt1"/>
-          </a:fontRef>
-        </p:style>
-        <p:txBody>
-          <a:bodyPr rtlCol="0" anchor="ctr"/>
-          <a:lstStyle/>
-          <a:p>
-            <a:pPr algn="ctr"/>
-            <a:r>
-              <a:rPr lang="de-DE" dirty="0" smtClean="0">
-                <a:solidFill>
-                  <a:schemeClr val="tx1"/>
-                </a:solidFill>
-              </a:rPr>
-              <a:t>Worker #1</a:t>
-            </a:r>
-            <a:endParaRPr lang="de-DE" dirty="0">
-              <a:solidFill>
-                <a:schemeClr val="tx1"/>
-              </a:solidFill>
-            </a:endParaRPr>
-          </a:p>
-        </p:txBody>
-      </p:sp>
-      <p:pic>
-        <p:nvPicPr>
-          <p:cNvPr id="15" name="Grafik 14"/>
-          <p:cNvPicPr>
-            <a:picLocks noChangeAspect="1"/>
-          </p:cNvPicPr>
-          <p:nvPr/>
-        </p:nvPicPr>
-        <p:blipFill>
-          <a:blip r:embed="rId2" cstate="print">
-            <a:extLst>
-              <a:ext uri="{28A0092B-C50C-407E-A947-70E740481C1C}">
-                <a14:useLocalDpi xmlns:a14="http://schemas.microsoft.com/office/drawing/2010/main" val="0"/>
-              </a:ext>
-            </a:extLst>
-          </a:blip>
-          <a:stretch>
-            <a:fillRect/>
-          </a:stretch>
-        </p:blipFill>
-        <p:spPr>
-          <a:xfrm>
-            <a:off x="9649091" y="372760"/>
-            <a:ext cx="1120590" cy="862914"/>
-          </a:xfrm>
-          <a:prstGeom prst="rect">
-            <a:avLst/>
-          </a:prstGeom>
-          <a:ln>
-            <a:noFill/>
-          </a:ln>
-        </p:spPr>
-      </p:pic>
-      <p:sp>
-        <p:nvSpPr>
-          <p:cNvPr id="16" name="Rechteck 15"/>
-          <p:cNvSpPr/>
-          <p:nvPr/>
-        </p:nvSpPr>
-        <p:spPr>
-          <a:xfrm>
-            <a:off x="9879994" y="2850292"/>
-            <a:ext cx="889687" cy="1000897"/>
-          </a:xfrm>
-          <a:prstGeom prst="rect">
-            <a:avLst/>
-          </a:prstGeom>
-          <a:solidFill>
-            <a:schemeClr val="accent4">
-              <a:lumMod val="40000"/>
-              <a:lumOff val="60000"/>
-            </a:schemeClr>
-          </a:solidFill>
-          <a:ln>
-            <a:solidFill>
-              <a:schemeClr val="tx1"/>
-            </a:solidFill>
-          </a:ln>
-        </p:spPr>
-        <p:style>
-          <a:lnRef idx="2">
-            <a:schemeClr val="accent1">
-              <a:shade val="50000"/>
-            </a:schemeClr>
-          </a:lnRef>
-          <a:fillRef idx="1">
-            <a:schemeClr val="accent1"/>
-          </a:fillRef>
-          <a:effectRef idx="0">
-            <a:schemeClr val="accent1"/>
-          </a:effectRef>
-          <a:fontRef idx="minor">
-            <a:schemeClr val="lt1"/>
-          </a:fontRef>
-        </p:style>
-        <p:txBody>
-          <a:bodyPr rtlCol="0" anchor="ctr"/>
-          <a:lstStyle/>
-          <a:p>
-            <a:pPr algn="ctr"/>
-            <a:r>
-              <a:rPr lang="de-DE" dirty="0" smtClean="0">
-                <a:solidFill>
-                  <a:schemeClr val="tx1"/>
-                </a:solidFill>
-              </a:rPr>
-              <a:t>Worker #2</a:t>
-            </a:r>
-            <a:endParaRPr lang="de-DE" dirty="0">
-              <a:solidFill>
-                <a:schemeClr val="tx1"/>
-              </a:solidFill>
-            </a:endParaRPr>
-          </a:p>
-        </p:txBody>
-      </p:sp>
-      <p:pic>
-        <p:nvPicPr>
-          <p:cNvPr id="17" name="Grafik 16"/>
-          <p:cNvPicPr>
-            <a:picLocks noChangeAspect="1"/>
-          </p:cNvPicPr>
-          <p:nvPr/>
-        </p:nvPicPr>
-        <p:blipFill>
-          <a:blip r:embed="rId2" cstate="print">
-            <a:extLst>
-              <a:ext uri="{28A0092B-C50C-407E-A947-70E740481C1C}">
-                <a14:useLocalDpi xmlns:a14="http://schemas.microsoft.com/office/drawing/2010/main" val="0"/>
-              </a:ext>
-            </a:extLst>
-          </a:blip>
-          <a:stretch>
-            <a:fillRect/>
-          </a:stretch>
-        </p:blipFill>
-        <p:spPr>
-          <a:xfrm>
-            <a:off x="9649091" y="2243781"/>
-            <a:ext cx="1120590" cy="862914"/>
-          </a:xfrm>
-          <a:prstGeom prst="rect">
-            <a:avLst/>
-          </a:prstGeom>
-          <a:ln>
-            <a:noFill/>
-          </a:ln>
-        </p:spPr>
-      </p:pic>
-      <p:sp>
-        <p:nvSpPr>
-          <p:cNvPr id="18" name="Pfeil nach rechts 17"/>
-          <p:cNvSpPr/>
-          <p:nvPr/>
-        </p:nvSpPr>
-        <p:spPr>
-          <a:xfrm>
-            <a:off x="7927262" y="1178008"/>
-            <a:ext cx="1606378" cy="301711"/>
-          </a:xfrm>
-          <a:prstGeom prst="rightArrow">
-            <a:avLst/>
-          </a:prstGeom>
-          <a:solidFill>
-            <a:schemeClr val="accent1">
-              <a:lumMod val="40000"/>
-              <a:lumOff val="60000"/>
-            </a:schemeClr>
-          </a:solidFill>
-          <a:ln>
-            <a:solidFill>
-              <a:schemeClr val="tx1"/>
-            </a:solidFill>
-          </a:ln>
-        </p:spPr>
-        <p:style>
-          <a:lnRef idx="2">
-            <a:schemeClr val="accent1">
-              <a:shade val="50000"/>
-            </a:schemeClr>
-          </a:lnRef>
-          <a:fillRef idx="1">
-            <a:schemeClr val="accent1"/>
-          </a:fillRef>
-          <a:effectRef idx="0">
-            <a:schemeClr val="accent1"/>
-          </a:effectRef>
-          <a:fontRef idx="minor">
-            <a:schemeClr val="lt1"/>
-          </a:fontRef>
-        </p:style>
-        <p:txBody>
-          <a:bodyPr rtlCol="0" anchor="ctr"/>
-          <a:lstStyle/>
-          <a:p>
-            <a:pPr algn="ctr"/>
-            <a:endParaRPr lang="de-DE"/>
-          </a:p>
-        </p:txBody>
-      </p:sp>
-      <p:sp>
-        <p:nvSpPr>
-          <p:cNvPr id="19" name="Pfeil nach rechts 18"/>
-          <p:cNvSpPr/>
-          <p:nvPr/>
-        </p:nvSpPr>
-        <p:spPr>
-          <a:xfrm rot="10800000">
-            <a:off x="7927262" y="1546137"/>
-            <a:ext cx="1606378" cy="301711"/>
-          </a:xfrm>
-          <a:prstGeom prst="rightArrow">
-            <a:avLst/>
-          </a:prstGeom>
-          <a:solidFill>
-            <a:schemeClr val="accent1">
-              <a:lumMod val="40000"/>
-              <a:lumOff val="60000"/>
-            </a:schemeClr>
-          </a:solidFill>
-          <a:ln>
-            <a:solidFill>
-              <a:schemeClr val="tx1"/>
-            </a:solidFill>
-          </a:ln>
-        </p:spPr>
-        <p:style>
-          <a:lnRef idx="2">
-            <a:schemeClr val="accent1">
-              <a:shade val="50000"/>
-            </a:schemeClr>
-          </a:lnRef>
-          <a:fillRef idx="1">
-            <a:schemeClr val="accent1"/>
-          </a:fillRef>
-          <a:effectRef idx="0">
-            <a:schemeClr val="accent1"/>
-          </a:effectRef>
-          <a:fontRef idx="minor">
-            <a:schemeClr val="lt1"/>
-          </a:fontRef>
-        </p:style>
-        <p:txBody>
-          <a:bodyPr rtlCol="0" anchor="ctr"/>
-          <a:lstStyle/>
-          <a:p>
-            <a:pPr algn="ctr"/>
-            <a:endParaRPr lang="de-DE"/>
-          </a:p>
-        </p:txBody>
-      </p:sp>
-      <p:pic>
-        <p:nvPicPr>
-          <p:cNvPr id="21" name="Grafik 20"/>
-          <p:cNvPicPr>
-            <a:picLocks noChangeAspect="1"/>
-          </p:cNvPicPr>
-          <p:nvPr/>
-        </p:nvPicPr>
-        <p:blipFill>
-          <a:blip r:embed="rId3"/>
-          <a:stretch>
-            <a:fillRect/>
-          </a:stretch>
-        </p:blipFill>
-        <p:spPr>
-          <a:xfrm>
-            <a:off x="8095736" y="739345"/>
-            <a:ext cx="1048282" cy="422774"/>
-          </a:xfrm>
-          <a:prstGeom prst="rect">
-            <a:avLst/>
-          </a:prstGeom>
-          <a:ln>
-            <a:noFill/>
-          </a:ln>
-        </p:spPr>
-      </p:pic>
-      <p:sp>
-        <p:nvSpPr>
-          <p:cNvPr id="22" name="Pfeil nach rechts 21"/>
-          <p:cNvSpPr/>
-          <p:nvPr/>
-        </p:nvSpPr>
-        <p:spPr>
-          <a:xfrm>
-            <a:off x="8042713" y="3066019"/>
-            <a:ext cx="1606378" cy="301711"/>
-          </a:xfrm>
-          <a:prstGeom prst="rightArrow">
-            <a:avLst/>
-          </a:prstGeom>
-          <a:solidFill>
-            <a:schemeClr val="accent1">
-              <a:lumMod val="40000"/>
-              <a:lumOff val="60000"/>
-            </a:schemeClr>
-          </a:solidFill>
-          <a:ln>
-            <a:solidFill>
-              <a:schemeClr val="tx1"/>
-            </a:solidFill>
-          </a:ln>
-        </p:spPr>
-        <p:style>
-          <a:lnRef idx="2">
-            <a:schemeClr val="accent1">
-              <a:shade val="50000"/>
-            </a:schemeClr>
-          </a:lnRef>
-          <a:fillRef idx="1">
-            <a:schemeClr val="accent1"/>
-          </a:fillRef>
-          <a:effectRef idx="0">
-            <a:schemeClr val="accent1"/>
-          </a:effectRef>
-          <a:fontRef idx="minor">
-            <a:schemeClr val="lt1"/>
-          </a:fontRef>
-        </p:style>
-        <p:txBody>
-          <a:bodyPr rtlCol="0" anchor="ctr"/>
-          <a:lstStyle/>
-          <a:p>
-            <a:pPr algn="ctr"/>
-            <a:endParaRPr lang="de-DE"/>
-          </a:p>
-        </p:txBody>
-      </p:sp>
-      <p:sp>
-        <p:nvSpPr>
-          <p:cNvPr id="23" name="Pfeil nach rechts 22"/>
-          <p:cNvSpPr/>
-          <p:nvPr/>
-        </p:nvSpPr>
-        <p:spPr>
-          <a:xfrm rot="10800000">
-            <a:off x="8042713" y="3434148"/>
-            <a:ext cx="1606378" cy="301711"/>
-          </a:xfrm>
-          <a:prstGeom prst="rightArrow">
-            <a:avLst/>
-          </a:prstGeom>
-          <a:solidFill>
-            <a:schemeClr val="accent1">
-              <a:lumMod val="40000"/>
-              <a:lumOff val="60000"/>
-            </a:schemeClr>
-          </a:solidFill>
-          <a:ln>
-            <a:solidFill>
-              <a:schemeClr val="tx1"/>
-            </a:solidFill>
-          </a:ln>
-        </p:spPr>
-        <p:style>
-          <a:lnRef idx="2">
-            <a:schemeClr val="accent1">
-              <a:shade val="50000"/>
-            </a:schemeClr>
-          </a:lnRef>
-          <a:fillRef idx="1">
-            <a:schemeClr val="accent1"/>
-          </a:fillRef>
-          <a:effectRef idx="0">
-            <a:schemeClr val="accent1"/>
-          </a:effectRef>
-          <a:fontRef idx="minor">
-            <a:schemeClr val="lt1"/>
-          </a:fontRef>
-        </p:style>
-        <p:txBody>
-          <a:bodyPr rtlCol="0" anchor="ctr"/>
-          <a:lstStyle/>
-          <a:p>
-            <a:pPr algn="ctr"/>
-            <a:endParaRPr lang="de-DE"/>
-          </a:p>
-        </p:txBody>
-      </p:sp>
-      <p:pic>
-        <p:nvPicPr>
-          <p:cNvPr id="24" name="Grafik 23"/>
-          <p:cNvPicPr>
-            <a:picLocks noChangeAspect="1"/>
-          </p:cNvPicPr>
-          <p:nvPr/>
-        </p:nvPicPr>
-        <p:blipFill>
-          <a:blip r:embed="rId3"/>
-          <a:stretch>
-            <a:fillRect/>
-          </a:stretch>
-        </p:blipFill>
-        <p:spPr>
-          <a:xfrm>
-            <a:off x="8352847" y="2610036"/>
-            <a:ext cx="1048282" cy="422774"/>
-          </a:xfrm>
-          <a:prstGeom prst="rect">
-            <a:avLst/>
-          </a:prstGeom>
-          <a:ln>
-            <a:noFill/>
-          </a:ln>
-        </p:spPr>
-      </p:pic>
-      <p:sp>
-        <p:nvSpPr>
-          <p:cNvPr id="40" name="Rechteck 39"/>
-          <p:cNvSpPr/>
-          <p:nvPr/>
-        </p:nvSpPr>
-        <p:spPr>
-          <a:xfrm>
-            <a:off x="5133406" y="4101928"/>
-            <a:ext cx="2157914" cy="979789"/>
-          </a:xfrm>
-          <a:prstGeom prst="rect">
+            <a:off x="5915607" y="825755"/>
+            <a:ext cx="446809" cy="623455"/>
+          </a:xfrm>
+          <a:prstGeom prst="flowChartDecision">
             <a:avLst/>
           </a:prstGeom>
           <a:solidFill>
@@ -9471,26 +11216,1955 @@
           <a:lstStyle/>
           <a:p>
             <a:pPr algn="ctr"/>
-            <a:r>
-              <a:rPr lang="de-DE" sz="2800" noProof="1" smtClean="0">
+            <a:endParaRPr lang="de-DE" noProof="1"/>
+          </a:p>
+        </p:txBody>
+      </p:sp>
+      <p:sp>
+        <p:nvSpPr>
+          <p:cNvPr id="11" name="Rechteck 10"/>
+          <p:cNvSpPr/>
+          <p:nvPr/>
+        </p:nvSpPr>
+        <p:spPr>
+          <a:xfrm>
+            <a:off x="4991936" y="2605227"/>
+            <a:ext cx="2295476" cy="504000"/>
+          </a:xfrm>
+          <a:prstGeom prst="rect">
+            <a:avLst/>
+          </a:prstGeom>
+          <a:solidFill>
+            <a:schemeClr val="accent1">
+              <a:lumMod val="60000"/>
+              <a:lumOff val="40000"/>
+            </a:schemeClr>
+          </a:solidFill>
+          <a:ln>
+            <a:solidFill>
+              <a:schemeClr val="tx1"/>
+            </a:solidFill>
+          </a:ln>
+        </p:spPr>
+        <p:style>
+          <a:lnRef idx="2">
+            <a:schemeClr val="accent1">
+              <a:shade val="50000"/>
+            </a:schemeClr>
+          </a:lnRef>
+          <a:fillRef idx="1">
+            <a:schemeClr val="accent1"/>
+          </a:fillRef>
+          <a:effectRef idx="0">
+            <a:schemeClr val="accent1"/>
+          </a:effectRef>
+          <a:fontRef idx="minor">
+            <a:schemeClr val="lt1"/>
+          </a:fontRef>
+        </p:style>
+        <p:txBody>
+          <a:bodyPr rtlCol="0" anchor="ctr"/>
+          <a:lstStyle/>
+          <a:p>
+            <a:pPr algn="ctr"/>
+            <a:r>
+              <a:rPr lang="de-DE" b="1" noProof="1" smtClean="0">
+                <a:ln w="0"/>
                 <a:solidFill>
                   <a:schemeClr val="tx1"/>
                 </a:solidFill>
               </a:rPr>
-              <a:t>Results</a:t>
-            </a:r>
-            <a:endParaRPr lang="de-DE" sz="2800" noProof="1">
-              <a:solidFill>
-                <a:schemeClr val="tx1"/>
-              </a:solidFill>
-            </a:endParaRPr>
+              <a:t>NR of admitted UEs</a:t>
+            </a:r>
+            <a:endParaRPr lang="de-DE" b="1" noProof="1"/>
+          </a:p>
+        </p:txBody>
+      </p:sp>
+      <p:cxnSp>
+        <p:nvCxnSpPr>
+          <p:cNvPr id="12" name="Gerade Verbindung mit Pfeil 11"/>
+          <p:cNvCxnSpPr>
+            <a:stCxn id="76" idx="2"/>
+            <a:endCxn id="11" idx="0"/>
+          </p:cNvCxnSpPr>
+          <p:nvPr/>
+        </p:nvCxnSpPr>
+        <p:spPr>
+          <a:xfrm flipH="1">
+            <a:off x="6139674" y="2270251"/>
+            <a:ext cx="1324" cy="334976"/>
+          </a:xfrm>
+          <a:prstGeom prst="straightConnector1">
+            <a:avLst/>
+          </a:prstGeom>
+          <a:ln w="19050">
+            <a:solidFill>
+              <a:schemeClr val="tx1"/>
+            </a:solidFill>
+            <a:tailEnd type="arrow" w="lg" len="lg"/>
+          </a:ln>
+        </p:spPr>
+        <p:style>
+          <a:lnRef idx="1">
+            <a:schemeClr val="accent1"/>
+          </a:lnRef>
+          <a:fillRef idx="0">
+            <a:schemeClr val="accent1"/>
+          </a:fillRef>
+          <a:effectRef idx="0">
+            <a:schemeClr val="accent1"/>
+          </a:effectRef>
+          <a:fontRef idx="minor">
+            <a:schemeClr val="tx1"/>
+          </a:fontRef>
+        </p:style>
+      </p:cxnSp>
+      <p:cxnSp>
+        <p:nvCxnSpPr>
+          <p:cNvPr id="26" name="Gerade Verbindung mit Pfeil 25"/>
+          <p:cNvCxnSpPr>
+            <a:stCxn id="11" idx="2"/>
+          </p:cNvCxnSpPr>
+          <p:nvPr/>
+        </p:nvCxnSpPr>
+        <p:spPr>
+          <a:xfrm>
+            <a:off x="6139674" y="3109227"/>
+            <a:ext cx="662" cy="334976"/>
+          </a:xfrm>
+          <a:prstGeom prst="straightConnector1">
+            <a:avLst/>
+          </a:prstGeom>
+          <a:ln w="19050">
+            <a:solidFill>
+              <a:schemeClr val="tx1"/>
+            </a:solidFill>
+            <a:tailEnd type="arrow" w="lg" len="lg"/>
+          </a:ln>
+        </p:spPr>
+        <p:style>
+          <a:lnRef idx="1">
+            <a:schemeClr val="accent1"/>
+          </a:lnRef>
+          <a:fillRef idx="0">
+            <a:schemeClr val="accent1"/>
+          </a:fillRef>
+          <a:effectRef idx="0">
+            <a:schemeClr val="accent1"/>
+          </a:effectRef>
+          <a:fontRef idx="minor">
+            <a:schemeClr val="tx1"/>
+          </a:fontRef>
+        </p:style>
+      </p:cxnSp>
+      <p:cxnSp>
+        <p:nvCxnSpPr>
+          <p:cNvPr id="71" name="Gerade Verbindung mit Pfeil 70"/>
+          <p:cNvCxnSpPr>
+            <a:stCxn id="6" idx="2"/>
+          </p:cNvCxnSpPr>
+          <p:nvPr/>
+        </p:nvCxnSpPr>
+        <p:spPr>
+          <a:xfrm>
+            <a:off x="6139012" y="1449210"/>
+            <a:ext cx="0" cy="332048"/>
+          </a:xfrm>
+          <a:prstGeom prst="straightConnector1">
+            <a:avLst/>
+          </a:prstGeom>
+          <a:ln w="19050">
+            <a:solidFill>
+              <a:schemeClr val="tx1"/>
+            </a:solidFill>
+            <a:tailEnd type="arrow" w="lg" len="lg"/>
+          </a:ln>
+        </p:spPr>
+        <p:style>
+          <a:lnRef idx="1">
+            <a:schemeClr val="accent1"/>
+          </a:lnRef>
+          <a:fillRef idx="0">
+            <a:schemeClr val="accent1"/>
+          </a:fillRef>
+          <a:effectRef idx="0">
+            <a:schemeClr val="accent1"/>
+          </a:effectRef>
+          <a:fontRef idx="minor">
+            <a:schemeClr val="tx1"/>
+          </a:fontRef>
+        </p:style>
+      </p:cxnSp>
+      <p:sp>
+        <p:nvSpPr>
+          <p:cNvPr id="76" name="Abgerundetes Rechteck 75"/>
+          <p:cNvSpPr/>
+          <p:nvPr/>
+        </p:nvSpPr>
+        <p:spPr>
+          <a:xfrm>
+            <a:off x="4993260" y="1766251"/>
+            <a:ext cx="2295476" cy="504000"/>
+          </a:xfrm>
+          <a:prstGeom prst="roundRect">
+            <a:avLst/>
+          </a:prstGeom>
+          <a:solidFill>
+            <a:schemeClr val="accent2">
+              <a:lumMod val="40000"/>
+              <a:lumOff val="60000"/>
+            </a:schemeClr>
+          </a:solidFill>
+          <a:ln>
+            <a:solidFill>
+              <a:schemeClr val="tx1"/>
+            </a:solidFill>
+          </a:ln>
+        </p:spPr>
+        <p:style>
+          <a:lnRef idx="2">
+            <a:schemeClr val="accent1">
+              <a:shade val="50000"/>
+            </a:schemeClr>
+          </a:lnRef>
+          <a:fillRef idx="1">
+            <a:schemeClr val="accent1"/>
+          </a:fillRef>
+          <a:effectRef idx="0">
+            <a:schemeClr val="accent1"/>
+          </a:effectRef>
+          <a:fontRef idx="minor">
+            <a:schemeClr val="lt1"/>
+          </a:fontRef>
+        </p:style>
+        <p:txBody>
+          <a:bodyPr rtlCol="0" anchor="ctr"/>
+          <a:lstStyle/>
+          <a:p>
+            <a:pPr algn="ctr"/>
+            <a:r>
+              <a:rPr lang="de-DE" b="1" noProof="1">
+                <a:ln w="0"/>
+                <a:solidFill>
+                  <a:schemeClr val="tx1"/>
+                </a:solidFill>
+              </a:rPr>
+              <a:t>B samples </a:t>
+            </a:r>
+            <a:r>
+              <a:rPr lang="de-DE" b="1" noProof="1">
+                <a:ln w="0"/>
+                <a:solidFill>
+                  <a:schemeClr val="tx1"/>
+                </a:solidFill>
+              </a:rPr>
+              <a:t>of </a:t>
+            </a:r>
+            <a:r>
+              <a:rPr lang="de-DE" b="1" noProof="1" smtClean="0">
+                <a:ln w="0"/>
+                <a:solidFill>
+                  <a:schemeClr val="tx1"/>
+                </a:solidFill>
+              </a:rPr>
+              <a:t>binomial </a:t>
+            </a:r>
+            <a:r>
+              <a:rPr lang="de-DE" b="1" noProof="1">
+                <a:ln w="0"/>
+                <a:solidFill>
+                  <a:schemeClr val="tx1"/>
+                </a:solidFill>
+              </a:rPr>
+              <a:t>distribution</a:t>
+            </a:r>
           </a:p>
         </p:txBody>
       </p:sp>
     </p:spTree>
     <p:extLst>
       <p:ext uri="{BB962C8B-B14F-4D97-AF65-F5344CB8AC3E}">
-        <p14:creationId xmlns:p14="http://schemas.microsoft.com/office/powerpoint/2010/main" val="4212470715"/>
+        <p14:creationId xmlns:p14="http://schemas.microsoft.com/office/powerpoint/2010/main" val="781161607"/>
+      </p:ext>
+    </p:extLst>
+  </p:cSld>
+  <p:clrMapOvr>
+    <a:masterClrMapping/>
+  </p:clrMapOvr>
+</p:sld>
+</file>
+
+<file path=ppt/slides/slide8.xml><?xml version="1.0" encoding="utf-8"?>
+<p:sld xmlns:a="http://schemas.openxmlformats.org/drawingml/2006/main" xmlns:r="http://schemas.openxmlformats.org/officeDocument/2006/relationships" xmlns:p="http://schemas.openxmlformats.org/presentationml/2006/main">
+  <p:cSld>
+    <p:spTree>
+      <p:nvGrpSpPr>
+        <p:cNvPr id="1" name=""/>
+        <p:cNvGrpSpPr/>
+        <p:nvPr/>
+      </p:nvGrpSpPr>
+      <p:grpSpPr>
+        <a:xfrm>
+          <a:off x="0" y="0"/>
+          <a:ext cx="0" cy="0"/>
+          <a:chOff x="0" y="0"/>
+          <a:chExt cx="0" cy="0"/>
+        </a:xfrm>
+      </p:grpSpPr>
+      <p:sp>
+        <p:nvSpPr>
+          <p:cNvPr id="4" name="Flussdiagramm: Verbindungsstelle 3"/>
+          <p:cNvSpPr>
+            <a:spLocks noChangeAspect="1"/>
+          </p:cNvSpPr>
+          <p:nvPr/>
+        </p:nvSpPr>
+        <p:spPr>
+          <a:xfrm>
+            <a:off x="5999024" y="258476"/>
+            <a:ext cx="280424" cy="280423"/>
+          </a:xfrm>
+          <a:prstGeom prst="flowChartConnector">
+            <a:avLst/>
+          </a:prstGeom>
+        </p:spPr>
+        <p:style>
+          <a:lnRef idx="2">
+            <a:schemeClr val="dk1">
+              <a:shade val="50000"/>
+            </a:schemeClr>
+          </a:lnRef>
+          <a:fillRef idx="1">
+            <a:schemeClr val="dk1"/>
+          </a:fillRef>
+          <a:effectRef idx="0">
+            <a:schemeClr val="dk1"/>
+          </a:effectRef>
+          <a:fontRef idx="minor">
+            <a:schemeClr val="lt1"/>
+          </a:fontRef>
+        </p:style>
+        <p:txBody>
+          <a:bodyPr rtlCol="0" anchor="ctr"/>
+          <a:lstStyle/>
+          <a:p>
+            <a:pPr algn="ctr"/>
+            <a:endParaRPr lang="de-DE" noProof="1"/>
+          </a:p>
+        </p:txBody>
+      </p:sp>
+      <p:cxnSp>
+        <p:nvCxnSpPr>
+          <p:cNvPr id="5" name="Gerade Verbindung mit Pfeil 4"/>
+          <p:cNvCxnSpPr>
+            <a:stCxn id="4" idx="4"/>
+            <a:endCxn id="6" idx="0"/>
+          </p:cNvCxnSpPr>
+          <p:nvPr/>
+        </p:nvCxnSpPr>
+        <p:spPr>
+          <a:xfrm flipH="1">
+            <a:off x="6139012" y="538899"/>
+            <a:ext cx="224" cy="286856"/>
+          </a:xfrm>
+          <a:prstGeom prst="straightConnector1">
+            <a:avLst/>
+          </a:prstGeom>
+          <a:ln w="19050">
+            <a:solidFill>
+              <a:schemeClr val="tx1"/>
+            </a:solidFill>
+            <a:tailEnd type="arrow" w="lg" len="lg"/>
+          </a:ln>
+        </p:spPr>
+        <p:style>
+          <a:lnRef idx="1">
+            <a:schemeClr val="accent1"/>
+          </a:lnRef>
+          <a:fillRef idx="0">
+            <a:schemeClr val="accent1"/>
+          </a:fillRef>
+          <a:effectRef idx="0">
+            <a:schemeClr val="accent1"/>
+          </a:effectRef>
+          <a:fontRef idx="minor">
+            <a:schemeClr val="tx1"/>
+          </a:fontRef>
+        </p:style>
+      </p:cxnSp>
+      <p:sp>
+        <p:nvSpPr>
+          <p:cNvPr id="6" name="Flussdiagramm: Verzweigung 5"/>
+          <p:cNvSpPr/>
+          <p:nvPr/>
+        </p:nvSpPr>
+        <p:spPr>
+          <a:xfrm>
+            <a:off x="5915607" y="825755"/>
+            <a:ext cx="446809" cy="623455"/>
+          </a:xfrm>
+          <a:prstGeom prst="flowChartDecision">
+            <a:avLst/>
+          </a:prstGeom>
+          <a:solidFill>
+            <a:schemeClr val="accent6">
+              <a:lumMod val="60000"/>
+              <a:lumOff val="40000"/>
+            </a:schemeClr>
+          </a:solidFill>
+          <a:ln>
+            <a:solidFill>
+              <a:schemeClr val="tx1"/>
+            </a:solidFill>
+          </a:ln>
+        </p:spPr>
+        <p:style>
+          <a:lnRef idx="2">
+            <a:schemeClr val="accent1">
+              <a:shade val="50000"/>
+            </a:schemeClr>
+          </a:lnRef>
+          <a:fillRef idx="1">
+            <a:schemeClr val="accent1"/>
+          </a:fillRef>
+          <a:effectRef idx="0">
+            <a:schemeClr val="accent1"/>
+          </a:effectRef>
+          <a:fontRef idx="minor">
+            <a:schemeClr val="lt1"/>
+          </a:fontRef>
+        </p:style>
+        <p:txBody>
+          <a:bodyPr rtlCol="0" anchor="ctr"/>
+          <a:lstStyle/>
+          <a:p>
+            <a:pPr algn="ctr"/>
+            <a:endParaRPr lang="de-DE" noProof="1"/>
+          </a:p>
+        </p:txBody>
+      </p:sp>
+      <p:sp>
+        <p:nvSpPr>
+          <p:cNvPr id="11" name="Rechteck 10"/>
+          <p:cNvSpPr/>
+          <p:nvPr/>
+        </p:nvSpPr>
+        <p:spPr>
+          <a:xfrm>
+            <a:off x="4991936" y="2605227"/>
+            <a:ext cx="2295476" cy="504000"/>
+          </a:xfrm>
+          <a:prstGeom prst="rect">
+            <a:avLst/>
+          </a:prstGeom>
+          <a:solidFill>
+            <a:schemeClr val="accent1">
+              <a:lumMod val="60000"/>
+              <a:lumOff val="40000"/>
+            </a:schemeClr>
+          </a:solidFill>
+          <a:ln>
+            <a:solidFill>
+              <a:schemeClr val="tx1"/>
+            </a:solidFill>
+          </a:ln>
+        </p:spPr>
+        <p:style>
+          <a:lnRef idx="2">
+            <a:schemeClr val="accent1">
+              <a:shade val="50000"/>
+            </a:schemeClr>
+          </a:lnRef>
+          <a:fillRef idx="1">
+            <a:schemeClr val="accent1"/>
+          </a:fillRef>
+          <a:effectRef idx="0">
+            <a:schemeClr val="accent1"/>
+          </a:effectRef>
+          <a:fontRef idx="minor">
+            <a:schemeClr val="lt1"/>
+          </a:fontRef>
+        </p:style>
+        <p:txBody>
+          <a:bodyPr rtlCol="0" anchor="ctr"/>
+          <a:lstStyle/>
+          <a:p>
+            <a:pPr algn="ctr"/>
+            <a:r>
+              <a:rPr lang="de-DE" b="1" noProof="1" smtClean="0">
+                <a:ln w="0"/>
+                <a:solidFill>
+                  <a:schemeClr val="tx1"/>
+                </a:solidFill>
+              </a:rPr>
+              <a:t>NR of admitted UEs</a:t>
+            </a:r>
+            <a:endParaRPr lang="de-DE" b="1" noProof="1"/>
+          </a:p>
+        </p:txBody>
+      </p:sp>
+      <p:cxnSp>
+        <p:nvCxnSpPr>
+          <p:cNvPr id="12" name="Gerade Verbindung mit Pfeil 11"/>
+          <p:cNvCxnSpPr>
+            <a:stCxn id="76" idx="2"/>
+            <a:endCxn id="11" idx="0"/>
+          </p:cNvCxnSpPr>
+          <p:nvPr/>
+        </p:nvCxnSpPr>
+        <p:spPr>
+          <a:xfrm flipH="1">
+            <a:off x="6139674" y="2270251"/>
+            <a:ext cx="1324" cy="334976"/>
+          </a:xfrm>
+          <a:prstGeom prst="straightConnector1">
+            <a:avLst/>
+          </a:prstGeom>
+          <a:ln w="19050">
+            <a:solidFill>
+              <a:schemeClr val="tx1"/>
+            </a:solidFill>
+            <a:tailEnd type="arrow" w="lg" len="lg"/>
+          </a:ln>
+        </p:spPr>
+        <p:style>
+          <a:lnRef idx="1">
+            <a:schemeClr val="accent1"/>
+          </a:lnRef>
+          <a:fillRef idx="0">
+            <a:schemeClr val="accent1"/>
+          </a:fillRef>
+          <a:effectRef idx="0">
+            <a:schemeClr val="accent1"/>
+          </a:effectRef>
+          <a:fontRef idx="minor">
+            <a:schemeClr val="tx1"/>
+          </a:fontRef>
+        </p:style>
+      </p:cxnSp>
+      <p:cxnSp>
+        <p:nvCxnSpPr>
+          <p:cNvPr id="17" name="Gerade Verbindung mit Pfeil 16"/>
+          <p:cNvCxnSpPr>
+            <a:stCxn id="64" idx="2"/>
+            <a:endCxn id="20" idx="0"/>
+          </p:cNvCxnSpPr>
+          <p:nvPr/>
+        </p:nvCxnSpPr>
+        <p:spPr>
+          <a:xfrm flipH="1">
+            <a:off x="6139012" y="3948203"/>
+            <a:ext cx="1324" cy="332102"/>
+          </a:xfrm>
+          <a:prstGeom prst="straightConnector1">
+            <a:avLst/>
+          </a:prstGeom>
+          <a:ln w="19050">
+            <a:solidFill>
+              <a:schemeClr val="tx1"/>
+            </a:solidFill>
+            <a:tailEnd type="arrow" w="lg" len="lg"/>
+          </a:ln>
+        </p:spPr>
+        <p:style>
+          <a:lnRef idx="1">
+            <a:schemeClr val="accent1"/>
+          </a:lnRef>
+          <a:fillRef idx="0">
+            <a:schemeClr val="accent1"/>
+          </a:fillRef>
+          <a:effectRef idx="0">
+            <a:schemeClr val="accent1"/>
+          </a:effectRef>
+          <a:fontRef idx="minor">
+            <a:schemeClr val="tx1"/>
+          </a:fontRef>
+        </p:style>
+      </p:cxnSp>
+      <mc:AlternateContent xmlns:mc="http://schemas.openxmlformats.org/markup-compatibility/2006">
+        <mc:Choice xmlns:a14="http://schemas.microsoft.com/office/drawing/2010/main" Requires="a14">
+          <p:sp>
+            <p:nvSpPr>
+              <p:cNvPr id="20" name="Rechteck 19"/>
+              <p:cNvSpPr/>
+              <p:nvPr/>
+            </p:nvSpPr>
+            <p:spPr>
+              <a:xfrm>
+                <a:off x="4990612" y="4280305"/>
+                <a:ext cx="2296800" cy="504000"/>
+              </a:xfrm>
+              <a:prstGeom prst="rect">
+                <a:avLst/>
+              </a:prstGeom>
+              <a:solidFill>
+                <a:schemeClr val="accent1">
+                  <a:lumMod val="60000"/>
+                  <a:lumOff val="40000"/>
+                </a:schemeClr>
+              </a:solidFill>
+              <a:ln>
+                <a:solidFill>
+                  <a:schemeClr val="tx1"/>
+                </a:solidFill>
+              </a:ln>
+            </p:spPr>
+            <p:style>
+              <a:lnRef idx="2">
+                <a:schemeClr val="accent1">
+                  <a:shade val="50000"/>
+                </a:schemeClr>
+              </a:lnRef>
+              <a:fillRef idx="1">
+                <a:schemeClr val="accent1"/>
+              </a:fillRef>
+              <a:effectRef idx="0">
+                <a:schemeClr val="accent1"/>
+              </a:effectRef>
+              <a:fontRef idx="minor">
+                <a:schemeClr val="lt1"/>
+              </a:fontRef>
+            </p:style>
+            <p:txBody>
+              <a:bodyPr rtlCol="0" anchor="ctr"/>
+              <a:lstStyle/>
+              <a:p>
+                <a:pPr algn="ctr"/>
+                <a14:m>
+                  <m:oMath xmlns:m="http://schemas.openxmlformats.org/officeDocument/2006/math">
+                    <m:sSub>
+                      <m:sSubPr>
+                        <m:ctrlPr>
+                          <a:rPr lang="de-DE" b="1" i="1" noProof="1" smtClean="0">
+                            <a:ln w="0"/>
+                            <a:solidFill>
+                              <a:schemeClr val="tx1"/>
+                            </a:solidFill>
+                            <a:effectLst/>
+                            <a:latin typeface="Cambria Math" panose="02040503050406030204" pitchFamily="18" charset="0"/>
+                          </a:rPr>
+                        </m:ctrlPr>
+                      </m:sSubPr>
+                      <m:e>
+                        <m:r>
+                          <a:rPr lang="de-DE" b="1" i="1" noProof="1" smtClean="0">
+                            <a:ln w="0"/>
+                            <a:solidFill>
+                              <a:schemeClr val="tx1"/>
+                            </a:solidFill>
+                            <a:effectLst/>
+                            <a:latin typeface="Cambria Math" panose="02040503050406030204" pitchFamily="18" charset="0"/>
+                          </a:rPr>
+                          <m:t>𝒔</m:t>
+                        </m:r>
+                      </m:e>
+                      <m:sub>
+                        <m:r>
+                          <a:rPr lang="de-DE" b="1" i="1" noProof="1" smtClean="0">
+                            <a:ln w="0"/>
+                            <a:solidFill>
+                              <a:schemeClr val="tx1"/>
+                            </a:solidFill>
+                            <a:effectLst/>
+                            <a:latin typeface="Cambria Math" panose="02040503050406030204" pitchFamily="18" charset="0"/>
+                          </a:rPr>
+                          <m:t>𝒊</m:t>
+                        </m:r>
+                      </m:sub>
+                    </m:sSub>
+                  </m:oMath>
+                </a14:m>
+                <a:r>
+                  <a:rPr lang="de-DE" b="1" noProof="1" smtClean="0">
+                    <a:ln w="0"/>
+                    <a:solidFill>
+                      <a:schemeClr val="tx1"/>
+                    </a:solidFill>
+                    <a:effectLst/>
+                  </a:rPr>
+                  <a:t> = preambles chose once</a:t>
+                </a:r>
+                <a:endParaRPr lang="de-DE" b="1" noProof="1">
+                  <a:effectLst/>
+                </a:endParaRPr>
+              </a:p>
+            </p:txBody>
+          </p:sp>
+        </mc:Choice>
+        <mc:Fallback>
+          <p:sp>
+            <p:nvSpPr>
+              <p:cNvPr id="20" name="Rechteck 19"/>
+              <p:cNvSpPr>
+                <a:spLocks noRot="1" noChangeAspect="1" noMove="1" noResize="1" noEditPoints="1" noAdjustHandles="1" noChangeArrowheads="1" noChangeShapeType="1" noTextEdit="1"/>
+              </p:cNvSpPr>
+              <p:nvPr/>
+            </p:nvSpPr>
+            <p:spPr>
+              <a:xfrm>
+                <a:off x="4990612" y="4280305"/>
+                <a:ext cx="2296800" cy="504000"/>
+              </a:xfrm>
+              <a:prstGeom prst="rect">
+                <a:avLst/>
+              </a:prstGeom>
+              <a:blipFill rotWithShape="0">
+                <a:blip r:embed="rId2"/>
+                <a:stretch>
+                  <a:fillRect t="-18824" r="-1587" b="-30588"/>
+                </a:stretch>
+              </a:blipFill>
+              <a:ln>
+                <a:solidFill>
+                  <a:schemeClr val="tx1"/>
+                </a:solidFill>
+              </a:ln>
+            </p:spPr>
+            <p:txBody>
+              <a:bodyPr/>
+              <a:lstStyle/>
+              <a:p>
+                <a:r>
+                  <a:rPr lang="de-DE">
+                    <a:noFill/>
+                  </a:rPr>
+                  <a:t> </a:t>
+                </a:r>
+              </a:p>
+            </p:txBody>
+          </p:sp>
+        </mc:Fallback>
+      </mc:AlternateContent>
+      <p:cxnSp>
+        <p:nvCxnSpPr>
+          <p:cNvPr id="26" name="Gerade Verbindung mit Pfeil 25"/>
+          <p:cNvCxnSpPr>
+            <a:stCxn id="11" idx="2"/>
+            <a:endCxn id="64" idx="0"/>
+          </p:cNvCxnSpPr>
+          <p:nvPr/>
+        </p:nvCxnSpPr>
+        <p:spPr>
+          <a:xfrm>
+            <a:off x="6139674" y="3109227"/>
+            <a:ext cx="662" cy="334976"/>
+          </a:xfrm>
+          <a:prstGeom prst="straightConnector1">
+            <a:avLst/>
+          </a:prstGeom>
+          <a:ln w="19050">
+            <a:solidFill>
+              <a:schemeClr val="tx1"/>
+            </a:solidFill>
+            <a:tailEnd type="arrow" w="lg" len="lg"/>
+          </a:ln>
+        </p:spPr>
+        <p:style>
+          <a:lnRef idx="1">
+            <a:schemeClr val="accent1"/>
+          </a:lnRef>
+          <a:fillRef idx="0">
+            <a:schemeClr val="accent1"/>
+          </a:fillRef>
+          <a:effectRef idx="0">
+            <a:schemeClr val="accent1"/>
+          </a:effectRef>
+          <a:fontRef idx="minor">
+            <a:schemeClr val="tx1"/>
+          </a:fontRef>
+        </p:style>
+      </p:cxnSp>
+      <p:cxnSp>
+        <p:nvCxnSpPr>
+          <p:cNvPr id="31" name="Gerade Verbindung mit Pfeil 30"/>
+          <p:cNvCxnSpPr>
+            <a:stCxn id="20" idx="2"/>
+          </p:cNvCxnSpPr>
+          <p:nvPr/>
+        </p:nvCxnSpPr>
+        <p:spPr>
+          <a:xfrm>
+            <a:off x="6139012" y="4784305"/>
+            <a:ext cx="0" cy="337850"/>
+          </a:xfrm>
+          <a:prstGeom prst="straightConnector1">
+            <a:avLst/>
+          </a:prstGeom>
+          <a:ln w="19050">
+            <a:solidFill>
+              <a:schemeClr val="tx1"/>
+            </a:solidFill>
+            <a:tailEnd type="arrow" w="lg" len="lg"/>
+          </a:ln>
+        </p:spPr>
+        <p:style>
+          <a:lnRef idx="1">
+            <a:schemeClr val="accent1"/>
+          </a:lnRef>
+          <a:fillRef idx="0">
+            <a:schemeClr val="accent1"/>
+          </a:fillRef>
+          <a:effectRef idx="0">
+            <a:schemeClr val="accent1"/>
+          </a:effectRef>
+          <a:fontRef idx="minor">
+            <a:schemeClr val="tx1"/>
+          </a:fontRef>
+        </p:style>
+      </p:cxnSp>
+      <p:sp>
+        <p:nvSpPr>
+          <p:cNvPr id="64" name="Abgerundetes Rechteck 63"/>
+          <p:cNvSpPr/>
+          <p:nvPr/>
+        </p:nvSpPr>
+        <p:spPr>
+          <a:xfrm>
+            <a:off x="4991936" y="3444203"/>
+            <a:ext cx="2296800" cy="504000"/>
+          </a:xfrm>
+          <a:prstGeom prst="roundRect">
+            <a:avLst/>
+          </a:prstGeom>
+          <a:solidFill>
+            <a:schemeClr val="accent2">
+              <a:lumMod val="40000"/>
+              <a:lumOff val="60000"/>
+            </a:schemeClr>
+          </a:solidFill>
+          <a:ln>
+            <a:solidFill>
+              <a:schemeClr val="tx1"/>
+            </a:solidFill>
+          </a:ln>
+        </p:spPr>
+        <p:style>
+          <a:lnRef idx="2">
+            <a:schemeClr val="accent1">
+              <a:shade val="50000"/>
+            </a:schemeClr>
+          </a:lnRef>
+          <a:fillRef idx="1">
+            <a:schemeClr val="accent1"/>
+          </a:fillRef>
+          <a:effectRef idx="0">
+            <a:schemeClr val="accent1"/>
+          </a:effectRef>
+          <a:fontRef idx="minor">
+            <a:schemeClr val="lt1"/>
+          </a:fontRef>
+        </p:style>
+        <p:txBody>
+          <a:bodyPr rtlCol="0" anchor="ctr"/>
+          <a:lstStyle/>
+          <a:p>
+            <a:pPr algn="ctr"/>
+            <a:r>
+              <a:rPr lang="de-DE" b="1" noProof="1" smtClean="0">
+                <a:ln w="0"/>
+                <a:solidFill>
+                  <a:schemeClr val="tx1"/>
+                </a:solidFill>
+              </a:rPr>
+              <a:t>B samples of uniform distribution</a:t>
+            </a:r>
+          </a:p>
+        </p:txBody>
+      </p:sp>
+      <p:cxnSp>
+        <p:nvCxnSpPr>
+          <p:cNvPr id="71" name="Gerade Verbindung mit Pfeil 70"/>
+          <p:cNvCxnSpPr>
+            <a:stCxn id="6" idx="2"/>
+          </p:cNvCxnSpPr>
+          <p:nvPr/>
+        </p:nvCxnSpPr>
+        <p:spPr>
+          <a:xfrm>
+            <a:off x="6139012" y="1449210"/>
+            <a:ext cx="0" cy="332048"/>
+          </a:xfrm>
+          <a:prstGeom prst="straightConnector1">
+            <a:avLst/>
+          </a:prstGeom>
+          <a:ln w="19050">
+            <a:solidFill>
+              <a:schemeClr val="tx1"/>
+            </a:solidFill>
+            <a:tailEnd type="arrow" w="lg" len="lg"/>
+          </a:ln>
+        </p:spPr>
+        <p:style>
+          <a:lnRef idx="1">
+            <a:schemeClr val="accent1"/>
+          </a:lnRef>
+          <a:fillRef idx="0">
+            <a:schemeClr val="accent1"/>
+          </a:fillRef>
+          <a:effectRef idx="0">
+            <a:schemeClr val="accent1"/>
+          </a:effectRef>
+          <a:fontRef idx="minor">
+            <a:schemeClr val="tx1"/>
+          </a:fontRef>
+        </p:style>
+      </p:cxnSp>
+      <p:sp>
+        <p:nvSpPr>
+          <p:cNvPr id="76" name="Abgerundetes Rechteck 75"/>
+          <p:cNvSpPr/>
+          <p:nvPr/>
+        </p:nvSpPr>
+        <p:spPr>
+          <a:xfrm>
+            <a:off x="4993260" y="1766251"/>
+            <a:ext cx="2295476" cy="504000"/>
+          </a:xfrm>
+          <a:prstGeom prst="roundRect">
+            <a:avLst/>
+          </a:prstGeom>
+          <a:solidFill>
+            <a:schemeClr val="accent2">
+              <a:lumMod val="40000"/>
+              <a:lumOff val="60000"/>
+            </a:schemeClr>
+          </a:solidFill>
+          <a:ln>
+            <a:solidFill>
+              <a:schemeClr val="tx1"/>
+            </a:solidFill>
+          </a:ln>
+        </p:spPr>
+        <p:style>
+          <a:lnRef idx="2">
+            <a:schemeClr val="accent1">
+              <a:shade val="50000"/>
+            </a:schemeClr>
+          </a:lnRef>
+          <a:fillRef idx="1">
+            <a:schemeClr val="accent1"/>
+          </a:fillRef>
+          <a:effectRef idx="0">
+            <a:schemeClr val="accent1"/>
+          </a:effectRef>
+          <a:fontRef idx="minor">
+            <a:schemeClr val="lt1"/>
+          </a:fontRef>
+        </p:style>
+        <p:txBody>
+          <a:bodyPr rtlCol="0" anchor="ctr"/>
+          <a:lstStyle/>
+          <a:p>
+            <a:pPr algn="ctr"/>
+            <a:r>
+              <a:rPr lang="de-DE" b="1" noProof="1">
+                <a:ln w="0"/>
+                <a:solidFill>
+                  <a:schemeClr val="tx1"/>
+                </a:solidFill>
+              </a:rPr>
+              <a:t>B samples </a:t>
+            </a:r>
+            <a:r>
+              <a:rPr lang="de-DE" b="1" noProof="1">
+                <a:ln w="0"/>
+                <a:solidFill>
+                  <a:schemeClr val="tx1"/>
+                </a:solidFill>
+              </a:rPr>
+              <a:t>of </a:t>
+            </a:r>
+            <a:r>
+              <a:rPr lang="de-DE" b="1" noProof="1" smtClean="0">
+                <a:ln w="0"/>
+                <a:solidFill>
+                  <a:schemeClr val="tx1"/>
+                </a:solidFill>
+              </a:rPr>
+              <a:t>binomial </a:t>
+            </a:r>
+            <a:r>
+              <a:rPr lang="de-DE" b="1" noProof="1">
+                <a:ln w="0"/>
+                <a:solidFill>
+                  <a:schemeClr val="tx1"/>
+                </a:solidFill>
+              </a:rPr>
+              <a:t>distribution</a:t>
+            </a:r>
+          </a:p>
+        </p:txBody>
+      </p:sp>
+    </p:spTree>
+    <p:extLst>
+      <p:ext uri="{BB962C8B-B14F-4D97-AF65-F5344CB8AC3E}">
+        <p14:creationId xmlns:p14="http://schemas.microsoft.com/office/powerpoint/2010/main" val="1705311235"/>
+      </p:ext>
+    </p:extLst>
+  </p:cSld>
+  <p:clrMapOvr>
+    <a:masterClrMapping/>
+  </p:clrMapOvr>
+</p:sld>
+</file>
+
+<file path=ppt/slides/slide9.xml><?xml version="1.0" encoding="utf-8"?>
+<p:sld xmlns:a="http://schemas.openxmlformats.org/drawingml/2006/main" xmlns:r="http://schemas.openxmlformats.org/officeDocument/2006/relationships" xmlns:p="http://schemas.openxmlformats.org/presentationml/2006/main">
+  <p:cSld>
+    <p:spTree>
+      <p:nvGrpSpPr>
+        <p:cNvPr id="1" name=""/>
+        <p:cNvGrpSpPr/>
+        <p:nvPr/>
+      </p:nvGrpSpPr>
+      <p:grpSpPr>
+        <a:xfrm>
+          <a:off x="0" y="0"/>
+          <a:ext cx="0" cy="0"/>
+          <a:chOff x="0" y="0"/>
+          <a:chExt cx="0" cy="0"/>
+        </a:xfrm>
+      </p:grpSpPr>
+      <p:sp>
+        <p:nvSpPr>
+          <p:cNvPr id="4" name="Flussdiagramm: Verbindungsstelle 3"/>
+          <p:cNvSpPr>
+            <a:spLocks noChangeAspect="1"/>
+          </p:cNvSpPr>
+          <p:nvPr/>
+        </p:nvSpPr>
+        <p:spPr>
+          <a:xfrm>
+            <a:off x="5999024" y="258476"/>
+            <a:ext cx="280424" cy="280423"/>
+          </a:xfrm>
+          <a:prstGeom prst="flowChartConnector">
+            <a:avLst/>
+          </a:prstGeom>
+        </p:spPr>
+        <p:style>
+          <a:lnRef idx="2">
+            <a:schemeClr val="dk1">
+              <a:shade val="50000"/>
+            </a:schemeClr>
+          </a:lnRef>
+          <a:fillRef idx="1">
+            <a:schemeClr val="dk1"/>
+          </a:fillRef>
+          <a:effectRef idx="0">
+            <a:schemeClr val="dk1"/>
+          </a:effectRef>
+          <a:fontRef idx="minor">
+            <a:schemeClr val="lt1"/>
+          </a:fontRef>
+        </p:style>
+        <p:txBody>
+          <a:bodyPr rtlCol="0" anchor="ctr"/>
+          <a:lstStyle/>
+          <a:p>
+            <a:pPr algn="ctr"/>
+            <a:endParaRPr lang="de-DE" noProof="1"/>
+          </a:p>
+        </p:txBody>
+      </p:sp>
+      <p:cxnSp>
+        <p:nvCxnSpPr>
+          <p:cNvPr id="5" name="Gerade Verbindung mit Pfeil 4"/>
+          <p:cNvCxnSpPr>
+            <a:stCxn id="4" idx="4"/>
+            <a:endCxn id="6" idx="0"/>
+          </p:cNvCxnSpPr>
+          <p:nvPr/>
+        </p:nvCxnSpPr>
+        <p:spPr>
+          <a:xfrm flipH="1">
+            <a:off x="6139012" y="538899"/>
+            <a:ext cx="224" cy="286856"/>
+          </a:xfrm>
+          <a:prstGeom prst="straightConnector1">
+            <a:avLst/>
+          </a:prstGeom>
+          <a:ln w="19050">
+            <a:solidFill>
+              <a:schemeClr val="tx1"/>
+            </a:solidFill>
+            <a:tailEnd type="arrow" w="lg" len="lg"/>
+          </a:ln>
+        </p:spPr>
+        <p:style>
+          <a:lnRef idx="1">
+            <a:schemeClr val="accent1"/>
+          </a:lnRef>
+          <a:fillRef idx="0">
+            <a:schemeClr val="accent1"/>
+          </a:fillRef>
+          <a:effectRef idx="0">
+            <a:schemeClr val="accent1"/>
+          </a:effectRef>
+          <a:fontRef idx="minor">
+            <a:schemeClr val="tx1"/>
+          </a:fontRef>
+        </p:style>
+      </p:cxnSp>
+      <p:sp>
+        <p:nvSpPr>
+          <p:cNvPr id="6" name="Flussdiagramm: Verzweigung 5"/>
+          <p:cNvSpPr/>
+          <p:nvPr/>
+        </p:nvSpPr>
+        <p:spPr>
+          <a:xfrm>
+            <a:off x="5915607" y="825755"/>
+            <a:ext cx="446809" cy="623455"/>
+          </a:xfrm>
+          <a:prstGeom prst="flowChartDecision">
+            <a:avLst/>
+          </a:prstGeom>
+          <a:solidFill>
+            <a:schemeClr val="accent6">
+              <a:lumMod val="60000"/>
+              <a:lumOff val="40000"/>
+            </a:schemeClr>
+          </a:solidFill>
+          <a:ln>
+            <a:solidFill>
+              <a:schemeClr val="tx1"/>
+            </a:solidFill>
+          </a:ln>
+        </p:spPr>
+        <p:style>
+          <a:lnRef idx="2">
+            <a:schemeClr val="accent1">
+              <a:shade val="50000"/>
+            </a:schemeClr>
+          </a:lnRef>
+          <a:fillRef idx="1">
+            <a:schemeClr val="accent1"/>
+          </a:fillRef>
+          <a:effectRef idx="0">
+            <a:schemeClr val="accent1"/>
+          </a:effectRef>
+          <a:fontRef idx="minor">
+            <a:schemeClr val="lt1"/>
+          </a:fontRef>
+        </p:style>
+        <p:txBody>
+          <a:bodyPr rtlCol="0" anchor="ctr"/>
+          <a:lstStyle/>
+          <a:p>
+            <a:pPr algn="ctr"/>
+            <a:endParaRPr lang="de-DE" noProof="1"/>
+          </a:p>
+        </p:txBody>
+      </p:sp>
+      <p:sp>
+        <p:nvSpPr>
+          <p:cNvPr id="11" name="Rechteck 10"/>
+          <p:cNvSpPr/>
+          <p:nvPr/>
+        </p:nvSpPr>
+        <p:spPr>
+          <a:xfrm>
+            <a:off x="4991936" y="2605227"/>
+            <a:ext cx="2295476" cy="504000"/>
+          </a:xfrm>
+          <a:prstGeom prst="rect">
+            <a:avLst/>
+          </a:prstGeom>
+          <a:solidFill>
+            <a:schemeClr val="accent1">
+              <a:lumMod val="60000"/>
+              <a:lumOff val="40000"/>
+            </a:schemeClr>
+          </a:solidFill>
+          <a:ln>
+            <a:solidFill>
+              <a:schemeClr val="tx1"/>
+            </a:solidFill>
+          </a:ln>
+        </p:spPr>
+        <p:style>
+          <a:lnRef idx="2">
+            <a:schemeClr val="accent1">
+              <a:shade val="50000"/>
+            </a:schemeClr>
+          </a:lnRef>
+          <a:fillRef idx="1">
+            <a:schemeClr val="accent1"/>
+          </a:fillRef>
+          <a:effectRef idx="0">
+            <a:schemeClr val="accent1"/>
+          </a:effectRef>
+          <a:fontRef idx="minor">
+            <a:schemeClr val="lt1"/>
+          </a:fontRef>
+        </p:style>
+        <p:txBody>
+          <a:bodyPr rtlCol="0" anchor="ctr"/>
+          <a:lstStyle/>
+          <a:p>
+            <a:pPr algn="ctr"/>
+            <a:r>
+              <a:rPr lang="de-DE" b="1" noProof="1" smtClean="0">
+                <a:ln w="0"/>
+                <a:solidFill>
+                  <a:schemeClr val="tx1"/>
+                </a:solidFill>
+              </a:rPr>
+              <a:t>NR of admitted UEs</a:t>
+            </a:r>
+            <a:endParaRPr lang="de-DE" b="1" noProof="1"/>
+          </a:p>
+        </p:txBody>
+      </p:sp>
+      <p:cxnSp>
+        <p:nvCxnSpPr>
+          <p:cNvPr id="12" name="Gerade Verbindung mit Pfeil 11"/>
+          <p:cNvCxnSpPr>
+            <a:stCxn id="76" idx="2"/>
+            <a:endCxn id="11" idx="0"/>
+          </p:cNvCxnSpPr>
+          <p:nvPr/>
+        </p:nvCxnSpPr>
+        <p:spPr>
+          <a:xfrm flipH="1">
+            <a:off x="6139674" y="2270251"/>
+            <a:ext cx="1324" cy="334976"/>
+          </a:xfrm>
+          <a:prstGeom prst="straightConnector1">
+            <a:avLst/>
+          </a:prstGeom>
+          <a:ln w="19050">
+            <a:solidFill>
+              <a:schemeClr val="tx1"/>
+            </a:solidFill>
+            <a:tailEnd type="arrow" w="lg" len="lg"/>
+          </a:ln>
+        </p:spPr>
+        <p:style>
+          <a:lnRef idx="1">
+            <a:schemeClr val="accent1"/>
+          </a:lnRef>
+          <a:fillRef idx="0">
+            <a:schemeClr val="accent1"/>
+          </a:fillRef>
+          <a:effectRef idx="0">
+            <a:schemeClr val="accent1"/>
+          </a:effectRef>
+          <a:fontRef idx="minor">
+            <a:schemeClr val="tx1"/>
+          </a:fontRef>
+        </p:style>
+      </p:cxnSp>
+      <p:cxnSp>
+        <p:nvCxnSpPr>
+          <p:cNvPr id="17" name="Gerade Verbindung mit Pfeil 16"/>
+          <p:cNvCxnSpPr>
+            <a:stCxn id="64" idx="2"/>
+            <a:endCxn id="20" idx="0"/>
+          </p:cNvCxnSpPr>
+          <p:nvPr/>
+        </p:nvCxnSpPr>
+        <p:spPr>
+          <a:xfrm flipH="1">
+            <a:off x="6139012" y="3948203"/>
+            <a:ext cx="1324" cy="332102"/>
+          </a:xfrm>
+          <a:prstGeom prst="straightConnector1">
+            <a:avLst/>
+          </a:prstGeom>
+          <a:ln w="19050">
+            <a:solidFill>
+              <a:schemeClr val="tx1"/>
+            </a:solidFill>
+            <a:tailEnd type="arrow" w="lg" len="lg"/>
+          </a:ln>
+        </p:spPr>
+        <p:style>
+          <a:lnRef idx="1">
+            <a:schemeClr val="accent1"/>
+          </a:lnRef>
+          <a:fillRef idx="0">
+            <a:schemeClr val="accent1"/>
+          </a:fillRef>
+          <a:effectRef idx="0">
+            <a:schemeClr val="accent1"/>
+          </a:effectRef>
+          <a:fontRef idx="minor">
+            <a:schemeClr val="tx1"/>
+          </a:fontRef>
+        </p:style>
+      </p:cxnSp>
+      <mc:AlternateContent xmlns:mc="http://schemas.openxmlformats.org/markup-compatibility/2006">
+        <mc:Choice xmlns:a14="http://schemas.microsoft.com/office/drawing/2010/main" Requires="a14">
+          <p:sp>
+            <p:nvSpPr>
+              <p:cNvPr id="20" name="Rechteck 19"/>
+              <p:cNvSpPr/>
+              <p:nvPr/>
+            </p:nvSpPr>
+            <p:spPr>
+              <a:xfrm>
+                <a:off x="4990612" y="4280305"/>
+                <a:ext cx="2296800" cy="504000"/>
+              </a:xfrm>
+              <a:prstGeom prst="rect">
+                <a:avLst/>
+              </a:prstGeom>
+              <a:solidFill>
+                <a:schemeClr val="accent1">
+                  <a:lumMod val="60000"/>
+                  <a:lumOff val="40000"/>
+                </a:schemeClr>
+              </a:solidFill>
+              <a:ln>
+                <a:solidFill>
+                  <a:schemeClr val="tx1"/>
+                </a:solidFill>
+              </a:ln>
+            </p:spPr>
+            <p:style>
+              <a:lnRef idx="2">
+                <a:schemeClr val="accent1">
+                  <a:shade val="50000"/>
+                </a:schemeClr>
+              </a:lnRef>
+              <a:fillRef idx="1">
+                <a:schemeClr val="accent1"/>
+              </a:fillRef>
+              <a:effectRef idx="0">
+                <a:schemeClr val="accent1"/>
+              </a:effectRef>
+              <a:fontRef idx="minor">
+                <a:schemeClr val="lt1"/>
+              </a:fontRef>
+            </p:style>
+            <p:txBody>
+              <a:bodyPr rtlCol="0" anchor="ctr"/>
+              <a:lstStyle/>
+              <a:p>
+                <a:pPr algn="ctr"/>
+                <a14:m>
+                  <m:oMath xmlns:m="http://schemas.openxmlformats.org/officeDocument/2006/math">
+                    <m:sSub>
+                      <m:sSubPr>
+                        <m:ctrlPr>
+                          <a:rPr lang="de-DE" b="1" i="1" noProof="1" smtClean="0">
+                            <a:ln w="0"/>
+                            <a:solidFill>
+                              <a:schemeClr val="tx1"/>
+                            </a:solidFill>
+                            <a:effectLst/>
+                            <a:latin typeface="Cambria Math" panose="02040503050406030204" pitchFamily="18" charset="0"/>
+                          </a:rPr>
+                        </m:ctrlPr>
+                      </m:sSubPr>
+                      <m:e>
+                        <m:r>
+                          <a:rPr lang="de-DE" b="1" i="1" noProof="1" smtClean="0">
+                            <a:ln w="0"/>
+                            <a:solidFill>
+                              <a:schemeClr val="tx1"/>
+                            </a:solidFill>
+                            <a:effectLst/>
+                            <a:latin typeface="Cambria Math" panose="02040503050406030204" pitchFamily="18" charset="0"/>
+                          </a:rPr>
+                          <m:t>𝒔</m:t>
+                        </m:r>
+                      </m:e>
+                      <m:sub>
+                        <m:r>
+                          <a:rPr lang="de-DE" b="1" i="1" noProof="1" smtClean="0">
+                            <a:ln w="0"/>
+                            <a:solidFill>
+                              <a:schemeClr val="tx1"/>
+                            </a:solidFill>
+                            <a:effectLst/>
+                            <a:latin typeface="Cambria Math" panose="02040503050406030204" pitchFamily="18" charset="0"/>
+                          </a:rPr>
+                          <m:t>𝒊</m:t>
+                        </m:r>
+                      </m:sub>
+                    </m:sSub>
+                  </m:oMath>
+                </a14:m>
+                <a:r>
+                  <a:rPr lang="de-DE" b="1" noProof="1" smtClean="0">
+                    <a:ln w="0"/>
+                    <a:solidFill>
+                      <a:schemeClr val="tx1"/>
+                    </a:solidFill>
+                    <a:effectLst/>
+                  </a:rPr>
+                  <a:t> = preambles chose once</a:t>
+                </a:r>
+                <a:endParaRPr lang="de-DE" b="1" noProof="1">
+                  <a:effectLst/>
+                </a:endParaRPr>
+              </a:p>
+            </p:txBody>
+          </p:sp>
+        </mc:Choice>
+        <mc:Fallback>
+          <p:sp>
+            <p:nvSpPr>
+              <p:cNvPr id="20" name="Rechteck 19"/>
+              <p:cNvSpPr>
+                <a:spLocks noRot="1" noChangeAspect="1" noMove="1" noResize="1" noEditPoints="1" noAdjustHandles="1" noChangeArrowheads="1" noChangeShapeType="1" noTextEdit="1"/>
+              </p:cNvSpPr>
+              <p:nvPr/>
+            </p:nvSpPr>
+            <p:spPr>
+              <a:xfrm>
+                <a:off x="4990612" y="4280305"/>
+                <a:ext cx="2296800" cy="504000"/>
+              </a:xfrm>
+              <a:prstGeom prst="rect">
+                <a:avLst/>
+              </a:prstGeom>
+              <a:blipFill rotWithShape="0">
+                <a:blip r:embed="rId2"/>
+                <a:stretch>
+                  <a:fillRect t="-18824" r="-1587" b="-30588"/>
+                </a:stretch>
+              </a:blipFill>
+              <a:ln>
+                <a:solidFill>
+                  <a:schemeClr val="tx1"/>
+                </a:solidFill>
+              </a:ln>
+            </p:spPr>
+            <p:txBody>
+              <a:bodyPr/>
+              <a:lstStyle/>
+              <a:p>
+                <a:r>
+                  <a:rPr lang="de-DE">
+                    <a:noFill/>
+                  </a:rPr>
+                  <a:t> </a:t>
+                </a:r>
+              </a:p>
+            </p:txBody>
+          </p:sp>
+        </mc:Fallback>
+      </mc:AlternateContent>
+      <mc:AlternateContent xmlns:mc="http://schemas.openxmlformats.org/markup-compatibility/2006">
+        <mc:Choice xmlns:a14="http://schemas.microsoft.com/office/drawing/2010/main" Requires="a14">
+          <p:sp>
+            <p:nvSpPr>
+              <p:cNvPr id="21" name="Abgerundetes Rechteck 20"/>
+              <p:cNvSpPr/>
+              <p:nvPr/>
+            </p:nvSpPr>
+            <p:spPr>
+              <a:xfrm>
+                <a:off x="4990612" y="5122155"/>
+                <a:ext cx="2296800" cy="504000"/>
+              </a:xfrm>
+              <a:prstGeom prst="roundRect">
+                <a:avLst/>
+              </a:prstGeom>
+              <a:solidFill>
+                <a:schemeClr val="accent2">
+                  <a:lumMod val="40000"/>
+                  <a:lumOff val="60000"/>
+                </a:schemeClr>
+              </a:solidFill>
+              <a:ln>
+                <a:solidFill>
+                  <a:schemeClr val="tx1"/>
+                </a:solidFill>
+              </a:ln>
+            </p:spPr>
+            <p:style>
+              <a:lnRef idx="2">
+                <a:schemeClr val="accent1">
+                  <a:shade val="50000"/>
+                </a:schemeClr>
+              </a:lnRef>
+              <a:fillRef idx="1">
+                <a:schemeClr val="accent1"/>
+              </a:fillRef>
+              <a:effectRef idx="0">
+                <a:schemeClr val="accent1"/>
+              </a:effectRef>
+              <a:fontRef idx="minor">
+                <a:schemeClr val="lt1"/>
+              </a:fontRef>
+            </p:style>
+            <p:txBody>
+              <a:bodyPr rtlCol="0" anchor="ctr"/>
+              <a:lstStyle/>
+              <a:p>
+                <a:pPr algn="ctr"/>
+                <a:r>
+                  <a:rPr lang="de-DE" b="1" noProof="1" smtClean="0">
+                    <a:ln w="0"/>
+                    <a:solidFill>
+                      <a:schemeClr val="tx1"/>
+                    </a:solidFill>
+                  </a:rPr>
+                  <a:t>B -= </a:t>
+                </a:r>
+                <a14:m>
+                  <m:oMath xmlns:m="http://schemas.openxmlformats.org/officeDocument/2006/math">
+                    <m:sSub>
+                      <m:sSubPr>
+                        <m:ctrlPr>
+                          <a:rPr lang="de-DE" b="1" i="1" noProof="1" smtClean="0">
+                            <a:ln w="0"/>
+                            <a:solidFill>
+                              <a:schemeClr val="tx1"/>
+                            </a:solidFill>
+                            <a:latin typeface="Cambria Math" panose="02040503050406030204" pitchFamily="18" charset="0"/>
+                          </a:rPr>
+                        </m:ctrlPr>
+                      </m:sSubPr>
+                      <m:e>
+                        <m:r>
+                          <a:rPr lang="de-DE" b="1" i="1" noProof="1" smtClean="0">
+                            <a:ln w="0"/>
+                            <a:solidFill>
+                              <a:schemeClr val="tx1"/>
+                            </a:solidFill>
+                            <a:latin typeface="Cambria Math" panose="02040503050406030204" pitchFamily="18" charset="0"/>
+                          </a:rPr>
+                          <m:t>𝒔</m:t>
+                        </m:r>
+                      </m:e>
+                      <m:sub>
+                        <m:r>
+                          <a:rPr lang="de-DE" b="1" i="1" noProof="1" smtClean="0">
+                            <a:ln w="0"/>
+                            <a:solidFill>
+                              <a:schemeClr val="tx1"/>
+                            </a:solidFill>
+                            <a:latin typeface="Cambria Math" panose="02040503050406030204" pitchFamily="18" charset="0"/>
+                          </a:rPr>
+                          <m:t>𝒊</m:t>
+                        </m:r>
+                      </m:sub>
+                    </m:sSub>
+                  </m:oMath>
+                </a14:m>
+                <a:endParaRPr lang="de-DE" b="1" noProof="1" smtClean="0">
+                  <a:ln w="0"/>
+                  <a:solidFill>
+                    <a:schemeClr val="tx1"/>
+                  </a:solidFill>
+                </a:endParaRPr>
+              </a:p>
+            </p:txBody>
+          </p:sp>
+        </mc:Choice>
+        <mc:Fallback>
+          <p:sp>
+            <p:nvSpPr>
+              <p:cNvPr id="21" name="Abgerundetes Rechteck 20"/>
+              <p:cNvSpPr>
+                <a:spLocks noRot="1" noChangeAspect="1" noMove="1" noResize="1" noEditPoints="1" noAdjustHandles="1" noChangeArrowheads="1" noChangeShapeType="1" noTextEdit="1"/>
+              </p:cNvSpPr>
+              <p:nvPr/>
+            </p:nvSpPr>
+            <p:spPr>
+              <a:xfrm>
+                <a:off x="4990612" y="5122155"/>
+                <a:ext cx="2296800" cy="504000"/>
+              </a:xfrm>
+              <a:prstGeom prst="roundRect">
+                <a:avLst/>
+              </a:prstGeom>
+              <a:blipFill rotWithShape="0">
+                <a:blip r:embed="rId3"/>
+                <a:stretch>
+                  <a:fillRect b="-4706"/>
+                </a:stretch>
+              </a:blipFill>
+              <a:ln>
+                <a:solidFill>
+                  <a:schemeClr val="tx1"/>
+                </a:solidFill>
+              </a:ln>
+            </p:spPr>
+            <p:txBody>
+              <a:bodyPr/>
+              <a:lstStyle/>
+              <a:p>
+                <a:r>
+                  <a:rPr lang="de-DE">
+                    <a:noFill/>
+                  </a:rPr>
+                  <a:t> </a:t>
+                </a:r>
+              </a:p>
+            </p:txBody>
+          </p:sp>
+        </mc:Fallback>
+      </mc:AlternateContent>
+      <p:cxnSp>
+        <p:nvCxnSpPr>
+          <p:cNvPr id="26" name="Gerade Verbindung mit Pfeil 25"/>
+          <p:cNvCxnSpPr>
+            <a:stCxn id="11" idx="2"/>
+            <a:endCxn id="64" idx="0"/>
+          </p:cNvCxnSpPr>
+          <p:nvPr/>
+        </p:nvCxnSpPr>
+        <p:spPr>
+          <a:xfrm>
+            <a:off x="6139674" y="3109227"/>
+            <a:ext cx="662" cy="334976"/>
+          </a:xfrm>
+          <a:prstGeom prst="straightConnector1">
+            <a:avLst/>
+          </a:prstGeom>
+          <a:ln w="19050">
+            <a:solidFill>
+              <a:schemeClr val="tx1"/>
+            </a:solidFill>
+            <a:tailEnd type="arrow" w="lg" len="lg"/>
+          </a:ln>
+        </p:spPr>
+        <p:style>
+          <a:lnRef idx="1">
+            <a:schemeClr val="accent1"/>
+          </a:lnRef>
+          <a:fillRef idx="0">
+            <a:schemeClr val="accent1"/>
+          </a:fillRef>
+          <a:effectRef idx="0">
+            <a:schemeClr val="accent1"/>
+          </a:effectRef>
+          <a:fontRef idx="minor">
+            <a:schemeClr val="tx1"/>
+          </a:fontRef>
+        </p:style>
+      </p:cxnSp>
+      <p:cxnSp>
+        <p:nvCxnSpPr>
+          <p:cNvPr id="31" name="Gerade Verbindung mit Pfeil 30"/>
+          <p:cNvCxnSpPr>
+            <a:stCxn id="20" idx="2"/>
+            <a:endCxn id="21" idx="0"/>
+          </p:cNvCxnSpPr>
+          <p:nvPr/>
+        </p:nvCxnSpPr>
+        <p:spPr>
+          <a:xfrm>
+            <a:off x="6139012" y="4784305"/>
+            <a:ext cx="0" cy="337850"/>
+          </a:xfrm>
+          <a:prstGeom prst="straightConnector1">
+            <a:avLst/>
+          </a:prstGeom>
+          <a:ln w="19050">
+            <a:solidFill>
+              <a:schemeClr val="tx1"/>
+            </a:solidFill>
+            <a:tailEnd type="arrow" w="lg" len="lg"/>
+          </a:ln>
+        </p:spPr>
+        <p:style>
+          <a:lnRef idx="1">
+            <a:schemeClr val="accent1"/>
+          </a:lnRef>
+          <a:fillRef idx="0">
+            <a:schemeClr val="accent1"/>
+          </a:fillRef>
+          <a:effectRef idx="0">
+            <a:schemeClr val="accent1"/>
+          </a:effectRef>
+          <a:fontRef idx="minor">
+            <a:schemeClr val="tx1"/>
+          </a:fontRef>
+        </p:style>
+      </p:cxnSp>
+      <p:cxnSp>
+        <p:nvCxnSpPr>
+          <p:cNvPr id="41" name="Gerade Verbindung mit Pfeil 40"/>
+          <p:cNvCxnSpPr>
+            <a:stCxn id="21" idx="2"/>
+            <a:endCxn id="53" idx="0"/>
+          </p:cNvCxnSpPr>
+          <p:nvPr/>
+        </p:nvCxnSpPr>
+        <p:spPr>
+          <a:xfrm>
+            <a:off x="6139012" y="5626155"/>
+            <a:ext cx="1324" cy="329228"/>
+          </a:xfrm>
+          <a:prstGeom prst="straightConnector1">
+            <a:avLst/>
+          </a:prstGeom>
+          <a:ln w="19050">
+            <a:solidFill>
+              <a:schemeClr val="tx1"/>
+            </a:solidFill>
+            <a:tailEnd type="arrow" w="lg" len="lg"/>
+          </a:ln>
+        </p:spPr>
+        <p:style>
+          <a:lnRef idx="1">
+            <a:schemeClr val="accent1"/>
+          </a:lnRef>
+          <a:fillRef idx="0">
+            <a:schemeClr val="accent1"/>
+          </a:fillRef>
+          <a:effectRef idx="0">
+            <a:schemeClr val="accent1"/>
+          </a:effectRef>
+          <a:fontRef idx="minor">
+            <a:schemeClr val="tx1"/>
+          </a:fontRef>
+        </p:style>
+      </p:cxnSp>
+      <p:sp>
+        <p:nvSpPr>
+          <p:cNvPr id="53" name="Abgerundetes Rechteck 52"/>
+          <p:cNvSpPr/>
+          <p:nvPr/>
+        </p:nvSpPr>
+        <p:spPr>
+          <a:xfrm>
+            <a:off x="4991936" y="5955383"/>
+            <a:ext cx="2296800" cy="504000"/>
+          </a:xfrm>
+          <a:prstGeom prst="roundRect">
+            <a:avLst/>
+          </a:prstGeom>
+          <a:solidFill>
+            <a:schemeClr val="accent2">
+              <a:lumMod val="40000"/>
+              <a:lumOff val="60000"/>
+            </a:schemeClr>
+          </a:solidFill>
+          <a:ln>
+            <a:solidFill>
+              <a:schemeClr val="tx1"/>
+            </a:solidFill>
+          </a:ln>
+        </p:spPr>
+        <p:style>
+          <a:lnRef idx="2">
+            <a:schemeClr val="accent1">
+              <a:shade val="50000"/>
+            </a:schemeClr>
+          </a:lnRef>
+          <a:fillRef idx="1">
+            <a:schemeClr val="accent1"/>
+          </a:fillRef>
+          <a:effectRef idx="0">
+            <a:schemeClr val="accent1"/>
+          </a:effectRef>
+          <a:fontRef idx="minor">
+            <a:schemeClr val="lt1"/>
+          </a:fontRef>
+        </p:style>
+        <p:txBody>
+          <a:bodyPr rtlCol="0" anchor="ctr"/>
+          <a:lstStyle/>
+          <a:p>
+            <a:pPr algn="ctr"/>
+            <a:r>
+              <a:rPr lang="de-DE" b="1" noProof="1" smtClean="0">
+                <a:ln w="0"/>
+                <a:solidFill>
+                  <a:schemeClr val="tx1"/>
+                </a:solidFill>
+              </a:rPr>
+              <a:t>ACB</a:t>
+            </a:r>
+          </a:p>
+        </p:txBody>
+      </p:sp>
+      <p:sp>
+        <p:nvSpPr>
+          <p:cNvPr id="64" name="Abgerundetes Rechteck 63"/>
+          <p:cNvSpPr/>
+          <p:nvPr/>
+        </p:nvSpPr>
+        <p:spPr>
+          <a:xfrm>
+            <a:off x="4991936" y="3444203"/>
+            <a:ext cx="2296800" cy="504000"/>
+          </a:xfrm>
+          <a:prstGeom prst="roundRect">
+            <a:avLst/>
+          </a:prstGeom>
+          <a:solidFill>
+            <a:schemeClr val="accent2">
+              <a:lumMod val="40000"/>
+              <a:lumOff val="60000"/>
+            </a:schemeClr>
+          </a:solidFill>
+          <a:ln>
+            <a:solidFill>
+              <a:schemeClr val="tx1"/>
+            </a:solidFill>
+          </a:ln>
+        </p:spPr>
+        <p:style>
+          <a:lnRef idx="2">
+            <a:schemeClr val="accent1">
+              <a:shade val="50000"/>
+            </a:schemeClr>
+          </a:lnRef>
+          <a:fillRef idx="1">
+            <a:schemeClr val="accent1"/>
+          </a:fillRef>
+          <a:effectRef idx="0">
+            <a:schemeClr val="accent1"/>
+          </a:effectRef>
+          <a:fontRef idx="minor">
+            <a:schemeClr val="lt1"/>
+          </a:fontRef>
+        </p:style>
+        <p:txBody>
+          <a:bodyPr rtlCol="0" anchor="ctr"/>
+          <a:lstStyle/>
+          <a:p>
+            <a:pPr algn="ctr"/>
+            <a:r>
+              <a:rPr lang="de-DE" b="1" noProof="1" smtClean="0">
+                <a:ln w="0"/>
+                <a:solidFill>
+                  <a:schemeClr val="tx1"/>
+                </a:solidFill>
+              </a:rPr>
+              <a:t>B samples of uniform distribution</a:t>
+            </a:r>
+          </a:p>
+        </p:txBody>
+      </p:sp>
+      <p:cxnSp>
+        <p:nvCxnSpPr>
+          <p:cNvPr id="71" name="Gerade Verbindung mit Pfeil 70"/>
+          <p:cNvCxnSpPr>
+            <a:stCxn id="6" idx="2"/>
+          </p:cNvCxnSpPr>
+          <p:nvPr/>
+        </p:nvCxnSpPr>
+        <p:spPr>
+          <a:xfrm>
+            <a:off x="6139012" y="1449210"/>
+            <a:ext cx="0" cy="332048"/>
+          </a:xfrm>
+          <a:prstGeom prst="straightConnector1">
+            <a:avLst/>
+          </a:prstGeom>
+          <a:ln w="19050">
+            <a:solidFill>
+              <a:schemeClr val="tx1"/>
+            </a:solidFill>
+            <a:tailEnd type="arrow" w="lg" len="lg"/>
+          </a:ln>
+        </p:spPr>
+        <p:style>
+          <a:lnRef idx="1">
+            <a:schemeClr val="accent1"/>
+          </a:lnRef>
+          <a:fillRef idx="0">
+            <a:schemeClr val="accent1"/>
+          </a:fillRef>
+          <a:effectRef idx="0">
+            <a:schemeClr val="accent1"/>
+          </a:effectRef>
+          <a:fontRef idx="minor">
+            <a:schemeClr val="tx1"/>
+          </a:fontRef>
+        </p:style>
+      </p:cxnSp>
+      <p:sp>
+        <p:nvSpPr>
+          <p:cNvPr id="76" name="Abgerundetes Rechteck 75"/>
+          <p:cNvSpPr/>
+          <p:nvPr/>
+        </p:nvSpPr>
+        <p:spPr>
+          <a:xfrm>
+            <a:off x="4993260" y="1766251"/>
+            <a:ext cx="2295476" cy="504000"/>
+          </a:xfrm>
+          <a:prstGeom prst="roundRect">
+            <a:avLst/>
+          </a:prstGeom>
+          <a:solidFill>
+            <a:schemeClr val="accent2">
+              <a:lumMod val="40000"/>
+              <a:lumOff val="60000"/>
+            </a:schemeClr>
+          </a:solidFill>
+          <a:ln>
+            <a:solidFill>
+              <a:schemeClr val="tx1"/>
+            </a:solidFill>
+          </a:ln>
+        </p:spPr>
+        <p:style>
+          <a:lnRef idx="2">
+            <a:schemeClr val="accent1">
+              <a:shade val="50000"/>
+            </a:schemeClr>
+          </a:lnRef>
+          <a:fillRef idx="1">
+            <a:schemeClr val="accent1"/>
+          </a:fillRef>
+          <a:effectRef idx="0">
+            <a:schemeClr val="accent1"/>
+          </a:effectRef>
+          <a:fontRef idx="minor">
+            <a:schemeClr val="lt1"/>
+          </a:fontRef>
+        </p:style>
+        <p:txBody>
+          <a:bodyPr rtlCol="0" anchor="ctr"/>
+          <a:lstStyle/>
+          <a:p>
+            <a:pPr algn="ctr"/>
+            <a:r>
+              <a:rPr lang="de-DE" b="1" noProof="1">
+                <a:ln w="0"/>
+                <a:solidFill>
+                  <a:schemeClr val="tx1"/>
+                </a:solidFill>
+              </a:rPr>
+              <a:t>B samples </a:t>
+            </a:r>
+            <a:r>
+              <a:rPr lang="de-DE" b="1" noProof="1">
+                <a:ln w="0"/>
+                <a:solidFill>
+                  <a:schemeClr val="tx1"/>
+                </a:solidFill>
+              </a:rPr>
+              <a:t>of </a:t>
+            </a:r>
+            <a:r>
+              <a:rPr lang="de-DE" b="1" noProof="1" smtClean="0">
+                <a:ln w="0"/>
+                <a:solidFill>
+                  <a:schemeClr val="tx1"/>
+                </a:solidFill>
+              </a:rPr>
+              <a:t>binomial </a:t>
+            </a:r>
+            <a:r>
+              <a:rPr lang="de-DE" b="1" noProof="1">
+                <a:ln w="0"/>
+                <a:solidFill>
+                  <a:schemeClr val="tx1"/>
+                </a:solidFill>
+              </a:rPr>
+              <a:t>distribution</a:t>
+            </a:r>
+          </a:p>
+        </p:txBody>
+      </p:sp>
+    </p:spTree>
+    <p:extLst>
+      <p:ext uri="{BB962C8B-B14F-4D97-AF65-F5344CB8AC3E}">
+        <p14:creationId xmlns:p14="http://schemas.microsoft.com/office/powerpoint/2010/main" val="4127920518"/>
       </p:ext>
     </p:extLst>
   </p:cSld>
